--- a/00_Intro.pptx
+++ b/00_Intro.pptx
@@ -5,21 +5,22 @@
     <p:sldMasterId id="2147483678" r:id="rId1"/>
   </p:sldMasterIdLst>
   <p:notesMasterIdLst>
-    <p:notesMasterId r:id="rId11"/>
+    <p:notesMasterId r:id="rId12"/>
   </p:notesMasterIdLst>
   <p:handoutMasterIdLst>
-    <p:handoutMasterId r:id="rId12"/>
+    <p:handoutMasterId r:id="rId13"/>
   </p:handoutMasterIdLst>
   <p:sldIdLst>
     <p:sldId id="257" r:id="rId2"/>
     <p:sldId id="258" r:id="rId3"/>
     <p:sldId id="263" r:id="rId4"/>
     <p:sldId id="264" r:id="rId5"/>
-    <p:sldId id="265" r:id="rId6"/>
-    <p:sldId id="259" r:id="rId7"/>
-    <p:sldId id="260" r:id="rId8"/>
-    <p:sldId id="261" r:id="rId9"/>
-    <p:sldId id="262" r:id="rId10"/>
+    <p:sldId id="266" r:id="rId6"/>
+    <p:sldId id="265" r:id="rId7"/>
+    <p:sldId id="259" r:id="rId8"/>
+    <p:sldId id="260" r:id="rId9"/>
+    <p:sldId id="261" r:id="rId10"/>
+    <p:sldId id="262" r:id="rId11"/>
   </p:sldIdLst>
   <p:sldSz cx="9144000" cy="6858000" type="screen4x3"/>
   <p:notesSz cx="6797675" cy="9928225"/>
@@ -250,7 +251,7 @@
             <a:fld id="{06EAAA8B-8A33-714F-B3A4-08A75FDC36E6}" type="datetimeFigureOut">
               <a:rPr lang="en-US" smtClean="0"/>
               <a:pPr/>
-              <a:t>8/29/16</a:t>
+              <a:t>9/2/16</a:t>
             </a:fld>
             <a:endParaRPr lang="en-US"/>
           </a:p>
@@ -417,7 +418,7 @@
             <a:fld id="{050F0499-AE52-4672-879B-3107B2FC2A9F}" type="datetimeFigureOut">
               <a:rPr lang="ko-KR" altLang="en-US" smtClean="0"/>
               <a:pPr/>
-              <a:t>2016. 8. 29.</a:t>
+              <a:t>2016. 9. 2.</a:t>
             </a:fld>
             <a:endParaRPr lang="ko-KR" altLang="en-US"/>
           </a:p>
@@ -3135,6 +3136,429 @@
 </p:sld>
 </file>
 
+<file path=ppt/slides/slide10.xml><?xml version="1.0" encoding="utf-8"?>
+<p:sld xmlns:a="http://schemas.openxmlformats.org/drawingml/2006/main" xmlns:r="http://schemas.openxmlformats.org/officeDocument/2006/relationships" xmlns:p="http://schemas.openxmlformats.org/presentationml/2006/main">
+  <p:cSld>
+    <p:spTree>
+      <p:nvGrpSpPr>
+        <p:cNvPr id="1" name=""/>
+        <p:cNvGrpSpPr/>
+        <p:nvPr/>
+      </p:nvGrpSpPr>
+      <p:grpSpPr>
+        <a:xfrm>
+          <a:off x="0" y="0"/>
+          <a:ext cx="0" cy="0"/>
+          <a:chOff x="0" y="0"/>
+          <a:chExt cx="0" cy="0"/>
+        </a:xfrm>
+      </p:grpSpPr>
+      <p:sp>
+        <p:nvSpPr>
+          <p:cNvPr id="2" name="1 Título"/>
+          <p:cNvSpPr>
+            <a:spLocks noGrp="1"/>
+          </p:cNvSpPr>
+          <p:nvPr>
+            <p:ph type="title"/>
+          </p:nvPr>
+        </p:nvSpPr>
+        <p:spPr/>
+        <p:txBody>
+          <a:bodyPr/>
+          <a:lstStyle/>
+          <a:p>
+            <a:r>
+              <a:rPr lang="en-US" dirty="0" smtClean="0"/>
+              <a:t>Recipe</a:t>
+            </a:r>
+            <a:endParaRPr lang="en-US" dirty="0"/>
+          </a:p>
+        </p:txBody>
+      </p:sp>
+      <p:sp>
+        <p:nvSpPr>
+          <p:cNvPr id="3" name="2 Marcador de contenido"/>
+          <p:cNvSpPr>
+            <a:spLocks noGrp="1"/>
+          </p:cNvSpPr>
+          <p:nvPr>
+            <p:ph idx="1"/>
+          </p:nvPr>
+        </p:nvSpPr>
+        <p:spPr/>
+        <p:txBody>
+          <a:bodyPr>
+            <a:normAutofit lnSpcReduction="10000"/>
+          </a:bodyPr>
+          <a:lstStyle/>
+          <a:p>
+            <a:r>
+              <a:rPr lang="en-US" dirty="0" smtClean="0"/>
+              <a:t>Create an account in gitlab.com</a:t>
+            </a:r>
+          </a:p>
+          <a:p>
+            <a:r>
+              <a:rPr lang="en-US" dirty="0" smtClean="0"/>
+              <a:t>Create a private repository (for lab)</a:t>
+            </a:r>
+          </a:p>
+          <a:p>
+            <a:pPr marL="342900" lvl="1" indent="-342900">
+              <a:buSzPct val="65000"/>
+              <a:buFont typeface="Wingdings" pitchFamily="2" charset="2"/>
+              <a:buChar char=""/>
+            </a:pPr>
+            <a:r>
+              <a:rPr lang="en-US" sz="2000" dirty="0" smtClean="0">
+                <a:cs typeface="+mn-cs"/>
+              </a:rPr>
+              <a:t>Fork </a:t>
+            </a:r>
+            <a:r>
+              <a:rPr lang="en-US" sz="2000" dirty="0" smtClean="0">
+                <a:cs typeface="+mn-cs"/>
+                <a:hlinkClick r:id="rId2"/>
+              </a:rPr>
+              <a:t>https://gitlab.com/AOSUC/Lab.git</a:t>
+            </a:r>
+            <a:endParaRPr lang="en-US" sz="2000" dirty="0" smtClean="0">
+              <a:cs typeface="+mn-cs"/>
+            </a:endParaRPr>
+          </a:p>
+          <a:p>
+            <a:pPr marL="342900" lvl="1" indent="-342900">
+              <a:buSzPct val="65000"/>
+              <a:buFont typeface="Wingdings" pitchFamily="2" charset="2"/>
+              <a:buChar char=""/>
+            </a:pPr>
+            <a:r>
+              <a:rPr lang="en-US" sz="2000" dirty="0" smtClean="0">
+                <a:cs typeface="+mn-cs"/>
+              </a:rPr>
+              <a:t>Invite </a:t>
+            </a:r>
+            <a:r>
+              <a:rPr lang="en-US" sz="2000" dirty="0" smtClean="0">
+                <a:cs typeface="+mn-cs"/>
+                <a:hlinkClick r:id="rId3"/>
+              </a:rPr>
+              <a:t>vpuente@gmail.com</a:t>
+            </a:r>
+            <a:r>
+              <a:rPr lang="en-US" sz="2000" dirty="0" smtClean="0">
+                <a:cs typeface="+mn-cs"/>
+              </a:rPr>
+              <a:t> to such repository</a:t>
+            </a:r>
+          </a:p>
+          <a:p>
+            <a:pPr marL="342900" lvl="1" indent="-342900">
+              <a:buSzPct val="65000"/>
+              <a:buFont typeface="Wingdings" pitchFamily="2" charset="2"/>
+              <a:buChar char=""/>
+            </a:pPr>
+            <a:r>
+              <a:rPr lang="en-US" sz="2000" dirty="0" smtClean="0">
+                <a:cs typeface="+mn-cs"/>
+              </a:rPr>
+              <a:t>Start working</a:t>
+            </a:r>
+          </a:p>
+          <a:p>
+            <a:pPr marL="742950" lvl="2" indent="-342900">
+              <a:buFont typeface="Wingdings" pitchFamily="2" charset="2"/>
+              <a:buChar char=""/>
+            </a:pPr>
+            <a:r>
+              <a:rPr lang="en-US" dirty="0" err="1" smtClean="0">
+                <a:cs typeface="+mn-cs"/>
+              </a:rPr>
+              <a:t>git</a:t>
+            </a:r>
+            <a:r>
+              <a:rPr lang="en-US" dirty="0" smtClean="0">
+                <a:cs typeface="+mn-cs"/>
+              </a:rPr>
+              <a:t> clone https://</a:t>
+            </a:r>
+            <a:r>
+              <a:rPr lang="en-US" dirty="0" err="1" smtClean="0">
+                <a:cs typeface="+mn-cs"/>
+              </a:rPr>
+              <a:t>username@gitlab.com</a:t>
+            </a:r>
+            <a:r>
+              <a:rPr lang="en-US" dirty="0" smtClean="0">
+                <a:cs typeface="+mn-cs"/>
+              </a:rPr>
+              <a:t>/</a:t>
+            </a:r>
+            <a:r>
+              <a:rPr lang="en-US" dirty="0" err="1" smtClean="0">
+                <a:cs typeface="+mn-cs"/>
+              </a:rPr>
+              <a:t>Lab.git</a:t>
+            </a:r>
+            <a:endParaRPr lang="en-US" dirty="0" smtClean="0">
+              <a:cs typeface="+mn-cs"/>
+            </a:endParaRPr>
+          </a:p>
+          <a:p>
+            <a:pPr marL="742950" lvl="2" indent="-342900">
+              <a:buFont typeface="Wingdings" pitchFamily="2" charset="2"/>
+              <a:buChar char=""/>
+            </a:pPr>
+            <a:r>
+              <a:rPr lang="en-US" dirty="0" err="1" smtClean="0">
+                <a:cs typeface="+mn-cs"/>
+              </a:rPr>
+              <a:t>git</a:t>
+            </a:r>
+            <a:r>
+              <a:rPr lang="en-US" dirty="0" smtClean="0">
+                <a:cs typeface="+mn-cs"/>
+              </a:rPr>
+              <a:t> branch &lt;DNI&gt;</a:t>
+            </a:r>
+          </a:p>
+          <a:p>
+            <a:pPr marL="742950" lvl="2" indent="-342900">
+              <a:buFont typeface="Wingdings" pitchFamily="2" charset="2"/>
+              <a:buChar char=""/>
+            </a:pPr>
+            <a:r>
+              <a:rPr lang="en-US" dirty="0" err="1" smtClean="0">
+                <a:cs typeface="+mn-cs"/>
+              </a:rPr>
+              <a:t>git</a:t>
+            </a:r>
+            <a:r>
+              <a:rPr lang="en-US" dirty="0" smtClean="0">
+                <a:cs typeface="+mn-cs"/>
+              </a:rPr>
+              <a:t> checkout &lt;DNI&gt;</a:t>
+            </a:r>
+          </a:p>
+          <a:p>
+            <a:pPr marL="742950" lvl="2" indent="-342900">
+              <a:buFont typeface="Wingdings" pitchFamily="2" charset="2"/>
+              <a:buChar char=""/>
+            </a:pPr>
+            <a:r>
+              <a:rPr lang="en-US" dirty="0" smtClean="0">
+                <a:cs typeface="+mn-cs"/>
+              </a:rPr>
+              <a:t>START WORKING THERE / PUSH ONCE PER WEEK TO GITLAB  </a:t>
+            </a:r>
+          </a:p>
+          <a:p>
+            <a:pPr marL="1200150" lvl="3" indent="-342900">
+              <a:buFont typeface="Wingdings" pitchFamily="2" charset="2"/>
+              <a:buChar char=""/>
+            </a:pPr>
+            <a:r>
+              <a:rPr lang="en-US" dirty="0" err="1" smtClean="0">
+                <a:cs typeface="+mn-cs"/>
+              </a:rPr>
+              <a:t>git</a:t>
+            </a:r>
+            <a:r>
+              <a:rPr lang="en-US" dirty="0" smtClean="0">
+                <a:cs typeface="+mn-cs"/>
+              </a:rPr>
+              <a:t> add NEW_FILES DO NOT MODIFY ALREADY PRESENT FILES</a:t>
+            </a:r>
+          </a:p>
+          <a:p>
+            <a:pPr marL="1200150" lvl="3" indent="-342900">
+              <a:buFont typeface="Wingdings" pitchFamily="2" charset="2"/>
+              <a:buChar char=""/>
+            </a:pPr>
+            <a:r>
+              <a:rPr lang="en-US" dirty="0" err="1" smtClean="0">
+                <a:cs typeface="+mn-cs"/>
+              </a:rPr>
+              <a:t>git</a:t>
+            </a:r>
+            <a:r>
+              <a:rPr lang="en-US" dirty="0" smtClean="0">
+                <a:cs typeface="+mn-cs"/>
+              </a:rPr>
+              <a:t> commit</a:t>
+            </a:r>
+          </a:p>
+          <a:p>
+            <a:pPr marL="1200150" lvl="3" indent="-342900">
+              <a:buFont typeface="Wingdings" pitchFamily="2" charset="2"/>
+              <a:buChar char=""/>
+            </a:pPr>
+            <a:r>
+              <a:rPr lang="en-US" dirty="0" err="1" smtClean="0">
+                <a:cs typeface="+mn-cs"/>
+              </a:rPr>
+              <a:t>git</a:t>
+            </a:r>
+            <a:r>
+              <a:rPr lang="en-US" dirty="0" smtClean="0">
+                <a:cs typeface="+mn-cs"/>
+              </a:rPr>
+              <a:t> push </a:t>
+            </a:r>
+          </a:p>
+          <a:p>
+            <a:pPr marL="742950" lvl="2" indent="-342900">
+              <a:buFont typeface="Wingdings" pitchFamily="2" charset="2"/>
+              <a:buChar char=""/>
+            </a:pPr>
+            <a:r>
+              <a:rPr lang="en-US" dirty="0" err="1" smtClean="0">
+                <a:cs typeface="+mn-cs"/>
+              </a:rPr>
+              <a:t>git</a:t>
+            </a:r>
+            <a:r>
+              <a:rPr lang="en-US" dirty="0" smtClean="0">
+                <a:cs typeface="+mn-cs"/>
+              </a:rPr>
+              <a:t> pull </a:t>
+            </a:r>
+            <a:r>
+              <a:rPr lang="en-US" dirty="0" smtClean="0">
+                <a:hlinkClick r:id="rId4"/>
+              </a:rPr>
+              <a:t>https://username@gitlab.com/AOSUC/Lab.git</a:t>
+            </a:r>
+            <a:endParaRPr lang="en-US" dirty="0" smtClean="0">
+              <a:cs typeface="+mn-cs"/>
+            </a:endParaRPr>
+          </a:p>
+          <a:p>
+            <a:pPr marL="342900" lvl="1" indent="-342900">
+              <a:buSzPct val="65000"/>
+              <a:buFont typeface="Wingdings" pitchFamily="2" charset="2"/>
+              <a:buChar char=""/>
+            </a:pPr>
+            <a:endParaRPr lang="en-US" sz="2000" dirty="0" smtClean="0">
+              <a:cs typeface="+mn-cs"/>
+            </a:endParaRPr>
+          </a:p>
+          <a:p>
+            <a:pPr marL="342900" lvl="1" indent="-342900">
+              <a:buSzPct val="65000"/>
+              <a:buFont typeface="Wingdings" pitchFamily="2" charset="2"/>
+              <a:buChar char=""/>
+            </a:pPr>
+            <a:endParaRPr lang="en-US" dirty="0" smtClean="0"/>
+          </a:p>
+          <a:p>
+            <a:endParaRPr lang="en-US" dirty="0"/>
+          </a:p>
+        </p:txBody>
+      </p:sp>
+      <p:sp>
+        <p:nvSpPr>
+          <p:cNvPr id="4" name="3 Marcador de fecha"/>
+          <p:cNvSpPr>
+            <a:spLocks noGrp="1"/>
+          </p:cNvSpPr>
+          <p:nvPr>
+            <p:ph type="dt" sz="half" idx="10"/>
+          </p:nvPr>
+        </p:nvSpPr>
+        <p:spPr/>
+        <p:txBody>
+          <a:bodyPr/>
+          <a:lstStyle/>
+          <a:p>
+            <a:pPr>
+              <a:defRPr/>
+            </a:pPr>
+            <a:r>
+              <a:rPr lang="es-ES" altLang="ko-KR" smtClean="0"/>
+              <a:t>AOS@UC</a:t>
+            </a:r>
+            <a:endParaRPr lang="en-US" altLang="ko-KR" dirty="0"/>
+          </a:p>
+        </p:txBody>
+      </p:sp>
+      <p:sp>
+        <p:nvSpPr>
+          <p:cNvPr id="5" name="4 Marcador de número de diapositiva"/>
+          <p:cNvSpPr>
+            <a:spLocks noGrp="1"/>
+          </p:cNvSpPr>
+          <p:nvPr>
+            <p:ph type="sldNum" sz="quarter" idx="11"/>
+          </p:nvPr>
+        </p:nvSpPr>
+        <p:spPr/>
+        <p:txBody>
+          <a:bodyPr/>
+          <a:lstStyle/>
+          <a:p>
+            <a:pPr>
+              <a:defRPr/>
+            </a:pPr>
+            <a:fld id="{515CC4ED-1449-4712-AE45-EBC263B4DD26}" type="slidenum">
+              <a:rPr lang="en-US" altLang="ko-KR" smtClean="0"/>
+              <a:pPr>
+                <a:defRPr/>
+              </a:pPr>
+              <a:t>10</a:t>
+            </a:fld>
+            <a:r>
+              <a:rPr lang="en-US" altLang="ko-KR" smtClean="0"/>
+              <a:t> </a:t>
+            </a:r>
+            <a:endParaRPr lang="en-US" altLang="ko-KR"/>
+          </a:p>
+        </p:txBody>
+      </p:sp>
+      <p:sp>
+        <p:nvSpPr>
+          <p:cNvPr id="6" name="5 Marcador de pie de página"/>
+          <p:cNvSpPr>
+            <a:spLocks noGrp="1"/>
+          </p:cNvSpPr>
+          <p:nvPr>
+            <p:ph type="ftr" sz="quarter" idx="3"/>
+          </p:nvPr>
+        </p:nvSpPr>
+        <p:spPr/>
+        <p:txBody>
+          <a:bodyPr/>
+          <a:lstStyle/>
+          <a:p>
+            <a:pPr fontAlgn="base">
+              <a:spcBef>
+                <a:spcPct val="0"/>
+              </a:spcBef>
+              <a:spcAft>
+                <a:spcPct val="0"/>
+              </a:spcAft>
+              <a:defRPr/>
+            </a:pPr>
+            <a:r>
+              <a:rPr kumimoji="1" lang="en-US" altLang="ko-KR" smtClean="0"/>
+              <a:t>Valentin Puente</a:t>
+            </a:r>
+            <a:endParaRPr kumimoji="1" lang="ko-KR" altLang="en-US" dirty="0"/>
+          </a:p>
+        </p:txBody>
+      </p:sp>
+    </p:spTree>
+  </p:cSld>
+  <p:clrMapOvr>
+    <a:masterClrMapping/>
+  </p:clrMapOvr>
+  <p:transition>
+    <p:zoom/>
+  </p:transition>
+</p:sld>
+</file>
+
 <file path=ppt/slides/slide2.xml><?xml version="1.0" encoding="utf-8"?>
 <p:sld xmlns:a="http://schemas.openxmlformats.org/drawingml/2006/main" xmlns:r="http://schemas.openxmlformats.org/officeDocument/2006/relationships" xmlns:p="http://schemas.openxmlformats.org/presentationml/2006/main">
   <p:cSld>
@@ -4060,7 +4484,7 @@
       </p:grpSpPr>
       <p:sp>
         <p:nvSpPr>
-          <p:cNvPr id="2" name="1 Título"/>
+          <p:cNvPr id="2" name="Título 1"/>
           <p:cNvSpPr>
             <a:spLocks noGrp="1"/>
           </p:cNvSpPr>
@@ -4075,7 +4499,7 @@
           <a:p>
             <a:r>
               <a:rPr lang="en-US" dirty="0" smtClean="0"/>
-              <a:t>Advantages</a:t>
+              <a:t>Other useful commands</a:t>
             </a:r>
             <a:endParaRPr lang="en-US" dirty="0"/>
           </a:p>
@@ -4083,7 +4507,7 @@
       </p:sp>
       <p:sp>
         <p:nvSpPr>
-          <p:cNvPr id="3" name="2 Marcador de contenido"/>
+          <p:cNvPr id="3" name="Marcador de contenido 2"/>
           <p:cNvSpPr>
             <a:spLocks noGrp="1"/>
           </p:cNvSpPr>
@@ -4094,48 +4518,87 @@
         <p:spPr/>
         <p:txBody>
           <a:bodyPr>
-            <a:normAutofit fontScale="92500" lnSpcReduction="10000"/>
+            <a:normAutofit fontScale="92500"/>
           </a:bodyPr>
           <a:lstStyle/>
           <a:p>
             <a:r>
               <a:rPr lang="en-US" dirty="0" smtClean="0"/>
-              <a:t>Allow to provision the Environment without tinkering with the files</a:t>
+              <a:t>To handle instances</a:t>
             </a:r>
           </a:p>
           <a:p>
             <a:pPr lvl="1"/>
             <a:r>
               <a:rPr lang="en-US" dirty="0" smtClean="0"/>
-              <a:t>Download the box “once”! (not each time you install it)</a:t>
-            </a:r>
+              <a:t>To inspect the system status</a:t>
+            </a:r>
+          </a:p>
+          <a:p>
+            <a:pPr lvl="2"/>
+            <a:r>
+              <a:rPr lang="en-US" dirty="0"/>
+              <a:t>v</a:t>
+            </a:r>
+            <a:r>
+              <a:rPr lang="en-US" dirty="0" smtClean="0"/>
+              <a:t>agrant global-status</a:t>
+            </a:r>
+            <a:endParaRPr lang="en-US" dirty="0"/>
           </a:p>
           <a:p>
             <a:pPr lvl="1"/>
             <a:r>
               <a:rPr lang="en-US" dirty="0" smtClean="0"/>
-              <a:t>Use it many times in many different contexts (v.gr. a particular lab or section)</a:t>
-            </a:r>
-          </a:p>
-          <a:p>
-            <a:pPr lvl="2"/>
+              <a:t>To delete instances use “vagrant destroy” (never delete a VM from </a:t>
+            </a:r>
+            <a:r>
+              <a:rPr lang="en-US" dirty="0" err="1" smtClean="0"/>
+              <a:t>virtualBox</a:t>
+            </a:r>
             <a:r>
               <a:rPr lang="en-US" dirty="0" smtClean="0"/>
-              <a:t>Share the changes (exams!)</a:t>
+              <a:t>!)</a:t>
             </a:r>
           </a:p>
           <a:p>
             <a:pPr lvl="1"/>
-            <a:endParaRPr lang="en-US" dirty="0" smtClean="0"/>
+            <a:endParaRPr lang="en-US" dirty="0"/>
           </a:p>
           <a:p>
             <a:r>
               <a:rPr lang="en-US" dirty="0" smtClean="0"/>
-              <a:t>Allows to run the box to any provider (beyond </a:t>
+              <a:t>To handle boxes</a:t>
+            </a:r>
+          </a:p>
+          <a:p>
+            <a:pPr lvl="1"/>
+            <a:r>
+              <a:rPr lang="en-US" dirty="0" smtClean="0"/>
+              <a:t>vagrant box list  -- List versions installed, that might me updated in remote server</a:t>
+            </a:r>
+          </a:p>
+          <a:p>
+            <a:pPr lvl="1"/>
+            <a:r>
+              <a:rPr lang="en-US" dirty="0"/>
+              <a:t>v</a:t>
+            </a:r>
+            <a:r>
+              <a:rPr lang="en-US" dirty="0" smtClean="0"/>
+              <a:t>agrant box update -- To download updated versions of the box (</a:t>
             </a:r>
             <a:r>
               <a:rPr lang="en-US" dirty="0" err="1" smtClean="0"/>
-              <a:t>VirtualBox</a:t>
+              <a:t>v.gr</a:t>
+            </a:r>
+            <a:r>
+              <a:rPr lang="en-US" dirty="0" smtClean="0"/>
+              <a:t>. if the box is upgraded on </a:t>
+            </a:r>
+            <a:r>
+              <a:rPr lang="en-US" dirty="0" err="1" smtClean="0"/>
+              <a:t>atlas.hashicorp.com</a:t>
             </a:r>
             <a:r>
               <a:rPr lang="en-US" dirty="0" smtClean="0"/>
@@ -4145,64 +4608,29 @@
           <a:p>
             <a:pPr lvl="1"/>
             <a:r>
+              <a:rPr lang="en-US" dirty="0"/>
+              <a:t>vagrant box remove </a:t>
+            </a:r>
+            <a:r>
+              <a:rPr lang="en-US" dirty="0" err="1"/>
+              <a:t>vpuente</a:t>
+            </a:r>
+            <a:r>
+              <a:rPr lang="en-US" dirty="0"/>
+              <a:t>/AOSUC1617 --box-version </a:t>
+            </a:r>
+            <a:r>
               <a:rPr lang="en-US" dirty="0" smtClean="0"/>
-              <a:t>Local or external (i.e. Cloud provider such as AWS, GCE, Azure, etc…)</a:t>
-            </a:r>
-          </a:p>
-          <a:p>
-            <a:pPr lvl="1"/>
-            <a:r>
-              <a:rPr lang="en-US" dirty="0" smtClean="0"/>
-              <a:t>A higher level of automation </a:t>
-            </a:r>
-            <a:r>
-              <a:rPr lang="en-US" dirty="0" smtClean="0"/>
-              <a:t>are Chef and Puppet (automated delivery and provisioning)</a:t>
+              <a:t>1.1 -- cleans old version for </a:t>
+            </a:r>
+            <a:r>
+              <a:rPr lang="en-US" smtClean="0"/>
+              <a:t>that box</a:t>
             </a:r>
             <a:endParaRPr lang="en-US" dirty="0" smtClean="0"/>
           </a:p>
           <a:p>
-            <a:pPr lvl="1"/>
-            <a:r>
-              <a:rPr lang="en-US" dirty="0" smtClean="0"/>
-              <a:t>Plays nice with </a:t>
-            </a:r>
-            <a:r>
-              <a:rPr lang="en-US" dirty="0" err="1" smtClean="0"/>
-              <a:t>docker</a:t>
-            </a:r>
-            <a:endParaRPr lang="en-US" dirty="0" smtClean="0"/>
-          </a:p>
-          <a:p>
-            <a:pPr lvl="1"/>
-            <a:endParaRPr lang="en-US" dirty="0" smtClean="0"/>
-          </a:p>
-          <a:p>
-            <a:r>
-              <a:rPr lang="en-US" dirty="0" smtClean="0"/>
-              <a:t>Only used as a tool!</a:t>
-            </a:r>
-          </a:p>
-          <a:p>
-            <a:pPr lvl="1"/>
-            <a:r>
-              <a:rPr lang="en-US" dirty="0" smtClean="0"/>
-              <a:t>Interesting in learning more: SVS</a:t>
-            </a:r>
-          </a:p>
-          <a:p>
-            <a:endParaRPr lang="en-US" dirty="0" smtClean="0"/>
-          </a:p>
-          <a:p>
-            <a:pPr lvl="1"/>
-            <a:endParaRPr lang="en-US" dirty="0" smtClean="0"/>
-          </a:p>
-          <a:p>
-            <a:endParaRPr lang="en-US" dirty="0" smtClean="0"/>
-          </a:p>
-          <a:p>
-            <a:pPr lvl="1"/>
-            <a:endParaRPr lang="en-US" dirty="0" smtClean="0"/>
+            <a:endParaRPr lang="en-US" dirty="0"/>
           </a:p>
           <a:p>
             <a:endParaRPr lang="en-US" dirty="0"/>
@@ -4211,7 +4639,7 @@
       </p:sp>
       <p:sp>
         <p:nvSpPr>
-          <p:cNvPr id="4" name="3 Marcador de fecha"/>
+          <p:cNvPr id="4" name="Marcador de fecha 3"/>
           <p:cNvSpPr>
             <a:spLocks noGrp="1"/>
           </p:cNvSpPr>
@@ -4237,7 +4665,7 @@
       </p:sp>
       <p:sp>
         <p:nvSpPr>
-          <p:cNvPr id="5" name="4 Marcador de número de diapositiva"/>
+          <p:cNvPr id="5" name="Marcador de número de diapositiva 4"/>
           <p:cNvSpPr>
             <a:spLocks noGrp="1"/>
           </p:cNvSpPr>
@@ -4270,7 +4698,7 @@
       </p:sp>
       <p:sp>
         <p:nvSpPr>
-          <p:cNvPr id="6" name="5 Marcador de pie de página"/>
+          <p:cNvPr id="6" name="Marcador de pie de página 5"/>
           <p:cNvSpPr>
             <a:spLocks noGrp="1"/>
           </p:cNvSpPr>
@@ -4301,6 +4729,11 @@
         </p:txBody>
       </p:sp>
     </p:spTree>
+    <p:extLst>
+      <p:ext uri="{BB962C8B-B14F-4D97-AF65-F5344CB8AC3E}">
+        <p14:creationId xmlns:p14="http://schemas.microsoft.com/office/powerpoint/2010/main" val="159275383"/>
+      </p:ext>
+    </p:extLst>
   </p:cSld>
   <p:clrMapOvr>
     <a:masterClrMapping/>
@@ -4344,16 +4777,8 @@
           <a:lstStyle/>
           <a:p>
             <a:r>
-              <a:rPr lang="es-ES_tradnl" dirty="0" err="1" smtClean="0"/>
-              <a:t>Lab</a:t>
-            </a:r>
-            <a:r>
-              <a:rPr lang="es-ES_tradnl" dirty="0" smtClean="0"/>
-              <a:t> </a:t>
-            </a:r>
-            <a:r>
-              <a:rPr lang="es-ES_tradnl" dirty="0" err="1" smtClean="0"/>
-              <a:t>work</a:t>
+              <a:rPr lang="en-US" dirty="0" smtClean="0"/>
+              <a:t>Advantages</a:t>
             </a:r>
             <a:endParaRPr lang="en-US" dirty="0"/>
           </a:p>
@@ -4371,68 +4796,35 @@
         </p:nvSpPr>
         <p:spPr/>
         <p:txBody>
-          <a:bodyPr/>
+          <a:bodyPr>
+            <a:normAutofit fontScale="92500" lnSpcReduction="10000"/>
+          </a:bodyPr>
           <a:lstStyle/>
           <a:p>
             <a:r>
               <a:rPr lang="en-US" dirty="0" smtClean="0"/>
-              <a:t>All lab material will be available in </a:t>
-            </a:r>
-            <a:r>
-              <a:rPr lang="en-US" dirty="0" err="1" smtClean="0"/>
-              <a:t>git</a:t>
-            </a:r>
+              <a:t>Allow to provision the Environment without tinkering with the files</a:t>
+            </a:r>
+          </a:p>
+          <a:p>
+            <a:pPr lvl="1"/>
             <a:r>
               <a:rPr lang="en-US" dirty="0" smtClean="0"/>
-              <a:t> lab repository</a:t>
+              <a:t>Download the box “once”! (not each time you install it)</a:t>
             </a:r>
           </a:p>
           <a:p>
             <a:pPr lvl="1"/>
             <a:r>
-              <a:rPr lang="en-US" dirty="0" err="1" smtClean="0"/>
-              <a:t>git</a:t>
-            </a:r>
-            <a:r>
               <a:rPr lang="en-US" dirty="0" smtClean="0"/>
-              <a:t> clone </a:t>
-            </a:r>
-            <a:r>
-              <a:rPr lang="en-US" dirty="0" smtClean="0">
-                <a:hlinkClick r:id="rId2"/>
-              </a:rPr>
-              <a:t>https://gitlab.com/AOSUC/Lab.git</a:t>
-            </a:r>
-            <a:endParaRPr lang="en-US" dirty="0" smtClean="0"/>
-          </a:p>
-          <a:p>
+              <a:t>Use it many times in many different contexts (v.gr. a particular lab or section)</a:t>
+            </a:r>
+          </a:p>
+          <a:p>
+            <a:pPr lvl="2"/>
             <a:r>
               <a:rPr lang="en-US" dirty="0" smtClean="0"/>
-              <a:t>Material</a:t>
-            </a:r>
-          </a:p>
-          <a:p>
-            <a:pPr lvl="1"/>
-            <a:r>
-              <a:rPr lang="en-US" dirty="0" smtClean="0"/>
-              <a:t>Where you have to work</a:t>
-            </a:r>
-          </a:p>
-          <a:p>
-            <a:r>
-              <a:rPr lang="en-US" dirty="0" smtClean="0"/>
-              <a:t>Reference</a:t>
-            </a:r>
-          </a:p>
-          <a:p>
-            <a:pPr lvl="1"/>
-            <a:r>
-              <a:rPr lang="en-US" dirty="0" smtClean="0"/>
-              <a:t>OSTEP </a:t>
-            </a:r>
-            <a:r>
-              <a:rPr lang="en-US" dirty="0" smtClean="0"/>
-              <a:t>original material</a:t>
+              <a:t>Share the changes (exams!)</a:t>
             </a:r>
           </a:p>
           <a:p>
@@ -4442,24 +4834,76 @@
           <a:p>
             <a:r>
               <a:rPr lang="en-US" dirty="0" smtClean="0"/>
-              <a:t>We will work using a simple </a:t>
+              <a:t>Allows to run the box to any provider (beyond </a:t>
             </a:r>
             <a:r>
               <a:rPr lang="en-US" dirty="0" err="1" smtClean="0"/>
-              <a:t>git</a:t>
+              <a:t>VirtualBox</a:t>
             </a:r>
             <a:r>
               <a:rPr lang="en-US" dirty="0" smtClean="0"/>
-              <a:t> branch based workflow</a:t>
+              <a:t>)</a:t>
             </a:r>
           </a:p>
           <a:p>
             <a:pPr lvl="1"/>
             <a:r>
-              <a:rPr lang="es-ES_tradnl" dirty="0" smtClean="0"/>
-              <a:t>https://www.atlassian.com/git/tutorials/what-is-git</a:t>
+              <a:rPr lang="en-US" dirty="0" smtClean="0"/>
+              <a:t>Local or external (i.e. Cloud provider such as AWS, GCE, Azure, etc…)</a:t>
+            </a:r>
+          </a:p>
+          <a:p>
+            <a:pPr lvl="1"/>
+            <a:r>
+              <a:rPr lang="en-US" dirty="0" smtClean="0"/>
+              <a:t>A higher level of automation are Chef and Puppet (automated delivery and provisioning)</a:t>
+            </a:r>
+          </a:p>
+          <a:p>
+            <a:pPr lvl="1"/>
+            <a:r>
+              <a:rPr lang="en-US" dirty="0" smtClean="0"/>
+              <a:t>Plays nice with </a:t>
+            </a:r>
+            <a:r>
+              <a:rPr lang="en-US" dirty="0" err="1" smtClean="0"/>
+              <a:t>docker</a:t>
             </a:r>
             <a:endParaRPr lang="en-US" dirty="0" smtClean="0"/>
+          </a:p>
+          <a:p>
+            <a:pPr lvl="1"/>
+            <a:endParaRPr lang="en-US" dirty="0" smtClean="0"/>
+          </a:p>
+          <a:p>
+            <a:r>
+              <a:rPr lang="en-US" dirty="0" smtClean="0"/>
+              <a:t>Only used as a tool!</a:t>
+            </a:r>
+          </a:p>
+          <a:p>
+            <a:pPr lvl="1"/>
+            <a:r>
+              <a:rPr lang="en-US" dirty="0" smtClean="0"/>
+              <a:t>Interesting in learning more: SVS</a:t>
+            </a:r>
+          </a:p>
+          <a:p>
+            <a:endParaRPr lang="en-US" dirty="0" smtClean="0"/>
+          </a:p>
+          <a:p>
+            <a:pPr lvl="1"/>
+            <a:endParaRPr lang="en-US" dirty="0" smtClean="0"/>
+          </a:p>
+          <a:p>
+            <a:endParaRPr lang="en-US" dirty="0" smtClean="0"/>
+          </a:p>
+          <a:p>
+            <a:pPr lvl="1"/>
+            <a:endParaRPr lang="en-US" dirty="0" smtClean="0"/>
+          </a:p>
+          <a:p>
+            <a:endParaRPr lang="en-US" dirty="0"/>
           </a:p>
         </p:txBody>
       </p:sp>
@@ -4598,16 +5042,16 @@
           <a:lstStyle/>
           <a:p>
             <a:r>
+              <a:rPr lang="es-ES_tradnl" dirty="0" err="1" smtClean="0"/>
+              <a:t>Lab</a:t>
+            </a:r>
+            <a:r>
               <a:rPr lang="es-ES_tradnl" dirty="0" smtClean="0"/>
-              <a:t>Personal </a:t>
+              <a:t> </a:t>
             </a:r>
             <a:r>
               <a:rPr lang="es-ES_tradnl" dirty="0" err="1" smtClean="0"/>
-              <a:t>Work</a:t>
-            </a:r>
-            <a:r>
-              <a:rPr lang="es-ES_tradnl" dirty="0" smtClean="0"/>
-              <a:t> tracking</a:t>
+              <a:t>work</a:t>
             </a:r>
             <a:endParaRPr lang="en-US" dirty="0"/>
           </a:p>
@@ -4629,150 +5073,87 @@
           <a:lstStyle/>
           <a:p>
             <a:r>
-              <a:rPr lang="es-ES_tradnl" dirty="0" err="1" smtClean="0"/>
-              <a:t>Git</a:t>
-            </a:r>
+              <a:rPr lang="en-US" dirty="0" smtClean="0"/>
+              <a:t>All lab material will be available in </a:t>
+            </a:r>
+            <a:r>
+              <a:rPr lang="en-US" dirty="0" err="1" smtClean="0"/>
+              <a:t>git</a:t>
+            </a:r>
+            <a:r>
+              <a:rPr lang="en-US" dirty="0" smtClean="0"/>
+              <a:t> lab repository</a:t>
+            </a:r>
+          </a:p>
+          <a:p>
+            <a:pPr lvl="1"/>
+            <a:r>
+              <a:rPr lang="en-US" dirty="0" err="1" smtClean="0"/>
+              <a:t>git</a:t>
+            </a:r>
+            <a:r>
+              <a:rPr lang="en-US" dirty="0" smtClean="0"/>
+              <a:t> clone </a:t>
+            </a:r>
+            <a:r>
+              <a:rPr lang="en-US" dirty="0" smtClean="0">
+                <a:hlinkClick r:id="rId2"/>
+              </a:rPr>
+              <a:t>https://gitlab.com/AOSUC/Lab.git</a:t>
+            </a:r>
+            <a:endParaRPr lang="en-US" dirty="0" smtClean="0"/>
+          </a:p>
+          <a:p>
+            <a:r>
+              <a:rPr lang="en-US" dirty="0" smtClean="0"/>
+              <a:t>Material</a:t>
+            </a:r>
+          </a:p>
+          <a:p>
+            <a:pPr lvl="1"/>
+            <a:r>
+              <a:rPr lang="en-US" dirty="0" smtClean="0"/>
+              <a:t>Where you have to work</a:t>
+            </a:r>
+          </a:p>
+          <a:p>
+            <a:r>
+              <a:rPr lang="en-US" dirty="0" smtClean="0"/>
+              <a:t>Reference</a:t>
+            </a:r>
+          </a:p>
+          <a:p>
+            <a:pPr lvl="1"/>
+            <a:r>
+              <a:rPr lang="en-US" dirty="0" smtClean="0"/>
+              <a:t>OSTEP original material</a:t>
+            </a:r>
+          </a:p>
+          <a:p>
+            <a:pPr lvl="1"/>
+            <a:endParaRPr lang="en-US" dirty="0" smtClean="0"/>
+          </a:p>
+          <a:p>
+            <a:r>
+              <a:rPr lang="en-US" dirty="0" smtClean="0"/>
+              <a:t>We will work using a simple </a:t>
+            </a:r>
+            <a:r>
+              <a:rPr lang="en-US" dirty="0" err="1" smtClean="0"/>
+              <a:t>git</a:t>
+            </a:r>
+            <a:r>
+              <a:rPr lang="en-US" dirty="0" smtClean="0"/>
+              <a:t> branch based workflow</a:t>
+            </a:r>
+          </a:p>
+          <a:p>
+            <a:pPr lvl="1"/>
             <a:r>
               <a:rPr lang="es-ES_tradnl" dirty="0" smtClean="0"/>
-              <a:t> </a:t>
-            </a:r>
-            <a:r>
-              <a:rPr lang="es-ES_tradnl" dirty="0" err="1" smtClean="0"/>
-              <a:t>is</a:t>
-            </a:r>
-            <a:r>
-              <a:rPr lang="es-ES_tradnl" dirty="0" smtClean="0"/>
-              <a:t> </a:t>
-            </a:r>
-            <a:r>
-              <a:rPr lang="es-ES_tradnl" dirty="0" err="1" smtClean="0"/>
-              <a:t>composed</a:t>
-            </a:r>
-            <a:r>
-              <a:rPr lang="es-ES_tradnl" dirty="0" smtClean="0"/>
-              <a:t> </a:t>
-            </a:r>
-            <a:r>
-              <a:rPr lang="es-ES_tradnl" dirty="0" err="1" smtClean="0"/>
-              <a:t>by</a:t>
-            </a:r>
-            <a:r>
-              <a:rPr lang="es-ES_tradnl" dirty="0" smtClean="0"/>
-              <a:t> a “</a:t>
-            </a:r>
-            <a:r>
-              <a:rPr lang="es-ES_tradnl" dirty="0" err="1" smtClean="0"/>
-              <a:t>chain</a:t>
-            </a:r>
-            <a:r>
-              <a:rPr lang="es-ES_tradnl" dirty="0" smtClean="0"/>
-              <a:t>” of </a:t>
-            </a:r>
-            <a:r>
-              <a:rPr lang="es-ES_tradnl" dirty="0" err="1" smtClean="0"/>
-              <a:t>atomic</a:t>
-            </a:r>
-            <a:r>
-              <a:rPr lang="es-ES_tradnl" dirty="0" smtClean="0"/>
-              <a:t> </a:t>
-            </a:r>
-            <a:r>
-              <a:rPr lang="es-ES_tradnl" dirty="0" err="1" smtClean="0"/>
-              <a:t>changes</a:t>
-            </a:r>
-            <a:r>
-              <a:rPr lang="es-ES_tradnl" dirty="0" smtClean="0"/>
-              <a:t> </a:t>
-            </a:r>
-            <a:r>
-              <a:rPr lang="es-ES_tradnl" dirty="0" err="1" smtClean="0"/>
-              <a:t>called</a:t>
-            </a:r>
-            <a:r>
-              <a:rPr lang="es-ES_tradnl" dirty="0" smtClean="0"/>
-              <a:t> </a:t>
-            </a:r>
-            <a:r>
-              <a:rPr lang="es-ES_tradnl" dirty="0" err="1" smtClean="0"/>
-              <a:t>commits</a:t>
-            </a:r>
-            <a:endParaRPr lang="es-ES_tradnl" dirty="0" smtClean="0"/>
-          </a:p>
-          <a:p>
-            <a:endParaRPr lang="es-ES_tradnl" dirty="0" smtClean="0"/>
-          </a:p>
-          <a:p>
-            <a:endParaRPr lang="es-ES_tradnl" dirty="0" smtClean="0"/>
-          </a:p>
-          <a:p>
-            <a:endParaRPr lang="es-ES_tradnl" dirty="0" smtClean="0"/>
-          </a:p>
-          <a:p>
-            <a:endParaRPr lang="es-ES_tradnl" dirty="0" smtClean="0"/>
-          </a:p>
-          <a:p>
-            <a:r>
-              <a:rPr lang="es-ES_tradnl" dirty="0" err="1" smtClean="0"/>
-              <a:t>Branching</a:t>
-            </a:r>
-            <a:r>
-              <a:rPr lang="es-ES_tradnl" dirty="0" smtClean="0"/>
-              <a:t> </a:t>
-            </a:r>
-            <a:r>
-              <a:rPr lang="es-ES_tradnl" dirty="0" err="1" smtClean="0"/>
-              <a:t>will</a:t>
-            </a:r>
-            <a:r>
-              <a:rPr lang="es-ES_tradnl" dirty="0" smtClean="0"/>
-              <a:t> </a:t>
-            </a:r>
-            <a:r>
-              <a:rPr lang="es-ES_tradnl" dirty="0" err="1" smtClean="0"/>
-              <a:t>be</a:t>
-            </a:r>
-            <a:r>
-              <a:rPr lang="es-ES_tradnl" dirty="0" smtClean="0"/>
-              <a:t> </a:t>
-            </a:r>
-            <a:r>
-              <a:rPr lang="es-ES_tradnl" dirty="0" err="1" smtClean="0"/>
-              <a:t>used</a:t>
-            </a:r>
-            <a:r>
-              <a:rPr lang="es-ES_tradnl" dirty="0" smtClean="0"/>
-              <a:t> </a:t>
-            </a:r>
-            <a:r>
-              <a:rPr lang="es-ES_tradnl" dirty="0" err="1" smtClean="0"/>
-              <a:t>to</a:t>
-            </a:r>
-            <a:r>
-              <a:rPr lang="es-ES_tradnl" dirty="0" smtClean="0"/>
-              <a:t> </a:t>
-            </a:r>
-            <a:r>
-              <a:rPr lang="es-ES_tradnl" dirty="0" err="1" smtClean="0"/>
-              <a:t>track</a:t>
-            </a:r>
-            <a:r>
-              <a:rPr lang="es-ES_tradnl" dirty="0" smtClean="0"/>
-              <a:t> personal </a:t>
-            </a:r>
-            <a:r>
-              <a:rPr lang="es-ES_tradnl" dirty="0" err="1" smtClean="0"/>
-              <a:t>work</a:t>
-            </a:r>
-            <a:endParaRPr lang="es-ES_tradnl" dirty="0" smtClean="0"/>
-          </a:p>
-          <a:p>
-            <a:endParaRPr lang="es-ES_tradnl" dirty="0" smtClean="0"/>
-          </a:p>
-          <a:p>
-            <a:endParaRPr lang="es-ES_tradnl" dirty="0" smtClean="0"/>
-          </a:p>
-          <a:p>
-            <a:endParaRPr lang="en-US" dirty="0"/>
+              <a:t>https://www.atlassian.com/git/tutorials/what-is-git</a:t>
+            </a:r>
+            <a:endParaRPr lang="en-US" dirty="0" smtClean="0"/>
           </a:p>
         </p:txBody>
       </p:sp>
@@ -4826,6 +5207,319 @@
                 <a:defRPr/>
               </a:pPr>
               <a:t>7</a:t>
+            </a:fld>
+            <a:r>
+              <a:rPr lang="en-US" altLang="ko-KR" smtClean="0"/>
+              <a:t> </a:t>
+            </a:r>
+            <a:endParaRPr lang="en-US" altLang="ko-KR"/>
+          </a:p>
+        </p:txBody>
+      </p:sp>
+      <p:sp>
+        <p:nvSpPr>
+          <p:cNvPr id="6" name="5 Marcador de pie de página"/>
+          <p:cNvSpPr>
+            <a:spLocks noGrp="1"/>
+          </p:cNvSpPr>
+          <p:nvPr>
+            <p:ph type="ftr" sz="quarter" idx="3"/>
+          </p:nvPr>
+        </p:nvSpPr>
+        <p:spPr/>
+        <p:txBody>
+          <a:bodyPr/>
+          <a:lstStyle/>
+          <a:p>
+            <a:pPr fontAlgn="base">
+              <a:spcBef>
+                <a:spcPct val="0"/>
+              </a:spcBef>
+              <a:spcAft>
+                <a:spcPct val="0"/>
+              </a:spcAft>
+              <a:defRPr/>
+            </a:pPr>
+            <a:r>
+              <a:rPr kumimoji="1" lang="en-US" altLang="ko-KR" smtClean="0"/>
+              <a:t>Valentin Puente</a:t>
+            </a:r>
+            <a:endParaRPr kumimoji="1" lang="ko-KR" altLang="en-US" dirty="0"/>
+          </a:p>
+        </p:txBody>
+      </p:sp>
+    </p:spTree>
+  </p:cSld>
+  <p:clrMapOvr>
+    <a:masterClrMapping/>
+  </p:clrMapOvr>
+  <p:transition>
+    <p:zoom/>
+  </p:transition>
+</p:sld>
+</file>
+
+<file path=ppt/slides/slide8.xml><?xml version="1.0" encoding="utf-8"?>
+<p:sld xmlns:a="http://schemas.openxmlformats.org/drawingml/2006/main" xmlns:r="http://schemas.openxmlformats.org/officeDocument/2006/relationships" xmlns:p="http://schemas.openxmlformats.org/presentationml/2006/main">
+  <p:cSld>
+    <p:spTree>
+      <p:nvGrpSpPr>
+        <p:cNvPr id="1" name=""/>
+        <p:cNvGrpSpPr/>
+        <p:nvPr/>
+      </p:nvGrpSpPr>
+      <p:grpSpPr>
+        <a:xfrm>
+          <a:off x="0" y="0"/>
+          <a:ext cx="0" cy="0"/>
+          <a:chOff x="0" y="0"/>
+          <a:chExt cx="0" cy="0"/>
+        </a:xfrm>
+      </p:grpSpPr>
+      <p:sp>
+        <p:nvSpPr>
+          <p:cNvPr id="2" name="1 Título"/>
+          <p:cNvSpPr>
+            <a:spLocks noGrp="1"/>
+          </p:cNvSpPr>
+          <p:nvPr>
+            <p:ph type="title"/>
+          </p:nvPr>
+        </p:nvSpPr>
+        <p:spPr/>
+        <p:txBody>
+          <a:bodyPr/>
+          <a:lstStyle/>
+          <a:p>
+            <a:r>
+              <a:rPr lang="es-ES_tradnl" dirty="0" smtClean="0"/>
+              <a:t>Personal </a:t>
+            </a:r>
+            <a:r>
+              <a:rPr lang="es-ES_tradnl" dirty="0" err="1" smtClean="0"/>
+              <a:t>Work</a:t>
+            </a:r>
+            <a:r>
+              <a:rPr lang="es-ES_tradnl" dirty="0" smtClean="0"/>
+              <a:t> tracking</a:t>
+            </a:r>
+            <a:endParaRPr lang="en-US" dirty="0"/>
+          </a:p>
+        </p:txBody>
+      </p:sp>
+      <p:sp>
+        <p:nvSpPr>
+          <p:cNvPr id="3" name="2 Marcador de contenido"/>
+          <p:cNvSpPr>
+            <a:spLocks noGrp="1"/>
+          </p:cNvSpPr>
+          <p:nvPr>
+            <p:ph idx="1"/>
+          </p:nvPr>
+        </p:nvSpPr>
+        <p:spPr/>
+        <p:txBody>
+          <a:bodyPr/>
+          <a:lstStyle/>
+          <a:p>
+            <a:r>
+              <a:rPr lang="es-ES_tradnl" dirty="0" err="1" smtClean="0"/>
+              <a:t>Git</a:t>
+            </a:r>
+            <a:r>
+              <a:rPr lang="es-ES_tradnl" dirty="0" smtClean="0"/>
+              <a:t> </a:t>
+            </a:r>
+            <a:r>
+              <a:rPr lang="es-ES_tradnl" dirty="0" err="1" smtClean="0"/>
+              <a:t>is</a:t>
+            </a:r>
+            <a:r>
+              <a:rPr lang="es-ES_tradnl" dirty="0" smtClean="0"/>
+              <a:t> </a:t>
+            </a:r>
+            <a:r>
+              <a:rPr lang="es-ES_tradnl" dirty="0" err="1" smtClean="0"/>
+              <a:t>composed</a:t>
+            </a:r>
+            <a:r>
+              <a:rPr lang="es-ES_tradnl" dirty="0" smtClean="0"/>
+              <a:t> </a:t>
+            </a:r>
+            <a:r>
+              <a:rPr lang="es-ES_tradnl" dirty="0" err="1" smtClean="0"/>
+              <a:t>by</a:t>
+            </a:r>
+            <a:r>
+              <a:rPr lang="es-ES_tradnl" dirty="0" smtClean="0"/>
+              <a:t> a “</a:t>
+            </a:r>
+            <a:r>
+              <a:rPr lang="es-ES_tradnl" dirty="0" err="1" smtClean="0"/>
+              <a:t>chain</a:t>
+            </a:r>
+            <a:r>
+              <a:rPr lang="es-ES_tradnl" dirty="0" smtClean="0"/>
+              <a:t>” of </a:t>
+            </a:r>
+            <a:r>
+              <a:rPr lang="es-ES_tradnl" dirty="0" err="1" smtClean="0"/>
+              <a:t>atomic</a:t>
+            </a:r>
+            <a:r>
+              <a:rPr lang="es-ES_tradnl" dirty="0" smtClean="0"/>
+              <a:t> </a:t>
+            </a:r>
+            <a:r>
+              <a:rPr lang="es-ES_tradnl" dirty="0" err="1" smtClean="0"/>
+              <a:t>changes</a:t>
+            </a:r>
+            <a:r>
+              <a:rPr lang="es-ES_tradnl" dirty="0" smtClean="0"/>
+              <a:t> </a:t>
+            </a:r>
+            <a:r>
+              <a:rPr lang="es-ES_tradnl" dirty="0" err="1" smtClean="0"/>
+              <a:t>called</a:t>
+            </a:r>
+            <a:r>
+              <a:rPr lang="es-ES_tradnl" dirty="0" smtClean="0"/>
+              <a:t> </a:t>
+            </a:r>
+            <a:r>
+              <a:rPr lang="es-ES_tradnl" dirty="0" err="1" smtClean="0"/>
+              <a:t>commits</a:t>
+            </a:r>
+            <a:endParaRPr lang="es-ES_tradnl" dirty="0" smtClean="0"/>
+          </a:p>
+          <a:p>
+            <a:endParaRPr lang="es-ES_tradnl" dirty="0" smtClean="0"/>
+          </a:p>
+          <a:p>
+            <a:endParaRPr lang="es-ES_tradnl" dirty="0" smtClean="0"/>
+          </a:p>
+          <a:p>
+            <a:endParaRPr lang="es-ES_tradnl" dirty="0" smtClean="0"/>
+          </a:p>
+          <a:p>
+            <a:endParaRPr lang="es-ES_tradnl" dirty="0" smtClean="0"/>
+          </a:p>
+          <a:p>
+            <a:r>
+              <a:rPr lang="es-ES_tradnl" dirty="0" err="1" smtClean="0"/>
+              <a:t>Branching</a:t>
+            </a:r>
+            <a:r>
+              <a:rPr lang="es-ES_tradnl" dirty="0" smtClean="0"/>
+              <a:t> </a:t>
+            </a:r>
+            <a:r>
+              <a:rPr lang="es-ES_tradnl" dirty="0" err="1" smtClean="0"/>
+              <a:t>will</a:t>
+            </a:r>
+            <a:r>
+              <a:rPr lang="es-ES_tradnl" dirty="0" smtClean="0"/>
+              <a:t> </a:t>
+            </a:r>
+            <a:r>
+              <a:rPr lang="es-ES_tradnl" dirty="0" err="1" smtClean="0"/>
+              <a:t>be</a:t>
+            </a:r>
+            <a:r>
+              <a:rPr lang="es-ES_tradnl" dirty="0" smtClean="0"/>
+              <a:t> </a:t>
+            </a:r>
+            <a:r>
+              <a:rPr lang="es-ES_tradnl" dirty="0" err="1" smtClean="0"/>
+              <a:t>used</a:t>
+            </a:r>
+            <a:r>
+              <a:rPr lang="es-ES_tradnl" dirty="0" smtClean="0"/>
+              <a:t> </a:t>
+            </a:r>
+            <a:r>
+              <a:rPr lang="es-ES_tradnl" dirty="0" err="1" smtClean="0"/>
+              <a:t>to</a:t>
+            </a:r>
+            <a:r>
+              <a:rPr lang="es-ES_tradnl" dirty="0" smtClean="0"/>
+              <a:t> </a:t>
+            </a:r>
+            <a:r>
+              <a:rPr lang="es-ES_tradnl" dirty="0" err="1" smtClean="0"/>
+              <a:t>track</a:t>
+            </a:r>
+            <a:r>
+              <a:rPr lang="es-ES_tradnl" dirty="0" smtClean="0"/>
+              <a:t> personal </a:t>
+            </a:r>
+            <a:r>
+              <a:rPr lang="es-ES_tradnl" dirty="0" err="1" smtClean="0"/>
+              <a:t>work</a:t>
+            </a:r>
+            <a:endParaRPr lang="es-ES_tradnl" dirty="0" smtClean="0"/>
+          </a:p>
+          <a:p>
+            <a:endParaRPr lang="es-ES_tradnl" dirty="0" smtClean="0"/>
+          </a:p>
+          <a:p>
+            <a:endParaRPr lang="es-ES_tradnl" dirty="0" smtClean="0"/>
+          </a:p>
+          <a:p>
+            <a:endParaRPr lang="en-US" dirty="0"/>
+          </a:p>
+        </p:txBody>
+      </p:sp>
+      <p:sp>
+        <p:nvSpPr>
+          <p:cNvPr id="4" name="3 Marcador de fecha"/>
+          <p:cNvSpPr>
+            <a:spLocks noGrp="1"/>
+          </p:cNvSpPr>
+          <p:nvPr>
+            <p:ph type="dt" sz="half" idx="10"/>
+          </p:nvPr>
+        </p:nvSpPr>
+        <p:spPr/>
+        <p:txBody>
+          <a:bodyPr/>
+          <a:lstStyle/>
+          <a:p>
+            <a:pPr>
+              <a:defRPr/>
+            </a:pPr>
+            <a:r>
+              <a:rPr lang="es-ES" altLang="ko-KR" smtClean="0"/>
+              <a:t>AOS@UC</a:t>
+            </a:r>
+            <a:endParaRPr lang="en-US" altLang="ko-KR" dirty="0"/>
+          </a:p>
+        </p:txBody>
+      </p:sp>
+      <p:sp>
+        <p:nvSpPr>
+          <p:cNvPr id="5" name="4 Marcador de número de diapositiva"/>
+          <p:cNvSpPr>
+            <a:spLocks noGrp="1"/>
+          </p:cNvSpPr>
+          <p:nvPr>
+            <p:ph type="sldNum" sz="quarter" idx="11"/>
+          </p:nvPr>
+        </p:nvSpPr>
+        <p:spPr/>
+        <p:txBody>
+          <a:bodyPr/>
+          <a:lstStyle/>
+          <a:p>
+            <a:pPr>
+              <a:defRPr/>
+            </a:pPr>
+            <a:fld id="{515CC4ED-1449-4712-AE45-EBC263B4DD26}" type="slidenum">
+              <a:rPr lang="en-US" altLang="ko-KR" smtClean="0"/>
+              <a:pPr>
+                <a:defRPr/>
+              </a:pPr>
+              <a:t>8</a:t>
             </a:fld>
             <a:r>
               <a:rPr lang="en-US" altLang="ko-KR" smtClean="0"/>
@@ -9534,7 +10228,7 @@
 </p:sld>
 </file>
 
-<file path=ppt/slides/slide8.xml><?xml version="1.0" encoding="utf-8"?>
+<file path=ppt/slides/slide9.xml><?xml version="1.0" encoding="utf-8"?>
 <p:sld xmlns:a="http://schemas.openxmlformats.org/drawingml/2006/main" xmlns:r="http://schemas.openxmlformats.org/officeDocument/2006/relationships" xmlns:p="http://schemas.openxmlformats.org/presentationml/2006/main">
   <p:cSld>
     <p:spTree>
@@ -9680,7 +10374,7 @@
               <a:pPr>
                 <a:defRPr/>
               </a:pPr>
-              <a:t>8</a:t>
+              <a:t>9</a:t>
             </a:fld>
             <a:r>
               <a:rPr lang="en-US" altLang="ko-KR" smtClean="0"/>
@@ -12948,468 +13642,6 @@
           </p:txBody>
         </p:sp>
       </p:grpSp>
-    </p:spTree>
-  </p:cSld>
-  <p:clrMapOvr>
-    <a:masterClrMapping/>
-  </p:clrMapOvr>
-  <p:transition>
-    <p:zoom/>
-  </p:transition>
-</p:sld>
-</file>
-
-<file path=ppt/slides/slide9.xml><?xml version="1.0" encoding="utf-8"?>
-<p:sld xmlns:a="http://schemas.openxmlformats.org/drawingml/2006/main" xmlns:r="http://schemas.openxmlformats.org/officeDocument/2006/relationships" xmlns:p="http://schemas.openxmlformats.org/presentationml/2006/main">
-  <p:cSld>
-    <p:spTree>
-      <p:nvGrpSpPr>
-        <p:cNvPr id="1" name=""/>
-        <p:cNvGrpSpPr/>
-        <p:nvPr/>
-      </p:nvGrpSpPr>
-      <p:grpSpPr>
-        <a:xfrm>
-          <a:off x="0" y="0"/>
-          <a:ext cx="0" cy="0"/>
-          <a:chOff x="0" y="0"/>
-          <a:chExt cx="0" cy="0"/>
-        </a:xfrm>
-      </p:grpSpPr>
-      <p:sp>
-        <p:nvSpPr>
-          <p:cNvPr id="2" name="1 Título"/>
-          <p:cNvSpPr>
-            <a:spLocks noGrp="1"/>
-          </p:cNvSpPr>
-          <p:nvPr>
-            <p:ph type="title"/>
-          </p:nvPr>
-        </p:nvSpPr>
-        <p:spPr/>
-        <p:txBody>
-          <a:bodyPr/>
-          <a:lstStyle/>
-          <a:p>
-            <a:r>
-              <a:rPr lang="en-US" dirty="0" smtClean="0"/>
-              <a:t>Recipe</a:t>
-            </a:r>
-            <a:endParaRPr lang="en-US" dirty="0"/>
-          </a:p>
-        </p:txBody>
-      </p:sp>
-      <p:sp>
-        <p:nvSpPr>
-          <p:cNvPr id="3" name="2 Marcador de contenido"/>
-          <p:cNvSpPr>
-            <a:spLocks noGrp="1"/>
-          </p:cNvSpPr>
-          <p:nvPr>
-            <p:ph idx="1"/>
-          </p:nvPr>
-        </p:nvSpPr>
-        <p:spPr/>
-        <p:txBody>
-          <a:bodyPr>
-            <a:normAutofit lnSpcReduction="10000"/>
-          </a:bodyPr>
-          <a:lstStyle/>
-          <a:p>
-            <a:r>
-              <a:rPr lang="en-US" dirty="0" smtClean="0"/>
-              <a:t>Create an account in gitlab.com</a:t>
-            </a:r>
-          </a:p>
-          <a:p>
-            <a:r>
-              <a:rPr lang="en-US" dirty="0" smtClean="0"/>
-              <a:t>Create a private repository (for lab)</a:t>
-            </a:r>
-          </a:p>
-          <a:p>
-            <a:pPr marL="342900" lvl="1" indent="-342900">
-              <a:buSzPct val="65000"/>
-              <a:buFont typeface="Wingdings" pitchFamily="2" charset="2"/>
-              <a:buChar char=""/>
-            </a:pPr>
-            <a:r>
-              <a:rPr lang="en-US" sz="2000" dirty="0" smtClean="0">
-                <a:cs typeface="+mn-cs"/>
-              </a:rPr>
-              <a:t>Fork </a:t>
-            </a:r>
-            <a:r>
-              <a:rPr lang="en-US" sz="2000" dirty="0" smtClean="0">
-                <a:cs typeface="+mn-cs"/>
-                <a:hlinkClick r:id="rId2"/>
-              </a:rPr>
-              <a:t>https://gitlab.com/AOSUC/Lab.git</a:t>
-            </a:r>
-            <a:endParaRPr lang="en-US" sz="2000" dirty="0" smtClean="0">
-              <a:cs typeface="+mn-cs"/>
-            </a:endParaRPr>
-          </a:p>
-          <a:p>
-            <a:pPr marL="342900" lvl="1" indent="-342900">
-              <a:buSzPct val="65000"/>
-              <a:buFont typeface="Wingdings" pitchFamily="2" charset="2"/>
-              <a:buChar char=""/>
-            </a:pPr>
-            <a:r>
-              <a:rPr lang="en-US" sz="2000" dirty="0" smtClean="0">
-                <a:cs typeface="+mn-cs"/>
-              </a:rPr>
-              <a:t>Invite </a:t>
-            </a:r>
-            <a:r>
-              <a:rPr lang="en-US" sz="2000" dirty="0" smtClean="0">
-                <a:cs typeface="+mn-cs"/>
-                <a:hlinkClick r:id="rId3"/>
-              </a:rPr>
-              <a:t>vpuente@gmail.com</a:t>
-            </a:r>
-            <a:r>
-              <a:rPr lang="en-US" sz="2000" dirty="0" smtClean="0">
-                <a:cs typeface="+mn-cs"/>
-              </a:rPr>
-              <a:t> to such repository</a:t>
-            </a:r>
-          </a:p>
-          <a:p>
-            <a:pPr marL="342900" lvl="1" indent="-342900">
-              <a:buSzPct val="65000"/>
-              <a:buFont typeface="Wingdings" pitchFamily="2" charset="2"/>
-              <a:buChar char=""/>
-            </a:pPr>
-            <a:r>
-              <a:rPr lang="en-US" sz="2000" dirty="0" smtClean="0">
-                <a:cs typeface="+mn-cs"/>
-              </a:rPr>
-              <a:t>Start working</a:t>
-            </a:r>
-          </a:p>
-          <a:p>
-            <a:pPr marL="742950" lvl="2" indent="-342900">
-              <a:buFont typeface="Wingdings" pitchFamily="2" charset="2"/>
-              <a:buChar char=""/>
-            </a:pPr>
-            <a:r>
-              <a:rPr lang="en-US" dirty="0" err="1" smtClean="0">
-                <a:cs typeface="+mn-cs"/>
-              </a:rPr>
-              <a:t>git</a:t>
-            </a:r>
-            <a:r>
-              <a:rPr lang="en-US" dirty="0" smtClean="0">
-                <a:cs typeface="+mn-cs"/>
-              </a:rPr>
-              <a:t> clone https://</a:t>
-            </a:r>
-            <a:r>
-              <a:rPr lang="en-US" dirty="0" err="1" smtClean="0">
-                <a:cs typeface="+mn-cs"/>
-              </a:rPr>
-              <a:t>username@gitlab.com</a:t>
-            </a:r>
-            <a:r>
-              <a:rPr lang="en-US" dirty="0" smtClean="0">
-                <a:cs typeface="+mn-cs"/>
-              </a:rPr>
-              <a:t>/</a:t>
-            </a:r>
-            <a:r>
-              <a:rPr lang="en-US" dirty="0" err="1" smtClean="0">
-                <a:cs typeface="+mn-cs"/>
-              </a:rPr>
-              <a:t>Lab.git</a:t>
-            </a:r>
-            <a:endParaRPr lang="en-US" dirty="0" smtClean="0">
-              <a:cs typeface="+mn-cs"/>
-            </a:endParaRPr>
-          </a:p>
-          <a:p>
-            <a:pPr marL="742950" lvl="2" indent="-342900">
-              <a:buFont typeface="Wingdings" pitchFamily="2" charset="2"/>
-              <a:buChar char=""/>
-            </a:pPr>
-            <a:r>
-              <a:rPr lang="en-US" dirty="0" err="1" smtClean="0">
-                <a:cs typeface="+mn-cs"/>
-              </a:rPr>
-              <a:t>git</a:t>
-            </a:r>
-            <a:r>
-              <a:rPr lang="en-US" dirty="0" smtClean="0">
-                <a:cs typeface="+mn-cs"/>
-              </a:rPr>
-              <a:t> branch </a:t>
-            </a:r>
-            <a:r>
-              <a:rPr lang="en-US" dirty="0" smtClean="0">
-                <a:cs typeface="+mn-cs"/>
-              </a:rPr>
-              <a:t>&lt;DNI&gt;</a:t>
-            </a:r>
-            <a:endParaRPr lang="en-US" dirty="0" smtClean="0">
-              <a:cs typeface="+mn-cs"/>
-            </a:endParaRPr>
-          </a:p>
-          <a:p>
-            <a:pPr marL="742950" lvl="2" indent="-342900">
-              <a:buFont typeface="Wingdings" pitchFamily="2" charset="2"/>
-              <a:buChar char=""/>
-            </a:pPr>
-            <a:r>
-              <a:rPr lang="en-US" dirty="0" err="1" smtClean="0">
-                <a:cs typeface="+mn-cs"/>
-              </a:rPr>
-              <a:t>git</a:t>
-            </a:r>
-            <a:r>
-              <a:rPr lang="en-US" dirty="0" smtClean="0">
-                <a:cs typeface="+mn-cs"/>
-              </a:rPr>
-              <a:t> checkout </a:t>
-            </a:r>
-            <a:r>
-              <a:rPr lang="en-US" dirty="0" smtClean="0">
-                <a:cs typeface="+mn-cs"/>
-              </a:rPr>
-              <a:t>&lt;DNI&gt;</a:t>
-            </a:r>
-            <a:endParaRPr lang="en-US" dirty="0" smtClean="0">
-              <a:cs typeface="+mn-cs"/>
-            </a:endParaRPr>
-          </a:p>
-          <a:p>
-            <a:pPr marL="742950" lvl="2" indent="-342900">
-              <a:buFont typeface="Wingdings" pitchFamily="2" charset="2"/>
-              <a:buChar char=""/>
-            </a:pPr>
-            <a:r>
-              <a:rPr lang="en-US" dirty="0" smtClean="0">
-                <a:cs typeface="+mn-cs"/>
-              </a:rPr>
-              <a:t>START WORKING THERE / PUSH </a:t>
-            </a:r>
-            <a:r>
-              <a:rPr lang="en-US" dirty="0" smtClean="0">
-                <a:cs typeface="+mn-cs"/>
-              </a:rPr>
-              <a:t>ONCE PER WEEK TO </a:t>
-            </a:r>
-            <a:r>
-              <a:rPr lang="en-US" dirty="0" smtClean="0">
-                <a:cs typeface="+mn-cs"/>
-              </a:rPr>
-              <a:t>GITLAB </a:t>
-            </a:r>
-            <a:r>
-              <a:rPr lang="en-US" dirty="0" smtClean="0">
-                <a:cs typeface="+mn-cs"/>
-              </a:rPr>
-              <a:t> </a:t>
-            </a:r>
-            <a:endParaRPr lang="en-US" dirty="0" smtClean="0">
-              <a:cs typeface="+mn-cs"/>
-            </a:endParaRPr>
-          </a:p>
-          <a:p>
-            <a:pPr marL="1200150" lvl="3" indent="-342900">
-              <a:buFont typeface="Wingdings" pitchFamily="2" charset="2"/>
-              <a:buChar char=""/>
-            </a:pPr>
-            <a:r>
-              <a:rPr lang="en-US" dirty="0" err="1" smtClean="0">
-                <a:cs typeface="+mn-cs"/>
-              </a:rPr>
-              <a:t>git</a:t>
-            </a:r>
-            <a:r>
-              <a:rPr lang="en-US" dirty="0" smtClean="0">
-                <a:cs typeface="+mn-cs"/>
-              </a:rPr>
-              <a:t> add NEW_FILES DO NOT MODIFY ALREADY PRESENT FILES</a:t>
-            </a:r>
-          </a:p>
-          <a:p>
-            <a:pPr marL="1200150" lvl="3" indent="-342900">
-              <a:buFont typeface="Wingdings" pitchFamily="2" charset="2"/>
-              <a:buChar char=""/>
-            </a:pPr>
-            <a:r>
-              <a:rPr lang="en-US" dirty="0" err="1" smtClean="0">
-                <a:cs typeface="+mn-cs"/>
-              </a:rPr>
-              <a:t>git</a:t>
-            </a:r>
-            <a:r>
-              <a:rPr lang="en-US" dirty="0" smtClean="0">
-                <a:cs typeface="+mn-cs"/>
-              </a:rPr>
-              <a:t> commit</a:t>
-            </a:r>
-          </a:p>
-          <a:p>
-            <a:pPr marL="1200150" lvl="3" indent="-342900">
-              <a:buFont typeface="Wingdings" pitchFamily="2" charset="2"/>
-              <a:buChar char=""/>
-            </a:pPr>
-            <a:r>
-              <a:rPr lang="en-US" dirty="0" err="1" smtClean="0">
-                <a:cs typeface="+mn-cs"/>
-              </a:rPr>
-              <a:t>git</a:t>
-            </a:r>
-            <a:r>
-              <a:rPr lang="en-US" dirty="0" smtClean="0">
-                <a:cs typeface="+mn-cs"/>
-              </a:rPr>
-              <a:t> push </a:t>
-            </a:r>
-          </a:p>
-          <a:p>
-            <a:pPr marL="742950" lvl="2" indent="-342900">
-              <a:buFont typeface="Wingdings" pitchFamily="2" charset="2"/>
-              <a:buChar char=""/>
-            </a:pPr>
-            <a:r>
-              <a:rPr lang="en-US" dirty="0" err="1" smtClean="0">
-                <a:cs typeface="+mn-cs"/>
-              </a:rPr>
-              <a:t>git</a:t>
-            </a:r>
-            <a:r>
-              <a:rPr lang="en-US" dirty="0" smtClean="0">
-                <a:cs typeface="+mn-cs"/>
-              </a:rPr>
-              <a:t> pull </a:t>
-            </a:r>
-            <a:r>
-              <a:rPr lang="en-US" dirty="0" smtClean="0">
-                <a:hlinkClick r:id="rId4"/>
-              </a:rPr>
-              <a:t>https://username@gitlab.com/AOSUC/Lab.git</a:t>
-            </a:r>
-            <a:endParaRPr lang="en-US" dirty="0" smtClean="0">
-              <a:cs typeface="+mn-cs"/>
-            </a:endParaRPr>
-          </a:p>
-          <a:p>
-            <a:pPr marL="342900" lvl="1" indent="-342900">
-              <a:buSzPct val="65000"/>
-              <a:buFont typeface="Wingdings" pitchFamily="2" charset="2"/>
-              <a:buChar char=""/>
-            </a:pPr>
-            <a:endParaRPr lang="en-US" sz="2000" dirty="0" smtClean="0">
-              <a:cs typeface="+mn-cs"/>
-            </a:endParaRPr>
-          </a:p>
-          <a:p>
-            <a:pPr marL="342900" lvl="1" indent="-342900">
-              <a:buSzPct val="65000"/>
-              <a:buFont typeface="Wingdings" pitchFamily="2" charset="2"/>
-              <a:buChar char=""/>
-            </a:pPr>
-            <a:endParaRPr lang="en-US" dirty="0" smtClean="0"/>
-          </a:p>
-          <a:p>
-            <a:endParaRPr lang="en-US" dirty="0"/>
-          </a:p>
-        </p:txBody>
-      </p:sp>
-      <p:sp>
-        <p:nvSpPr>
-          <p:cNvPr id="4" name="3 Marcador de fecha"/>
-          <p:cNvSpPr>
-            <a:spLocks noGrp="1"/>
-          </p:cNvSpPr>
-          <p:nvPr>
-            <p:ph type="dt" sz="half" idx="10"/>
-          </p:nvPr>
-        </p:nvSpPr>
-        <p:spPr/>
-        <p:txBody>
-          <a:bodyPr/>
-          <a:lstStyle/>
-          <a:p>
-            <a:pPr>
-              <a:defRPr/>
-            </a:pPr>
-            <a:r>
-              <a:rPr lang="es-ES" altLang="ko-KR" smtClean="0"/>
-              <a:t>AOS@UC</a:t>
-            </a:r>
-            <a:endParaRPr lang="en-US" altLang="ko-KR" dirty="0"/>
-          </a:p>
-        </p:txBody>
-      </p:sp>
-      <p:sp>
-        <p:nvSpPr>
-          <p:cNvPr id="5" name="4 Marcador de número de diapositiva"/>
-          <p:cNvSpPr>
-            <a:spLocks noGrp="1"/>
-          </p:cNvSpPr>
-          <p:nvPr>
-            <p:ph type="sldNum" sz="quarter" idx="11"/>
-          </p:nvPr>
-        </p:nvSpPr>
-        <p:spPr/>
-        <p:txBody>
-          <a:bodyPr/>
-          <a:lstStyle/>
-          <a:p>
-            <a:pPr>
-              <a:defRPr/>
-            </a:pPr>
-            <a:fld id="{515CC4ED-1449-4712-AE45-EBC263B4DD26}" type="slidenum">
-              <a:rPr lang="en-US" altLang="ko-KR" smtClean="0"/>
-              <a:pPr>
-                <a:defRPr/>
-              </a:pPr>
-              <a:t>9</a:t>
-            </a:fld>
-            <a:r>
-              <a:rPr lang="en-US" altLang="ko-KR" smtClean="0"/>
-              <a:t> </a:t>
-            </a:r>
-            <a:endParaRPr lang="en-US" altLang="ko-KR"/>
-          </a:p>
-        </p:txBody>
-      </p:sp>
-      <p:sp>
-        <p:nvSpPr>
-          <p:cNvPr id="6" name="5 Marcador de pie de página"/>
-          <p:cNvSpPr>
-            <a:spLocks noGrp="1"/>
-          </p:cNvSpPr>
-          <p:nvPr>
-            <p:ph type="ftr" sz="quarter" idx="3"/>
-          </p:nvPr>
-        </p:nvSpPr>
-        <p:spPr/>
-        <p:txBody>
-          <a:bodyPr/>
-          <a:lstStyle/>
-          <a:p>
-            <a:pPr fontAlgn="base">
-              <a:spcBef>
-                <a:spcPct val="0"/>
-              </a:spcBef>
-              <a:spcAft>
-                <a:spcPct val="0"/>
-              </a:spcAft>
-              <a:defRPr/>
-            </a:pPr>
-            <a:r>
-              <a:rPr kumimoji="1" lang="en-US" altLang="ko-KR" smtClean="0"/>
-              <a:t>Valentin Puente</a:t>
-            </a:r>
-            <a:endParaRPr kumimoji="1" lang="ko-KR" altLang="en-US" dirty="0"/>
-          </a:p>
-        </p:txBody>
-      </p:sp>
     </p:spTree>
   </p:cSld>
   <p:clrMapOvr>

--- a/00_Intro.pptx
+++ b/00_Intro.pptx
@@ -256,7 +256,7 @@
             <a:fld id="{06EAAA8B-8A33-714F-B3A4-08A75FDC36E6}" type="datetimeFigureOut">
               <a:rPr lang="en-US" smtClean="0"/>
               <a:pPr/>
-              <a:t>9/19/16</a:t>
+              <a:t>9/20/16</a:t>
             </a:fld>
             <a:endParaRPr lang="en-US"/>
           </a:p>
@@ -423,7 +423,7 @@
             <a:fld id="{050F0499-AE52-4672-879B-3107B2FC2A9F}" type="datetimeFigureOut">
               <a:rPr lang="ko-KR" altLang="en-US" smtClean="0"/>
               <a:pPr/>
-              <a:t>2016. 9. 19.</a:t>
+              <a:t>2016. 9. 20.</a:t>
             </a:fld>
             <a:endParaRPr lang="ko-KR" altLang="en-US"/>
           </a:p>
@@ -7459,21 +7459,8 @@
           <a:p>
             <a:r>
               <a:rPr lang="en-US" dirty="0" smtClean="0"/>
-              <a:t>Allows to work on multiple tasks at once (and </a:t>
-            </a:r>
-            <a:r>
-              <a:rPr lang="en-US" dirty="0" smtClean="0"/>
-              <a:t>do not </a:t>
-            </a:r>
-            <a:r>
-              <a:rPr lang="en-US" dirty="0" smtClean="0"/>
-              <a:t>have a </a:t>
-            </a:r>
-            <a:r>
-              <a:rPr lang="en-US" dirty="0" smtClean="0"/>
-              <a:t>chaos in hands)</a:t>
-            </a:r>
-            <a:endParaRPr lang="en-US" dirty="0" smtClean="0"/>
+              <a:t>Allows to work on multiple tasks at once (and do not have a chaos in hands)</a:t>
+            </a:r>
           </a:p>
           <a:p>
             <a:endParaRPr lang="en-US" dirty="0"/>
@@ -9801,8 +9788,12 @@
               <a:t>vpuente</a:t>
             </a:r>
             <a:r>
+              <a:rPr lang="en-US" smtClean="0"/>
+              <a:t>/AOSUC1617 </a:t>
+            </a:r>
+            <a:r>
               <a:rPr lang="en-US" dirty="0" smtClean="0"/>
-              <a:t>/AOS1UC617 (Demo)</a:t>
+              <a:t>(Demo)</a:t>
             </a:r>
             <a:endParaRPr lang="en-US" dirty="0"/>
           </a:p>
@@ -10377,13 +10368,8 @@
             <a:pPr lvl="1"/>
             <a:r>
               <a:rPr lang="en-US" dirty="0" smtClean="0"/>
-              <a:t>Where you have to </a:t>
-            </a:r>
-            <a:r>
-              <a:rPr lang="en-US" dirty="0" smtClean="0"/>
-              <a:t>work</a:t>
-            </a:r>
-            <a:endParaRPr lang="en-US" dirty="0" smtClean="0"/>
+              <a:t>Where you have to work</a:t>
+            </a:r>
           </a:p>
           <a:p>
             <a:r>
@@ -10395,11 +10381,7 @@
             <a:pPr lvl="1"/>
             <a:r>
               <a:rPr lang="en-US" dirty="0" smtClean="0"/>
-              <a:t>OSTEP original </a:t>
-            </a:r>
-            <a:r>
-              <a:rPr lang="en-US" dirty="0" smtClean="0"/>
-              <a:t>material (</a:t>
+              <a:t>OSTEP original material (</a:t>
             </a:r>
             <a:r>
               <a:rPr lang="en-US" dirty="0" err="1" smtClean="0"/>
@@ -10409,7 +10391,6 @@
               <a:rPr lang="en-US" dirty="0" smtClean="0"/>
               <a:t>)</a:t>
             </a:r>
-            <a:endParaRPr lang="en-US" dirty="0" smtClean="0"/>
           </a:p>
           <a:p>
             <a:pPr lvl="1"/>
@@ -10434,11 +10415,7 @@
             </a:r>
             <a:r>
               <a:rPr lang="en-US" dirty="0" smtClean="0"/>
-              <a:t> </a:t>
-            </a:r>
-            <a:r>
-              <a:rPr lang="en-US" dirty="0" smtClean="0"/>
-              <a:t>based workflow</a:t>
+              <a:t> based workflow</a:t>
             </a:r>
           </a:p>
           <a:p>

--- a/00_Intro.pptx
+++ b/00_Intro.pptx
@@ -5,10 +5,10 @@
     <p:sldMasterId id="2147483678" r:id="rId1"/>
   </p:sldMasterIdLst>
   <p:notesMasterIdLst>
-    <p:notesMasterId r:id="rId17"/>
+    <p:notesMasterId r:id="rId18"/>
   </p:notesMasterIdLst>
   <p:handoutMasterIdLst>
-    <p:handoutMasterId r:id="rId18"/>
+    <p:handoutMasterId r:id="rId19"/>
   </p:handoutMasterIdLst>
   <p:sldIdLst>
     <p:sldId id="257" r:id="rId2"/>
@@ -20,12 +20,13 @@
     <p:sldId id="265" r:id="rId8"/>
     <p:sldId id="259" r:id="rId9"/>
     <p:sldId id="260" r:id="rId10"/>
-    <p:sldId id="261" r:id="rId11"/>
-    <p:sldId id="262" r:id="rId12"/>
-    <p:sldId id="268" r:id="rId13"/>
-    <p:sldId id="271" r:id="rId14"/>
-    <p:sldId id="269" r:id="rId15"/>
-    <p:sldId id="270" r:id="rId16"/>
+    <p:sldId id="262" r:id="rId11"/>
+    <p:sldId id="261" r:id="rId12"/>
+    <p:sldId id="272" r:id="rId13"/>
+    <p:sldId id="268" r:id="rId14"/>
+    <p:sldId id="271" r:id="rId15"/>
+    <p:sldId id="269" r:id="rId16"/>
+    <p:sldId id="270" r:id="rId17"/>
   </p:sldIdLst>
   <p:sldSz cx="9144000" cy="6858000" type="screen4x3"/>
   <p:notesSz cx="6797675" cy="9928225"/>
@@ -256,7 +257,7 @@
             <a:fld id="{06EAAA8B-8A33-714F-B3A4-08A75FDC36E6}" type="datetimeFigureOut">
               <a:rPr lang="en-US" smtClean="0"/>
               <a:pPr/>
-              <a:t>9/20/16</a:t>
+              <a:t>11/8/16</a:t>
             </a:fld>
             <a:endParaRPr lang="en-US"/>
           </a:p>
@@ -423,7 +424,7 @@
             <a:fld id="{050F0499-AE52-4672-879B-3107B2FC2A9F}" type="datetimeFigureOut">
               <a:rPr lang="ko-KR" altLang="en-US" smtClean="0"/>
               <a:pPr/>
-              <a:t>2016. 9. 20.</a:t>
+              <a:t>2016. 11. 8.</a:t>
             </a:fld>
             <a:endParaRPr lang="ko-KR" altLang="en-US"/>
           </a:p>
@@ -3376,6 +3377,608 @@
           <a:p>
             <a:r>
               <a:rPr lang="en-US" dirty="0" smtClean="0"/>
+              <a:t>Workflow</a:t>
+            </a:r>
+            <a:endParaRPr lang="en-US" dirty="0"/>
+          </a:p>
+        </p:txBody>
+      </p:sp>
+      <p:sp>
+        <p:nvSpPr>
+          <p:cNvPr id="3" name="2 Marcador de contenido"/>
+          <p:cNvSpPr>
+            <a:spLocks noGrp="1"/>
+          </p:cNvSpPr>
+          <p:nvPr>
+            <p:ph idx="1"/>
+          </p:nvPr>
+        </p:nvSpPr>
+        <p:spPr/>
+        <p:txBody>
+          <a:bodyPr>
+            <a:normAutofit fontScale="92500" lnSpcReduction="10000"/>
+          </a:bodyPr>
+          <a:lstStyle/>
+          <a:p>
+            <a:r>
+              <a:rPr lang="en-US" dirty="0" smtClean="0"/>
+              <a:t>Create an account in gitlab.com</a:t>
+            </a:r>
+          </a:p>
+          <a:p>
+            <a:r>
+              <a:rPr lang="en-US" dirty="0" smtClean="0"/>
+              <a:t>Create a private repository (for lab)</a:t>
+            </a:r>
+          </a:p>
+          <a:p>
+            <a:pPr marL="342900" lvl="1" indent="-342900">
+              <a:buSzPct val="65000"/>
+              <a:buFont typeface="Wingdings" pitchFamily="2" charset="2"/>
+              <a:buChar char=""/>
+            </a:pPr>
+            <a:r>
+              <a:rPr lang="en-US" sz="2000" dirty="0" smtClean="0">
+                <a:cs typeface="+mn-cs"/>
+              </a:rPr>
+              <a:t>Fork </a:t>
+            </a:r>
+            <a:r>
+              <a:rPr lang="en-US" sz="2000" dirty="0" smtClean="0">
+                <a:cs typeface="+mn-cs"/>
+                <a:hlinkClick r:id="rId2"/>
+              </a:rPr>
+              <a:t>https://gitlab.com/AOSUC/Lab.git</a:t>
+            </a:r>
+            <a:endParaRPr lang="en-US" sz="2000" dirty="0" smtClean="0">
+              <a:cs typeface="+mn-cs"/>
+            </a:endParaRPr>
+          </a:p>
+          <a:p>
+            <a:pPr marL="342900" lvl="1" indent="-342900">
+              <a:buSzPct val="65000"/>
+              <a:buFont typeface="Wingdings" pitchFamily="2" charset="2"/>
+              <a:buChar char=""/>
+            </a:pPr>
+            <a:r>
+              <a:rPr lang="en-US" sz="2000" dirty="0" smtClean="0">
+                <a:cs typeface="+mn-cs"/>
+              </a:rPr>
+              <a:t>Invite </a:t>
+            </a:r>
+            <a:r>
+              <a:rPr lang="en-US" sz="2000" dirty="0" smtClean="0">
+                <a:cs typeface="+mn-cs"/>
+                <a:hlinkClick r:id="rId3"/>
+              </a:rPr>
+              <a:t>vpuente@gmail.com</a:t>
+            </a:r>
+            <a:r>
+              <a:rPr lang="en-US" sz="2000" dirty="0" smtClean="0">
+                <a:cs typeface="+mn-cs"/>
+              </a:rPr>
+              <a:t> to such repository</a:t>
+            </a:r>
+          </a:p>
+          <a:p>
+            <a:pPr marL="342900" lvl="1" indent="-342900">
+              <a:buSzPct val="65000"/>
+              <a:buFont typeface="Wingdings" pitchFamily="2" charset="2"/>
+              <a:buChar char=""/>
+            </a:pPr>
+            <a:r>
+              <a:rPr lang="en-US" sz="2000" dirty="0" smtClean="0">
+                <a:cs typeface="+mn-cs"/>
+              </a:rPr>
+              <a:t>Start working</a:t>
+            </a:r>
+          </a:p>
+          <a:p>
+            <a:pPr marL="742950" lvl="2" indent="-342900">
+              <a:buFont typeface="Wingdings" pitchFamily="2" charset="2"/>
+              <a:buChar char=""/>
+            </a:pPr>
+            <a:r>
+              <a:rPr lang="en-US" dirty="0" err="1" smtClean="0">
+                <a:latin typeface="Courier" charset="0"/>
+                <a:ea typeface="Courier" charset="0"/>
+                <a:cs typeface="Courier" charset="0"/>
+              </a:rPr>
+              <a:t>git</a:t>
+            </a:r>
+            <a:r>
+              <a:rPr lang="en-US" dirty="0" smtClean="0">
+                <a:latin typeface="Courier" charset="0"/>
+                <a:ea typeface="Courier" charset="0"/>
+                <a:cs typeface="Courier" charset="0"/>
+              </a:rPr>
+              <a:t> clone https://</a:t>
+            </a:r>
+            <a:r>
+              <a:rPr lang="en-US" dirty="0" err="1" smtClean="0">
+                <a:latin typeface="Courier" charset="0"/>
+                <a:ea typeface="Courier" charset="0"/>
+                <a:cs typeface="Courier" charset="0"/>
+              </a:rPr>
+              <a:t>username@gitlab.com</a:t>
+            </a:r>
+            <a:r>
+              <a:rPr lang="en-US" dirty="0" smtClean="0">
+                <a:latin typeface="Courier" charset="0"/>
+                <a:ea typeface="Courier" charset="0"/>
+                <a:cs typeface="Courier" charset="0"/>
+              </a:rPr>
+              <a:t>/</a:t>
+            </a:r>
+            <a:r>
+              <a:rPr lang="en-US" dirty="0" err="1" smtClean="0">
+                <a:latin typeface="Courier" charset="0"/>
+                <a:ea typeface="Courier" charset="0"/>
+                <a:cs typeface="Courier" charset="0"/>
+              </a:rPr>
+              <a:t>Lab.git</a:t>
+            </a:r>
+            <a:endParaRPr lang="en-US" dirty="0" smtClean="0">
+              <a:latin typeface="Courier" charset="0"/>
+              <a:ea typeface="Courier" charset="0"/>
+              <a:cs typeface="Courier" charset="0"/>
+            </a:endParaRPr>
+          </a:p>
+          <a:p>
+            <a:pPr marL="742950" lvl="2" indent="-342900">
+              <a:buFont typeface="Wingdings" pitchFamily="2" charset="2"/>
+              <a:buChar char=""/>
+            </a:pPr>
+            <a:r>
+              <a:rPr lang="en-US" dirty="0" err="1" smtClean="0">
+                <a:latin typeface="Courier" charset="0"/>
+                <a:ea typeface="Courier" charset="0"/>
+                <a:cs typeface="Courier" charset="0"/>
+              </a:rPr>
+              <a:t>git</a:t>
+            </a:r>
+            <a:r>
+              <a:rPr lang="en-US" dirty="0" smtClean="0">
+                <a:latin typeface="Courier" charset="0"/>
+                <a:ea typeface="Courier" charset="0"/>
+                <a:cs typeface="Courier" charset="0"/>
+              </a:rPr>
+              <a:t> branch &lt;DNI&gt;</a:t>
+            </a:r>
+          </a:p>
+          <a:p>
+            <a:pPr marL="742950" lvl="2" indent="-342900">
+              <a:buFont typeface="Wingdings" pitchFamily="2" charset="2"/>
+              <a:buChar char=""/>
+            </a:pPr>
+            <a:r>
+              <a:rPr lang="en-US" dirty="0" err="1" smtClean="0">
+                <a:latin typeface="Courier" charset="0"/>
+                <a:ea typeface="Courier" charset="0"/>
+                <a:cs typeface="Courier" charset="0"/>
+              </a:rPr>
+              <a:t>git</a:t>
+            </a:r>
+            <a:r>
+              <a:rPr lang="en-US" dirty="0" smtClean="0">
+                <a:latin typeface="Courier" charset="0"/>
+                <a:ea typeface="Courier" charset="0"/>
+                <a:cs typeface="Courier" charset="0"/>
+              </a:rPr>
+              <a:t> checkout &lt;DNI&gt;</a:t>
+            </a:r>
+          </a:p>
+          <a:p>
+            <a:pPr marL="742950" lvl="2" indent="-342900">
+              <a:buFont typeface="Wingdings" pitchFamily="2" charset="2"/>
+              <a:buChar char=""/>
+            </a:pPr>
+            <a:r>
+              <a:rPr lang="en-US" dirty="0" smtClean="0">
+                <a:cs typeface="+mn-cs"/>
+              </a:rPr>
+              <a:t>START WORKING THERE / COMMIT AS MUCH AS U NEED!!!</a:t>
+            </a:r>
+          </a:p>
+          <a:p>
+            <a:pPr marL="1200150" lvl="3" indent="-342900">
+              <a:buFont typeface="Wingdings" pitchFamily="2" charset="2"/>
+              <a:buChar char=""/>
+            </a:pPr>
+            <a:r>
+              <a:rPr lang="en-US" dirty="0" err="1" smtClean="0">
+                <a:latin typeface="Courier" charset="0"/>
+                <a:ea typeface="Courier" charset="0"/>
+                <a:cs typeface="Courier" charset="0"/>
+              </a:rPr>
+              <a:t>git</a:t>
+            </a:r>
+            <a:r>
+              <a:rPr lang="en-US" dirty="0" smtClean="0">
+                <a:latin typeface="Courier" charset="0"/>
+                <a:ea typeface="Courier" charset="0"/>
+                <a:cs typeface="Courier" charset="0"/>
+              </a:rPr>
+              <a:t> add NEW_FILES </a:t>
+            </a:r>
+            <a:r>
+              <a:rPr lang="en-US" b="1" dirty="0" smtClean="0">
+                <a:solidFill>
+                  <a:srgbClr val="FF0000"/>
+                </a:solidFill>
+                <a:latin typeface="Courier" charset="0"/>
+                <a:ea typeface="Courier" charset="0"/>
+                <a:cs typeface="Courier" charset="0"/>
+              </a:rPr>
+              <a:t>DO NOT MODIFY ALREADY PRESENT FILES (merge conflicts)</a:t>
+            </a:r>
+          </a:p>
+          <a:p>
+            <a:pPr marL="1200150" lvl="3" indent="-342900">
+              <a:buFont typeface="Wingdings" pitchFamily="2" charset="2"/>
+              <a:buChar char=""/>
+            </a:pPr>
+            <a:r>
+              <a:rPr lang="en-US" b="1" dirty="0">
+                <a:solidFill>
+                  <a:srgbClr val="FF0000"/>
+                </a:solidFill>
+                <a:latin typeface="Courier" charset="0"/>
+                <a:ea typeface="Courier" charset="0"/>
+                <a:cs typeface="Courier" charset="0"/>
+              </a:rPr>
+              <a:t>&lt;</a:t>
+            </a:r>
+            <a:r>
+              <a:rPr lang="en-US" b="1" dirty="0" smtClean="0">
+                <a:solidFill>
+                  <a:srgbClr val="FF0000"/>
+                </a:solidFill>
+                <a:latin typeface="Courier" charset="0"/>
+                <a:ea typeface="Courier" charset="0"/>
+                <a:cs typeface="Courier" charset="0"/>
+              </a:rPr>
+              <a:t>WORK&gt;</a:t>
+            </a:r>
+          </a:p>
+          <a:p>
+            <a:pPr marL="1200150" lvl="3" indent="-342900">
+              <a:buFont typeface="Wingdings" pitchFamily="2" charset="2"/>
+              <a:buChar char=""/>
+            </a:pPr>
+            <a:r>
+              <a:rPr lang="en-US" dirty="0" err="1" smtClean="0">
+                <a:latin typeface="Courier" charset="0"/>
+                <a:ea typeface="Courier" charset="0"/>
+                <a:cs typeface="Courier" charset="0"/>
+              </a:rPr>
+              <a:t>git</a:t>
+            </a:r>
+            <a:r>
+              <a:rPr lang="en-US" dirty="0" smtClean="0">
+                <a:latin typeface="Courier" charset="0"/>
+                <a:ea typeface="Courier" charset="0"/>
+                <a:cs typeface="Courier" charset="0"/>
+              </a:rPr>
+              <a:t> commit </a:t>
+            </a:r>
+            <a:r>
+              <a:rPr lang="en-US" b="1" dirty="0">
+                <a:solidFill>
+                  <a:srgbClr val="FF0000"/>
+                </a:solidFill>
+                <a:latin typeface="Courier" charset="0"/>
+                <a:ea typeface="Courier" charset="0"/>
+                <a:cs typeface="Courier" charset="0"/>
+              </a:rPr>
+              <a:t>&lt;WORK</a:t>
+            </a:r>
+            <a:r>
+              <a:rPr lang="en-US" b="1" dirty="0" smtClean="0">
+                <a:solidFill>
+                  <a:srgbClr val="FF0000"/>
+                </a:solidFill>
+                <a:latin typeface="Courier" charset="0"/>
+                <a:ea typeface="Courier" charset="0"/>
+                <a:cs typeface="Courier" charset="0"/>
+              </a:rPr>
+              <a:t>&gt; </a:t>
+            </a:r>
+            <a:r>
+              <a:rPr lang="en-US" dirty="0" err="1">
+                <a:latin typeface="Courier" charset="0"/>
+                <a:ea typeface="Courier" charset="0"/>
+                <a:cs typeface="Courier" charset="0"/>
+              </a:rPr>
+              <a:t>git</a:t>
+            </a:r>
+            <a:r>
+              <a:rPr lang="en-US" dirty="0">
+                <a:latin typeface="Courier" charset="0"/>
+                <a:ea typeface="Courier" charset="0"/>
+                <a:cs typeface="Courier" charset="0"/>
+              </a:rPr>
+              <a:t> </a:t>
+            </a:r>
+            <a:r>
+              <a:rPr lang="en-US" dirty="0" smtClean="0">
+                <a:latin typeface="Courier" charset="0"/>
+                <a:ea typeface="Courier" charset="0"/>
+                <a:cs typeface="Courier" charset="0"/>
+              </a:rPr>
+              <a:t>commit</a:t>
+            </a:r>
+            <a:r>
+              <a:rPr lang="en-US" b="1" dirty="0">
+                <a:solidFill>
+                  <a:srgbClr val="FF0000"/>
+                </a:solidFill>
+                <a:latin typeface="Courier" charset="0"/>
+                <a:ea typeface="Courier" charset="0"/>
+                <a:cs typeface="Courier" charset="0"/>
+              </a:rPr>
+              <a:t> &lt;WORK&gt; </a:t>
+            </a:r>
+            <a:r>
+              <a:rPr lang="en-US" dirty="0" err="1" smtClean="0">
+                <a:latin typeface="Courier" charset="0"/>
+                <a:ea typeface="Courier" charset="0"/>
+                <a:cs typeface="Courier" charset="0"/>
+              </a:rPr>
+              <a:t>git</a:t>
+            </a:r>
+            <a:r>
+              <a:rPr lang="en-US" dirty="0" smtClean="0">
+                <a:latin typeface="Courier" charset="0"/>
+                <a:ea typeface="Courier" charset="0"/>
+                <a:cs typeface="Courier" charset="0"/>
+              </a:rPr>
+              <a:t> </a:t>
+            </a:r>
+            <a:r>
+              <a:rPr lang="en-US" dirty="0">
+                <a:latin typeface="Courier" charset="0"/>
+                <a:ea typeface="Courier" charset="0"/>
+                <a:cs typeface="Courier" charset="0"/>
+              </a:rPr>
+              <a:t>commit </a:t>
+            </a:r>
+            <a:r>
+              <a:rPr lang="en-US" b="1" dirty="0">
+                <a:solidFill>
+                  <a:srgbClr val="FF0000"/>
+                </a:solidFill>
+                <a:latin typeface="Courier" charset="0"/>
+                <a:ea typeface="Courier" charset="0"/>
+                <a:cs typeface="Courier" charset="0"/>
+              </a:rPr>
+              <a:t>&lt;WORK&gt; </a:t>
+            </a:r>
+            <a:r>
+              <a:rPr lang="is-IS" b="1" dirty="0" smtClean="0">
+                <a:solidFill>
+                  <a:srgbClr val="FF0000"/>
+                </a:solidFill>
+                <a:latin typeface="Courier" charset="0"/>
+                <a:ea typeface="Courier" charset="0"/>
+                <a:cs typeface="Courier" charset="0"/>
+              </a:rPr>
+              <a:t>…</a:t>
+            </a:r>
+            <a:endParaRPr lang="en-US" dirty="0" smtClean="0">
+              <a:latin typeface="Courier" charset="0"/>
+              <a:ea typeface="Courier" charset="0"/>
+              <a:cs typeface="Courier" charset="0"/>
+            </a:endParaRPr>
+          </a:p>
+          <a:p>
+            <a:pPr marL="1200150" lvl="3" indent="-342900">
+              <a:buFont typeface="Wingdings" pitchFamily="2" charset="2"/>
+              <a:buChar char=""/>
+            </a:pPr>
+            <a:r>
+              <a:rPr lang="en-US" dirty="0" err="1" smtClean="0">
+                <a:latin typeface="Courier" charset="0"/>
+                <a:ea typeface="Courier" charset="0"/>
+                <a:cs typeface="Courier" charset="0"/>
+              </a:rPr>
+              <a:t>git</a:t>
+            </a:r>
+            <a:r>
+              <a:rPr lang="en-US" dirty="0" smtClean="0">
+                <a:latin typeface="Courier" charset="0"/>
+                <a:ea typeface="Courier" charset="0"/>
+                <a:cs typeface="Courier" charset="0"/>
+              </a:rPr>
+              <a:t> push </a:t>
+            </a:r>
+          </a:p>
+          <a:p>
+            <a:pPr marL="742950" lvl="2" indent="-342900">
+              <a:buFont typeface="Wingdings" pitchFamily="2" charset="2"/>
+              <a:buChar char=""/>
+            </a:pPr>
+            <a:r>
+              <a:rPr lang="en-US" dirty="0" err="1" smtClean="0">
+                <a:cs typeface="+mn-cs"/>
+              </a:rPr>
+              <a:t>git</a:t>
+            </a:r>
+            <a:r>
+              <a:rPr lang="en-US" dirty="0" smtClean="0">
+                <a:cs typeface="+mn-cs"/>
+              </a:rPr>
+              <a:t> pull </a:t>
+            </a:r>
+            <a:r>
+              <a:rPr lang="en-US" dirty="0" smtClean="0">
+                <a:hlinkClick r:id="rId4"/>
+              </a:rPr>
+              <a:t>https://username@gitlab.com/AOSUC/Lab.git</a:t>
+            </a:r>
+            <a:endParaRPr lang="en-US" dirty="0" smtClean="0">
+              <a:cs typeface="+mn-cs"/>
+            </a:endParaRPr>
+          </a:p>
+          <a:p>
+            <a:pPr marL="342900" lvl="1" indent="-342900">
+              <a:buSzPct val="65000"/>
+              <a:buFont typeface="Wingdings" pitchFamily="2" charset="2"/>
+              <a:buChar char=""/>
+            </a:pPr>
+            <a:endParaRPr lang="en-US" sz="2000" dirty="0" smtClean="0">
+              <a:cs typeface="+mn-cs"/>
+            </a:endParaRPr>
+          </a:p>
+          <a:p>
+            <a:pPr marL="342900" lvl="1" indent="-342900">
+              <a:buSzPct val="65000"/>
+              <a:buFont typeface="Wingdings" pitchFamily="2" charset="2"/>
+              <a:buChar char=""/>
+            </a:pPr>
+            <a:endParaRPr lang="en-US" dirty="0" smtClean="0"/>
+          </a:p>
+          <a:p>
+            <a:endParaRPr lang="en-US" dirty="0"/>
+          </a:p>
+        </p:txBody>
+      </p:sp>
+      <p:sp>
+        <p:nvSpPr>
+          <p:cNvPr id="4" name="3 Marcador de fecha"/>
+          <p:cNvSpPr>
+            <a:spLocks noGrp="1"/>
+          </p:cNvSpPr>
+          <p:nvPr>
+            <p:ph type="dt" sz="half" idx="10"/>
+          </p:nvPr>
+        </p:nvSpPr>
+        <p:spPr/>
+        <p:txBody>
+          <a:bodyPr/>
+          <a:lstStyle/>
+          <a:p>
+            <a:pPr>
+              <a:defRPr/>
+            </a:pPr>
+            <a:r>
+              <a:rPr lang="es-ES" altLang="ko-KR" smtClean="0"/>
+              <a:t>AOS@UC</a:t>
+            </a:r>
+            <a:endParaRPr lang="en-US" altLang="ko-KR" dirty="0"/>
+          </a:p>
+        </p:txBody>
+      </p:sp>
+      <p:sp>
+        <p:nvSpPr>
+          <p:cNvPr id="5" name="4 Marcador de número de diapositiva"/>
+          <p:cNvSpPr>
+            <a:spLocks noGrp="1"/>
+          </p:cNvSpPr>
+          <p:nvPr>
+            <p:ph type="sldNum" sz="quarter" idx="11"/>
+          </p:nvPr>
+        </p:nvSpPr>
+        <p:spPr/>
+        <p:txBody>
+          <a:bodyPr/>
+          <a:lstStyle/>
+          <a:p>
+            <a:pPr>
+              <a:defRPr/>
+            </a:pPr>
+            <a:fld id="{515CC4ED-1449-4712-AE45-EBC263B4DD26}" type="slidenum">
+              <a:rPr lang="en-US" altLang="ko-KR" smtClean="0"/>
+              <a:pPr>
+                <a:defRPr/>
+              </a:pPr>
+              <a:t>10</a:t>
+            </a:fld>
+            <a:r>
+              <a:rPr lang="en-US" altLang="ko-KR" smtClean="0"/>
+              <a:t> </a:t>
+            </a:r>
+            <a:endParaRPr lang="en-US" altLang="ko-KR"/>
+          </a:p>
+        </p:txBody>
+      </p:sp>
+      <p:sp>
+        <p:nvSpPr>
+          <p:cNvPr id="7" name="Marcador de pie de página 6"/>
+          <p:cNvSpPr>
+            <a:spLocks noGrp="1"/>
+          </p:cNvSpPr>
+          <p:nvPr>
+            <p:ph type="ftr" sz="quarter" idx="3"/>
+          </p:nvPr>
+        </p:nvSpPr>
+        <p:spPr/>
+        <p:txBody>
+          <a:bodyPr/>
+          <a:lstStyle/>
+          <a:p>
+            <a:pPr fontAlgn="base">
+              <a:spcBef>
+                <a:spcPct val="0"/>
+              </a:spcBef>
+              <a:spcAft>
+                <a:spcPct val="0"/>
+              </a:spcAft>
+              <a:defRPr/>
+            </a:pPr>
+            <a:r>
+              <a:rPr kumimoji="1" lang="en-US" altLang="ko-KR" smtClean="0"/>
+              <a:t>Valentin Puente</a:t>
+            </a:r>
+            <a:endParaRPr kumimoji="1" lang="ko-KR" altLang="en-US" dirty="0"/>
+          </a:p>
+        </p:txBody>
+      </p:sp>
+    </p:spTree>
+  </p:cSld>
+  <p:clrMapOvr>
+    <a:masterClrMapping/>
+  </p:clrMapOvr>
+  <p:transition>
+    <p:zoom/>
+  </p:transition>
+</p:sld>
+</file>
+
+<file path=ppt/slides/slide11.xml><?xml version="1.0" encoding="utf-8"?>
+<p:sld xmlns:a="http://schemas.openxmlformats.org/drawingml/2006/main" xmlns:r="http://schemas.openxmlformats.org/officeDocument/2006/relationships" xmlns:p="http://schemas.openxmlformats.org/presentationml/2006/main">
+  <p:cSld>
+    <p:spTree>
+      <p:nvGrpSpPr>
+        <p:cNvPr id="1" name=""/>
+        <p:cNvGrpSpPr/>
+        <p:nvPr/>
+      </p:nvGrpSpPr>
+      <p:grpSpPr>
+        <a:xfrm>
+          <a:off x="0" y="0"/>
+          <a:ext cx="0" cy="0"/>
+          <a:chOff x="0" y="0"/>
+          <a:chExt cx="0" cy="0"/>
+        </a:xfrm>
+      </p:grpSpPr>
+      <p:sp>
+        <p:nvSpPr>
+          <p:cNvPr id="2" name="1 Título"/>
+          <p:cNvSpPr>
+            <a:spLocks noGrp="1"/>
+          </p:cNvSpPr>
+          <p:nvPr>
+            <p:ph type="title"/>
+          </p:nvPr>
+        </p:nvSpPr>
+        <p:spPr/>
+        <p:txBody>
+          <a:bodyPr/>
+          <a:lstStyle/>
+          <a:p>
+            <a:r>
+              <a:rPr lang="en-US" dirty="0" smtClean="0"/>
               <a:t>Updating of Guides (Pull)</a:t>
             </a:r>
             <a:endParaRPr lang="en-US" dirty="0"/>
@@ -3488,7 +4091,7 @@
               <a:pPr>
                 <a:defRPr/>
               </a:pPr>
-              <a:t>10</a:t>
+              <a:t>11</a:t>
             </a:fld>
             <a:r>
               <a:rPr lang="en-US" altLang="ko-KR" smtClean="0"/>
@@ -6767,7 +7370,7 @@
 </p:sld>
 </file>
 
-<file path=ppt/slides/slide11.xml><?xml version="1.0" encoding="utf-8"?>
+<file path=ppt/slides/slide12.xml><?xml version="1.0" encoding="utf-8"?>
 <p:sld xmlns:a="http://schemas.openxmlformats.org/drawingml/2006/main" xmlns:r="http://schemas.openxmlformats.org/officeDocument/2006/relationships" xmlns:p="http://schemas.openxmlformats.org/presentationml/2006/main">
   <p:cSld>
     <p:spTree>
@@ -6786,7 +7389,169 @@
       </p:grpSpPr>
       <p:sp>
         <p:nvSpPr>
-          <p:cNvPr id="2" name="1 Título"/>
+          <p:cNvPr id="37" name="Freeform 58"/>
+          <p:cNvSpPr>
+            <a:spLocks/>
+          </p:cNvSpPr>
+          <p:nvPr/>
+        </p:nvSpPr>
+        <p:spPr bwMode="auto">
+          <a:xfrm>
+            <a:off x="4242391" y="4019303"/>
+            <a:ext cx="2607953" cy="231386"/>
+          </a:xfrm>
+          <a:custGeom>
+            <a:avLst/>
+            <a:gdLst/>
+            <a:ahLst/>
+            <a:cxnLst>
+              <a:cxn ang="0">
+                <a:pos x="4754" y="0"/>
+              </a:cxn>
+              <a:cxn ang="0">
+                <a:pos x="4754" y="37"/>
+              </a:cxn>
+              <a:cxn ang="0">
+                <a:pos x="4747" y="110"/>
+              </a:cxn>
+              <a:cxn ang="0">
+                <a:pos x="4731" y="182"/>
+              </a:cxn>
+              <a:cxn ang="0">
+                <a:pos x="4710" y="253"/>
+              </a:cxn>
+              <a:cxn ang="0">
+                <a:pos x="4682" y="319"/>
+              </a:cxn>
+              <a:cxn ang="0">
+                <a:pos x="4648" y="381"/>
+              </a:cxn>
+              <a:cxn ang="0">
+                <a:pos x="4607" y="440"/>
+              </a:cxn>
+              <a:cxn ang="0">
+                <a:pos x="4563" y="495"/>
+              </a:cxn>
+              <a:cxn ang="0">
+                <a:pos x="4512" y="545"/>
+              </a:cxn>
+              <a:cxn ang="0">
+                <a:pos x="4458" y="590"/>
+              </a:cxn>
+              <a:cxn ang="0">
+                <a:pos x="4398" y="630"/>
+              </a:cxn>
+              <a:cxn ang="0">
+                <a:pos x="4337" y="665"/>
+              </a:cxn>
+              <a:cxn ang="0">
+                <a:pos x="4270" y="692"/>
+              </a:cxn>
+              <a:cxn ang="0">
+                <a:pos x="4201" y="714"/>
+              </a:cxn>
+              <a:cxn ang="0">
+                <a:pos x="4129" y="728"/>
+              </a:cxn>
+              <a:cxn ang="0">
+                <a:pos x="4054" y="737"/>
+              </a:cxn>
+              <a:cxn ang="0">
+                <a:pos x="4017" y="737"/>
+              </a:cxn>
+              <a:cxn ang="0">
+                <a:pos x="0" y="737"/>
+              </a:cxn>
+            </a:cxnLst>
+            <a:rect l="0" t="0" r="r" b="b"/>
+            <a:pathLst>
+              <a:path w="4754" h="737">
+                <a:moveTo>
+                  <a:pt x="4754" y="0"/>
+                </a:moveTo>
+                <a:lnTo>
+                  <a:pt x="4754" y="37"/>
+                </a:lnTo>
+                <a:lnTo>
+                  <a:pt x="4747" y="110"/>
+                </a:lnTo>
+                <a:lnTo>
+                  <a:pt x="4731" y="182"/>
+                </a:lnTo>
+                <a:lnTo>
+                  <a:pt x="4710" y="253"/>
+                </a:lnTo>
+                <a:lnTo>
+                  <a:pt x="4682" y="319"/>
+                </a:lnTo>
+                <a:lnTo>
+                  <a:pt x="4648" y="381"/>
+                </a:lnTo>
+                <a:lnTo>
+                  <a:pt x="4607" y="440"/>
+                </a:lnTo>
+                <a:lnTo>
+                  <a:pt x="4563" y="495"/>
+                </a:lnTo>
+                <a:lnTo>
+                  <a:pt x="4512" y="545"/>
+                </a:lnTo>
+                <a:lnTo>
+                  <a:pt x="4458" y="590"/>
+                </a:lnTo>
+                <a:lnTo>
+                  <a:pt x="4398" y="630"/>
+                </a:lnTo>
+                <a:lnTo>
+                  <a:pt x="4337" y="665"/>
+                </a:lnTo>
+                <a:lnTo>
+                  <a:pt x="4270" y="692"/>
+                </a:lnTo>
+                <a:lnTo>
+                  <a:pt x="4201" y="714"/>
+                </a:lnTo>
+                <a:lnTo>
+                  <a:pt x="4129" y="728"/>
+                </a:lnTo>
+                <a:lnTo>
+                  <a:pt x="4054" y="737"/>
+                </a:lnTo>
+                <a:lnTo>
+                  <a:pt x="4017" y="737"/>
+                </a:lnTo>
+                <a:lnTo>
+                  <a:pt x="0" y="737"/>
+                </a:lnTo>
+              </a:path>
+            </a:pathLst>
+          </a:custGeom>
+          <a:noFill/>
+          <a:ln w="38100">
+            <a:solidFill>
+              <a:srgbClr val="414141"/>
+            </a:solidFill>
+            <a:prstDash val="solid"/>
+            <a:round/>
+            <a:headEnd/>
+            <a:tailEnd/>
+          </a:ln>
+        </p:spPr>
+        <p:txBody>
+          <a:bodyPr vert="horz" wrap="square" lIns="91440" tIns="45720" rIns="91440" bIns="45720" numCol="1" anchor="t" anchorCtr="0" compatLnSpc="1">
+            <a:prstTxWarp prst="textNoShape">
+              <a:avLst/>
+            </a:prstTxWarp>
+          </a:bodyPr>
+          <a:lstStyle/>
+          <a:p>
+            <a:endParaRPr lang="en-US" sz="1200"/>
+          </a:p>
+        </p:txBody>
+      </p:sp>
+      <p:sp>
+        <p:nvSpPr>
+          <p:cNvPr id="2" name="Título 1"/>
           <p:cNvSpPr>
             <a:spLocks noGrp="1"/>
           </p:cNvSpPr>
@@ -6801,7 +7566,7 @@
           <a:p>
             <a:r>
               <a:rPr lang="en-US" dirty="0" smtClean="0"/>
-              <a:t>Workflow</a:t>
+              <a:t>Download changes from the common repo</a:t>
             </a:r>
             <a:endParaRPr lang="en-US" dirty="0"/>
           </a:p>
@@ -6809,7 +7574,7 @@
       </p:sp>
       <p:sp>
         <p:nvSpPr>
-          <p:cNvPr id="3" name="2 Marcador de contenido"/>
+          <p:cNvPr id="3" name="Marcador de contenido 2"/>
           <p:cNvSpPr>
             <a:spLocks noGrp="1"/>
           </p:cNvSpPr>
@@ -6820,88 +7585,17 @@
         <p:spPr/>
         <p:txBody>
           <a:bodyPr>
-            <a:normAutofit fontScale="92500" lnSpcReduction="10000"/>
+            <a:normAutofit lnSpcReduction="10000"/>
           </a:bodyPr>
           <a:lstStyle/>
           <a:p>
             <a:r>
               <a:rPr lang="en-US" dirty="0" smtClean="0"/>
-              <a:t>Create an account in gitlab.com</a:t>
-            </a:r>
-          </a:p>
-          <a:p>
-            <a:r>
-              <a:rPr lang="en-US" dirty="0" smtClean="0"/>
-              <a:t>Create a private repository (for lab)</a:t>
-            </a:r>
-          </a:p>
-          <a:p>
-            <a:pPr marL="342900" lvl="1" indent="-342900">
-              <a:buSzPct val="65000"/>
-              <a:buFont typeface="Wingdings" pitchFamily="2" charset="2"/>
-              <a:buChar char=""/>
-            </a:pPr>
-            <a:r>
-              <a:rPr lang="en-US" sz="2000" dirty="0" smtClean="0">
-                <a:cs typeface="+mn-cs"/>
-              </a:rPr>
-              <a:t>Fork </a:t>
-            </a:r>
-            <a:r>
-              <a:rPr lang="en-US" sz="2000" dirty="0" smtClean="0">
-                <a:cs typeface="+mn-cs"/>
-                <a:hlinkClick r:id="rId2"/>
-              </a:rPr>
-              <a:t>https://gitlab.com/AOSUC/Lab.git</a:t>
-            </a:r>
-            <a:endParaRPr lang="en-US" sz="2000" dirty="0" smtClean="0">
-              <a:cs typeface="+mn-cs"/>
-            </a:endParaRPr>
-          </a:p>
-          <a:p>
-            <a:pPr marL="342900" lvl="1" indent="-342900">
-              <a:buSzPct val="65000"/>
-              <a:buFont typeface="Wingdings" pitchFamily="2" charset="2"/>
-              <a:buChar char=""/>
-            </a:pPr>
-            <a:r>
-              <a:rPr lang="en-US" sz="2000" dirty="0" smtClean="0">
-                <a:cs typeface="+mn-cs"/>
-              </a:rPr>
-              <a:t>Invite </a:t>
-            </a:r>
-            <a:r>
-              <a:rPr lang="en-US" sz="2000" dirty="0" smtClean="0">
-                <a:cs typeface="+mn-cs"/>
-                <a:hlinkClick r:id="rId3"/>
-              </a:rPr>
-              <a:t>vpuente@gmail.com</a:t>
-            </a:r>
-            <a:r>
-              <a:rPr lang="en-US" sz="2000" dirty="0" smtClean="0">
-                <a:cs typeface="+mn-cs"/>
-              </a:rPr>
-              <a:t> to such repository</a:t>
-            </a:r>
-          </a:p>
-          <a:p>
-            <a:pPr marL="342900" lvl="1" indent="-342900">
-              <a:buSzPct val="65000"/>
-              <a:buFont typeface="Wingdings" pitchFamily="2" charset="2"/>
-              <a:buChar char=""/>
-            </a:pPr>
-            <a:r>
-              <a:rPr lang="en-US" sz="2000" dirty="0" smtClean="0">
-                <a:cs typeface="+mn-cs"/>
-              </a:rPr>
-              <a:t>Start working</a:t>
-            </a:r>
-          </a:p>
-          <a:p>
-            <a:pPr marL="742950" lvl="2" indent="-342900">
-              <a:buFont typeface="Wingdings" pitchFamily="2" charset="2"/>
-              <a:buChar char=""/>
-            </a:pPr>
+              <a:t>How to integrate changes from mainline in my fork?</a:t>
+            </a:r>
+          </a:p>
+          <a:p>
+            <a:pPr lvl="1"/>
             <a:r>
               <a:rPr lang="en-US" dirty="0" err="1" smtClean="0">
                 <a:latin typeface="Courier" charset="0"/>
@@ -6916,43 +7610,11 @@
                 <a:ea typeface="Courier" charset="0"/>
                 <a:cs typeface="Courier" charset="0"/>
               </a:rPr>
-              <a:t> clone https://</a:t>
-            </a:r>
-            <a:r>
-              <a:rPr lang="en-US" dirty="0" err="1" smtClean="0">
-                <a:latin typeface="Courier" charset="0"/>
-                <a:ea typeface="Courier" charset="0"/>
-                <a:cs typeface="Courier" charset="0"/>
-              </a:rPr>
-              <a:t>username@gitlab.com</a:t>
-            </a:r>
-            <a:r>
-              <a:rPr lang="en-US" dirty="0" smtClean="0">
-                <a:latin typeface="Courier" charset="0"/>
-                <a:ea typeface="Courier" charset="0"/>
-                <a:cs typeface="Courier" charset="0"/>
-              </a:rPr>
-              <a:t>/</a:t>
-            </a:r>
-            <a:r>
-              <a:rPr lang="en-US" dirty="0" err="1" smtClean="0">
-                <a:latin typeface="Courier" charset="0"/>
-                <a:ea typeface="Courier" charset="0"/>
-                <a:cs typeface="Courier" charset="0"/>
-              </a:rPr>
-              <a:t>Lab.git</a:t>
-            </a:r>
-            <a:endParaRPr lang="en-US" dirty="0" smtClean="0">
-              <a:latin typeface="Courier" charset="0"/>
-              <a:ea typeface="Courier" charset="0"/>
-              <a:cs typeface="Courier" charset="0"/>
-            </a:endParaRPr>
-          </a:p>
-          <a:p>
-            <a:pPr marL="742950" lvl="2" indent="-342900">
-              <a:buFont typeface="Wingdings" pitchFamily="2" charset="2"/>
-              <a:buChar char=""/>
-            </a:pPr>
+              <a:t> checkout master</a:t>
+            </a:r>
+          </a:p>
+          <a:p>
+            <a:pPr lvl="1"/>
             <a:r>
               <a:rPr lang="en-US" dirty="0" err="1" smtClean="0">
                 <a:latin typeface="Courier" charset="0"/>
@@ -6967,14 +7629,25 @@
                 <a:ea typeface="Courier" charset="0"/>
                 <a:cs typeface="Courier" charset="0"/>
               </a:rPr>
-              <a:t> branch &lt;DNI&gt;</a:t>
-            </a:r>
-          </a:p>
-          <a:p>
-            <a:pPr marL="742950" lvl="2" indent="-342900">
-              <a:buFont typeface="Wingdings" pitchFamily="2" charset="2"/>
-              <a:buChar char=""/>
-            </a:pPr>
+              <a:t> pull </a:t>
+            </a:r>
+            <a:r>
+              <a:rPr lang="en-US" dirty="0" smtClean="0">
+                <a:latin typeface="Courier" charset="0"/>
+                <a:ea typeface="Courier" charset="0"/>
+                <a:cs typeface="Courier" charset="0"/>
+                <a:hlinkClick r:id="rId2"/>
+              </a:rPr>
+              <a:t>https://gitlab.com/AOSUC/Lab</a:t>
+            </a:r>
+            <a:endParaRPr lang="en-US" dirty="0" smtClean="0">
+              <a:latin typeface="Courier" charset="0"/>
+              <a:ea typeface="Courier" charset="0"/>
+              <a:cs typeface="Courier" charset="0"/>
+            </a:endParaRPr>
+          </a:p>
+          <a:p>
+            <a:pPr lvl="1"/>
             <a:r>
               <a:rPr lang="en-US" dirty="0" err="1" smtClean="0">
                 <a:latin typeface="Courier" charset="0"/>
@@ -6993,22 +7666,7 @@
             </a:r>
           </a:p>
           <a:p>
-            <a:pPr marL="742950" lvl="2" indent="-342900">
-              <a:buFont typeface="Wingdings" pitchFamily="2" charset="2"/>
-              <a:buChar char=""/>
-            </a:pPr>
-            <a:r>
-              <a:rPr lang="en-US" dirty="0" smtClean="0">
-                <a:cs typeface="+mn-cs"/>
-              </a:rPr>
-              <a:t>START WORKING THERE / COMMIT AS MUCH AS U NEED!!!</a:t>
-            </a:r>
-          </a:p>
-          <a:p>
-            <a:pPr marL="1200150" lvl="3" indent="-342900">
-              <a:buFont typeface="Wingdings" pitchFamily="2" charset="2"/>
-              <a:buChar char=""/>
-            </a:pPr>
+            <a:pPr lvl="1"/>
             <a:r>
               <a:rPr lang="en-US" dirty="0" err="1" smtClean="0">
                 <a:latin typeface="Courier" charset="0"/>
@@ -7023,253 +7681,56 @@
                 <a:ea typeface="Courier" charset="0"/>
                 <a:cs typeface="Courier" charset="0"/>
               </a:rPr>
-              <a:t> add NEW_FILES </a:t>
-            </a:r>
-            <a:r>
-              <a:rPr lang="en-US" b="1" dirty="0" smtClean="0">
-                <a:solidFill>
-                  <a:srgbClr val="FF0000"/>
-                </a:solidFill>
-                <a:latin typeface="Courier" charset="0"/>
-                <a:ea typeface="Courier" charset="0"/>
-                <a:cs typeface="Courier" charset="0"/>
-              </a:rPr>
-              <a:t>DO NOT MODIFY ALREADY PRESENT FILES (merge conflicts)</a:t>
-            </a:r>
-          </a:p>
-          <a:p>
-            <a:pPr marL="1200150" lvl="3" indent="-342900">
-              <a:buFont typeface="Wingdings" pitchFamily="2" charset="2"/>
-              <a:buChar char=""/>
-            </a:pPr>
-            <a:r>
-              <a:rPr lang="en-US" b="1" dirty="0">
-                <a:solidFill>
-                  <a:srgbClr val="FF0000"/>
-                </a:solidFill>
-                <a:latin typeface="Courier" charset="0"/>
-                <a:ea typeface="Courier" charset="0"/>
-                <a:cs typeface="Courier" charset="0"/>
-              </a:rPr>
-              <a:t>&lt;</a:t>
-            </a:r>
-            <a:r>
-              <a:rPr lang="en-US" b="1" dirty="0" smtClean="0">
-                <a:solidFill>
-                  <a:srgbClr val="FF0000"/>
-                </a:solidFill>
-                <a:latin typeface="Courier" charset="0"/>
-                <a:ea typeface="Courier" charset="0"/>
-                <a:cs typeface="Courier" charset="0"/>
-              </a:rPr>
-              <a:t>WORK&gt;</a:t>
-            </a:r>
-          </a:p>
-          <a:p>
-            <a:pPr marL="1200150" lvl="3" indent="-342900">
-              <a:buFont typeface="Wingdings" pitchFamily="2" charset="2"/>
-              <a:buChar char=""/>
-            </a:pPr>
-            <a:r>
-              <a:rPr lang="en-US" dirty="0" err="1" smtClean="0">
-                <a:latin typeface="Courier" charset="0"/>
-                <a:ea typeface="Courier" charset="0"/>
-                <a:cs typeface="Courier" charset="0"/>
-              </a:rPr>
-              <a:t>git</a:t>
-            </a:r>
-            <a:r>
-              <a:rPr lang="en-US" dirty="0" smtClean="0">
-                <a:latin typeface="Courier" charset="0"/>
-                <a:ea typeface="Courier" charset="0"/>
-                <a:cs typeface="Courier" charset="0"/>
-              </a:rPr>
-              <a:t> commit </a:t>
-            </a:r>
-            <a:r>
-              <a:rPr lang="en-US" b="1" dirty="0">
-                <a:solidFill>
-                  <a:srgbClr val="FF0000"/>
-                </a:solidFill>
-                <a:latin typeface="Courier" charset="0"/>
-                <a:ea typeface="Courier" charset="0"/>
-                <a:cs typeface="Courier" charset="0"/>
-              </a:rPr>
-              <a:t>&lt;WORK</a:t>
-            </a:r>
-            <a:r>
-              <a:rPr lang="en-US" b="1" dirty="0" smtClean="0">
-                <a:solidFill>
-                  <a:srgbClr val="FF0000"/>
-                </a:solidFill>
-                <a:latin typeface="Courier" charset="0"/>
-                <a:ea typeface="Courier" charset="0"/>
-                <a:cs typeface="Courier" charset="0"/>
-              </a:rPr>
-              <a:t>&gt; </a:t>
-            </a:r>
-            <a:r>
-              <a:rPr lang="en-US" dirty="0" err="1">
-                <a:latin typeface="Courier" charset="0"/>
-                <a:ea typeface="Courier" charset="0"/>
-                <a:cs typeface="Courier" charset="0"/>
-              </a:rPr>
-              <a:t>git</a:t>
-            </a:r>
-            <a:r>
-              <a:rPr lang="en-US" dirty="0">
-                <a:latin typeface="Courier" charset="0"/>
-                <a:ea typeface="Courier" charset="0"/>
-                <a:cs typeface="Courier" charset="0"/>
-              </a:rPr>
-              <a:t> </a:t>
-            </a:r>
-            <a:r>
-              <a:rPr lang="en-US" dirty="0" smtClean="0">
-                <a:latin typeface="Courier" charset="0"/>
-                <a:ea typeface="Courier" charset="0"/>
-                <a:cs typeface="Courier" charset="0"/>
-              </a:rPr>
-              <a:t>commit</a:t>
-            </a:r>
-            <a:r>
-              <a:rPr lang="en-US" b="1" dirty="0">
-                <a:solidFill>
-                  <a:srgbClr val="FF0000"/>
-                </a:solidFill>
-                <a:latin typeface="Courier" charset="0"/>
-                <a:ea typeface="Courier" charset="0"/>
-                <a:cs typeface="Courier" charset="0"/>
-              </a:rPr>
-              <a:t> &lt;WORK&gt; </a:t>
-            </a:r>
-            <a:r>
-              <a:rPr lang="en-US" dirty="0" err="1" smtClean="0">
-                <a:latin typeface="Courier" charset="0"/>
-                <a:ea typeface="Courier" charset="0"/>
-                <a:cs typeface="Courier" charset="0"/>
-              </a:rPr>
-              <a:t>git</a:t>
-            </a:r>
-            <a:r>
-              <a:rPr lang="en-US" dirty="0" smtClean="0">
-                <a:latin typeface="Courier" charset="0"/>
-                <a:ea typeface="Courier" charset="0"/>
-                <a:cs typeface="Courier" charset="0"/>
-              </a:rPr>
-              <a:t> </a:t>
-            </a:r>
-            <a:r>
-              <a:rPr lang="en-US" dirty="0">
-                <a:latin typeface="Courier" charset="0"/>
-                <a:ea typeface="Courier" charset="0"/>
-                <a:cs typeface="Courier" charset="0"/>
-              </a:rPr>
-              <a:t>commit </a:t>
-            </a:r>
-            <a:r>
-              <a:rPr lang="en-US" b="1" dirty="0">
-                <a:solidFill>
-                  <a:srgbClr val="FF0000"/>
-                </a:solidFill>
-                <a:latin typeface="Courier" charset="0"/>
-                <a:ea typeface="Courier" charset="0"/>
-                <a:cs typeface="Courier" charset="0"/>
-              </a:rPr>
-              <a:t>&lt;WORK&gt; </a:t>
-            </a:r>
-            <a:r>
-              <a:rPr lang="is-IS" b="1" dirty="0" smtClean="0">
-                <a:solidFill>
-                  <a:srgbClr val="FF0000"/>
-                </a:solidFill>
-                <a:latin typeface="Courier" charset="0"/>
-                <a:ea typeface="Courier" charset="0"/>
-                <a:cs typeface="Courier" charset="0"/>
-              </a:rPr>
-              <a:t>…</a:t>
-            </a:r>
-            <a:endParaRPr lang="en-US" dirty="0" smtClean="0">
-              <a:latin typeface="Courier" charset="0"/>
-              <a:ea typeface="Courier" charset="0"/>
-              <a:cs typeface="Courier" charset="0"/>
-            </a:endParaRPr>
-          </a:p>
-          <a:p>
-            <a:pPr marL="1200150" lvl="3" indent="-342900">
-              <a:buFont typeface="Wingdings" pitchFamily="2" charset="2"/>
-              <a:buChar char=""/>
-            </a:pPr>
-            <a:r>
-              <a:rPr lang="en-US" dirty="0" err="1" smtClean="0">
-                <a:latin typeface="Courier" charset="0"/>
-                <a:ea typeface="Courier" charset="0"/>
-                <a:cs typeface="Courier" charset="0"/>
-              </a:rPr>
-              <a:t>git</a:t>
-            </a:r>
-            <a:r>
-              <a:rPr lang="en-US" dirty="0" smtClean="0">
-                <a:latin typeface="Courier" charset="0"/>
-                <a:ea typeface="Courier" charset="0"/>
-                <a:cs typeface="Courier" charset="0"/>
-              </a:rPr>
-              <a:t> push </a:t>
-            </a:r>
-          </a:p>
-          <a:p>
-            <a:pPr marL="742950" lvl="2" indent="-342900">
-              <a:buFont typeface="Wingdings" pitchFamily="2" charset="2"/>
-              <a:buChar char=""/>
-            </a:pPr>
-            <a:r>
-              <a:rPr lang="en-US" dirty="0" err="1" smtClean="0">
-                <a:cs typeface="+mn-cs"/>
-              </a:rPr>
-              <a:t>git</a:t>
-            </a:r>
-            <a:r>
-              <a:rPr lang="en-US" dirty="0" smtClean="0">
-                <a:cs typeface="+mn-cs"/>
-              </a:rPr>
-              <a:t> pull </a:t>
-            </a:r>
-            <a:r>
-              <a:rPr lang="en-US" dirty="0" smtClean="0">
-                <a:hlinkClick r:id="rId4"/>
-              </a:rPr>
-              <a:t>https://username@gitlab.com/AOSUC/Lab.git</a:t>
-            </a:r>
-            <a:endParaRPr lang="en-US" dirty="0" smtClean="0">
-              <a:cs typeface="+mn-cs"/>
-            </a:endParaRPr>
-          </a:p>
-          <a:p>
-            <a:pPr marL="342900" lvl="1" indent="-342900">
-              <a:buSzPct val="65000"/>
-              <a:buFont typeface="Wingdings" pitchFamily="2" charset="2"/>
-              <a:buChar char=""/>
-            </a:pPr>
-            <a:endParaRPr lang="en-US" sz="2000" dirty="0" smtClean="0">
-              <a:cs typeface="+mn-cs"/>
-            </a:endParaRPr>
-          </a:p>
-          <a:p>
-            <a:pPr marL="342900" lvl="1" indent="-342900">
-              <a:buSzPct val="65000"/>
-              <a:buFont typeface="Wingdings" pitchFamily="2" charset="2"/>
-              <a:buChar char=""/>
-            </a:pPr>
+              <a:t> rebase master</a:t>
+            </a:r>
+          </a:p>
+          <a:p>
+            <a:pPr lvl="1"/>
             <a:endParaRPr lang="en-US" dirty="0" smtClean="0"/>
           </a:p>
           <a:p>
+            <a:pPr lvl="1"/>
+            <a:endParaRPr lang="en-US" dirty="0"/>
+          </a:p>
+          <a:p>
+            <a:pPr lvl="1"/>
+            <a:endParaRPr lang="en-US" dirty="0" smtClean="0"/>
+          </a:p>
+          <a:p>
+            <a:pPr lvl="1"/>
+            <a:endParaRPr lang="en-US" dirty="0"/>
+          </a:p>
+          <a:p>
+            <a:r>
+              <a:rPr lang="en-US" dirty="0" smtClean="0"/>
+              <a:t>This process might fail if done in “non” reliable clock environment</a:t>
+            </a:r>
+          </a:p>
+          <a:p>
+            <a:pPr lvl="1"/>
+            <a:r>
+              <a:rPr lang="en-US" dirty="0" smtClean="0"/>
+              <a:t>For example if we have clock-skew between system and files (</a:t>
+            </a:r>
+            <a:r>
+              <a:rPr lang="en-US" dirty="0" err="1" smtClean="0"/>
+              <a:t>v.gr</a:t>
+            </a:r>
+            <a:r>
+              <a:rPr lang="en-US" dirty="0" smtClean="0"/>
+              <a:t>. Virtual Box </a:t>
+            </a:r>
+            <a:r>
+              <a:rPr lang="en-US" smtClean="0"/>
+              <a:t>and host shared directory !!!)</a:t>
+            </a:r>
             <a:endParaRPr lang="en-US" dirty="0"/>
           </a:p>
         </p:txBody>
       </p:sp>
       <p:sp>
         <p:nvSpPr>
-          <p:cNvPr id="4" name="3 Marcador de fecha"/>
+          <p:cNvPr id="4" name="Marcador de fecha 3"/>
           <p:cNvSpPr>
             <a:spLocks noGrp="1"/>
           </p:cNvSpPr>
@@ -7295,7 +7756,7 @@
       </p:sp>
       <p:sp>
         <p:nvSpPr>
-          <p:cNvPr id="5" name="4 Marcador de número de diapositiva"/>
+          <p:cNvPr id="5" name="Marcador de número de diapositiva 4"/>
           <p:cNvSpPr>
             <a:spLocks noGrp="1"/>
           </p:cNvSpPr>
@@ -7316,7 +7777,7 @@
               <a:pPr>
                 <a:defRPr/>
               </a:pPr>
-              <a:t>11</a:t>
+              <a:t>12</a:t>
             </a:fld>
             <a:r>
               <a:rPr lang="en-US" altLang="ko-KR" smtClean="0"/>
@@ -7328,7 +7789,7 @@
       </p:sp>
       <p:sp>
         <p:nvSpPr>
-          <p:cNvPr id="7" name="Marcador de pie de página 6"/>
+          <p:cNvPr id="6" name="Marcador de pie de página 5"/>
           <p:cNvSpPr>
             <a:spLocks noGrp="1"/>
           </p:cNvSpPr>
@@ -7358,7 +7819,5693 @@
           </a:p>
         </p:txBody>
       </p:sp>
+      <p:grpSp>
+        <p:nvGrpSpPr>
+          <p:cNvPr id="7" name="32 Grupo"/>
+          <p:cNvGrpSpPr/>
+          <p:nvPr/>
+        </p:nvGrpSpPr>
+        <p:grpSpPr>
+          <a:xfrm>
+            <a:off x="178722" y="3151783"/>
+            <a:ext cx="3642859" cy="1783480"/>
+            <a:chOff x="827584" y="2177192"/>
+            <a:chExt cx="5889641" cy="3169806"/>
+          </a:xfrm>
+        </p:grpSpPr>
+        <p:sp>
+          <p:nvSpPr>
+            <p:cNvPr id="10" name="Line 5"/>
+            <p:cNvSpPr>
+              <a:spLocks noChangeShapeType="1"/>
+            </p:cNvSpPr>
+            <p:nvPr/>
+          </p:nvSpPr>
+          <p:spPr bwMode="auto">
+            <a:xfrm>
+              <a:off x="2608610" y="4130303"/>
+              <a:ext cx="2586038" cy="1588"/>
+            </a:xfrm>
+            <a:prstGeom prst="line">
+              <a:avLst/>
+            </a:prstGeom>
+            <a:noFill/>
+            <a:ln w="38100">
+              <a:solidFill>
+                <a:srgbClr val="414141"/>
+              </a:solidFill>
+              <a:prstDash val="solid"/>
+              <a:round/>
+              <a:headEnd/>
+              <a:tailEnd/>
+            </a:ln>
+          </p:spPr>
+          <p:txBody>
+            <a:bodyPr vert="horz" wrap="square" lIns="91440" tIns="45720" rIns="91440" bIns="45720" numCol="1" anchor="t" anchorCtr="0" compatLnSpc="1">
+              <a:prstTxWarp prst="textNoShape">
+                <a:avLst/>
+              </a:prstTxWarp>
+            </a:bodyPr>
+            <a:lstStyle/>
+            <a:p>
+              <a:endParaRPr lang="en-US" sz="1200"/>
+            </a:p>
+          </p:txBody>
+        </p:sp>
+        <p:sp>
+          <p:nvSpPr>
+            <p:cNvPr id="11" name="Freeform 7"/>
+            <p:cNvSpPr>
+              <a:spLocks/>
+            </p:cNvSpPr>
+            <p:nvPr/>
+          </p:nvSpPr>
+          <p:spPr bwMode="auto">
+            <a:xfrm>
+              <a:off x="2411760" y="3930278"/>
+              <a:ext cx="400050" cy="400050"/>
+            </a:xfrm>
+            <a:custGeom>
+              <a:avLst/>
+              <a:gdLst/>
+              <a:ahLst/>
+              <a:cxnLst>
+                <a:cxn ang="0">
+                  <a:pos x="756" y="379"/>
+                </a:cxn>
+                <a:cxn ang="0">
+                  <a:pos x="755" y="418"/>
+                </a:cxn>
+                <a:cxn ang="0">
+                  <a:pos x="741" y="491"/>
+                </a:cxn>
+                <a:cxn ang="0">
+                  <a:pos x="712" y="559"/>
+                </a:cxn>
+                <a:cxn ang="0">
+                  <a:pos x="670" y="619"/>
+                </a:cxn>
+                <a:cxn ang="0">
+                  <a:pos x="620" y="671"/>
+                </a:cxn>
+                <a:cxn ang="0">
+                  <a:pos x="559" y="711"/>
+                </a:cxn>
+                <a:cxn ang="0">
+                  <a:pos x="491" y="740"/>
+                </a:cxn>
+                <a:cxn ang="0">
+                  <a:pos x="417" y="755"/>
+                </a:cxn>
+                <a:cxn ang="0">
+                  <a:pos x="379" y="756"/>
+                </a:cxn>
+                <a:cxn ang="0">
+                  <a:pos x="340" y="755"/>
+                </a:cxn>
+                <a:cxn ang="0">
+                  <a:pos x="265" y="740"/>
+                </a:cxn>
+                <a:cxn ang="0">
+                  <a:pos x="198" y="711"/>
+                </a:cxn>
+                <a:cxn ang="0">
+                  <a:pos x="137" y="671"/>
+                </a:cxn>
+                <a:cxn ang="0">
+                  <a:pos x="87" y="619"/>
+                </a:cxn>
+                <a:cxn ang="0">
+                  <a:pos x="45" y="559"/>
+                </a:cxn>
+                <a:cxn ang="0">
+                  <a:pos x="16" y="491"/>
+                </a:cxn>
+                <a:cxn ang="0">
+                  <a:pos x="2" y="418"/>
+                </a:cxn>
+                <a:cxn ang="0">
+                  <a:pos x="0" y="379"/>
+                </a:cxn>
+                <a:cxn ang="0">
+                  <a:pos x="2" y="340"/>
+                </a:cxn>
+                <a:cxn ang="0">
+                  <a:pos x="16" y="266"/>
+                </a:cxn>
+                <a:cxn ang="0">
+                  <a:pos x="45" y="197"/>
+                </a:cxn>
+                <a:cxn ang="0">
+                  <a:pos x="87" y="138"/>
+                </a:cxn>
+                <a:cxn ang="0">
+                  <a:pos x="137" y="86"/>
+                </a:cxn>
+                <a:cxn ang="0">
+                  <a:pos x="198" y="46"/>
+                </a:cxn>
+                <a:cxn ang="0">
+                  <a:pos x="265" y="17"/>
+                </a:cxn>
+                <a:cxn ang="0">
+                  <a:pos x="340" y="1"/>
+                </a:cxn>
+                <a:cxn ang="0">
+                  <a:pos x="379" y="0"/>
+                </a:cxn>
+                <a:cxn ang="0">
+                  <a:pos x="417" y="1"/>
+                </a:cxn>
+                <a:cxn ang="0">
+                  <a:pos x="491" y="17"/>
+                </a:cxn>
+                <a:cxn ang="0">
+                  <a:pos x="559" y="46"/>
+                </a:cxn>
+                <a:cxn ang="0">
+                  <a:pos x="620" y="86"/>
+                </a:cxn>
+                <a:cxn ang="0">
+                  <a:pos x="670" y="138"/>
+                </a:cxn>
+                <a:cxn ang="0">
+                  <a:pos x="712" y="197"/>
+                </a:cxn>
+                <a:cxn ang="0">
+                  <a:pos x="741" y="266"/>
+                </a:cxn>
+                <a:cxn ang="0">
+                  <a:pos x="755" y="340"/>
+                </a:cxn>
+                <a:cxn ang="0">
+                  <a:pos x="756" y="379"/>
+                </a:cxn>
+              </a:cxnLst>
+              <a:rect l="0" t="0" r="r" b="b"/>
+              <a:pathLst>
+                <a:path w="756" h="756">
+                  <a:moveTo>
+                    <a:pt x="756" y="379"/>
+                  </a:moveTo>
+                  <a:lnTo>
+                    <a:pt x="755" y="418"/>
+                  </a:lnTo>
+                  <a:lnTo>
+                    <a:pt x="741" y="491"/>
+                  </a:lnTo>
+                  <a:lnTo>
+                    <a:pt x="712" y="559"/>
+                  </a:lnTo>
+                  <a:lnTo>
+                    <a:pt x="670" y="619"/>
+                  </a:lnTo>
+                  <a:lnTo>
+                    <a:pt x="620" y="671"/>
+                  </a:lnTo>
+                  <a:lnTo>
+                    <a:pt x="559" y="711"/>
+                  </a:lnTo>
+                  <a:lnTo>
+                    <a:pt x="491" y="740"/>
+                  </a:lnTo>
+                  <a:lnTo>
+                    <a:pt x="417" y="755"/>
+                  </a:lnTo>
+                  <a:lnTo>
+                    <a:pt x="379" y="756"/>
+                  </a:lnTo>
+                  <a:lnTo>
+                    <a:pt x="340" y="755"/>
+                  </a:lnTo>
+                  <a:lnTo>
+                    <a:pt x="265" y="740"/>
+                  </a:lnTo>
+                  <a:lnTo>
+                    <a:pt x="198" y="711"/>
+                  </a:lnTo>
+                  <a:lnTo>
+                    <a:pt x="137" y="671"/>
+                  </a:lnTo>
+                  <a:lnTo>
+                    <a:pt x="87" y="619"/>
+                  </a:lnTo>
+                  <a:lnTo>
+                    <a:pt x="45" y="559"/>
+                  </a:lnTo>
+                  <a:lnTo>
+                    <a:pt x="16" y="491"/>
+                  </a:lnTo>
+                  <a:lnTo>
+                    <a:pt x="2" y="418"/>
+                  </a:lnTo>
+                  <a:lnTo>
+                    <a:pt x="0" y="379"/>
+                  </a:lnTo>
+                  <a:lnTo>
+                    <a:pt x="2" y="340"/>
+                  </a:lnTo>
+                  <a:lnTo>
+                    <a:pt x="16" y="266"/>
+                  </a:lnTo>
+                  <a:lnTo>
+                    <a:pt x="45" y="197"/>
+                  </a:lnTo>
+                  <a:lnTo>
+                    <a:pt x="87" y="138"/>
+                  </a:lnTo>
+                  <a:lnTo>
+                    <a:pt x="137" y="86"/>
+                  </a:lnTo>
+                  <a:lnTo>
+                    <a:pt x="198" y="46"/>
+                  </a:lnTo>
+                  <a:lnTo>
+                    <a:pt x="265" y="17"/>
+                  </a:lnTo>
+                  <a:lnTo>
+                    <a:pt x="340" y="1"/>
+                  </a:lnTo>
+                  <a:lnTo>
+                    <a:pt x="379" y="0"/>
+                  </a:lnTo>
+                  <a:lnTo>
+                    <a:pt x="417" y="1"/>
+                  </a:lnTo>
+                  <a:lnTo>
+                    <a:pt x="491" y="17"/>
+                  </a:lnTo>
+                  <a:lnTo>
+                    <a:pt x="559" y="46"/>
+                  </a:lnTo>
+                  <a:lnTo>
+                    <a:pt x="620" y="86"/>
+                  </a:lnTo>
+                  <a:lnTo>
+                    <a:pt x="670" y="138"/>
+                  </a:lnTo>
+                  <a:lnTo>
+                    <a:pt x="712" y="197"/>
+                  </a:lnTo>
+                  <a:lnTo>
+                    <a:pt x="741" y="266"/>
+                  </a:lnTo>
+                  <a:lnTo>
+                    <a:pt x="755" y="340"/>
+                  </a:lnTo>
+                  <a:lnTo>
+                    <a:pt x="756" y="379"/>
+                  </a:lnTo>
+                  <a:close/>
+                </a:path>
+              </a:pathLst>
+            </a:custGeom>
+            <a:solidFill>
+              <a:srgbClr val="FFFFFF"/>
+            </a:solidFill>
+            <a:ln w="38100">
+              <a:solidFill>
+                <a:srgbClr val="414141"/>
+              </a:solidFill>
+              <a:prstDash val="solid"/>
+              <a:round/>
+              <a:headEnd/>
+              <a:tailEnd/>
+            </a:ln>
+          </p:spPr>
+          <p:txBody>
+            <a:bodyPr vert="horz" wrap="square" lIns="91440" tIns="45720" rIns="91440" bIns="45720" numCol="1" anchor="t" anchorCtr="0" compatLnSpc="1">
+              <a:prstTxWarp prst="textNoShape">
+                <a:avLst/>
+              </a:prstTxWarp>
+            </a:bodyPr>
+            <a:lstStyle/>
+            <a:p>
+              <a:endParaRPr lang="en-US" sz="1200"/>
+            </a:p>
+          </p:txBody>
+        </p:sp>
+        <p:sp>
+          <p:nvSpPr>
+            <p:cNvPr id="12" name="Freeform 8"/>
+            <p:cNvSpPr>
+              <a:spLocks/>
+            </p:cNvSpPr>
+            <p:nvPr/>
+          </p:nvSpPr>
+          <p:spPr bwMode="auto">
+            <a:xfrm>
+              <a:off x="4000848" y="3930278"/>
+              <a:ext cx="400050" cy="400050"/>
+            </a:xfrm>
+            <a:custGeom>
+              <a:avLst/>
+              <a:gdLst/>
+              <a:ahLst/>
+              <a:cxnLst>
+                <a:cxn ang="0">
+                  <a:pos x="756" y="379"/>
+                </a:cxn>
+                <a:cxn ang="0">
+                  <a:pos x="755" y="418"/>
+                </a:cxn>
+                <a:cxn ang="0">
+                  <a:pos x="740" y="491"/>
+                </a:cxn>
+                <a:cxn ang="0">
+                  <a:pos x="712" y="559"/>
+                </a:cxn>
+                <a:cxn ang="0">
+                  <a:pos x="670" y="619"/>
+                </a:cxn>
+                <a:cxn ang="0">
+                  <a:pos x="619" y="671"/>
+                </a:cxn>
+                <a:cxn ang="0">
+                  <a:pos x="559" y="711"/>
+                </a:cxn>
+                <a:cxn ang="0">
+                  <a:pos x="491" y="740"/>
+                </a:cxn>
+                <a:cxn ang="0">
+                  <a:pos x="416" y="755"/>
+                </a:cxn>
+                <a:cxn ang="0">
+                  <a:pos x="377" y="756"/>
+                </a:cxn>
+                <a:cxn ang="0">
+                  <a:pos x="340" y="755"/>
+                </a:cxn>
+                <a:cxn ang="0">
+                  <a:pos x="265" y="740"/>
+                </a:cxn>
+                <a:cxn ang="0">
+                  <a:pos x="197" y="711"/>
+                </a:cxn>
+                <a:cxn ang="0">
+                  <a:pos x="137" y="671"/>
+                </a:cxn>
+                <a:cxn ang="0">
+                  <a:pos x="87" y="619"/>
+                </a:cxn>
+                <a:cxn ang="0">
+                  <a:pos x="45" y="559"/>
+                </a:cxn>
+                <a:cxn ang="0">
+                  <a:pos x="16" y="491"/>
+                </a:cxn>
+                <a:cxn ang="0">
+                  <a:pos x="2" y="418"/>
+                </a:cxn>
+                <a:cxn ang="0">
+                  <a:pos x="0" y="379"/>
+                </a:cxn>
+                <a:cxn ang="0">
+                  <a:pos x="2" y="340"/>
+                </a:cxn>
+                <a:cxn ang="0">
+                  <a:pos x="16" y="266"/>
+                </a:cxn>
+                <a:cxn ang="0">
+                  <a:pos x="45" y="197"/>
+                </a:cxn>
+                <a:cxn ang="0">
+                  <a:pos x="87" y="138"/>
+                </a:cxn>
+                <a:cxn ang="0">
+                  <a:pos x="137" y="86"/>
+                </a:cxn>
+                <a:cxn ang="0">
+                  <a:pos x="197" y="46"/>
+                </a:cxn>
+                <a:cxn ang="0">
+                  <a:pos x="265" y="17"/>
+                </a:cxn>
+                <a:cxn ang="0">
+                  <a:pos x="340" y="1"/>
+                </a:cxn>
+                <a:cxn ang="0">
+                  <a:pos x="377" y="0"/>
+                </a:cxn>
+                <a:cxn ang="0">
+                  <a:pos x="416" y="1"/>
+                </a:cxn>
+                <a:cxn ang="0">
+                  <a:pos x="491" y="17"/>
+                </a:cxn>
+                <a:cxn ang="0">
+                  <a:pos x="559" y="46"/>
+                </a:cxn>
+                <a:cxn ang="0">
+                  <a:pos x="619" y="86"/>
+                </a:cxn>
+                <a:cxn ang="0">
+                  <a:pos x="670" y="138"/>
+                </a:cxn>
+                <a:cxn ang="0">
+                  <a:pos x="712" y="197"/>
+                </a:cxn>
+                <a:cxn ang="0">
+                  <a:pos x="740" y="266"/>
+                </a:cxn>
+                <a:cxn ang="0">
+                  <a:pos x="755" y="340"/>
+                </a:cxn>
+                <a:cxn ang="0">
+                  <a:pos x="756" y="379"/>
+                </a:cxn>
+              </a:cxnLst>
+              <a:rect l="0" t="0" r="r" b="b"/>
+              <a:pathLst>
+                <a:path w="756" h="756">
+                  <a:moveTo>
+                    <a:pt x="756" y="379"/>
+                  </a:moveTo>
+                  <a:lnTo>
+                    <a:pt x="755" y="418"/>
+                  </a:lnTo>
+                  <a:lnTo>
+                    <a:pt x="740" y="491"/>
+                  </a:lnTo>
+                  <a:lnTo>
+                    <a:pt x="712" y="559"/>
+                  </a:lnTo>
+                  <a:lnTo>
+                    <a:pt x="670" y="619"/>
+                  </a:lnTo>
+                  <a:lnTo>
+                    <a:pt x="619" y="671"/>
+                  </a:lnTo>
+                  <a:lnTo>
+                    <a:pt x="559" y="711"/>
+                  </a:lnTo>
+                  <a:lnTo>
+                    <a:pt x="491" y="740"/>
+                  </a:lnTo>
+                  <a:lnTo>
+                    <a:pt x="416" y="755"/>
+                  </a:lnTo>
+                  <a:lnTo>
+                    <a:pt x="377" y="756"/>
+                  </a:lnTo>
+                  <a:lnTo>
+                    <a:pt x="340" y="755"/>
+                  </a:lnTo>
+                  <a:lnTo>
+                    <a:pt x="265" y="740"/>
+                  </a:lnTo>
+                  <a:lnTo>
+                    <a:pt x="197" y="711"/>
+                  </a:lnTo>
+                  <a:lnTo>
+                    <a:pt x="137" y="671"/>
+                  </a:lnTo>
+                  <a:lnTo>
+                    <a:pt x="87" y="619"/>
+                  </a:lnTo>
+                  <a:lnTo>
+                    <a:pt x="45" y="559"/>
+                  </a:lnTo>
+                  <a:lnTo>
+                    <a:pt x="16" y="491"/>
+                  </a:lnTo>
+                  <a:lnTo>
+                    <a:pt x="2" y="418"/>
+                  </a:lnTo>
+                  <a:lnTo>
+                    <a:pt x="0" y="379"/>
+                  </a:lnTo>
+                  <a:lnTo>
+                    <a:pt x="2" y="340"/>
+                  </a:lnTo>
+                  <a:lnTo>
+                    <a:pt x="16" y="266"/>
+                  </a:lnTo>
+                  <a:lnTo>
+                    <a:pt x="45" y="197"/>
+                  </a:lnTo>
+                  <a:lnTo>
+                    <a:pt x="87" y="138"/>
+                  </a:lnTo>
+                  <a:lnTo>
+                    <a:pt x="137" y="86"/>
+                  </a:lnTo>
+                  <a:lnTo>
+                    <a:pt x="197" y="46"/>
+                  </a:lnTo>
+                  <a:lnTo>
+                    <a:pt x="265" y="17"/>
+                  </a:lnTo>
+                  <a:lnTo>
+                    <a:pt x="340" y="1"/>
+                  </a:lnTo>
+                  <a:lnTo>
+                    <a:pt x="377" y="0"/>
+                  </a:lnTo>
+                  <a:lnTo>
+                    <a:pt x="416" y="1"/>
+                  </a:lnTo>
+                  <a:lnTo>
+                    <a:pt x="491" y="17"/>
+                  </a:lnTo>
+                  <a:lnTo>
+                    <a:pt x="559" y="46"/>
+                  </a:lnTo>
+                  <a:lnTo>
+                    <a:pt x="619" y="86"/>
+                  </a:lnTo>
+                  <a:lnTo>
+                    <a:pt x="670" y="138"/>
+                  </a:lnTo>
+                  <a:lnTo>
+                    <a:pt x="712" y="197"/>
+                  </a:lnTo>
+                  <a:lnTo>
+                    <a:pt x="740" y="266"/>
+                  </a:lnTo>
+                  <a:lnTo>
+                    <a:pt x="755" y="340"/>
+                  </a:lnTo>
+                  <a:lnTo>
+                    <a:pt x="756" y="379"/>
+                  </a:lnTo>
+                  <a:close/>
+                </a:path>
+              </a:pathLst>
+            </a:custGeom>
+            <a:solidFill>
+              <a:srgbClr val="FFFFFF"/>
+            </a:solidFill>
+            <a:ln w="38100">
+              <a:solidFill>
+                <a:srgbClr val="414141"/>
+              </a:solidFill>
+              <a:prstDash val="solid"/>
+              <a:round/>
+              <a:headEnd/>
+              <a:tailEnd/>
+            </a:ln>
+          </p:spPr>
+          <p:txBody>
+            <a:bodyPr vert="horz" wrap="square" lIns="91440" tIns="45720" rIns="91440" bIns="45720" numCol="1" anchor="t" anchorCtr="0" compatLnSpc="1">
+              <a:prstTxWarp prst="textNoShape">
+                <a:avLst/>
+              </a:prstTxWarp>
+            </a:bodyPr>
+            <a:lstStyle/>
+            <a:p>
+              <a:endParaRPr lang="en-US" sz="1200"/>
+            </a:p>
+          </p:txBody>
+        </p:sp>
+        <p:sp>
+          <p:nvSpPr>
+            <p:cNvPr id="13" name="Freeform 9"/>
+            <p:cNvSpPr>
+              <a:spLocks/>
+            </p:cNvSpPr>
+            <p:nvPr/>
+          </p:nvSpPr>
+          <p:spPr bwMode="auto">
+            <a:xfrm>
+              <a:off x="4794598" y="3930278"/>
+              <a:ext cx="400050" cy="400050"/>
+            </a:xfrm>
+            <a:custGeom>
+              <a:avLst/>
+              <a:gdLst/>
+              <a:ahLst/>
+              <a:cxnLst>
+                <a:cxn ang="0">
+                  <a:pos x="756" y="379"/>
+                </a:cxn>
+                <a:cxn ang="0">
+                  <a:pos x="755" y="418"/>
+                </a:cxn>
+                <a:cxn ang="0">
+                  <a:pos x="741" y="491"/>
+                </a:cxn>
+                <a:cxn ang="0">
+                  <a:pos x="712" y="559"/>
+                </a:cxn>
+                <a:cxn ang="0">
+                  <a:pos x="671" y="619"/>
+                </a:cxn>
+                <a:cxn ang="0">
+                  <a:pos x="620" y="671"/>
+                </a:cxn>
+                <a:cxn ang="0">
+                  <a:pos x="559" y="711"/>
+                </a:cxn>
+                <a:cxn ang="0">
+                  <a:pos x="491" y="740"/>
+                </a:cxn>
+                <a:cxn ang="0">
+                  <a:pos x="418" y="755"/>
+                </a:cxn>
+                <a:cxn ang="0">
+                  <a:pos x="379" y="756"/>
+                </a:cxn>
+                <a:cxn ang="0">
+                  <a:pos x="340" y="755"/>
+                </a:cxn>
+                <a:cxn ang="0">
+                  <a:pos x="267" y="740"/>
+                </a:cxn>
+                <a:cxn ang="0">
+                  <a:pos x="198" y="711"/>
+                </a:cxn>
+                <a:cxn ang="0">
+                  <a:pos x="139" y="671"/>
+                </a:cxn>
+                <a:cxn ang="0">
+                  <a:pos x="87" y="619"/>
+                </a:cxn>
+                <a:cxn ang="0">
+                  <a:pos x="46" y="559"/>
+                </a:cxn>
+                <a:cxn ang="0">
+                  <a:pos x="18" y="491"/>
+                </a:cxn>
+                <a:cxn ang="0">
+                  <a:pos x="2" y="418"/>
+                </a:cxn>
+                <a:cxn ang="0">
+                  <a:pos x="0" y="379"/>
+                </a:cxn>
+                <a:cxn ang="0">
+                  <a:pos x="2" y="340"/>
+                </a:cxn>
+                <a:cxn ang="0">
+                  <a:pos x="18" y="266"/>
+                </a:cxn>
+                <a:cxn ang="0">
+                  <a:pos x="46" y="197"/>
+                </a:cxn>
+                <a:cxn ang="0">
+                  <a:pos x="87" y="138"/>
+                </a:cxn>
+                <a:cxn ang="0">
+                  <a:pos x="139" y="86"/>
+                </a:cxn>
+                <a:cxn ang="0">
+                  <a:pos x="198" y="46"/>
+                </a:cxn>
+                <a:cxn ang="0">
+                  <a:pos x="267" y="17"/>
+                </a:cxn>
+                <a:cxn ang="0">
+                  <a:pos x="340" y="1"/>
+                </a:cxn>
+                <a:cxn ang="0">
+                  <a:pos x="379" y="0"/>
+                </a:cxn>
+                <a:cxn ang="0">
+                  <a:pos x="418" y="1"/>
+                </a:cxn>
+                <a:cxn ang="0">
+                  <a:pos x="491" y="17"/>
+                </a:cxn>
+                <a:cxn ang="0">
+                  <a:pos x="559" y="46"/>
+                </a:cxn>
+                <a:cxn ang="0">
+                  <a:pos x="620" y="86"/>
+                </a:cxn>
+                <a:cxn ang="0">
+                  <a:pos x="671" y="138"/>
+                </a:cxn>
+                <a:cxn ang="0">
+                  <a:pos x="712" y="197"/>
+                </a:cxn>
+                <a:cxn ang="0">
+                  <a:pos x="741" y="266"/>
+                </a:cxn>
+                <a:cxn ang="0">
+                  <a:pos x="755" y="340"/>
+                </a:cxn>
+                <a:cxn ang="0">
+                  <a:pos x="756" y="379"/>
+                </a:cxn>
+              </a:cxnLst>
+              <a:rect l="0" t="0" r="r" b="b"/>
+              <a:pathLst>
+                <a:path w="756" h="756">
+                  <a:moveTo>
+                    <a:pt x="756" y="379"/>
+                  </a:moveTo>
+                  <a:lnTo>
+                    <a:pt x="755" y="418"/>
+                  </a:lnTo>
+                  <a:lnTo>
+                    <a:pt x="741" y="491"/>
+                  </a:lnTo>
+                  <a:lnTo>
+                    <a:pt x="712" y="559"/>
+                  </a:lnTo>
+                  <a:lnTo>
+                    <a:pt x="671" y="619"/>
+                  </a:lnTo>
+                  <a:lnTo>
+                    <a:pt x="620" y="671"/>
+                  </a:lnTo>
+                  <a:lnTo>
+                    <a:pt x="559" y="711"/>
+                  </a:lnTo>
+                  <a:lnTo>
+                    <a:pt x="491" y="740"/>
+                  </a:lnTo>
+                  <a:lnTo>
+                    <a:pt x="418" y="755"/>
+                  </a:lnTo>
+                  <a:lnTo>
+                    <a:pt x="379" y="756"/>
+                  </a:lnTo>
+                  <a:lnTo>
+                    <a:pt x="340" y="755"/>
+                  </a:lnTo>
+                  <a:lnTo>
+                    <a:pt x="267" y="740"/>
+                  </a:lnTo>
+                  <a:lnTo>
+                    <a:pt x="198" y="711"/>
+                  </a:lnTo>
+                  <a:lnTo>
+                    <a:pt x="139" y="671"/>
+                  </a:lnTo>
+                  <a:lnTo>
+                    <a:pt x="87" y="619"/>
+                  </a:lnTo>
+                  <a:lnTo>
+                    <a:pt x="46" y="559"/>
+                  </a:lnTo>
+                  <a:lnTo>
+                    <a:pt x="18" y="491"/>
+                  </a:lnTo>
+                  <a:lnTo>
+                    <a:pt x="2" y="418"/>
+                  </a:lnTo>
+                  <a:lnTo>
+                    <a:pt x="0" y="379"/>
+                  </a:lnTo>
+                  <a:lnTo>
+                    <a:pt x="2" y="340"/>
+                  </a:lnTo>
+                  <a:lnTo>
+                    <a:pt x="18" y="266"/>
+                  </a:lnTo>
+                  <a:lnTo>
+                    <a:pt x="46" y="197"/>
+                  </a:lnTo>
+                  <a:lnTo>
+                    <a:pt x="87" y="138"/>
+                  </a:lnTo>
+                  <a:lnTo>
+                    <a:pt x="139" y="86"/>
+                  </a:lnTo>
+                  <a:lnTo>
+                    <a:pt x="198" y="46"/>
+                  </a:lnTo>
+                  <a:lnTo>
+                    <a:pt x="267" y="17"/>
+                  </a:lnTo>
+                  <a:lnTo>
+                    <a:pt x="340" y="1"/>
+                  </a:lnTo>
+                  <a:lnTo>
+                    <a:pt x="379" y="0"/>
+                  </a:lnTo>
+                  <a:lnTo>
+                    <a:pt x="418" y="1"/>
+                  </a:lnTo>
+                  <a:lnTo>
+                    <a:pt x="491" y="17"/>
+                  </a:lnTo>
+                  <a:lnTo>
+                    <a:pt x="559" y="46"/>
+                  </a:lnTo>
+                  <a:lnTo>
+                    <a:pt x="620" y="86"/>
+                  </a:lnTo>
+                  <a:lnTo>
+                    <a:pt x="671" y="138"/>
+                  </a:lnTo>
+                  <a:lnTo>
+                    <a:pt x="712" y="197"/>
+                  </a:lnTo>
+                  <a:lnTo>
+                    <a:pt x="741" y="266"/>
+                  </a:lnTo>
+                  <a:lnTo>
+                    <a:pt x="755" y="340"/>
+                  </a:lnTo>
+                  <a:lnTo>
+                    <a:pt x="756" y="379"/>
+                  </a:lnTo>
+                  <a:close/>
+                </a:path>
+              </a:pathLst>
+            </a:custGeom>
+            <a:solidFill>
+              <a:srgbClr val="59ADDF"/>
+            </a:solidFill>
+            <a:ln w="38100">
+              <a:solidFill>
+                <a:srgbClr val="414141"/>
+              </a:solidFill>
+              <a:prstDash val="solid"/>
+              <a:round/>
+              <a:headEnd/>
+              <a:tailEnd/>
+            </a:ln>
+          </p:spPr>
+          <p:txBody>
+            <a:bodyPr vert="horz" wrap="square" lIns="91440" tIns="45720" rIns="91440" bIns="45720" numCol="1" anchor="t" anchorCtr="0" compatLnSpc="1">
+              <a:prstTxWarp prst="textNoShape">
+                <a:avLst/>
+              </a:prstTxWarp>
+            </a:bodyPr>
+            <a:lstStyle/>
+            <a:p>
+              <a:endParaRPr lang="en-US" sz="1200"/>
+            </a:p>
+          </p:txBody>
+        </p:sp>
+        <p:sp>
+          <p:nvSpPr>
+            <p:cNvPr id="14" name="Line 10"/>
+            <p:cNvSpPr>
+              <a:spLocks noChangeShapeType="1"/>
+            </p:cNvSpPr>
+            <p:nvPr/>
+          </p:nvSpPr>
+          <p:spPr bwMode="auto">
+            <a:xfrm flipV="1">
+              <a:off x="4962426" y="4453702"/>
+              <a:ext cx="1588" cy="223838"/>
+            </a:xfrm>
+            <a:prstGeom prst="line">
+              <a:avLst/>
+            </a:prstGeom>
+            <a:noFill/>
+            <a:ln w="38100">
+              <a:solidFill>
+                <a:srgbClr val="414141"/>
+              </a:solidFill>
+              <a:prstDash val="solid"/>
+              <a:round/>
+              <a:headEnd/>
+              <a:tailEnd/>
+            </a:ln>
+          </p:spPr>
+          <p:txBody>
+            <a:bodyPr vert="horz" wrap="square" lIns="91440" tIns="45720" rIns="91440" bIns="45720" numCol="1" anchor="t" anchorCtr="0" compatLnSpc="1">
+              <a:prstTxWarp prst="textNoShape">
+                <a:avLst/>
+              </a:prstTxWarp>
+            </a:bodyPr>
+            <a:lstStyle/>
+            <a:p>
+              <a:endParaRPr lang="en-US" sz="1200"/>
+            </a:p>
+          </p:txBody>
+        </p:sp>
+        <p:sp>
+          <p:nvSpPr>
+            <p:cNvPr id="15" name="Freeform 11"/>
+            <p:cNvSpPr>
+              <a:spLocks/>
+            </p:cNvSpPr>
+            <p:nvPr/>
+          </p:nvSpPr>
+          <p:spPr bwMode="auto">
+            <a:xfrm rot="10800000">
+              <a:off x="4860033" y="4437112"/>
+              <a:ext cx="206375" cy="103188"/>
+            </a:xfrm>
+            <a:custGeom>
+              <a:avLst/>
+              <a:gdLst/>
+              <a:ahLst/>
+              <a:cxnLst>
+                <a:cxn ang="0">
+                  <a:pos x="391" y="0"/>
+                </a:cxn>
+                <a:cxn ang="0">
+                  <a:pos x="195" y="195"/>
+                </a:cxn>
+                <a:cxn ang="0">
+                  <a:pos x="0" y="0"/>
+                </a:cxn>
+              </a:cxnLst>
+              <a:rect l="0" t="0" r="r" b="b"/>
+              <a:pathLst>
+                <a:path w="391" h="195">
+                  <a:moveTo>
+                    <a:pt x="391" y="0"/>
+                  </a:moveTo>
+                  <a:lnTo>
+                    <a:pt x="195" y="195"/>
+                  </a:lnTo>
+                  <a:lnTo>
+                    <a:pt x="0" y="0"/>
+                  </a:lnTo>
+                </a:path>
+              </a:pathLst>
+            </a:custGeom>
+            <a:noFill/>
+            <a:ln w="38100">
+              <a:solidFill>
+                <a:srgbClr val="414141"/>
+              </a:solidFill>
+              <a:prstDash val="solid"/>
+              <a:round/>
+              <a:headEnd/>
+              <a:tailEnd/>
+            </a:ln>
+          </p:spPr>
+          <p:txBody>
+            <a:bodyPr vert="horz" wrap="square" lIns="91440" tIns="45720" rIns="91440" bIns="45720" numCol="1" anchor="t" anchorCtr="0" compatLnSpc="1">
+              <a:prstTxWarp prst="textNoShape">
+                <a:avLst/>
+              </a:prstTxWarp>
+            </a:bodyPr>
+            <a:lstStyle/>
+            <a:p>
+              <a:endParaRPr lang="en-US" sz="1200"/>
+            </a:p>
+          </p:txBody>
+        </p:sp>
+        <p:sp>
+          <p:nvSpPr>
+            <p:cNvPr id="16" name="Rectangle 12"/>
+            <p:cNvSpPr>
+              <a:spLocks noChangeArrowheads="1"/>
+            </p:cNvSpPr>
+            <p:nvPr/>
+          </p:nvSpPr>
+          <p:spPr bwMode="auto">
+            <a:xfrm>
+              <a:off x="4283968" y="4869160"/>
+              <a:ext cx="1365250" cy="477838"/>
+            </a:xfrm>
+            <a:prstGeom prst="rect">
+              <a:avLst/>
+            </a:prstGeom>
+            <a:solidFill>
+              <a:srgbClr val="B5E1F8"/>
+            </a:solidFill>
+            <a:ln w="38100">
+              <a:solidFill>
+                <a:srgbClr val="414141"/>
+              </a:solidFill>
+              <a:prstDash val="solid"/>
+              <a:miter lim="800000"/>
+              <a:headEnd/>
+              <a:tailEnd/>
+            </a:ln>
+          </p:spPr>
+          <p:txBody>
+            <a:bodyPr vert="horz" wrap="square" lIns="91440" tIns="45720" rIns="91440" bIns="45720" numCol="1" anchor="ctr" anchorCtr="0" compatLnSpc="1">
+              <a:prstTxWarp prst="textNoShape">
+                <a:avLst/>
+              </a:prstTxWarp>
+            </a:bodyPr>
+            <a:lstStyle/>
+            <a:p>
+              <a:pPr algn="ctr"/>
+              <a:r>
+                <a:rPr lang="en-US" sz="900" dirty="0" smtClean="0"/>
+                <a:t>Lab Guides</a:t>
+              </a:r>
+              <a:endParaRPr lang="en-US" sz="1100" dirty="0"/>
+            </a:p>
+          </p:txBody>
+        </p:sp>
+        <p:sp>
+          <p:nvSpPr>
+            <p:cNvPr id="17" name="Line 57"/>
+            <p:cNvSpPr>
+              <a:spLocks noChangeShapeType="1"/>
+            </p:cNvSpPr>
+            <p:nvPr/>
+          </p:nvSpPr>
+          <p:spPr bwMode="auto">
+            <a:xfrm>
+              <a:off x="4626472" y="3349242"/>
+              <a:ext cx="1281106" cy="14642"/>
+            </a:xfrm>
+            <a:prstGeom prst="line">
+              <a:avLst/>
+            </a:prstGeom>
+            <a:noFill/>
+            <a:ln w="38100">
+              <a:solidFill>
+                <a:srgbClr val="414141"/>
+              </a:solidFill>
+              <a:prstDash val="solid"/>
+              <a:round/>
+              <a:headEnd/>
+              <a:tailEnd/>
+            </a:ln>
+          </p:spPr>
+          <p:txBody>
+            <a:bodyPr vert="horz" wrap="square" lIns="91440" tIns="45720" rIns="91440" bIns="45720" numCol="1" anchor="t" anchorCtr="0" compatLnSpc="1">
+              <a:prstTxWarp prst="textNoShape">
+                <a:avLst/>
+              </a:prstTxWarp>
+            </a:bodyPr>
+            <a:lstStyle/>
+            <a:p>
+              <a:endParaRPr lang="en-US" sz="1200"/>
+            </a:p>
+          </p:txBody>
+        </p:sp>
+        <p:sp>
+          <p:nvSpPr>
+            <p:cNvPr id="18" name="Freeform 58"/>
+            <p:cNvSpPr>
+              <a:spLocks/>
+            </p:cNvSpPr>
+            <p:nvPr/>
+          </p:nvSpPr>
+          <p:spPr bwMode="auto">
+            <a:xfrm>
+              <a:off x="1027609" y="3741355"/>
+              <a:ext cx="2516188" cy="388938"/>
+            </a:xfrm>
+            <a:custGeom>
+              <a:avLst/>
+              <a:gdLst/>
+              <a:ahLst/>
+              <a:cxnLst>
+                <a:cxn ang="0">
+                  <a:pos x="4754" y="0"/>
+                </a:cxn>
+                <a:cxn ang="0">
+                  <a:pos x="4754" y="37"/>
+                </a:cxn>
+                <a:cxn ang="0">
+                  <a:pos x="4747" y="110"/>
+                </a:cxn>
+                <a:cxn ang="0">
+                  <a:pos x="4731" y="182"/>
+                </a:cxn>
+                <a:cxn ang="0">
+                  <a:pos x="4710" y="253"/>
+                </a:cxn>
+                <a:cxn ang="0">
+                  <a:pos x="4682" y="319"/>
+                </a:cxn>
+                <a:cxn ang="0">
+                  <a:pos x="4648" y="381"/>
+                </a:cxn>
+                <a:cxn ang="0">
+                  <a:pos x="4607" y="440"/>
+                </a:cxn>
+                <a:cxn ang="0">
+                  <a:pos x="4563" y="495"/>
+                </a:cxn>
+                <a:cxn ang="0">
+                  <a:pos x="4512" y="545"/>
+                </a:cxn>
+                <a:cxn ang="0">
+                  <a:pos x="4458" y="590"/>
+                </a:cxn>
+                <a:cxn ang="0">
+                  <a:pos x="4398" y="630"/>
+                </a:cxn>
+                <a:cxn ang="0">
+                  <a:pos x="4337" y="665"/>
+                </a:cxn>
+                <a:cxn ang="0">
+                  <a:pos x="4270" y="692"/>
+                </a:cxn>
+                <a:cxn ang="0">
+                  <a:pos x="4201" y="714"/>
+                </a:cxn>
+                <a:cxn ang="0">
+                  <a:pos x="4129" y="728"/>
+                </a:cxn>
+                <a:cxn ang="0">
+                  <a:pos x="4054" y="737"/>
+                </a:cxn>
+                <a:cxn ang="0">
+                  <a:pos x="4017" y="737"/>
+                </a:cxn>
+                <a:cxn ang="0">
+                  <a:pos x="0" y="737"/>
+                </a:cxn>
+              </a:cxnLst>
+              <a:rect l="0" t="0" r="r" b="b"/>
+              <a:pathLst>
+                <a:path w="4754" h="737">
+                  <a:moveTo>
+                    <a:pt x="4754" y="0"/>
+                  </a:moveTo>
+                  <a:lnTo>
+                    <a:pt x="4754" y="37"/>
+                  </a:lnTo>
+                  <a:lnTo>
+                    <a:pt x="4747" y="110"/>
+                  </a:lnTo>
+                  <a:lnTo>
+                    <a:pt x="4731" y="182"/>
+                  </a:lnTo>
+                  <a:lnTo>
+                    <a:pt x="4710" y="253"/>
+                  </a:lnTo>
+                  <a:lnTo>
+                    <a:pt x="4682" y="319"/>
+                  </a:lnTo>
+                  <a:lnTo>
+                    <a:pt x="4648" y="381"/>
+                  </a:lnTo>
+                  <a:lnTo>
+                    <a:pt x="4607" y="440"/>
+                  </a:lnTo>
+                  <a:lnTo>
+                    <a:pt x="4563" y="495"/>
+                  </a:lnTo>
+                  <a:lnTo>
+                    <a:pt x="4512" y="545"/>
+                  </a:lnTo>
+                  <a:lnTo>
+                    <a:pt x="4458" y="590"/>
+                  </a:lnTo>
+                  <a:lnTo>
+                    <a:pt x="4398" y="630"/>
+                  </a:lnTo>
+                  <a:lnTo>
+                    <a:pt x="4337" y="665"/>
+                  </a:lnTo>
+                  <a:lnTo>
+                    <a:pt x="4270" y="692"/>
+                  </a:lnTo>
+                  <a:lnTo>
+                    <a:pt x="4201" y="714"/>
+                  </a:lnTo>
+                  <a:lnTo>
+                    <a:pt x="4129" y="728"/>
+                  </a:lnTo>
+                  <a:lnTo>
+                    <a:pt x="4054" y="737"/>
+                  </a:lnTo>
+                  <a:lnTo>
+                    <a:pt x="4017" y="737"/>
+                  </a:lnTo>
+                  <a:lnTo>
+                    <a:pt x="0" y="737"/>
+                  </a:lnTo>
+                </a:path>
+              </a:pathLst>
+            </a:custGeom>
+            <a:noFill/>
+            <a:ln w="38100">
+              <a:solidFill>
+                <a:srgbClr val="414141"/>
+              </a:solidFill>
+              <a:prstDash val="solid"/>
+              <a:round/>
+              <a:headEnd/>
+              <a:tailEnd/>
+            </a:ln>
+          </p:spPr>
+          <p:txBody>
+            <a:bodyPr vert="horz" wrap="square" lIns="91440" tIns="45720" rIns="91440" bIns="45720" numCol="1" anchor="t" anchorCtr="0" compatLnSpc="1">
+              <a:prstTxWarp prst="textNoShape">
+                <a:avLst/>
+              </a:prstTxWarp>
+            </a:bodyPr>
+            <a:lstStyle/>
+            <a:p>
+              <a:endParaRPr lang="en-US" sz="1200"/>
+            </a:p>
+          </p:txBody>
+        </p:sp>
+        <p:sp>
+          <p:nvSpPr>
+            <p:cNvPr id="19" name="Freeform 59"/>
+            <p:cNvSpPr>
+              <a:spLocks/>
+            </p:cNvSpPr>
+            <p:nvPr/>
+          </p:nvSpPr>
+          <p:spPr bwMode="auto">
+            <a:xfrm>
+              <a:off x="3543797" y="3349242"/>
+              <a:ext cx="682625" cy="392113"/>
+            </a:xfrm>
+            <a:custGeom>
+              <a:avLst/>
+              <a:gdLst/>
+              <a:ahLst/>
+              <a:cxnLst>
+                <a:cxn ang="0">
+                  <a:pos x="0" y="739"/>
+                </a:cxn>
+                <a:cxn ang="0">
+                  <a:pos x="2" y="700"/>
+                </a:cxn>
+                <a:cxn ang="0">
+                  <a:pos x="9" y="626"/>
+                </a:cxn>
+                <a:cxn ang="0">
+                  <a:pos x="23" y="554"/>
+                </a:cxn>
+                <a:cxn ang="0">
+                  <a:pos x="45" y="484"/>
+                </a:cxn>
+                <a:cxn ang="0">
+                  <a:pos x="74" y="417"/>
+                </a:cxn>
+                <a:cxn ang="0">
+                  <a:pos x="107" y="355"/>
+                </a:cxn>
+                <a:cxn ang="0">
+                  <a:pos x="147" y="296"/>
+                </a:cxn>
+                <a:cxn ang="0">
+                  <a:pos x="192" y="242"/>
+                </a:cxn>
+                <a:cxn ang="0">
+                  <a:pos x="242" y="191"/>
+                </a:cxn>
+                <a:cxn ang="0">
+                  <a:pos x="297" y="147"/>
+                </a:cxn>
+                <a:cxn ang="0">
+                  <a:pos x="356" y="106"/>
+                </a:cxn>
+                <a:cxn ang="0">
+                  <a:pos x="419" y="72"/>
+                </a:cxn>
+                <a:cxn ang="0">
+                  <a:pos x="486" y="44"/>
+                </a:cxn>
+                <a:cxn ang="0">
+                  <a:pos x="555" y="23"/>
+                </a:cxn>
+                <a:cxn ang="0">
+                  <a:pos x="627" y="8"/>
+                </a:cxn>
+                <a:cxn ang="0">
+                  <a:pos x="700" y="0"/>
+                </a:cxn>
+                <a:cxn ang="0">
+                  <a:pos x="739" y="0"/>
+                </a:cxn>
+                <a:cxn ang="0">
+                  <a:pos x="1292" y="0"/>
+                </a:cxn>
+              </a:cxnLst>
+              <a:rect l="0" t="0" r="r" b="b"/>
+              <a:pathLst>
+                <a:path w="1292" h="739">
+                  <a:moveTo>
+                    <a:pt x="0" y="739"/>
+                  </a:moveTo>
+                  <a:lnTo>
+                    <a:pt x="2" y="700"/>
+                  </a:lnTo>
+                  <a:lnTo>
+                    <a:pt x="9" y="626"/>
+                  </a:lnTo>
+                  <a:lnTo>
+                    <a:pt x="23" y="554"/>
+                  </a:lnTo>
+                  <a:lnTo>
+                    <a:pt x="45" y="484"/>
+                  </a:lnTo>
+                  <a:lnTo>
+                    <a:pt x="74" y="417"/>
+                  </a:lnTo>
+                  <a:lnTo>
+                    <a:pt x="107" y="355"/>
+                  </a:lnTo>
+                  <a:lnTo>
+                    <a:pt x="147" y="296"/>
+                  </a:lnTo>
+                  <a:lnTo>
+                    <a:pt x="192" y="242"/>
+                  </a:lnTo>
+                  <a:lnTo>
+                    <a:pt x="242" y="191"/>
+                  </a:lnTo>
+                  <a:lnTo>
+                    <a:pt x="297" y="147"/>
+                  </a:lnTo>
+                  <a:lnTo>
+                    <a:pt x="356" y="106"/>
+                  </a:lnTo>
+                  <a:lnTo>
+                    <a:pt x="419" y="72"/>
+                  </a:lnTo>
+                  <a:lnTo>
+                    <a:pt x="486" y="44"/>
+                  </a:lnTo>
+                  <a:lnTo>
+                    <a:pt x="555" y="23"/>
+                  </a:lnTo>
+                  <a:lnTo>
+                    <a:pt x="627" y="8"/>
+                  </a:lnTo>
+                  <a:lnTo>
+                    <a:pt x="700" y="0"/>
+                  </a:lnTo>
+                  <a:lnTo>
+                    <a:pt x="739" y="0"/>
+                  </a:lnTo>
+                  <a:lnTo>
+                    <a:pt x="1292" y="0"/>
+                  </a:lnTo>
+                </a:path>
+              </a:pathLst>
+            </a:custGeom>
+            <a:noFill/>
+            <a:ln w="38100">
+              <a:solidFill>
+                <a:srgbClr val="414141"/>
+              </a:solidFill>
+              <a:prstDash val="solid"/>
+              <a:round/>
+              <a:headEnd/>
+              <a:tailEnd/>
+            </a:ln>
+          </p:spPr>
+          <p:txBody>
+            <a:bodyPr vert="horz" wrap="square" lIns="91440" tIns="45720" rIns="91440" bIns="45720" numCol="1" anchor="t" anchorCtr="0" compatLnSpc="1">
+              <a:prstTxWarp prst="textNoShape">
+                <a:avLst/>
+              </a:prstTxWarp>
+            </a:bodyPr>
+            <a:lstStyle/>
+            <a:p>
+              <a:endParaRPr lang="en-US" sz="1200"/>
+            </a:p>
+          </p:txBody>
+        </p:sp>
+        <p:sp>
+          <p:nvSpPr>
+            <p:cNvPr id="20" name="Freeform 60"/>
+            <p:cNvSpPr>
+              <a:spLocks/>
+            </p:cNvSpPr>
+            <p:nvPr/>
+          </p:nvSpPr>
+          <p:spPr bwMode="auto">
+            <a:xfrm>
+              <a:off x="2413497" y="3931855"/>
+              <a:ext cx="400050" cy="400050"/>
+            </a:xfrm>
+            <a:custGeom>
+              <a:avLst/>
+              <a:gdLst/>
+              <a:ahLst/>
+              <a:cxnLst>
+                <a:cxn ang="0">
+                  <a:pos x="756" y="377"/>
+                </a:cxn>
+                <a:cxn ang="0">
+                  <a:pos x="755" y="416"/>
+                </a:cxn>
+                <a:cxn ang="0">
+                  <a:pos x="739" y="489"/>
+                </a:cxn>
+                <a:cxn ang="0">
+                  <a:pos x="710" y="557"/>
+                </a:cxn>
+                <a:cxn ang="0">
+                  <a:pos x="670" y="617"/>
+                </a:cxn>
+                <a:cxn ang="0">
+                  <a:pos x="618" y="669"/>
+                </a:cxn>
+                <a:cxn ang="0">
+                  <a:pos x="559" y="710"/>
+                </a:cxn>
+                <a:cxn ang="0">
+                  <a:pos x="490" y="738"/>
+                </a:cxn>
+                <a:cxn ang="0">
+                  <a:pos x="416" y="754"/>
+                </a:cxn>
+                <a:cxn ang="0">
+                  <a:pos x="377" y="756"/>
+                </a:cxn>
+                <a:cxn ang="0">
+                  <a:pos x="338" y="754"/>
+                </a:cxn>
+                <a:cxn ang="0">
+                  <a:pos x="265" y="738"/>
+                </a:cxn>
+                <a:cxn ang="0">
+                  <a:pos x="197" y="710"/>
+                </a:cxn>
+                <a:cxn ang="0">
+                  <a:pos x="137" y="669"/>
+                </a:cxn>
+                <a:cxn ang="0">
+                  <a:pos x="85" y="617"/>
+                </a:cxn>
+                <a:cxn ang="0">
+                  <a:pos x="45" y="557"/>
+                </a:cxn>
+                <a:cxn ang="0">
+                  <a:pos x="16" y="489"/>
+                </a:cxn>
+                <a:cxn ang="0">
+                  <a:pos x="1" y="416"/>
+                </a:cxn>
+                <a:cxn ang="0">
+                  <a:pos x="0" y="377"/>
+                </a:cxn>
+                <a:cxn ang="0">
+                  <a:pos x="1" y="338"/>
+                </a:cxn>
+                <a:cxn ang="0">
+                  <a:pos x="16" y="265"/>
+                </a:cxn>
+                <a:cxn ang="0">
+                  <a:pos x="45" y="197"/>
+                </a:cxn>
+                <a:cxn ang="0">
+                  <a:pos x="85" y="136"/>
+                </a:cxn>
+                <a:cxn ang="0">
+                  <a:pos x="137" y="85"/>
+                </a:cxn>
+                <a:cxn ang="0">
+                  <a:pos x="197" y="44"/>
+                </a:cxn>
+                <a:cxn ang="0">
+                  <a:pos x="265" y="15"/>
+                </a:cxn>
+                <a:cxn ang="0">
+                  <a:pos x="338" y="0"/>
+                </a:cxn>
+                <a:cxn ang="0">
+                  <a:pos x="377" y="0"/>
+                </a:cxn>
+                <a:cxn ang="0">
+                  <a:pos x="416" y="0"/>
+                </a:cxn>
+                <a:cxn ang="0">
+                  <a:pos x="490" y="15"/>
+                </a:cxn>
+                <a:cxn ang="0">
+                  <a:pos x="559" y="44"/>
+                </a:cxn>
+                <a:cxn ang="0">
+                  <a:pos x="618" y="85"/>
+                </a:cxn>
+                <a:cxn ang="0">
+                  <a:pos x="670" y="136"/>
+                </a:cxn>
+                <a:cxn ang="0">
+                  <a:pos x="710" y="197"/>
+                </a:cxn>
+                <a:cxn ang="0">
+                  <a:pos x="739" y="265"/>
+                </a:cxn>
+                <a:cxn ang="0">
+                  <a:pos x="755" y="338"/>
+                </a:cxn>
+                <a:cxn ang="0">
+                  <a:pos x="756" y="377"/>
+                </a:cxn>
+              </a:cxnLst>
+              <a:rect l="0" t="0" r="r" b="b"/>
+              <a:pathLst>
+                <a:path w="756" h="756">
+                  <a:moveTo>
+                    <a:pt x="756" y="377"/>
+                  </a:moveTo>
+                  <a:lnTo>
+                    <a:pt x="755" y="416"/>
+                  </a:lnTo>
+                  <a:lnTo>
+                    <a:pt x="739" y="489"/>
+                  </a:lnTo>
+                  <a:lnTo>
+                    <a:pt x="710" y="557"/>
+                  </a:lnTo>
+                  <a:lnTo>
+                    <a:pt x="670" y="617"/>
+                  </a:lnTo>
+                  <a:lnTo>
+                    <a:pt x="618" y="669"/>
+                  </a:lnTo>
+                  <a:lnTo>
+                    <a:pt x="559" y="710"/>
+                  </a:lnTo>
+                  <a:lnTo>
+                    <a:pt x="490" y="738"/>
+                  </a:lnTo>
+                  <a:lnTo>
+                    <a:pt x="416" y="754"/>
+                  </a:lnTo>
+                  <a:lnTo>
+                    <a:pt x="377" y="756"/>
+                  </a:lnTo>
+                  <a:lnTo>
+                    <a:pt x="338" y="754"/>
+                  </a:lnTo>
+                  <a:lnTo>
+                    <a:pt x="265" y="738"/>
+                  </a:lnTo>
+                  <a:lnTo>
+                    <a:pt x="197" y="710"/>
+                  </a:lnTo>
+                  <a:lnTo>
+                    <a:pt x="137" y="669"/>
+                  </a:lnTo>
+                  <a:lnTo>
+                    <a:pt x="85" y="617"/>
+                  </a:lnTo>
+                  <a:lnTo>
+                    <a:pt x="45" y="557"/>
+                  </a:lnTo>
+                  <a:lnTo>
+                    <a:pt x="16" y="489"/>
+                  </a:lnTo>
+                  <a:lnTo>
+                    <a:pt x="1" y="416"/>
+                  </a:lnTo>
+                  <a:lnTo>
+                    <a:pt x="0" y="377"/>
+                  </a:lnTo>
+                  <a:lnTo>
+                    <a:pt x="1" y="338"/>
+                  </a:lnTo>
+                  <a:lnTo>
+                    <a:pt x="16" y="265"/>
+                  </a:lnTo>
+                  <a:lnTo>
+                    <a:pt x="45" y="197"/>
+                  </a:lnTo>
+                  <a:lnTo>
+                    <a:pt x="85" y="136"/>
+                  </a:lnTo>
+                  <a:lnTo>
+                    <a:pt x="137" y="85"/>
+                  </a:lnTo>
+                  <a:lnTo>
+                    <a:pt x="197" y="44"/>
+                  </a:lnTo>
+                  <a:lnTo>
+                    <a:pt x="265" y="15"/>
+                  </a:lnTo>
+                  <a:lnTo>
+                    <a:pt x="338" y="0"/>
+                  </a:lnTo>
+                  <a:lnTo>
+                    <a:pt x="377" y="0"/>
+                  </a:lnTo>
+                  <a:lnTo>
+                    <a:pt x="416" y="0"/>
+                  </a:lnTo>
+                  <a:lnTo>
+                    <a:pt x="490" y="15"/>
+                  </a:lnTo>
+                  <a:lnTo>
+                    <a:pt x="559" y="44"/>
+                  </a:lnTo>
+                  <a:lnTo>
+                    <a:pt x="618" y="85"/>
+                  </a:lnTo>
+                  <a:lnTo>
+                    <a:pt x="670" y="136"/>
+                  </a:lnTo>
+                  <a:lnTo>
+                    <a:pt x="710" y="197"/>
+                  </a:lnTo>
+                  <a:lnTo>
+                    <a:pt x="739" y="265"/>
+                  </a:lnTo>
+                  <a:lnTo>
+                    <a:pt x="755" y="338"/>
+                  </a:lnTo>
+                  <a:lnTo>
+                    <a:pt x="756" y="377"/>
+                  </a:lnTo>
+                  <a:close/>
+                </a:path>
+              </a:pathLst>
+            </a:custGeom>
+            <a:solidFill>
+              <a:srgbClr val="FFFFFF"/>
+            </a:solidFill>
+            <a:ln w="38100">
+              <a:solidFill>
+                <a:srgbClr val="414141"/>
+              </a:solidFill>
+              <a:prstDash val="solid"/>
+              <a:round/>
+              <a:headEnd/>
+              <a:tailEnd/>
+            </a:ln>
+          </p:spPr>
+          <p:txBody>
+            <a:bodyPr vert="horz" wrap="square" lIns="91440" tIns="45720" rIns="91440" bIns="45720" numCol="1" anchor="t" anchorCtr="0" compatLnSpc="1">
+              <a:prstTxWarp prst="textNoShape">
+                <a:avLst/>
+              </a:prstTxWarp>
+            </a:bodyPr>
+            <a:lstStyle/>
+            <a:p>
+              <a:endParaRPr lang="en-US" sz="1200"/>
+            </a:p>
+          </p:txBody>
+        </p:sp>
+        <p:sp>
+          <p:nvSpPr>
+            <p:cNvPr id="21" name="Freeform 61"/>
+            <p:cNvSpPr>
+              <a:spLocks/>
+            </p:cNvSpPr>
+            <p:nvPr/>
+          </p:nvSpPr>
+          <p:spPr bwMode="auto">
+            <a:xfrm>
+              <a:off x="1621334" y="3931855"/>
+              <a:ext cx="400050" cy="400050"/>
+            </a:xfrm>
+            <a:custGeom>
+              <a:avLst/>
+              <a:gdLst/>
+              <a:ahLst/>
+              <a:cxnLst>
+                <a:cxn ang="0">
+                  <a:pos x="756" y="377"/>
+                </a:cxn>
+                <a:cxn ang="0">
+                  <a:pos x="755" y="416"/>
+                </a:cxn>
+                <a:cxn ang="0">
+                  <a:pos x="739" y="489"/>
+                </a:cxn>
+                <a:cxn ang="0">
+                  <a:pos x="710" y="557"/>
+                </a:cxn>
+                <a:cxn ang="0">
+                  <a:pos x="670" y="617"/>
+                </a:cxn>
+                <a:cxn ang="0">
+                  <a:pos x="618" y="669"/>
+                </a:cxn>
+                <a:cxn ang="0">
+                  <a:pos x="559" y="710"/>
+                </a:cxn>
+                <a:cxn ang="0">
+                  <a:pos x="490" y="738"/>
+                </a:cxn>
+                <a:cxn ang="0">
+                  <a:pos x="416" y="754"/>
+                </a:cxn>
+                <a:cxn ang="0">
+                  <a:pos x="377" y="756"/>
+                </a:cxn>
+                <a:cxn ang="0">
+                  <a:pos x="339" y="754"/>
+                </a:cxn>
+                <a:cxn ang="0">
+                  <a:pos x="265" y="738"/>
+                </a:cxn>
+                <a:cxn ang="0">
+                  <a:pos x="197" y="710"/>
+                </a:cxn>
+                <a:cxn ang="0">
+                  <a:pos x="137" y="669"/>
+                </a:cxn>
+                <a:cxn ang="0">
+                  <a:pos x="85" y="617"/>
+                </a:cxn>
+                <a:cxn ang="0">
+                  <a:pos x="45" y="557"/>
+                </a:cxn>
+                <a:cxn ang="0">
+                  <a:pos x="16" y="489"/>
+                </a:cxn>
+                <a:cxn ang="0">
+                  <a:pos x="2" y="416"/>
+                </a:cxn>
+                <a:cxn ang="0">
+                  <a:pos x="0" y="377"/>
+                </a:cxn>
+                <a:cxn ang="0">
+                  <a:pos x="2" y="338"/>
+                </a:cxn>
+                <a:cxn ang="0">
+                  <a:pos x="16" y="265"/>
+                </a:cxn>
+                <a:cxn ang="0">
+                  <a:pos x="45" y="197"/>
+                </a:cxn>
+                <a:cxn ang="0">
+                  <a:pos x="85" y="136"/>
+                </a:cxn>
+                <a:cxn ang="0">
+                  <a:pos x="137" y="85"/>
+                </a:cxn>
+                <a:cxn ang="0">
+                  <a:pos x="197" y="44"/>
+                </a:cxn>
+                <a:cxn ang="0">
+                  <a:pos x="265" y="15"/>
+                </a:cxn>
+                <a:cxn ang="0">
+                  <a:pos x="339" y="0"/>
+                </a:cxn>
+                <a:cxn ang="0">
+                  <a:pos x="377" y="0"/>
+                </a:cxn>
+                <a:cxn ang="0">
+                  <a:pos x="416" y="0"/>
+                </a:cxn>
+                <a:cxn ang="0">
+                  <a:pos x="490" y="15"/>
+                </a:cxn>
+                <a:cxn ang="0">
+                  <a:pos x="559" y="44"/>
+                </a:cxn>
+                <a:cxn ang="0">
+                  <a:pos x="618" y="85"/>
+                </a:cxn>
+                <a:cxn ang="0">
+                  <a:pos x="670" y="136"/>
+                </a:cxn>
+                <a:cxn ang="0">
+                  <a:pos x="710" y="197"/>
+                </a:cxn>
+                <a:cxn ang="0">
+                  <a:pos x="739" y="265"/>
+                </a:cxn>
+                <a:cxn ang="0">
+                  <a:pos x="755" y="338"/>
+                </a:cxn>
+                <a:cxn ang="0">
+                  <a:pos x="756" y="377"/>
+                </a:cxn>
+              </a:cxnLst>
+              <a:rect l="0" t="0" r="r" b="b"/>
+              <a:pathLst>
+                <a:path w="756" h="756">
+                  <a:moveTo>
+                    <a:pt x="756" y="377"/>
+                  </a:moveTo>
+                  <a:lnTo>
+                    <a:pt x="755" y="416"/>
+                  </a:lnTo>
+                  <a:lnTo>
+                    <a:pt x="739" y="489"/>
+                  </a:lnTo>
+                  <a:lnTo>
+                    <a:pt x="710" y="557"/>
+                  </a:lnTo>
+                  <a:lnTo>
+                    <a:pt x="670" y="617"/>
+                  </a:lnTo>
+                  <a:lnTo>
+                    <a:pt x="618" y="669"/>
+                  </a:lnTo>
+                  <a:lnTo>
+                    <a:pt x="559" y="710"/>
+                  </a:lnTo>
+                  <a:lnTo>
+                    <a:pt x="490" y="738"/>
+                  </a:lnTo>
+                  <a:lnTo>
+                    <a:pt x="416" y="754"/>
+                  </a:lnTo>
+                  <a:lnTo>
+                    <a:pt x="377" y="756"/>
+                  </a:lnTo>
+                  <a:lnTo>
+                    <a:pt x="339" y="754"/>
+                  </a:lnTo>
+                  <a:lnTo>
+                    <a:pt x="265" y="738"/>
+                  </a:lnTo>
+                  <a:lnTo>
+                    <a:pt x="197" y="710"/>
+                  </a:lnTo>
+                  <a:lnTo>
+                    <a:pt x="137" y="669"/>
+                  </a:lnTo>
+                  <a:lnTo>
+                    <a:pt x="85" y="617"/>
+                  </a:lnTo>
+                  <a:lnTo>
+                    <a:pt x="45" y="557"/>
+                  </a:lnTo>
+                  <a:lnTo>
+                    <a:pt x="16" y="489"/>
+                  </a:lnTo>
+                  <a:lnTo>
+                    <a:pt x="2" y="416"/>
+                  </a:lnTo>
+                  <a:lnTo>
+                    <a:pt x="0" y="377"/>
+                  </a:lnTo>
+                  <a:lnTo>
+                    <a:pt x="2" y="338"/>
+                  </a:lnTo>
+                  <a:lnTo>
+                    <a:pt x="16" y="265"/>
+                  </a:lnTo>
+                  <a:lnTo>
+                    <a:pt x="45" y="197"/>
+                  </a:lnTo>
+                  <a:lnTo>
+                    <a:pt x="85" y="136"/>
+                  </a:lnTo>
+                  <a:lnTo>
+                    <a:pt x="137" y="85"/>
+                  </a:lnTo>
+                  <a:lnTo>
+                    <a:pt x="197" y="44"/>
+                  </a:lnTo>
+                  <a:lnTo>
+                    <a:pt x="265" y="15"/>
+                  </a:lnTo>
+                  <a:lnTo>
+                    <a:pt x="339" y="0"/>
+                  </a:lnTo>
+                  <a:lnTo>
+                    <a:pt x="377" y="0"/>
+                  </a:lnTo>
+                  <a:lnTo>
+                    <a:pt x="416" y="0"/>
+                  </a:lnTo>
+                  <a:lnTo>
+                    <a:pt x="490" y="15"/>
+                  </a:lnTo>
+                  <a:lnTo>
+                    <a:pt x="559" y="44"/>
+                  </a:lnTo>
+                  <a:lnTo>
+                    <a:pt x="618" y="85"/>
+                  </a:lnTo>
+                  <a:lnTo>
+                    <a:pt x="670" y="136"/>
+                  </a:lnTo>
+                  <a:lnTo>
+                    <a:pt x="710" y="197"/>
+                  </a:lnTo>
+                  <a:lnTo>
+                    <a:pt x="739" y="265"/>
+                  </a:lnTo>
+                  <a:lnTo>
+                    <a:pt x="755" y="338"/>
+                  </a:lnTo>
+                  <a:lnTo>
+                    <a:pt x="756" y="377"/>
+                  </a:lnTo>
+                  <a:close/>
+                </a:path>
+              </a:pathLst>
+            </a:custGeom>
+            <a:solidFill>
+              <a:srgbClr val="FFFFFF"/>
+            </a:solidFill>
+            <a:ln w="38100">
+              <a:solidFill>
+                <a:srgbClr val="414141"/>
+              </a:solidFill>
+              <a:prstDash val="solid"/>
+              <a:round/>
+              <a:headEnd/>
+              <a:tailEnd/>
+            </a:ln>
+          </p:spPr>
+          <p:txBody>
+            <a:bodyPr vert="horz" wrap="square" lIns="91440" tIns="45720" rIns="91440" bIns="45720" numCol="1" anchor="t" anchorCtr="0" compatLnSpc="1">
+              <a:prstTxWarp prst="textNoShape">
+                <a:avLst/>
+              </a:prstTxWarp>
+            </a:bodyPr>
+            <a:lstStyle/>
+            <a:p>
+              <a:endParaRPr lang="en-US" sz="1200"/>
+            </a:p>
+          </p:txBody>
+        </p:sp>
+        <p:sp>
+          <p:nvSpPr>
+            <p:cNvPr id="22" name="Freeform 62"/>
+            <p:cNvSpPr>
+              <a:spLocks/>
+            </p:cNvSpPr>
+            <p:nvPr/>
+          </p:nvSpPr>
+          <p:spPr bwMode="auto">
+            <a:xfrm>
+              <a:off x="827584" y="3931855"/>
+              <a:ext cx="400050" cy="400050"/>
+            </a:xfrm>
+            <a:custGeom>
+              <a:avLst/>
+              <a:gdLst/>
+              <a:ahLst/>
+              <a:cxnLst>
+                <a:cxn ang="0">
+                  <a:pos x="756" y="377"/>
+                </a:cxn>
+                <a:cxn ang="0">
+                  <a:pos x="755" y="416"/>
+                </a:cxn>
+                <a:cxn ang="0">
+                  <a:pos x="739" y="489"/>
+                </a:cxn>
+                <a:cxn ang="0">
+                  <a:pos x="710" y="557"/>
+                </a:cxn>
+                <a:cxn ang="0">
+                  <a:pos x="670" y="617"/>
+                </a:cxn>
+                <a:cxn ang="0">
+                  <a:pos x="618" y="669"/>
+                </a:cxn>
+                <a:cxn ang="0">
+                  <a:pos x="557" y="710"/>
+                </a:cxn>
+                <a:cxn ang="0">
+                  <a:pos x="490" y="738"/>
+                </a:cxn>
+                <a:cxn ang="0">
+                  <a:pos x="416" y="754"/>
+                </a:cxn>
+                <a:cxn ang="0">
+                  <a:pos x="377" y="756"/>
+                </a:cxn>
+                <a:cxn ang="0">
+                  <a:pos x="338" y="754"/>
+                </a:cxn>
+                <a:cxn ang="0">
+                  <a:pos x="265" y="738"/>
+                </a:cxn>
+                <a:cxn ang="0">
+                  <a:pos x="197" y="710"/>
+                </a:cxn>
+                <a:cxn ang="0">
+                  <a:pos x="137" y="669"/>
+                </a:cxn>
+                <a:cxn ang="0">
+                  <a:pos x="85" y="617"/>
+                </a:cxn>
+                <a:cxn ang="0">
+                  <a:pos x="45" y="557"/>
+                </a:cxn>
+                <a:cxn ang="0">
+                  <a:pos x="16" y="489"/>
+                </a:cxn>
+                <a:cxn ang="0">
+                  <a:pos x="0" y="416"/>
+                </a:cxn>
+                <a:cxn ang="0">
+                  <a:pos x="0" y="377"/>
+                </a:cxn>
+                <a:cxn ang="0">
+                  <a:pos x="0" y="338"/>
+                </a:cxn>
+                <a:cxn ang="0">
+                  <a:pos x="16" y="265"/>
+                </a:cxn>
+                <a:cxn ang="0">
+                  <a:pos x="45" y="197"/>
+                </a:cxn>
+                <a:cxn ang="0">
+                  <a:pos x="85" y="136"/>
+                </a:cxn>
+                <a:cxn ang="0">
+                  <a:pos x="137" y="85"/>
+                </a:cxn>
+                <a:cxn ang="0">
+                  <a:pos x="197" y="44"/>
+                </a:cxn>
+                <a:cxn ang="0">
+                  <a:pos x="265" y="15"/>
+                </a:cxn>
+                <a:cxn ang="0">
+                  <a:pos x="338" y="0"/>
+                </a:cxn>
+                <a:cxn ang="0">
+                  <a:pos x="377" y="0"/>
+                </a:cxn>
+                <a:cxn ang="0">
+                  <a:pos x="416" y="0"/>
+                </a:cxn>
+                <a:cxn ang="0">
+                  <a:pos x="490" y="15"/>
+                </a:cxn>
+                <a:cxn ang="0">
+                  <a:pos x="557" y="44"/>
+                </a:cxn>
+                <a:cxn ang="0">
+                  <a:pos x="618" y="85"/>
+                </a:cxn>
+                <a:cxn ang="0">
+                  <a:pos x="670" y="136"/>
+                </a:cxn>
+                <a:cxn ang="0">
+                  <a:pos x="710" y="197"/>
+                </a:cxn>
+                <a:cxn ang="0">
+                  <a:pos x="739" y="265"/>
+                </a:cxn>
+                <a:cxn ang="0">
+                  <a:pos x="755" y="338"/>
+                </a:cxn>
+                <a:cxn ang="0">
+                  <a:pos x="756" y="377"/>
+                </a:cxn>
+              </a:cxnLst>
+              <a:rect l="0" t="0" r="r" b="b"/>
+              <a:pathLst>
+                <a:path w="756" h="756">
+                  <a:moveTo>
+                    <a:pt x="756" y="377"/>
+                  </a:moveTo>
+                  <a:lnTo>
+                    <a:pt x="755" y="416"/>
+                  </a:lnTo>
+                  <a:lnTo>
+                    <a:pt x="739" y="489"/>
+                  </a:lnTo>
+                  <a:lnTo>
+                    <a:pt x="710" y="557"/>
+                  </a:lnTo>
+                  <a:lnTo>
+                    <a:pt x="670" y="617"/>
+                  </a:lnTo>
+                  <a:lnTo>
+                    <a:pt x="618" y="669"/>
+                  </a:lnTo>
+                  <a:lnTo>
+                    <a:pt x="557" y="710"/>
+                  </a:lnTo>
+                  <a:lnTo>
+                    <a:pt x="490" y="738"/>
+                  </a:lnTo>
+                  <a:lnTo>
+                    <a:pt x="416" y="754"/>
+                  </a:lnTo>
+                  <a:lnTo>
+                    <a:pt x="377" y="756"/>
+                  </a:lnTo>
+                  <a:lnTo>
+                    <a:pt x="338" y="754"/>
+                  </a:lnTo>
+                  <a:lnTo>
+                    <a:pt x="265" y="738"/>
+                  </a:lnTo>
+                  <a:lnTo>
+                    <a:pt x="197" y="710"/>
+                  </a:lnTo>
+                  <a:lnTo>
+                    <a:pt x="137" y="669"/>
+                  </a:lnTo>
+                  <a:lnTo>
+                    <a:pt x="85" y="617"/>
+                  </a:lnTo>
+                  <a:lnTo>
+                    <a:pt x="45" y="557"/>
+                  </a:lnTo>
+                  <a:lnTo>
+                    <a:pt x="16" y="489"/>
+                  </a:lnTo>
+                  <a:lnTo>
+                    <a:pt x="0" y="416"/>
+                  </a:lnTo>
+                  <a:lnTo>
+                    <a:pt x="0" y="377"/>
+                  </a:lnTo>
+                  <a:lnTo>
+                    <a:pt x="0" y="338"/>
+                  </a:lnTo>
+                  <a:lnTo>
+                    <a:pt x="16" y="265"/>
+                  </a:lnTo>
+                  <a:lnTo>
+                    <a:pt x="45" y="197"/>
+                  </a:lnTo>
+                  <a:lnTo>
+                    <a:pt x="85" y="136"/>
+                  </a:lnTo>
+                  <a:lnTo>
+                    <a:pt x="137" y="85"/>
+                  </a:lnTo>
+                  <a:lnTo>
+                    <a:pt x="197" y="44"/>
+                  </a:lnTo>
+                  <a:lnTo>
+                    <a:pt x="265" y="15"/>
+                  </a:lnTo>
+                  <a:lnTo>
+                    <a:pt x="338" y="0"/>
+                  </a:lnTo>
+                  <a:lnTo>
+                    <a:pt x="377" y="0"/>
+                  </a:lnTo>
+                  <a:lnTo>
+                    <a:pt x="416" y="0"/>
+                  </a:lnTo>
+                  <a:lnTo>
+                    <a:pt x="490" y="15"/>
+                  </a:lnTo>
+                  <a:lnTo>
+                    <a:pt x="557" y="44"/>
+                  </a:lnTo>
+                  <a:lnTo>
+                    <a:pt x="618" y="85"/>
+                  </a:lnTo>
+                  <a:lnTo>
+                    <a:pt x="670" y="136"/>
+                  </a:lnTo>
+                  <a:lnTo>
+                    <a:pt x="710" y="197"/>
+                  </a:lnTo>
+                  <a:lnTo>
+                    <a:pt x="739" y="265"/>
+                  </a:lnTo>
+                  <a:lnTo>
+                    <a:pt x="755" y="338"/>
+                  </a:lnTo>
+                  <a:lnTo>
+                    <a:pt x="756" y="377"/>
+                  </a:lnTo>
+                  <a:close/>
+                </a:path>
+              </a:pathLst>
+            </a:custGeom>
+            <a:solidFill>
+              <a:srgbClr val="FFFFFF"/>
+            </a:solidFill>
+            <a:ln w="38100">
+              <a:solidFill>
+                <a:srgbClr val="414141"/>
+              </a:solidFill>
+              <a:prstDash val="solid"/>
+              <a:round/>
+              <a:headEnd/>
+              <a:tailEnd/>
+            </a:ln>
+          </p:spPr>
+          <p:txBody>
+            <a:bodyPr vert="horz" wrap="square" lIns="91440" tIns="45720" rIns="91440" bIns="45720" numCol="1" anchor="t" anchorCtr="0" compatLnSpc="1">
+              <a:prstTxWarp prst="textNoShape">
+                <a:avLst/>
+              </a:prstTxWarp>
+            </a:bodyPr>
+            <a:lstStyle/>
+            <a:p>
+              <a:endParaRPr lang="en-US" sz="1200"/>
+            </a:p>
+          </p:txBody>
+        </p:sp>
+        <p:sp>
+          <p:nvSpPr>
+            <p:cNvPr id="23" name="Freeform 63"/>
+            <p:cNvSpPr>
+              <a:spLocks/>
+            </p:cNvSpPr>
+            <p:nvPr/>
+          </p:nvSpPr>
+          <p:spPr bwMode="auto">
+            <a:xfrm>
+              <a:off x="4226422" y="3149217"/>
+              <a:ext cx="400050" cy="401638"/>
+            </a:xfrm>
+            <a:custGeom>
+              <a:avLst/>
+              <a:gdLst/>
+              <a:ahLst/>
+              <a:cxnLst>
+                <a:cxn ang="0">
+                  <a:pos x="756" y="378"/>
+                </a:cxn>
+                <a:cxn ang="0">
+                  <a:pos x="756" y="417"/>
+                </a:cxn>
+                <a:cxn ang="0">
+                  <a:pos x="740" y="490"/>
+                </a:cxn>
+                <a:cxn ang="0">
+                  <a:pos x="711" y="558"/>
+                </a:cxn>
+                <a:cxn ang="0">
+                  <a:pos x="671" y="618"/>
+                </a:cxn>
+                <a:cxn ang="0">
+                  <a:pos x="619" y="670"/>
+                </a:cxn>
+                <a:cxn ang="0">
+                  <a:pos x="558" y="710"/>
+                </a:cxn>
+                <a:cxn ang="0">
+                  <a:pos x="491" y="739"/>
+                </a:cxn>
+                <a:cxn ang="0">
+                  <a:pos x="417" y="755"/>
+                </a:cxn>
+                <a:cxn ang="0">
+                  <a:pos x="378" y="757"/>
+                </a:cxn>
+                <a:cxn ang="0">
+                  <a:pos x="339" y="755"/>
+                </a:cxn>
+                <a:cxn ang="0">
+                  <a:pos x="266" y="739"/>
+                </a:cxn>
+                <a:cxn ang="0">
+                  <a:pos x="198" y="710"/>
+                </a:cxn>
+                <a:cxn ang="0">
+                  <a:pos x="138" y="670"/>
+                </a:cxn>
+                <a:cxn ang="0">
+                  <a:pos x="86" y="618"/>
+                </a:cxn>
+                <a:cxn ang="0">
+                  <a:pos x="46" y="558"/>
+                </a:cxn>
+                <a:cxn ang="0">
+                  <a:pos x="17" y="490"/>
+                </a:cxn>
+                <a:cxn ang="0">
+                  <a:pos x="1" y="417"/>
+                </a:cxn>
+                <a:cxn ang="0">
+                  <a:pos x="0" y="378"/>
+                </a:cxn>
+                <a:cxn ang="0">
+                  <a:pos x="1" y="339"/>
+                </a:cxn>
+                <a:cxn ang="0">
+                  <a:pos x="17" y="265"/>
+                </a:cxn>
+                <a:cxn ang="0">
+                  <a:pos x="46" y="198"/>
+                </a:cxn>
+                <a:cxn ang="0">
+                  <a:pos x="86" y="137"/>
+                </a:cxn>
+                <a:cxn ang="0">
+                  <a:pos x="138" y="85"/>
+                </a:cxn>
+                <a:cxn ang="0">
+                  <a:pos x="198" y="45"/>
+                </a:cxn>
+                <a:cxn ang="0">
+                  <a:pos x="266" y="16"/>
+                </a:cxn>
+                <a:cxn ang="0">
+                  <a:pos x="339" y="0"/>
+                </a:cxn>
+                <a:cxn ang="0">
+                  <a:pos x="378" y="0"/>
+                </a:cxn>
+                <a:cxn ang="0">
+                  <a:pos x="417" y="0"/>
+                </a:cxn>
+                <a:cxn ang="0">
+                  <a:pos x="491" y="16"/>
+                </a:cxn>
+                <a:cxn ang="0">
+                  <a:pos x="558" y="45"/>
+                </a:cxn>
+                <a:cxn ang="0">
+                  <a:pos x="619" y="85"/>
+                </a:cxn>
+                <a:cxn ang="0">
+                  <a:pos x="671" y="137"/>
+                </a:cxn>
+                <a:cxn ang="0">
+                  <a:pos x="711" y="198"/>
+                </a:cxn>
+                <a:cxn ang="0">
+                  <a:pos x="740" y="265"/>
+                </a:cxn>
+                <a:cxn ang="0">
+                  <a:pos x="756" y="339"/>
+                </a:cxn>
+                <a:cxn ang="0">
+                  <a:pos x="756" y="378"/>
+                </a:cxn>
+              </a:cxnLst>
+              <a:rect l="0" t="0" r="r" b="b"/>
+              <a:pathLst>
+                <a:path w="756" h="757">
+                  <a:moveTo>
+                    <a:pt x="756" y="378"/>
+                  </a:moveTo>
+                  <a:lnTo>
+                    <a:pt x="756" y="417"/>
+                  </a:lnTo>
+                  <a:lnTo>
+                    <a:pt x="740" y="490"/>
+                  </a:lnTo>
+                  <a:lnTo>
+                    <a:pt x="711" y="558"/>
+                  </a:lnTo>
+                  <a:lnTo>
+                    <a:pt x="671" y="618"/>
+                  </a:lnTo>
+                  <a:lnTo>
+                    <a:pt x="619" y="670"/>
+                  </a:lnTo>
+                  <a:lnTo>
+                    <a:pt x="558" y="710"/>
+                  </a:lnTo>
+                  <a:lnTo>
+                    <a:pt x="491" y="739"/>
+                  </a:lnTo>
+                  <a:lnTo>
+                    <a:pt x="417" y="755"/>
+                  </a:lnTo>
+                  <a:lnTo>
+                    <a:pt x="378" y="757"/>
+                  </a:lnTo>
+                  <a:lnTo>
+                    <a:pt x="339" y="755"/>
+                  </a:lnTo>
+                  <a:lnTo>
+                    <a:pt x="266" y="739"/>
+                  </a:lnTo>
+                  <a:lnTo>
+                    <a:pt x="198" y="710"/>
+                  </a:lnTo>
+                  <a:lnTo>
+                    <a:pt x="138" y="670"/>
+                  </a:lnTo>
+                  <a:lnTo>
+                    <a:pt x="86" y="618"/>
+                  </a:lnTo>
+                  <a:lnTo>
+                    <a:pt x="46" y="558"/>
+                  </a:lnTo>
+                  <a:lnTo>
+                    <a:pt x="17" y="490"/>
+                  </a:lnTo>
+                  <a:lnTo>
+                    <a:pt x="1" y="417"/>
+                  </a:lnTo>
+                  <a:lnTo>
+                    <a:pt x="0" y="378"/>
+                  </a:lnTo>
+                  <a:lnTo>
+                    <a:pt x="1" y="339"/>
+                  </a:lnTo>
+                  <a:lnTo>
+                    <a:pt x="17" y="265"/>
+                  </a:lnTo>
+                  <a:lnTo>
+                    <a:pt x="46" y="198"/>
+                  </a:lnTo>
+                  <a:lnTo>
+                    <a:pt x="86" y="137"/>
+                  </a:lnTo>
+                  <a:lnTo>
+                    <a:pt x="138" y="85"/>
+                  </a:lnTo>
+                  <a:lnTo>
+                    <a:pt x="198" y="45"/>
+                  </a:lnTo>
+                  <a:lnTo>
+                    <a:pt x="266" y="16"/>
+                  </a:lnTo>
+                  <a:lnTo>
+                    <a:pt x="339" y="0"/>
+                  </a:lnTo>
+                  <a:lnTo>
+                    <a:pt x="378" y="0"/>
+                  </a:lnTo>
+                  <a:lnTo>
+                    <a:pt x="417" y="0"/>
+                  </a:lnTo>
+                  <a:lnTo>
+                    <a:pt x="491" y="16"/>
+                  </a:lnTo>
+                  <a:lnTo>
+                    <a:pt x="558" y="45"/>
+                  </a:lnTo>
+                  <a:lnTo>
+                    <a:pt x="619" y="85"/>
+                  </a:lnTo>
+                  <a:lnTo>
+                    <a:pt x="671" y="137"/>
+                  </a:lnTo>
+                  <a:lnTo>
+                    <a:pt x="711" y="198"/>
+                  </a:lnTo>
+                  <a:lnTo>
+                    <a:pt x="740" y="265"/>
+                  </a:lnTo>
+                  <a:lnTo>
+                    <a:pt x="756" y="339"/>
+                  </a:lnTo>
+                  <a:lnTo>
+                    <a:pt x="756" y="378"/>
+                  </a:lnTo>
+                  <a:close/>
+                </a:path>
+              </a:pathLst>
+            </a:custGeom>
+            <a:solidFill>
+              <a:srgbClr val="FFFFFF"/>
+            </a:solidFill>
+            <a:ln w="38100">
+              <a:solidFill>
+                <a:srgbClr val="414141"/>
+              </a:solidFill>
+              <a:prstDash val="solid"/>
+              <a:round/>
+              <a:headEnd/>
+              <a:tailEnd/>
+            </a:ln>
+          </p:spPr>
+          <p:txBody>
+            <a:bodyPr vert="horz" wrap="square" lIns="91440" tIns="45720" rIns="91440" bIns="45720" numCol="1" anchor="t" anchorCtr="0" compatLnSpc="1">
+              <a:prstTxWarp prst="textNoShape">
+                <a:avLst/>
+              </a:prstTxWarp>
+            </a:bodyPr>
+            <a:lstStyle/>
+            <a:p>
+              <a:endParaRPr lang="en-US" sz="1200"/>
+            </a:p>
+          </p:txBody>
+        </p:sp>
+        <p:sp>
+          <p:nvSpPr>
+            <p:cNvPr id="24" name="Line 65"/>
+            <p:cNvSpPr>
+              <a:spLocks noChangeShapeType="1"/>
+            </p:cNvSpPr>
+            <p:nvPr/>
+          </p:nvSpPr>
+          <p:spPr bwMode="auto">
+            <a:xfrm flipV="1">
+              <a:off x="6137772" y="2737217"/>
+              <a:ext cx="1588" cy="223838"/>
+            </a:xfrm>
+            <a:prstGeom prst="line">
+              <a:avLst/>
+            </a:prstGeom>
+            <a:noFill/>
+            <a:ln w="38100">
+              <a:solidFill>
+                <a:srgbClr val="414141"/>
+              </a:solidFill>
+              <a:prstDash val="solid"/>
+              <a:round/>
+              <a:headEnd/>
+              <a:tailEnd/>
+            </a:ln>
+          </p:spPr>
+          <p:txBody>
+            <a:bodyPr vert="horz" wrap="square" lIns="91440" tIns="45720" rIns="91440" bIns="45720" numCol="1" anchor="t" anchorCtr="0" compatLnSpc="1">
+              <a:prstTxWarp prst="textNoShape">
+                <a:avLst/>
+              </a:prstTxWarp>
+            </a:bodyPr>
+            <a:lstStyle/>
+            <a:p>
+              <a:endParaRPr lang="en-US" sz="1200"/>
+            </a:p>
+          </p:txBody>
+        </p:sp>
+        <p:sp>
+          <p:nvSpPr>
+            <p:cNvPr id="25" name="Freeform 66"/>
+            <p:cNvSpPr>
+              <a:spLocks/>
+            </p:cNvSpPr>
+            <p:nvPr/>
+          </p:nvSpPr>
+          <p:spPr bwMode="auto">
+            <a:xfrm>
+              <a:off x="6034584" y="2878505"/>
+              <a:ext cx="207963" cy="103188"/>
+            </a:xfrm>
+            <a:custGeom>
+              <a:avLst/>
+              <a:gdLst/>
+              <a:ahLst/>
+              <a:cxnLst>
+                <a:cxn ang="0">
+                  <a:pos x="392" y="0"/>
+                </a:cxn>
+                <a:cxn ang="0">
+                  <a:pos x="195" y="194"/>
+                </a:cxn>
+                <a:cxn ang="0">
+                  <a:pos x="0" y="0"/>
+                </a:cxn>
+              </a:cxnLst>
+              <a:rect l="0" t="0" r="r" b="b"/>
+              <a:pathLst>
+                <a:path w="392" h="194">
+                  <a:moveTo>
+                    <a:pt x="392" y="0"/>
+                  </a:moveTo>
+                  <a:lnTo>
+                    <a:pt x="195" y="194"/>
+                  </a:lnTo>
+                  <a:lnTo>
+                    <a:pt x="0" y="0"/>
+                  </a:lnTo>
+                </a:path>
+              </a:pathLst>
+            </a:custGeom>
+            <a:noFill/>
+            <a:ln w="38100">
+              <a:solidFill>
+                <a:srgbClr val="414141"/>
+              </a:solidFill>
+              <a:prstDash val="solid"/>
+              <a:round/>
+              <a:headEnd/>
+              <a:tailEnd/>
+            </a:ln>
+          </p:spPr>
+          <p:txBody>
+            <a:bodyPr vert="horz" wrap="square" lIns="91440" tIns="45720" rIns="91440" bIns="45720" numCol="1" anchor="t" anchorCtr="0" compatLnSpc="1">
+              <a:prstTxWarp prst="textNoShape">
+                <a:avLst/>
+              </a:prstTxWarp>
+            </a:bodyPr>
+            <a:lstStyle/>
+            <a:p>
+              <a:endParaRPr lang="en-US" sz="1200"/>
+            </a:p>
+          </p:txBody>
+        </p:sp>
+        <p:sp>
+          <p:nvSpPr>
+            <p:cNvPr id="26" name="Freeform 64"/>
+            <p:cNvSpPr>
+              <a:spLocks/>
+            </p:cNvSpPr>
+            <p:nvPr/>
+          </p:nvSpPr>
+          <p:spPr bwMode="auto">
+            <a:xfrm>
+              <a:off x="5912405" y="3154759"/>
+              <a:ext cx="400050" cy="401638"/>
+            </a:xfrm>
+            <a:custGeom>
+              <a:avLst/>
+              <a:gdLst/>
+              <a:ahLst/>
+              <a:cxnLst>
+                <a:cxn ang="0">
+                  <a:pos x="756" y="378"/>
+                </a:cxn>
+                <a:cxn ang="0">
+                  <a:pos x="754" y="417"/>
+                </a:cxn>
+                <a:cxn ang="0">
+                  <a:pos x="739" y="490"/>
+                </a:cxn>
+                <a:cxn ang="0">
+                  <a:pos x="710" y="558"/>
+                </a:cxn>
+                <a:cxn ang="0">
+                  <a:pos x="669" y="618"/>
+                </a:cxn>
+                <a:cxn ang="0">
+                  <a:pos x="618" y="670"/>
+                </a:cxn>
+                <a:cxn ang="0">
+                  <a:pos x="557" y="710"/>
+                </a:cxn>
+                <a:cxn ang="0">
+                  <a:pos x="489" y="739"/>
+                </a:cxn>
+                <a:cxn ang="0">
+                  <a:pos x="416" y="755"/>
+                </a:cxn>
+                <a:cxn ang="0">
+                  <a:pos x="377" y="757"/>
+                </a:cxn>
+                <a:cxn ang="0">
+                  <a:pos x="338" y="755"/>
+                </a:cxn>
+                <a:cxn ang="0">
+                  <a:pos x="265" y="739"/>
+                </a:cxn>
+                <a:cxn ang="0">
+                  <a:pos x="197" y="710"/>
+                </a:cxn>
+                <a:cxn ang="0">
+                  <a:pos x="137" y="670"/>
+                </a:cxn>
+                <a:cxn ang="0">
+                  <a:pos x="85" y="618"/>
+                </a:cxn>
+                <a:cxn ang="0">
+                  <a:pos x="44" y="558"/>
+                </a:cxn>
+                <a:cxn ang="0">
+                  <a:pos x="16" y="490"/>
+                </a:cxn>
+                <a:cxn ang="0">
+                  <a:pos x="0" y="417"/>
+                </a:cxn>
+                <a:cxn ang="0">
+                  <a:pos x="0" y="378"/>
+                </a:cxn>
+                <a:cxn ang="0">
+                  <a:pos x="0" y="339"/>
+                </a:cxn>
+                <a:cxn ang="0">
+                  <a:pos x="16" y="265"/>
+                </a:cxn>
+                <a:cxn ang="0">
+                  <a:pos x="44" y="198"/>
+                </a:cxn>
+                <a:cxn ang="0">
+                  <a:pos x="85" y="137"/>
+                </a:cxn>
+                <a:cxn ang="0">
+                  <a:pos x="137" y="85"/>
+                </a:cxn>
+                <a:cxn ang="0">
+                  <a:pos x="197" y="45"/>
+                </a:cxn>
+                <a:cxn ang="0">
+                  <a:pos x="265" y="16"/>
+                </a:cxn>
+                <a:cxn ang="0">
+                  <a:pos x="338" y="0"/>
+                </a:cxn>
+                <a:cxn ang="0">
+                  <a:pos x="377" y="0"/>
+                </a:cxn>
+                <a:cxn ang="0">
+                  <a:pos x="416" y="0"/>
+                </a:cxn>
+                <a:cxn ang="0">
+                  <a:pos x="489" y="16"/>
+                </a:cxn>
+                <a:cxn ang="0">
+                  <a:pos x="557" y="45"/>
+                </a:cxn>
+                <a:cxn ang="0">
+                  <a:pos x="618" y="85"/>
+                </a:cxn>
+                <a:cxn ang="0">
+                  <a:pos x="669" y="137"/>
+                </a:cxn>
+                <a:cxn ang="0">
+                  <a:pos x="710" y="198"/>
+                </a:cxn>
+                <a:cxn ang="0">
+                  <a:pos x="739" y="265"/>
+                </a:cxn>
+                <a:cxn ang="0">
+                  <a:pos x="754" y="339"/>
+                </a:cxn>
+                <a:cxn ang="0">
+                  <a:pos x="756" y="378"/>
+                </a:cxn>
+              </a:cxnLst>
+              <a:rect l="0" t="0" r="r" b="b"/>
+              <a:pathLst>
+                <a:path w="756" h="757">
+                  <a:moveTo>
+                    <a:pt x="756" y="378"/>
+                  </a:moveTo>
+                  <a:lnTo>
+                    <a:pt x="754" y="417"/>
+                  </a:lnTo>
+                  <a:lnTo>
+                    <a:pt x="739" y="490"/>
+                  </a:lnTo>
+                  <a:lnTo>
+                    <a:pt x="710" y="558"/>
+                  </a:lnTo>
+                  <a:lnTo>
+                    <a:pt x="669" y="618"/>
+                  </a:lnTo>
+                  <a:lnTo>
+                    <a:pt x="618" y="670"/>
+                  </a:lnTo>
+                  <a:lnTo>
+                    <a:pt x="557" y="710"/>
+                  </a:lnTo>
+                  <a:lnTo>
+                    <a:pt x="489" y="739"/>
+                  </a:lnTo>
+                  <a:lnTo>
+                    <a:pt x="416" y="755"/>
+                  </a:lnTo>
+                  <a:lnTo>
+                    <a:pt x="377" y="757"/>
+                  </a:lnTo>
+                  <a:lnTo>
+                    <a:pt x="338" y="755"/>
+                  </a:lnTo>
+                  <a:lnTo>
+                    <a:pt x="265" y="739"/>
+                  </a:lnTo>
+                  <a:lnTo>
+                    <a:pt x="197" y="710"/>
+                  </a:lnTo>
+                  <a:lnTo>
+                    <a:pt x="137" y="670"/>
+                  </a:lnTo>
+                  <a:lnTo>
+                    <a:pt x="85" y="618"/>
+                  </a:lnTo>
+                  <a:lnTo>
+                    <a:pt x="44" y="558"/>
+                  </a:lnTo>
+                  <a:lnTo>
+                    <a:pt x="16" y="490"/>
+                  </a:lnTo>
+                  <a:lnTo>
+                    <a:pt x="0" y="417"/>
+                  </a:lnTo>
+                  <a:lnTo>
+                    <a:pt x="0" y="378"/>
+                  </a:lnTo>
+                  <a:lnTo>
+                    <a:pt x="0" y="339"/>
+                  </a:lnTo>
+                  <a:lnTo>
+                    <a:pt x="16" y="265"/>
+                  </a:lnTo>
+                  <a:lnTo>
+                    <a:pt x="44" y="198"/>
+                  </a:lnTo>
+                  <a:lnTo>
+                    <a:pt x="85" y="137"/>
+                  </a:lnTo>
+                  <a:lnTo>
+                    <a:pt x="137" y="85"/>
+                  </a:lnTo>
+                  <a:lnTo>
+                    <a:pt x="197" y="45"/>
+                  </a:lnTo>
+                  <a:lnTo>
+                    <a:pt x="265" y="16"/>
+                  </a:lnTo>
+                  <a:lnTo>
+                    <a:pt x="338" y="0"/>
+                  </a:lnTo>
+                  <a:lnTo>
+                    <a:pt x="377" y="0"/>
+                  </a:lnTo>
+                  <a:lnTo>
+                    <a:pt x="416" y="0"/>
+                  </a:lnTo>
+                  <a:lnTo>
+                    <a:pt x="489" y="16"/>
+                  </a:lnTo>
+                  <a:lnTo>
+                    <a:pt x="557" y="45"/>
+                  </a:lnTo>
+                  <a:lnTo>
+                    <a:pt x="618" y="85"/>
+                  </a:lnTo>
+                  <a:lnTo>
+                    <a:pt x="669" y="137"/>
+                  </a:lnTo>
+                  <a:lnTo>
+                    <a:pt x="710" y="198"/>
+                  </a:lnTo>
+                  <a:lnTo>
+                    <a:pt x="739" y="265"/>
+                  </a:lnTo>
+                  <a:lnTo>
+                    <a:pt x="754" y="339"/>
+                  </a:lnTo>
+                  <a:lnTo>
+                    <a:pt x="756" y="378"/>
+                  </a:lnTo>
+                  <a:close/>
+                </a:path>
+              </a:pathLst>
+            </a:custGeom>
+            <a:solidFill>
+              <a:srgbClr val="59ADDF"/>
+            </a:solidFill>
+            <a:ln w="38100">
+              <a:solidFill>
+                <a:srgbClr val="414141"/>
+              </a:solidFill>
+              <a:prstDash val="solid"/>
+              <a:round/>
+              <a:headEnd/>
+              <a:tailEnd/>
+            </a:ln>
+          </p:spPr>
+          <p:txBody>
+            <a:bodyPr vert="horz" wrap="square" lIns="91440" tIns="45720" rIns="91440" bIns="45720" numCol="1" anchor="t" anchorCtr="0" compatLnSpc="1">
+              <a:prstTxWarp prst="textNoShape">
+                <a:avLst/>
+              </a:prstTxWarp>
+            </a:bodyPr>
+            <a:lstStyle/>
+            <a:p>
+              <a:endParaRPr lang="en-US" sz="1200"/>
+            </a:p>
+          </p:txBody>
+        </p:sp>
+        <p:sp>
+          <p:nvSpPr>
+            <p:cNvPr id="27" name="Rectangle 31"/>
+            <p:cNvSpPr>
+              <a:spLocks noChangeArrowheads="1"/>
+            </p:cNvSpPr>
+            <p:nvPr/>
+          </p:nvSpPr>
+          <p:spPr bwMode="auto">
+            <a:xfrm>
+              <a:off x="5580575" y="2177192"/>
+              <a:ext cx="1136650" cy="476250"/>
+            </a:xfrm>
+            <a:prstGeom prst="rect">
+              <a:avLst/>
+            </a:prstGeom>
+            <a:solidFill>
+              <a:srgbClr val="61C19B"/>
+            </a:solidFill>
+            <a:ln w="38100">
+              <a:solidFill>
+                <a:srgbClr val="414141"/>
+              </a:solidFill>
+              <a:prstDash val="solid"/>
+              <a:miter lim="800000"/>
+              <a:headEnd/>
+              <a:tailEnd/>
+            </a:ln>
+          </p:spPr>
+          <p:txBody>
+            <a:bodyPr vert="horz" wrap="square" lIns="91440" tIns="45720" rIns="91440" bIns="45720" numCol="1" anchor="ctr" anchorCtr="0" compatLnSpc="1">
+              <a:prstTxWarp prst="textNoShape">
+                <a:avLst/>
+              </a:prstTxWarp>
+            </a:bodyPr>
+            <a:lstStyle/>
+            <a:p>
+              <a:r>
+                <a:rPr lang="en-US" sz="800" dirty="0" smtClean="0"/>
+                <a:t>Personal Work</a:t>
+              </a:r>
+              <a:endParaRPr lang="en-US" sz="800" dirty="0"/>
+            </a:p>
+          </p:txBody>
+        </p:sp>
+      </p:grpSp>
+      <p:sp>
+        <p:nvSpPr>
+          <p:cNvPr id="29" name="Line 5"/>
+          <p:cNvSpPr>
+            <a:spLocks noChangeShapeType="1"/>
+          </p:cNvSpPr>
+          <p:nvPr/>
+        </p:nvSpPr>
+        <p:spPr bwMode="auto">
+          <a:xfrm>
+            <a:off x="5241611" y="4239025"/>
+            <a:ext cx="1599515" cy="893"/>
+          </a:xfrm>
+          <a:prstGeom prst="line">
+            <a:avLst/>
+          </a:prstGeom>
+          <a:noFill/>
+          <a:ln w="38100">
+            <a:solidFill>
+              <a:srgbClr val="414141"/>
+            </a:solidFill>
+            <a:prstDash val="solid"/>
+            <a:round/>
+            <a:headEnd/>
+            <a:tailEnd/>
+          </a:ln>
+        </p:spPr>
+        <p:txBody>
+          <a:bodyPr vert="horz" wrap="square" lIns="91440" tIns="45720" rIns="91440" bIns="45720" numCol="1" anchor="t" anchorCtr="0" compatLnSpc="1">
+            <a:prstTxWarp prst="textNoShape">
+              <a:avLst/>
+            </a:prstTxWarp>
+          </a:bodyPr>
+          <a:lstStyle/>
+          <a:p>
+            <a:endParaRPr lang="en-US" sz="1200"/>
+          </a:p>
+        </p:txBody>
+      </p:sp>
+      <p:sp>
+        <p:nvSpPr>
+          <p:cNvPr id="30" name="Freeform 7"/>
+          <p:cNvSpPr>
+            <a:spLocks/>
+          </p:cNvSpPr>
+          <p:nvPr/>
+        </p:nvSpPr>
+        <p:spPr bwMode="auto">
+          <a:xfrm>
+            <a:off x="5119855" y="4126482"/>
+            <a:ext cx="247439" cy="225087"/>
+          </a:xfrm>
+          <a:custGeom>
+            <a:avLst/>
+            <a:gdLst/>
+            <a:ahLst/>
+            <a:cxnLst>
+              <a:cxn ang="0">
+                <a:pos x="756" y="379"/>
+              </a:cxn>
+              <a:cxn ang="0">
+                <a:pos x="755" y="418"/>
+              </a:cxn>
+              <a:cxn ang="0">
+                <a:pos x="741" y="491"/>
+              </a:cxn>
+              <a:cxn ang="0">
+                <a:pos x="712" y="559"/>
+              </a:cxn>
+              <a:cxn ang="0">
+                <a:pos x="670" y="619"/>
+              </a:cxn>
+              <a:cxn ang="0">
+                <a:pos x="620" y="671"/>
+              </a:cxn>
+              <a:cxn ang="0">
+                <a:pos x="559" y="711"/>
+              </a:cxn>
+              <a:cxn ang="0">
+                <a:pos x="491" y="740"/>
+              </a:cxn>
+              <a:cxn ang="0">
+                <a:pos x="417" y="755"/>
+              </a:cxn>
+              <a:cxn ang="0">
+                <a:pos x="379" y="756"/>
+              </a:cxn>
+              <a:cxn ang="0">
+                <a:pos x="340" y="755"/>
+              </a:cxn>
+              <a:cxn ang="0">
+                <a:pos x="265" y="740"/>
+              </a:cxn>
+              <a:cxn ang="0">
+                <a:pos x="198" y="711"/>
+              </a:cxn>
+              <a:cxn ang="0">
+                <a:pos x="137" y="671"/>
+              </a:cxn>
+              <a:cxn ang="0">
+                <a:pos x="87" y="619"/>
+              </a:cxn>
+              <a:cxn ang="0">
+                <a:pos x="45" y="559"/>
+              </a:cxn>
+              <a:cxn ang="0">
+                <a:pos x="16" y="491"/>
+              </a:cxn>
+              <a:cxn ang="0">
+                <a:pos x="2" y="418"/>
+              </a:cxn>
+              <a:cxn ang="0">
+                <a:pos x="0" y="379"/>
+              </a:cxn>
+              <a:cxn ang="0">
+                <a:pos x="2" y="340"/>
+              </a:cxn>
+              <a:cxn ang="0">
+                <a:pos x="16" y="266"/>
+              </a:cxn>
+              <a:cxn ang="0">
+                <a:pos x="45" y="197"/>
+              </a:cxn>
+              <a:cxn ang="0">
+                <a:pos x="87" y="138"/>
+              </a:cxn>
+              <a:cxn ang="0">
+                <a:pos x="137" y="86"/>
+              </a:cxn>
+              <a:cxn ang="0">
+                <a:pos x="198" y="46"/>
+              </a:cxn>
+              <a:cxn ang="0">
+                <a:pos x="265" y="17"/>
+              </a:cxn>
+              <a:cxn ang="0">
+                <a:pos x="340" y="1"/>
+              </a:cxn>
+              <a:cxn ang="0">
+                <a:pos x="379" y="0"/>
+              </a:cxn>
+              <a:cxn ang="0">
+                <a:pos x="417" y="1"/>
+              </a:cxn>
+              <a:cxn ang="0">
+                <a:pos x="491" y="17"/>
+              </a:cxn>
+              <a:cxn ang="0">
+                <a:pos x="559" y="46"/>
+              </a:cxn>
+              <a:cxn ang="0">
+                <a:pos x="620" y="86"/>
+              </a:cxn>
+              <a:cxn ang="0">
+                <a:pos x="670" y="138"/>
+              </a:cxn>
+              <a:cxn ang="0">
+                <a:pos x="712" y="197"/>
+              </a:cxn>
+              <a:cxn ang="0">
+                <a:pos x="741" y="266"/>
+              </a:cxn>
+              <a:cxn ang="0">
+                <a:pos x="755" y="340"/>
+              </a:cxn>
+              <a:cxn ang="0">
+                <a:pos x="756" y="379"/>
+              </a:cxn>
+            </a:cxnLst>
+            <a:rect l="0" t="0" r="r" b="b"/>
+            <a:pathLst>
+              <a:path w="756" h="756">
+                <a:moveTo>
+                  <a:pt x="756" y="379"/>
+                </a:moveTo>
+                <a:lnTo>
+                  <a:pt x="755" y="418"/>
+                </a:lnTo>
+                <a:lnTo>
+                  <a:pt x="741" y="491"/>
+                </a:lnTo>
+                <a:lnTo>
+                  <a:pt x="712" y="559"/>
+                </a:lnTo>
+                <a:lnTo>
+                  <a:pt x="670" y="619"/>
+                </a:lnTo>
+                <a:lnTo>
+                  <a:pt x="620" y="671"/>
+                </a:lnTo>
+                <a:lnTo>
+                  <a:pt x="559" y="711"/>
+                </a:lnTo>
+                <a:lnTo>
+                  <a:pt x="491" y="740"/>
+                </a:lnTo>
+                <a:lnTo>
+                  <a:pt x="417" y="755"/>
+                </a:lnTo>
+                <a:lnTo>
+                  <a:pt x="379" y="756"/>
+                </a:lnTo>
+                <a:lnTo>
+                  <a:pt x="340" y="755"/>
+                </a:lnTo>
+                <a:lnTo>
+                  <a:pt x="265" y="740"/>
+                </a:lnTo>
+                <a:lnTo>
+                  <a:pt x="198" y="711"/>
+                </a:lnTo>
+                <a:lnTo>
+                  <a:pt x="137" y="671"/>
+                </a:lnTo>
+                <a:lnTo>
+                  <a:pt x="87" y="619"/>
+                </a:lnTo>
+                <a:lnTo>
+                  <a:pt x="45" y="559"/>
+                </a:lnTo>
+                <a:lnTo>
+                  <a:pt x="16" y="491"/>
+                </a:lnTo>
+                <a:lnTo>
+                  <a:pt x="2" y="418"/>
+                </a:lnTo>
+                <a:lnTo>
+                  <a:pt x="0" y="379"/>
+                </a:lnTo>
+                <a:lnTo>
+                  <a:pt x="2" y="340"/>
+                </a:lnTo>
+                <a:lnTo>
+                  <a:pt x="16" y="266"/>
+                </a:lnTo>
+                <a:lnTo>
+                  <a:pt x="45" y="197"/>
+                </a:lnTo>
+                <a:lnTo>
+                  <a:pt x="87" y="138"/>
+                </a:lnTo>
+                <a:lnTo>
+                  <a:pt x="137" y="86"/>
+                </a:lnTo>
+                <a:lnTo>
+                  <a:pt x="198" y="46"/>
+                </a:lnTo>
+                <a:lnTo>
+                  <a:pt x="265" y="17"/>
+                </a:lnTo>
+                <a:lnTo>
+                  <a:pt x="340" y="1"/>
+                </a:lnTo>
+                <a:lnTo>
+                  <a:pt x="379" y="0"/>
+                </a:lnTo>
+                <a:lnTo>
+                  <a:pt x="417" y="1"/>
+                </a:lnTo>
+                <a:lnTo>
+                  <a:pt x="491" y="17"/>
+                </a:lnTo>
+                <a:lnTo>
+                  <a:pt x="559" y="46"/>
+                </a:lnTo>
+                <a:lnTo>
+                  <a:pt x="620" y="86"/>
+                </a:lnTo>
+                <a:lnTo>
+                  <a:pt x="670" y="138"/>
+                </a:lnTo>
+                <a:lnTo>
+                  <a:pt x="712" y="197"/>
+                </a:lnTo>
+                <a:lnTo>
+                  <a:pt x="741" y="266"/>
+                </a:lnTo>
+                <a:lnTo>
+                  <a:pt x="755" y="340"/>
+                </a:lnTo>
+                <a:lnTo>
+                  <a:pt x="756" y="379"/>
+                </a:lnTo>
+                <a:close/>
+              </a:path>
+            </a:pathLst>
+          </a:custGeom>
+          <a:solidFill>
+            <a:srgbClr val="FFFFFF"/>
+          </a:solidFill>
+          <a:ln w="38100">
+            <a:solidFill>
+              <a:srgbClr val="414141"/>
+            </a:solidFill>
+            <a:prstDash val="solid"/>
+            <a:round/>
+            <a:headEnd/>
+            <a:tailEnd/>
+          </a:ln>
+        </p:spPr>
+        <p:txBody>
+          <a:bodyPr vert="horz" wrap="square" lIns="91440" tIns="45720" rIns="91440" bIns="45720" numCol="1" anchor="t" anchorCtr="0" compatLnSpc="1">
+            <a:prstTxWarp prst="textNoShape">
+              <a:avLst/>
+            </a:prstTxWarp>
+          </a:bodyPr>
+          <a:lstStyle/>
+          <a:p>
+            <a:endParaRPr lang="en-US" sz="1200"/>
+          </a:p>
+        </p:txBody>
+      </p:sp>
+      <p:sp>
+        <p:nvSpPr>
+          <p:cNvPr id="31" name="Freeform 8"/>
+          <p:cNvSpPr>
+            <a:spLocks/>
+          </p:cNvSpPr>
+          <p:nvPr/>
+        </p:nvSpPr>
+        <p:spPr bwMode="auto">
+          <a:xfrm>
+            <a:off x="6102737" y="4126482"/>
+            <a:ext cx="247439" cy="225087"/>
+          </a:xfrm>
+          <a:custGeom>
+            <a:avLst/>
+            <a:gdLst/>
+            <a:ahLst/>
+            <a:cxnLst>
+              <a:cxn ang="0">
+                <a:pos x="756" y="379"/>
+              </a:cxn>
+              <a:cxn ang="0">
+                <a:pos x="755" y="418"/>
+              </a:cxn>
+              <a:cxn ang="0">
+                <a:pos x="740" y="491"/>
+              </a:cxn>
+              <a:cxn ang="0">
+                <a:pos x="712" y="559"/>
+              </a:cxn>
+              <a:cxn ang="0">
+                <a:pos x="670" y="619"/>
+              </a:cxn>
+              <a:cxn ang="0">
+                <a:pos x="619" y="671"/>
+              </a:cxn>
+              <a:cxn ang="0">
+                <a:pos x="559" y="711"/>
+              </a:cxn>
+              <a:cxn ang="0">
+                <a:pos x="491" y="740"/>
+              </a:cxn>
+              <a:cxn ang="0">
+                <a:pos x="416" y="755"/>
+              </a:cxn>
+              <a:cxn ang="0">
+                <a:pos x="377" y="756"/>
+              </a:cxn>
+              <a:cxn ang="0">
+                <a:pos x="340" y="755"/>
+              </a:cxn>
+              <a:cxn ang="0">
+                <a:pos x="265" y="740"/>
+              </a:cxn>
+              <a:cxn ang="0">
+                <a:pos x="197" y="711"/>
+              </a:cxn>
+              <a:cxn ang="0">
+                <a:pos x="137" y="671"/>
+              </a:cxn>
+              <a:cxn ang="0">
+                <a:pos x="87" y="619"/>
+              </a:cxn>
+              <a:cxn ang="0">
+                <a:pos x="45" y="559"/>
+              </a:cxn>
+              <a:cxn ang="0">
+                <a:pos x="16" y="491"/>
+              </a:cxn>
+              <a:cxn ang="0">
+                <a:pos x="2" y="418"/>
+              </a:cxn>
+              <a:cxn ang="0">
+                <a:pos x="0" y="379"/>
+              </a:cxn>
+              <a:cxn ang="0">
+                <a:pos x="2" y="340"/>
+              </a:cxn>
+              <a:cxn ang="0">
+                <a:pos x="16" y="266"/>
+              </a:cxn>
+              <a:cxn ang="0">
+                <a:pos x="45" y="197"/>
+              </a:cxn>
+              <a:cxn ang="0">
+                <a:pos x="87" y="138"/>
+              </a:cxn>
+              <a:cxn ang="0">
+                <a:pos x="137" y="86"/>
+              </a:cxn>
+              <a:cxn ang="0">
+                <a:pos x="197" y="46"/>
+              </a:cxn>
+              <a:cxn ang="0">
+                <a:pos x="265" y="17"/>
+              </a:cxn>
+              <a:cxn ang="0">
+                <a:pos x="340" y="1"/>
+              </a:cxn>
+              <a:cxn ang="0">
+                <a:pos x="377" y="0"/>
+              </a:cxn>
+              <a:cxn ang="0">
+                <a:pos x="416" y="1"/>
+              </a:cxn>
+              <a:cxn ang="0">
+                <a:pos x="491" y="17"/>
+              </a:cxn>
+              <a:cxn ang="0">
+                <a:pos x="559" y="46"/>
+              </a:cxn>
+              <a:cxn ang="0">
+                <a:pos x="619" y="86"/>
+              </a:cxn>
+              <a:cxn ang="0">
+                <a:pos x="670" y="138"/>
+              </a:cxn>
+              <a:cxn ang="0">
+                <a:pos x="712" y="197"/>
+              </a:cxn>
+              <a:cxn ang="0">
+                <a:pos x="740" y="266"/>
+              </a:cxn>
+              <a:cxn ang="0">
+                <a:pos x="755" y="340"/>
+              </a:cxn>
+              <a:cxn ang="0">
+                <a:pos x="756" y="379"/>
+              </a:cxn>
+            </a:cxnLst>
+            <a:rect l="0" t="0" r="r" b="b"/>
+            <a:pathLst>
+              <a:path w="756" h="756">
+                <a:moveTo>
+                  <a:pt x="756" y="379"/>
+                </a:moveTo>
+                <a:lnTo>
+                  <a:pt x="755" y="418"/>
+                </a:lnTo>
+                <a:lnTo>
+                  <a:pt x="740" y="491"/>
+                </a:lnTo>
+                <a:lnTo>
+                  <a:pt x="712" y="559"/>
+                </a:lnTo>
+                <a:lnTo>
+                  <a:pt x="670" y="619"/>
+                </a:lnTo>
+                <a:lnTo>
+                  <a:pt x="619" y="671"/>
+                </a:lnTo>
+                <a:lnTo>
+                  <a:pt x="559" y="711"/>
+                </a:lnTo>
+                <a:lnTo>
+                  <a:pt x="491" y="740"/>
+                </a:lnTo>
+                <a:lnTo>
+                  <a:pt x="416" y="755"/>
+                </a:lnTo>
+                <a:lnTo>
+                  <a:pt x="377" y="756"/>
+                </a:lnTo>
+                <a:lnTo>
+                  <a:pt x="340" y="755"/>
+                </a:lnTo>
+                <a:lnTo>
+                  <a:pt x="265" y="740"/>
+                </a:lnTo>
+                <a:lnTo>
+                  <a:pt x="197" y="711"/>
+                </a:lnTo>
+                <a:lnTo>
+                  <a:pt x="137" y="671"/>
+                </a:lnTo>
+                <a:lnTo>
+                  <a:pt x="87" y="619"/>
+                </a:lnTo>
+                <a:lnTo>
+                  <a:pt x="45" y="559"/>
+                </a:lnTo>
+                <a:lnTo>
+                  <a:pt x="16" y="491"/>
+                </a:lnTo>
+                <a:lnTo>
+                  <a:pt x="2" y="418"/>
+                </a:lnTo>
+                <a:lnTo>
+                  <a:pt x="0" y="379"/>
+                </a:lnTo>
+                <a:lnTo>
+                  <a:pt x="2" y="340"/>
+                </a:lnTo>
+                <a:lnTo>
+                  <a:pt x="16" y="266"/>
+                </a:lnTo>
+                <a:lnTo>
+                  <a:pt x="45" y="197"/>
+                </a:lnTo>
+                <a:lnTo>
+                  <a:pt x="87" y="138"/>
+                </a:lnTo>
+                <a:lnTo>
+                  <a:pt x="137" y="86"/>
+                </a:lnTo>
+                <a:lnTo>
+                  <a:pt x="197" y="46"/>
+                </a:lnTo>
+                <a:lnTo>
+                  <a:pt x="265" y="17"/>
+                </a:lnTo>
+                <a:lnTo>
+                  <a:pt x="340" y="1"/>
+                </a:lnTo>
+                <a:lnTo>
+                  <a:pt x="377" y="0"/>
+                </a:lnTo>
+                <a:lnTo>
+                  <a:pt x="416" y="1"/>
+                </a:lnTo>
+                <a:lnTo>
+                  <a:pt x="491" y="17"/>
+                </a:lnTo>
+                <a:lnTo>
+                  <a:pt x="559" y="46"/>
+                </a:lnTo>
+                <a:lnTo>
+                  <a:pt x="619" y="86"/>
+                </a:lnTo>
+                <a:lnTo>
+                  <a:pt x="670" y="138"/>
+                </a:lnTo>
+                <a:lnTo>
+                  <a:pt x="712" y="197"/>
+                </a:lnTo>
+                <a:lnTo>
+                  <a:pt x="740" y="266"/>
+                </a:lnTo>
+                <a:lnTo>
+                  <a:pt x="755" y="340"/>
+                </a:lnTo>
+                <a:lnTo>
+                  <a:pt x="756" y="379"/>
+                </a:lnTo>
+                <a:close/>
+              </a:path>
+            </a:pathLst>
+          </a:custGeom>
+          <a:solidFill>
+            <a:srgbClr val="FFFFFF"/>
+          </a:solidFill>
+          <a:ln w="38100">
+            <a:solidFill>
+              <a:srgbClr val="414141"/>
+            </a:solidFill>
+            <a:prstDash val="solid"/>
+            <a:round/>
+            <a:headEnd/>
+            <a:tailEnd/>
+          </a:ln>
+        </p:spPr>
+        <p:txBody>
+          <a:bodyPr vert="horz" wrap="square" lIns="91440" tIns="45720" rIns="91440" bIns="45720" numCol="1" anchor="t" anchorCtr="0" compatLnSpc="1">
+            <a:prstTxWarp prst="textNoShape">
+              <a:avLst/>
+            </a:prstTxWarp>
+          </a:bodyPr>
+          <a:lstStyle/>
+          <a:p>
+            <a:endParaRPr lang="en-US" sz="1200"/>
+          </a:p>
+        </p:txBody>
+      </p:sp>
+      <p:sp>
+        <p:nvSpPr>
+          <p:cNvPr id="32" name="Freeform 9"/>
+          <p:cNvSpPr>
+            <a:spLocks/>
+          </p:cNvSpPr>
+          <p:nvPr/>
+        </p:nvSpPr>
+        <p:spPr bwMode="auto">
+          <a:xfrm>
+            <a:off x="6593687" y="4126482"/>
+            <a:ext cx="247439" cy="225087"/>
+          </a:xfrm>
+          <a:custGeom>
+            <a:avLst/>
+            <a:gdLst/>
+            <a:ahLst/>
+            <a:cxnLst>
+              <a:cxn ang="0">
+                <a:pos x="756" y="379"/>
+              </a:cxn>
+              <a:cxn ang="0">
+                <a:pos x="755" y="418"/>
+              </a:cxn>
+              <a:cxn ang="0">
+                <a:pos x="741" y="491"/>
+              </a:cxn>
+              <a:cxn ang="0">
+                <a:pos x="712" y="559"/>
+              </a:cxn>
+              <a:cxn ang="0">
+                <a:pos x="671" y="619"/>
+              </a:cxn>
+              <a:cxn ang="0">
+                <a:pos x="620" y="671"/>
+              </a:cxn>
+              <a:cxn ang="0">
+                <a:pos x="559" y="711"/>
+              </a:cxn>
+              <a:cxn ang="0">
+                <a:pos x="491" y="740"/>
+              </a:cxn>
+              <a:cxn ang="0">
+                <a:pos x="418" y="755"/>
+              </a:cxn>
+              <a:cxn ang="0">
+                <a:pos x="379" y="756"/>
+              </a:cxn>
+              <a:cxn ang="0">
+                <a:pos x="340" y="755"/>
+              </a:cxn>
+              <a:cxn ang="0">
+                <a:pos x="267" y="740"/>
+              </a:cxn>
+              <a:cxn ang="0">
+                <a:pos x="198" y="711"/>
+              </a:cxn>
+              <a:cxn ang="0">
+                <a:pos x="139" y="671"/>
+              </a:cxn>
+              <a:cxn ang="0">
+                <a:pos x="87" y="619"/>
+              </a:cxn>
+              <a:cxn ang="0">
+                <a:pos x="46" y="559"/>
+              </a:cxn>
+              <a:cxn ang="0">
+                <a:pos x="18" y="491"/>
+              </a:cxn>
+              <a:cxn ang="0">
+                <a:pos x="2" y="418"/>
+              </a:cxn>
+              <a:cxn ang="0">
+                <a:pos x="0" y="379"/>
+              </a:cxn>
+              <a:cxn ang="0">
+                <a:pos x="2" y="340"/>
+              </a:cxn>
+              <a:cxn ang="0">
+                <a:pos x="18" y="266"/>
+              </a:cxn>
+              <a:cxn ang="0">
+                <a:pos x="46" y="197"/>
+              </a:cxn>
+              <a:cxn ang="0">
+                <a:pos x="87" y="138"/>
+              </a:cxn>
+              <a:cxn ang="0">
+                <a:pos x="139" y="86"/>
+              </a:cxn>
+              <a:cxn ang="0">
+                <a:pos x="198" y="46"/>
+              </a:cxn>
+              <a:cxn ang="0">
+                <a:pos x="267" y="17"/>
+              </a:cxn>
+              <a:cxn ang="0">
+                <a:pos x="340" y="1"/>
+              </a:cxn>
+              <a:cxn ang="0">
+                <a:pos x="379" y="0"/>
+              </a:cxn>
+              <a:cxn ang="0">
+                <a:pos x="418" y="1"/>
+              </a:cxn>
+              <a:cxn ang="0">
+                <a:pos x="491" y="17"/>
+              </a:cxn>
+              <a:cxn ang="0">
+                <a:pos x="559" y="46"/>
+              </a:cxn>
+              <a:cxn ang="0">
+                <a:pos x="620" y="86"/>
+              </a:cxn>
+              <a:cxn ang="0">
+                <a:pos x="671" y="138"/>
+              </a:cxn>
+              <a:cxn ang="0">
+                <a:pos x="712" y="197"/>
+              </a:cxn>
+              <a:cxn ang="0">
+                <a:pos x="741" y="266"/>
+              </a:cxn>
+              <a:cxn ang="0">
+                <a:pos x="755" y="340"/>
+              </a:cxn>
+              <a:cxn ang="0">
+                <a:pos x="756" y="379"/>
+              </a:cxn>
+            </a:cxnLst>
+            <a:rect l="0" t="0" r="r" b="b"/>
+            <a:pathLst>
+              <a:path w="756" h="756">
+                <a:moveTo>
+                  <a:pt x="756" y="379"/>
+                </a:moveTo>
+                <a:lnTo>
+                  <a:pt x="755" y="418"/>
+                </a:lnTo>
+                <a:lnTo>
+                  <a:pt x="741" y="491"/>
+                </a:lnTo>
+                <a:lnTo>
+                  <a:pt x="712" y="559"/>
+                </a:lnTo>
+                <a:lnTo>
+                  <a:pt x="671" y="619"/>
+                </a:lnTo>
+                <a:lnTo>
+                  <a:pt x="620" y="671"/>
+                </a:lnTo>
+                <a:lnTo>
+                  <a:pt x="559" y="711"/>
+                </a:lnTo>
+                <a:lnTo>
+                  <a:pt x="491" y="740"/>
+                </a:lnTo>
+                <a:lnTo>
+                  <a:pt x="418" y="755"/>
+                </a:lnTo>
+                <a:lnTo>
+                  <a:pt x="379" y="756"/>
+                </a:lnTo>
+                <a:lnTo>
+                  <a:pt x="340" y="755"/>
+                </a:lnTo>
+                <a:lnTo>
+                  <a:pt x="267" y="740"/>
+                </a:lnTo>
+                <a:lnTo>
+                  <a:pt x="198" y="711"/>
+                </a:lnTo>
+                <a:lnTo>
+                  <a:pt x="139" y="671"/>
+                </a:lnTo>
+                <a:lnTo>
+                  <a:pt x="87" y="619"/>
+                </a:lnTo>
+                <a:lnTo>
+                  <a:pt x="46" y="559"/>
+                </a:lnTo>
+                <a:lnTo>
+                  <a:pt x="18" y="491"/>
+                </a:lnTo>
+                <a:lnTo>
+                  <a:pt x="2" y="418"/>
+                </a:lnTo>
+                <a:lnTo>
+                  <a:pt x="0" y="379"/>
+                </a:lnTo>
+                <a:lnTo>
+                  <a:pt x="2" y="340"/>
+                </a:lnTo>
+                <a:lnTo>
+                  <a:pt x="18" y="266"/>
+                </a:lnTo>
+                <a:lnTo>
+                  <a:pt x="46" y="197"/>
+                </a:lnTo>
+                <a:lnTo>
+                  <a:pt x="87" y="138"/>
+                </a:lnTo>
+                <a:lnTo>
+                  <a:pt x="139" y="86"/>
+                </a:lnTo>
+                <a:lnTo>
+                  <a:pt x="198" y="46"/>
+                </a:lnTo>
+                <a:lnTo>
+                  <a:pt x="267" y="17"/>
+                </a:lnTo>
+                <a:lnTo>
+                  <a:pt x="340" y="1"/>
+                </a:lnTo>
+                <a:lnTo>
+                  <a:pt x="379" y="0"/>
+                </a:lnTo>
+                <a:lnTo>
+                  <a:pt x="418" y="1"/>
+                </a:lnTo>
+                <a:lnTo>
+                  <a:pt x="491" y="17"/>
+                </a:lnTo>
+                <a:lnTo>
+                  <a:pt x="559" y="46"/>
+                </a:lnTo>
+                <a:lnTo>
+                  <a:pt x="620" y="86"/>
+                </a:lnTo>
+                <a:lnTo>
+                  <a:pt x="671" y="138"/>
+                </a:lnTo>
+                <a:lnTo>
+                  <a:pt x="712" y="197"/>
+                </a:lnTo>
+                <a:lnTo>
+                  <a:pt x="741" y="266"/>
+                </a:lnTo>
+                <a:lnTo>
+                  <a:pt x="755" y="340"/>
+                </a:lnTo>
+                <a:lnTo>
+                  <a:pt x="756" y="379"/>
+                </a:lnTo>
+                <a:close/>
+              </a:path>
+            </a:pathLst>
+          </a:custGeom>
+          <a:solidFill>
+            <a:srgbClr val="59ADDF"/>
+          </a:solidFill>
+          <a:ln w="38100">
+            <a:solidFill>
+              <a:srgbClr val="414141"/>
+            </a:solidFill>
+            <a:prstDash val="solid"/>
+            <a:round/>
+            <a:headEnd/>
+            <a:tailEnd/>
+          </a:ln>
+        </p:spPr>
+        <p:txBody>
+          <a:bodyPr vert="horz" wrap="square" lIns="91440" tIns="45720" rIns="91440" bIns="45720" numCol="1" anchor="t" anchorCtr="0" compatLnSpc="1">
+            <a:prstTxWarp prst="textNoShape">
+              <a:avLst/>
+            </a:prstTxWarp>
+          </a:bodyPr>
+          <a:lstStyle/>
+          <a:p>
+            <a:endParaRPr lang="en-US" sz="1200"/>
+          </a:p>
+        </p:txBody>
+      </p:sp>
+      <p:sp>
+        <p:nvSpPr>
+          <p:cNvPr id="33" name="Line 10"/>
+          <p:cNvSpPr>
+            <a:spLocks noChangeShapeType="1"/>
+          </p:cNvSpPr>
+          <p:nvPr/>
+        </p:nvSpPr>
+        <p:spPr bwMode="auto">
+          <a:xfrm flipV="1">
+            <a:off x="6697492" y="4420984"/>
+            <a:ext cx="982" cy="125942"/>
+          </a:xfrm>
+          <a:prstGeom prst="line">
+            <a:avLst/>
+          </a:prstGeom>
+          <a:noFill/>
+          <a:ln w="38100">
+            <a:solidFill>
+              <a:srgbClr val="414141"/>
+            </a:solidFill>
+            <a:prstDash val="solid"/>
+            <a:round/>
+            <a:headEnd/>
+            <a:tailEnd/>
+          </a:ln>
+        </p:spPr>
+        <p:txBody>
+          <a:bodyPr vert="horz" wrap="square" lIns="91440" tIns="45720" rIns="91440" bIns="45720" numCol="1" anchor="t" anchorCtr="0" compatLnSpc="1">
+            <a:prstTxWarp prst="textNoShape">
+              <a:avLst/>
+            </a:prstTxWarp>
+          </a:bodyPr>
+          <a:lstStyle/>
+          <a:p>
+            <a:endParaRPr lang="en-US" sz="1200"/>
+          </a:p>
+        </p:txBody>
+      </p:sp>
+      <p:sp>
+        <p:nvSpPr>
+          <p:cNvPr id="34" name="Freeform 11"/>
+          <p:cNvSpPr>
+            <a:spLocks/>
+          </p:cNvSpPr>
+          <p:nvPr/>
+        </p:nvSpPr>
+        <p:spPr bwMode="auto">
+          <a:xfrm rot="10800000">
+            <a:off x="6634160" y="4411650"/>
+            <a:ext cx="127647" cy="58058"/>
+          </a:xfrm>
+          <a:custGeom>
+            <a:avLst/>
+            <a:gdLst/>
+            <a:ahLst/>
+            <a:cxnLst>
+              <a:cxn ang="0">
+                <a:pos x="391" y="0"/>
+              </a:cxn>
+              <a:cxn ang="0">
+                <a:pos x="195" y="195"/>
+              </a:cxn>
+              <a:cxn ang="0">
+                <a:pos x="0" y="0"/>
+              </a:cxn>
+            </a:cxnLst>
+            <a:rect l="0" t="0" r="r" b="b"/>
+            <a:pathLst>
+              <a:path w="391" h="195">
+                <a:moveTo>
+                  <a:pt x="391" y="0"/>
+                </a:moveTo>
+                <a:lnTo>
+                  <a:pt x="195" y="195"/>
+                </a:lnTo>
+                <a:lnTo>
+                  <a:pt x="0" y="0"/>
+                </a:lnTo>
+              </a:path>
+            </a:pathLst>
+          </a:custGeom>
+          <a:noFill/>
+          <a:ln w="38100">
+            <a:solidFill>
+              <a:srgbClr val="414141"/>
+            </a:solidFill>
+            <a:prstDash val="solid"/>
+            <a:round/>
+            <a:headEnd/>
+            <a:tailEnd/>
+          </a:ln>
+        </p:spPr>
+        <p:txBody>
+          <a:bodyPr vert="horz" wrap="square" lIns="91440" tIns="45720" rIns="91440" bIns="45720" numCol="1" anchor="t" anchorCtr="0" compatLnSpc="1">
+            <a:prstTxWarp prst="textNoShape">
+              <a:avLst/>
+            </a:prstTxWarp>
+          </a:bodyPr>
+          <a:lstStyle/>
+          <a:p>
+            <a:endParaRPr lang="en-US" sz="1200"/>
+          </a:p>
+        </p:txBody>
+      </p:sp>
+      <p:sp>
+        <p:nvSpPr>
+          <p:cNvPr id="35" name="Rectangle 12"/>
+          <p:cNvSpPr>
+            <a:spLocks noChangeArrowheads="1"/>
+          </p:cNvSpPr>
+          <p:nvPr/>
+        </p:nvSpPr>
+        <p:spPr bwMode="auto">
+          <a:xfrm>
+            <a:off x="6277853" y="4654740"/>
+            <a:ext cx="844434" cy="268854"/>
+          </a:xfrm>
+          <a:prstGeom prst="rect">
+            <a:avLst/>
+          </a:prstGeom>
+          <a:solidFill>
+            <a:srgbClr val="B5E1F8"/>
+          </a:solidFill>
+          <a:ln w="38100">
+            <a:solidFill>
+              <a:srgbClr val="414141"/>
+            </a:solidFill>
+            <a:prstDash val="solid"/>
+            <a:miter lim="800000"/>
+            <a:headEnd/>
+            <a:tailEnd/>
+          </a:ln>
+        </p:spPr>
+        <p:txBody>
+          <a:bodyPr vert="horz" wrap="square" lIns="91440" tIns="45720" rIns="91440" bIns="45720" numCol="1" anchor="ctr" anchorCtr="0" compatLnSpc="1">
+            <a:prstTxWarp prst="textNoShape">
+              <a:avLst/>
+            </a:prstTxWarp>
+          </a:bodyPr>
+          <a:lstStyle/>
+          <a:p>
+            <a:pPr algn="ctr"/>
+            <a:r>
+              <a:rPr lang="en-US" sz="900" dirty="0" smtClean="0"/>
+              <a:t>Lab Guides</a:t>
+            </a:r>
+            <a:endParaRPr lang="en-US" sz="1100" dirty="0"/>
+          </a:p>
+        </p:txBody>
+      </p:sp>
+      <p:sp>
+        <p:nvSpPr>
+          <p:cNvPr id="36" name="Line 57"/>
+          <p:cNvSpPr>
+            <a:spLocks noChangeShapeType="1"/>
+          </p:cNvSpPr>
+          <p:nvPr/>
+        </p:nvSpPr>
+        <p:spPr bwMode="auto">
+          <a:xfrm>
+            <a:off x="7520000" y="3798682"/>
+            <a:ext cx="792389" cy="8238"/>
+          </a:xfrm>
+          <a:prstGeom prst="line">
+            <a:avLst/>
+          </a:prstGeom>
+          <a:noFill/>
+          <a:ln w="38100">
+            <a:solidFill>
+              <a:srgbClr val="414141"/>
+            </a:solidFill>
+            <a:prstDash val="solid"/>
+            <a:round/>
+            <a:headEnd/>
+            <a:tailEnd/>
+          </a:ln>
+        </p:spPr>
+        <p:txBody>
+          <a:bodyPr vert="horz" wrap="square" lIns="91440" tIns="45720" rIns="91440" bIns="45720" numCol="1" anchor="t" anchorCtr="0" compatLnSpc="1">
+            <a:prstTxWarp prst="textNoShape">
+              <a:avLst/>
+            </a:prstTxWarp>
+          </a:bodyPr>
+          <a:lstStyle/>
+          <a:p>
+            <a:endParaRPr lang="en-US" sz="1200"/>
+          </a:p>
+        </p:txBody>
+      </p:sp>
+      <p:sp>
+        <p:nvSpPr>
+          <p:cNvPr id="38" name="Freeform 59"/>
+          <p:cNvSpPr>
+            <a:spLocks/>
+          </p:cNvSpPr>
+          <p:nvPr/>
+        </p:nvSpPr>
+        <p:spPr bwMode="auto">
+          <a:xfrm>
+            <a:off x="6850344" y="3798682"/>
+            <a:ext cx="422217" cy="220621"/>
+          </a:xfrm>
+          <a:custGeom>
+            <a:avLst/>
+            <a:gdLst/>
+            <a:ahLst/>
+            <a:cxnLst>
+              <a:cxn ang="0">
+                <a:pos x="0" y="739"/>
+              </a:cxn>
+              <a:cxn ang="0">
+                <a:pos x="2" y="700"/>
+              </a:cxn>
+              <a:cxn ang="0">
+                <a:pos x="9" y="626"/>
+              </a:cxn>
+              <a:cxn ang="0">
+                <a:pos x="23" y="554"/>
+              </a:cxn>
+              <a:cxn ang="0">
+                <a:pos x="45" y="484"/>
+              </a:cxn>
+              <a:cxn ang="0">
+                <a:pos x="74" y="417"/>
+              </a:cxn>
+              <a:cxn ang="0">
+                <a:pos x="107" y="355"/>
+              </a:cxn>
+              <a:cxn ang="0">
+                <a:pos x="147" y="296"/>
+              </a:cxn>
+              <a:cxn ang="0">
+                <a:pos x="192" y="242"/>
+              </a:cxn>
+              <a:cxn ang="0">
+                <a:pos x="242" y="191"/>
+              </a:cxn>
+              <a:cxn ang="0">
+                <a:pos x="297" y="147"/>
+              </a:cxn>
+              <a:cxn ang="0">
+                <a:pos x="356" y="106"/>
+              </a:cxn>
+              <a:cxn ang="0">
+                <a:pos x="419" y="72"/>
+              </a:cxn>
+              <a:cxn ang="0">
+                <a:pos x="486" y="44"/>
+              </a:cxn>
+              <a:cxn ang="0">
+                <a:pos x="555" y="23"/>
+              </a:cxn>
+              <a:cxn ang="0">
+                <a:pos x="627" y="8"/>
+              </a:cxn>
+              <a:cxn ang="0">
+                <a:pos x="700" y="0"/>
+              </a:cxn>
+              <a:cxn ang="0">
+                <a:pos x="739" y="0"/>
+              </a:cxn>
+              <a:cxn ang="0">
+                <a:pos x="1292" y="0"/>
+              </a:cxn>
+            </a:cxnLst>
+            <a:rect l="0" t="0" r="r" b="b"/>
+            <a:pathLst>
+              <a:path w="1292" h="739">
+                <a:moveTo>
+                  <a:pt x="0" y="739"/>
+                </a:moveTo>
+                <a:lnTo>
+                  <a:pt x="2" y="700"/>
+                </a:lnTo>
+                <a:lnTo>
+                  <a:pt x="9" y="626"/>
+                </a:lnTo>
+                <a:lnTo>
+                  <a:pt x="23" y="554"/>
+                </a:lnTo>
+                <a:lnTo>
+                  <a:pt x="45" y="484"/>
+                </a:lnTo>
+                <a:lnTo>
+                  <a:pt x="74" y="417"/>
+                </a:lnTo>
+                <a:lnTo>
+                  <a:pt x="107" y="355"/>
+                </a:lnTo>
+                <a:lnTo>
+                  <a:pt x="147" y="296"/>
+                </a:lnTo>
+                <a:lnTo>
+                  <a:pt x="192" y="242"/>
+                </a:lnTo>
+                <a:lnTo>
+                  <a:pt x="242" y="191"/>
+                </a:lnTo>
+                <a:lnTo>
+                  <a:pt x="297" y="147"/>
+                </a:lnTo>
+                <a:lnTo>
+                  <a:pt x="356" y="106"/>
+                </a:lnTo>
+                <a:lnTo>
+                  <a:pt x="419" y="72"/>
+                </a:lnTo>
+                <a:lnTo>
+                  <a:pt x="486" y="44"/>
+                </a:lnTo>
+                <a:lnTo>
+                  <a:pt x="555" y="23"/>
+                </a:lnTo>
+                <a:lnTo>
+                  <a:pt x="627" y="8"/>
+                </a:lnTo>
+                <a:lnTo>
+                  <a:pt x="700" y="0"/>
+                </a:lnTo>
+                <a:lnTo>
+                  <a:pt x="739" y="0"/>
+                </a:lnTo>
+                <a:lnTo>
+                  <a:pt x="1292" y="0"/>
+                </a:lnTo>
+              </a:path>
+            </a:pathLst>
+          </a:custGeom>
+          <a:noFill/>
+          <a:ln w="38100">
+            <a:solidFill>
+              <a:srgbClr val="414141"/>
+            </a:solidFill>
+            <a:prstDash val="solid"/>
+            <a:round/>
+            <a:headEnd/>
+            <a:tailEnd/>
+          </a:ln>
+        </p:spPr>
+        <p:txBody>
+          <a:bodyPr vert="horz" wrap="square" lIns="91440" tIns="45720" rIns="91440" bIns="45720" numCol="1" anchor="t" anchorCtr="0" compatLnSpc="1">
+            <a:prstTxWarp prst="textNoShape">
+              <a:avLst/>
+            </a:prstTxWarp>
+          </a:bodyPr>
+          <a:lstStyle/>
+          <a:p>
+            <a:endParaRPr lang="en-US" sz="1200"/>
+          </a:p>
+        </p:txBody>
+      </p:sp>
+      <p:sp>
+        <p:nvSpPr>
+          <p:cNvPr id="39" name="Freeform 60"/>
+          <p:cNvSpPr>
+            <a:spLocks/>
+          </p:cNvSpPr>
+          <p:nvPr/>
+        </p:nvSpPr>
+        <p:spPr bwMode="auto">
+          <a:xfrm>
+            <a:off x="5120929" y="4127369"/>
+            <a:ext cx="247439" cy="225087"/>
+          </a:xfrm>
+          <a:custGeom>
+            <a:avLst/>
+            <a:gdLst/>
+            <a:ahLst/>
+            <a:cxnLst>
+              <a:cxn ang="0">
+                <a:pos x="756" y="377"/>
+              </a:cxn>
+              <a:cxn ang="0">
+                <a:pos x="755" y="416"/>
+              </a:cxn>
+              <a:cxn ang="0">
+                <a:pos x="739" y="489"/>
+              </a:cxn>
+              <a:cxn ang="0">
+                <a:pos x="710" y="557"/>
+              </a:cxn>
+              <a:cxn ang="0">
+                <a:pos x="670" y="617"/>
+              </a:cxn>
+              <a:cxn ang="0">
+                <a:pos x="618" y="669"/>
+              </a:cxn>
+              <a:cxn ang="0">
+                <a:pos x="559" y="710"/>
+              </a:cxn>
+              <a:cxn ang="0">
+                <a:pos x="490" y="738"/>
+              </a:cxn>
+              <a:cxn ang="0">
+                <a:pos x="416" y="754"/>
+              </a:cxn>
+              <a:cxn ang="0">
+                <a:pos x="377" y="756"/>
+              </a:cxn>
+              <a:cxn ang="0">
+                <a:pos x="338" y="754"/>
+              </a:cxn>
+              <a:cxn ang="0">
+                <a:pos x="265" y="738"/>
+              </a:cxn>
+              <a:cxn ang="0">
+                <a:pos x="197" y="710"/>
+              </a:cxn>
+              <a:cxn ang="0">
+                <a:pos x="137" y="669"/>
+              </a:cxn>
+              <a:cxn ang="0">
+                <a:pos x="85" y="617"/>
+              </a:cxn>
+              <a:cxn ang="0">
+                <a:pos x="45" y="557"/>
+              </a:cxn>
+              <a:cxn ang="0">
+                <a:pos x="16" y="489"/>
+              </a:cxn>
+              <a:cxn ang="0">
+                <a:pos x="1" y="416"/>
+              </a:cxn>
+              <a:cxn ang="0">
+                <a:pos x="0" y="377"/>
+              </a:cxn>
+              <a:cxn ang="0">
+                <a:pos x="1" y="338"/>
+              </a:cxn>
+              <a:cxn ang="0">
+                <a:pos x="16" y="265"/>
+              </a:cxn>
+              <a:cxn ang="0">
+                <a:pos x="45" y="197"/>
+              </a:cxn>
+              <a:cxn ang="0">
+                <a:pos x="85" y="136"/>
+              </a:cxn>
+              <a:cxn ang="0">
+                <a:pos x="137" y="85"/>
+              </a:cxn>
+              <a:cxn ang="0">
+                <a:pos x="197" y="44"/>
+              </a:cxn>
+              <a:cxn ang="0">
+                <a:pos x="265" y="15"/>
+              </a:cxn>
+              <a:cxn ang="0">
+                <a:pos x="338" y="0"/>
+              </a:cxn>
+              <a:cxn ang="0">
+                <a:pos x="377" y="0"/>
+              </a:cxn>
+              <a:cxn ang="0">
+                <a:pos x="416" y="0"/>
+              </a:cxn>
+              <a:cxn ang="0">
+                <a:pos x="490" y="15"/>
+              </a:cxn>
+              <a:cxn ang="0">
+                <a:pos x="559" y="44"/>
+              </a:cxn>
+              <a:cxn ang="0">
+                <a:pos x="618" y="85"/>
+              </a:cxn>
+              <a:cxn ang="0">
+                <a:pos x="670" y="136"/>
+              </a:cxn>
+              <a:cxn ang="0">
+                <a:pos x="710" y="197"/>
+              </a:cxn>
+              <a:cxn ang="0">
+                <a:pos x="739" y="265"/>
+              </a:cxn>
+              <a:cxn ang="0">
+                <a:pos x="755" y="338"/>
+              </a:cxn>
+              <a:cxn ang="0">
+                <a:pos x="756" y="377"/>
+              </a:cxn>
+            </a:cxnLst>
+            <a:rect l="0" t="0" r="r" b="b"/>
+            <a:pathLst>
+              <a:path w="756" h="756">
+                <a:moveTo>
+                  <a:pt x="756" y="377"/>
+                </a:moveTo>
+                <a:lnTo>
+                  <a:pt x="755" y="416"/>
+                </a:lnTo>
+                <a:lnTo>
+                  <a:pt x="739" y="489"/>
+                </a:lnTo>
+                <a:lnTo>
+                  <a:pt x="710" y="557"/>
+                </a:lnTo>
+                <a:lnTo>
+                  <a:pt x="670" y="617"/>
+                </a:lnTo>
+                <a:lnTo>
+                  <a:pt x="618" y="669"/>
+                </a:lnTo>
+                <a:lnTo>
+                  <a:pt x="559" y="710"/>
+                </a:lnTo>
+                <a:lnTo>
+                  <a:pt x="490" y="738"/>
+                </a:lnTo>
+                <a:lnTo>
+                  <a:pt x="416" y="754"/>
+                </a:lnTo>
+                <a:lnTo>
+                  <a:pt x="377" y="756"/>
+                </a:lnTo>
+                <a:lnTo>
+                  <a:pt x="338" y="754"/>
+                </a:lnTo>
+                <a:lnTo>
+                  <a:pt x="265" y="738"/>
+                </a:lnTo>
+                <a:lnTo>
+                  <a:pt x="197" y="710"/>
+                </a:lnTo>
+                <a:lnTo>
+                  <a:pt x="137" y="669"/>
+                </a:lnTo>
+                <a:lnTo>
+                  <a:pt x="85" y="617"/>
+                </a:lnTo>
+                <a:lnTo>
+                  <a:pt x="45" y="557"/>
+                </a:lnTo>
+                <a:lnTo>
+                  <a:pt x="16" y="489"/>
+                </a:lnTo>
+                <a:lnTo>
+                  <a:pt x="1" y="416"/>
+                </a:lnTo>
+                <a:lnTo>
+                  <a:pt x="0" y="377"/>
+                </a:lnTo>
+                <a:lnTo>
+                  <a:pt x="1" y="338"/>
+                </a:lnTo>
+                <a:lnTo>
+                  <a:pt x="16" y="265"/>
+                </a:lnTo>
+                <a:lnTo>
+                  <a:pt x="45" y="197"/>
+                </a:lnTo>
+                <a:lnTo>
+                  <a:pt x="85" y="136"/>
+                </a:lnTo>
+                <a:lnTo>
+                  <a:pt x="137" y="85"/>
+                </a:lnTo>
+                <a:lnTo>
+                  <a:pt x="197" y="44"/>
+                </a:lnTo>
+                <a:lnTo>
+                  <a:pt x="265" y="15"/>
+                </a:lnTo>
+                <a:lnTo>
+                  <a:pt x="338" y="0"/>
+                </a:lnTo>
+                <a:lnTo>
+                  <a:pt x="377" y="0"/>
+                </a:lnTo>
+                <a:lnTo>
+                  <a:pt x="416" y="0"/>
+                </a:lnTo>
+                <a:lnTo>
+                  <a:pt x="490" y="15"/>
+                </a:lnTo>
+                <a:lnTo>
+                  <a:pt x="559" y="44"/>
+                </a:lnTo>
+                <a:lnTo>
+                  <a:pt x="618" y="85"/>
+                </a:lnTo>
+                <a:lnTo>
+                  <a:pt x="670" y="136"/>
+                </a:lnTo>
+                <a:lnTo>
+                  <a:pt x="710" y="197"/>
+                </a:lnTo>
+                <a:lnTo>
+                  <a:pt x="739" y="265"/>
+                </a:lnTo>
+                <a:lnTo>
+                  <a:pt x="755" y="338"/>
+                </a:lnTo>
+                <a:lnTo>
+                  <a:pt x="756" y="377"/>
+                </a:lnTo>
+                <a:close/>
+              </a:path>
+            </a:pathLst>
+          </a:custGeom>
+          <a:solidFill>
+            <a:srgbClr val="FFFFFF"/>
+          </a:solidFill>
+          <a:ln w="38100">
+            <a:solidFill>
+              <a:srgbClr val="414141"/>
+            </a:solidFill>
+            <a:prstDash val="solid"/>
+            <a:round/>
+            <a:headEnd/>
+            <a:tailEnd/>
+          </a:ln>
+        </p:spPr>
+        <p:txBody>
+          <a:bodyPr vert="horz" wrap="square" lIns="91440" tIns="45720" rIns="91440" bIns="45720" numCol="1" anchor="t" anchorCtr="0" compatLnSpc="1">
+            <a:prstTxWarp prst="textNoShape">
+              <a:avLst/>
+            </a:prstTxWarp>
+          </a:bodyPr>
+          <a:lstStyle/>
+          <a:p>
+            <a:endParaRPr lang="en-US" sz="1200"/>
+          </a:p>
+        </p:txBody>
+      </p:sp>
+      <p:sp>
+        <p:nvSpPr>
+          <p:cNvPr id="40" name="Freeform 61"/>
+          <p:cNvSpPr>
+            <a:spLocks/>
+          </p:cNvSpPr>
+          <p:nvPr/>
+        </p:nvSpPr>
+        <p:spPr bwMode="auto">
+          <a:xfrm>
+            <a:off x="4630961" y="4127369"/>
+            <a:ext cx="247439" cy="225087"/>
+          </a:xfrm>
+          <a:custGeom>
+            <a:avLst/>
+            <a:gdLst/>
+            <a:ahLst/>
+            <a:cxnLst>
+              <a:cxn ang="0">
+                <a:pos x="756" y="377"/>
+              </a:cxn>
+              <a:cxn ang="0">
+                <a:pos x="755" y="416"/>
+              </a:cxn>
+              <a:cxn ang="0">
+                <a:pos x="739" y="489"/>
+              </a:cxn>
+              <a:cxn ang="0">
+                <a:pos x="710" y="557"/>
+              </a:cxn>
+              <a:cxn ang="0">
+                <a:pos x="670" y="617"/>
+              </a:cxn>
+              <a:cxn ang="0">
+                <a:pos x="618" y="669"/>
+              </a:cxn>
+              <a:cxn ang="0">
+                <a:pos x="559" y="710"/>
+              </a:cxn>
+              <a:cxn ang="0">
+                <a:pos x="490" y="738"/>
+              </a:cxn>
+              <a:cxn ang="0">
+                <a:pos x="416" y="754"/>
+              </a:cxn>
+              <a:cxn ang="0">
+                <a:pos x="377" y="756"/>
+              </a:cxn>
+              <a:cxn ang="0">
+                <a:pos x="339" y="754"/>
+              </a:cxn>
+              <a:cxn ang="0">
+                <a:pos x="265" y="738"/>
+              </a:cxn>
+              <a:cxn ang="0">
+                <a:pos x="197" y="710"/>
+              </a:cxn>
+              <a:cxn ang="0">
+                <a:pos x="137" y="669"/>
+              </a:cxn>
+              <a:cxn ang="0">
+                <a:pos x="85" y="617"/>
+              </a:cxn>
+              <a:cxn ang="0">
+                <a:pos x="45" y="557"/>
+              </a:cxn>
+              <a:cxn ang="0">
+                <a:pos x="16" y="489"/>
+              </a:cxn>
+              <a:cxn ang="0">
+                <a:pos x="2" y="416"/>
+              </a:cxn>
+              <a:cxn ang="0">
+                <a:pos x="0" y="377"/>
+              </a:cxn>
+              <a:cxn ang="0">
+                <a:pos x="2" y="338"/>
+              </a:cxn>
+              <a:cxn ang="0">
+                <a:pos x="16" y="265"/>
+              </a:cxn>
+              <a:cxn ang="0">
+                <a:pos x="45" y="197"/>
+              </a:cxn>
+              <a:cxn ang="0">
+                <a:pos x="85" y="136"/>
+              </a:cxn>
+              <a:cxn ang="0">
+                <a:pos x="137" y="85"/>
+              </a:cxn>
+              <a:cxn ang="0">
+                <a:pos x="197" y="44"/>
+              </a:cxn>
+              <a:cxn ang="0">
+                <a:pos x="265" y="15"/>
+              </a:cxn>
+              <a:cxn ang="0">
+                <a:pos x="339" y="0"/>
+              </a:cxn>
+              <a:cxn ang="0">
+                <a:pos x="377" y="0"/>
+              </a:cxn>
+              <a:cxn ang="0">
+                <a:pos x="416" y="0"/>
+              </a:cxn>
+              <a:cxn ang="0">
+                <a:pos x="490" y="15"/>
+              </a:cxn>
+              <a:cxn ang="0">
+                <a:pos x="559" y="44"/>
+              </a:cxn>
+              <a:cxn ang="0">
+                <a:pos x="618" y="85"/>
+              </a:cxn>
+              <a:cxn ang="0">
+                <a:pos x="670" y="136"/>
+              </a:cxn>
+              <a:cxn ang="0">
+                <a:pos x="710" y="197"/>
+              </a:cxn>
+              <a:cxn ang="0">
+                <a:pos x="739" y="265"/>
+              </a:cxn>
+              <a:cxn ang="0">
+                <a:pos x="755" y="338"/>
+              </a:cxn>
+              <a:cxn ang="0">
+                <a:pos x="756" y="377"/>
+              </a:cxn>
+            </a:cxnLst>
+            <a:rect l="0" t="0" r="r" b="b"/>
+            <a:pathLst>
+              <a:path w="756" h="756">
+                <a:moveTo>
+                  <a:pt x="756" y="377"/>
+                </a:moveTo>
+                <a:lnTo>
+                  <a:pt x="755" y="416"/>
+                </a:lnTo>
+                <a:lnTo>
+                  <a:pt x="739" y="489"/>
+                </a:lnTo>
+                <a:lnTo>
+                  <a:pt x="710" y="557"/>
+                </a:lnTo>
+                <a:lnTo>
+                  <a:pt x="670" y="617"/>
+                </a:lnTo>
+                <a:lnTo>
+                  <a:pt x="618" y="669"/>
+                </a:lnTo>
+                <a:lnTo>
+                  <a:pt x="559" y="710"/>
+                </a:lnTo>
+                <a:lnTo>
+                  <a:pt x="490" y="738"/>
+                </a:lnTo>
+                <a:lnTo>
+                  <a:pt x="416" y="754"/>
+                </a:lnTo>
+                <a:lnTo>
+                  <a:pt x="377" y="756"/>
+                </a:lnTo>
+                <a:lnTo>
+                  <a:pt x="339" y="754"/>
+                </a:lnTo>
+                <a:lnTo>
+                  <a:pt x="265" y="738"/>
+                </a:lnTo>
+                <a:lnTo>
+                  <a:pt x="197" y="710"/>
+                </a:lnTo>
+                <a:lnTo>
+                  <a:pt x="137" y="669"/>
+                </a:lnTo>
+                <a:lnTo>
+                  <a:pt x="85" y="617"/>
+                </a:lnTo>
+                <a:lnTo>
+                  <a:pt x="45" y="557"/>
+                </a:lnTo>
+                <a:lnTo>
+                  <a:pt x="16" y="489"/>
+                </a:lnTo>
+                <a:lnTo>
+                  <a:pt x="2" y="416"/>
+                </a:lnTo>
+                <a:lnTo>
+                  <a:pt x="0" y="377"/>
+                </a:lnTo>
+                <a:lnTo>
+                  <a:pt x="2" y="338"/>
+                </a:lnTo>
+                <a:lnTo>
+                  <a:pt x="16" y="265"/>
+                </a:lnTo>
+                <a:lnTo>
+                  <a:pt x="45" y="197"/>
+                </a:lnTo>
+                <a:lnTo>
+                  <a:pt x="85" y="136"/>
+                </a:lnTo>
+                <a:lnTo>
+                  <a:pt x="137" y="85"/>
+                </a:lnTo>
+                <a:lnTo>
+                  <a:pt x="197" y="44"/>
+                </a:lnTo>
+                <a:lnTo>
+                  <a:pt x="265" y="15"/>
+                </a:lnTo>
+                <a:lnTo>
+                  <a:pt x="339" y="0"/>
+                </a:lnTo>
+                <a:lnTo>
+                  <a:pt x="377" y="0"/>
+                </a:lnTo>
+                <a:lnTo>
+                  <a:pt x="416" y="0"/>
+                </a:lnTo>
+                <a:lnTo>
+                  <a:pt x="490" y="15"/>
+                </a:lnTo>
+                <a:lnTo>
+                  <a:pt x="559" y="44"/>
+                </a:lnTo>
+                <a:lnTo>
+                  <a:pt x="618" y="85"/>
+                </a:lnTo>
+                <a:lnTo>
+                  <a:pt x="670" y="136"/>
+                </a:lnTo>
+                <a:lnTo>
+                  <a:pt x="710" y="197"/>
+                </a:lnTo>
+                <a:lnTo>
+                  <a:pt x="739" y="265"/>
+                </a:lnTo>
+                <a:lnTo>
+                  <a:pt x="755" y="338"/>
+                </a:lnTo>
+                <a:lnTo>
+                  <a:pt x="756" y="377"/>
+                </a:lnTo>
+                <a:close/>
+              </a:path>
+            </a:pathLst>
+          </a:custGeom>
+          <a:solidFill>
+            <a:srgbClr val="FFFFFF"/>
+          </a:solidFill>
+          <a:ln w="38100">
+            <a:solidFill>
+              <a:srgbClr val="414141"/>
+            </a:solidFill>
+            <a:prstDash val="solid"/>
+            <a:round/>
+            <a:headEnd/>
+            <a:tailEnd/>
+          </a:ln>
+        </p:spPr>
+        <p:txBody>
+          <a:bodyPr vert="horz" wrap="square" lIns="91440" tIns="45720" rIns="91440" bIns="45720" numCol="1" anchor="t" anchorCtr="0" compatLnSpc="1">
+            <a:prstTxWarp prst="textNoShape">
+              <a:avLst/>
+            </a:prstTxWarp>
+          </a:bodyPr>
+          <a:lstStyle/>
+          <a:p>
+            <a:endParaRPr lang="en-US" sz="1200"/>
+          </a:p>
+        </p:txBody>
+      </p:sp>
+      <p:sp>
+        <p:nvSpPr>
+          <p:cNvPr id="41" name="Freeform 62"/>
+          <p:cNvSpPr>
+            <a:spLocks/>
+          </p:cNvSpPr>
+          <p:nvPr/>
+        </p:nvSpPr>
+        <p:spPr bwMode="auto">
+          <a:xfrm>
+            <a:off x="4140011" y="4127369"/>
+            <a:ext cx="247439" cy="225087"/>
+          </a:xfrm>
+          <a:custGeom>
+            <a:avLst/>
+            <a:gdLst/>
+            <a:ahLst/>
+            <a:cxnLst>
+              <a:cxn ang="0">
+                <a:pos x="756" y="377"/>
+              </a:cxn>
+              <a:cxn ang="0">
+                <a:pos x="755" y="416"/>
+              </a:cxn>
+              <a:cxn ang="0">
+                <a:pos x="739" y="489"/>
+              </a:cxn>
+              <a:cxn ang="0">
+                <a:pos x="710" y="557"/>
+              </a:cxn>
+              <a:cxn ang="0">
+                <a:pos x="670" y="617"/>
+              </a:cxn>
+              <a:cxn ang="0">
+                <a:pos x="618" y="669"/>
+              </a:cxn>
+              <a:cxn ang="0">
+                <a:pos x="557" y="710"/>
+              </a:cxn>
+              <a:cxn ang="0">
+                <a:pos x="490" y="738"/>
+              </a:cxn>
+              <a:cxn ang="0">
+                <a:pos x="416" y="754"/>
+              </a:cxn>
+              <a:cxn ang="0">
+                <a:pos x="377" y="756"/>
+              </a:cxn>
+              <a:cxn ang="0">
+                <a:pos x="338" y="754"/>
+              </a:cxn>
+              <a:cxn ang="0">
+                <a:pos x="265" y="738"/>
+              </a:cxn>
+              <a:cxn ang="0">
+                <a:pos x="197" y="710"/>
+              </a:cxn>
+              <a:cxn ang="0">
+                <a:pos x="137" y="669"/>
+              </a:cxn>
+              <a:cxn ang="0">
+                <a:pos x="85" y="617"/>
+              </a:cxn>
+              <a:cxn ang="0">
+                <a:pos x="45" y="557"/>
+              </a:cxn>
+              <a:cxn ang="0">
+                <a:pos x="16" y="489"/>
+              </a:cxn>
+              <a:cxn ang="0">
+                <a:pos x="0" y="416"/>
+              </a:cxn>
+              <a:cxn ang="0">
+                <a:pos x="0" y="377"/>
+              </a:cxn>
+              <a:cxn ang="0">
+                <a:pos x="0" y="338"/>
+              </a:cxn>
+              <a:cxn ang="0">
+                <a:pos x="16" y="265"/>
+              </a:cxn>
+              <a:cxn ang="0">
+                <a:pos x="45" y="197"/>
+              </a:cxn>
+              <a:cxn ang="0">
+                <a:pos x="85" y="136"/>
+              </a:cxn>
+              <a:cxn ang="0">
+                <a:pos x="137" y="85"/>
+              </a:cxn>
+              <a:cxn ang="0">
+                <a:pos x="197" y="44"/>
+              </a:cxn>
+              <a:cxn ang="0">
+                <a:pos x="265" y="15"/>
+              </a:cxn>
+              <a:cxn ang="0">
+                <a:pos x="338" y="0"/>
+              </a:cxn>
+              <a:cxn ang="0">
+                <a:pos x="377" y="0"/>
+              </a:cxn>
+              <a:cxn ang="0">
+                <a:pos x="416" y="0"/>
+              </a:cxn>
+              <a:cxn ang="0">
+                <a:pos x="490" y="15"/>
+              </a:cxn>
+              <a:cxn ang="0">
+                <a:pos x="557" y="44"/>
+              </a:cxn>
+              <a:cxn ang="0">
+                <a:pos x="618" y="85"/>
+              </a:cxn>
+              <a:cxn ang="0">
+                <a:pos x="670" y="136"/>
+              </a:cxn>
+              <a:cxn ang="0">
+                <a:pos x="710" y="197"/>
+              </a:cxn>
+              <a:cxn ang="0">
+                <a:pos x="739" y="265"/>
+              </a:cxn>
+              <a:cxn ang="0">
+                <a:pos x="755" y="338"/>
+              </a:cxn>
+              <a:cxn ang="0">
+                <a:pos x="756" y="377"/>
+              </a:cxn>
+            </a:cxnLst>
+            <a:rect l="0" t="0" r="r" b="b"/>
+            <a:pathLst>
+              <a:path w="756" h="756">
+                <a:moveTo>
+                  <a:pt x="756" y="377"/>
+                </a:moveTo>
+                <a:lnTo>
+                  <a:pt x="755" y="416"/>
+                </a:lnTo>
+                <a:lnTo>
+                  <a:pt x="739" y="489"/>
+                </a:lnTo>
+                <a:lnTo>
+                  <a:pt x="710" y="557"/>
+                </a:lnTo>
+                <a:lnTo>
+                  <a:pt x="670" y="617"/>
+                </a:lnTo>
+                <a:lnTo>
+                  <a:pt x="618" y="669"/>
+                </a:lnTo>
+                <a:lnTo>
+                  <a:pt x="557" y="710"/>
+                </a:lnTo>
+                <a:lnTo>
+                  <a:pt x="490" y="738"/>
+                </a:lnTo>
+                <a:lnTo>
+                  <a:pt x="416" y="754"/>
+                </a:lnTo>
+                <a:lnTo>
+                  <a:pt x="377" y="756"/>
+                </a:lnTo>
+                <a:lnTo>
+                  <a:pt x="338" y="754"/>
+                </a:lnTo>
+                <a:lnTo>
+                  <a:pt x="265" y="738"/>
+                </a:lnTo>
+                <a:lnTo>
+                  <a:pt x="197" y="710"/>
+                </a:lnTo>
+                <a:lnTo>
+                  <a:pt x="137" y="669"/>
+                </a:lnTo>
+                <a:lnTo>
+                  <a:pt x="85" y="617"/>
+                </a:lnTo>
+                <a:lnTo>
+                  <a:pt x="45" y="557"/>
+                </a:lnTo>
+                <a:lnTo>
+                  <a:pt x="16" y="489"/>
+                </a:lnTo>
+                <a:lnTo>
+                  <a:pt x="0" y="416"/>
+                </a:lnTo>
+                <a:lnTo>
+                  <a:pt x="0" y="377"/>
+                </a:lnTo>
+                <a:lnTo>
+                  <a:pt x="0" y="338"/>
+                </a:lnTo>
+                <a:lnTo>
+                  <a:pt x="16" y="265"/>
+                </a:lnTo>
+                <a:lnTo>
+                  <a:pt x="45" y="197"/>
+                </a:lnTo>
+                <a:lnTo>
+                  <a:pt x="85" y="136"/>
+                </a:lnTo>
+                <a:lnTo>
+                  <a:pt x="137" y="85"/>
+                </a:lnTo>
+                <a:lnTo>
+                  <a:pt x="197" y="44"/>
+                </a:lnTo>
+                <a:lnTo>
+                  <a:pt x="265" y="15"/>
+                </a:lnTo>
+                <a:lnTo>
+                  <a:pt x="338" y="0"/>
+                </a:lnTo>
+                <a:lnTo>
+                  <a:pt x="377" y="0"/>
+                </a:lnTo>
+                <a:lnTo>
+                  <a:pt x="416" y="0"/>
+                </a:lnTo>
+                <a:lnTo>
+                  <a:pt x="490" y="15"/>
+                </a:lnTo>
+                <a:lnTo>
+                  <a:pt x="557" y="44"/>
+                </a:lnTo>
+                <a:lnTo>
+                  <a:pt x="618" y="85"/>
+                </a:lnTo>
+                <a:lnTo>
+                  <a:pt x="670" y="136"/>
+                </a:lnTo>
+                <a:lnTo>
+                  <a:pt x="710" y="197"/>
+                </a:lnTo>
+                <a:lnTo>
+                  <a:pt x="739" y="265"/>
+                </a:lnTo>
+                <a:lnTo>
+                  <a:pt x="755" y="338"/>
+                </a:lnTo>
+                <a:lnTo>
+                  <a:pt x="756" y="377"/>
+                </a:lnTo>
+                <a:close/>
+              </a:path>
+            </a:pathLst>
+          </a:custGeom>
+          <a:solidFill>
+            <a:srgbClr val="FFFFFF"/>
+          </a:solidFill>
+          <a:ln w="38100">
+            <a:solidFill>
+              <a:srgbClr val="414141"/>
+            </a:solidFill>
+            <a:prstDash val="solid"/>
+            <a:round/>
+            <a:headEnd/>
+            <a:tailEnd/>
+          </a:ln>
+        </p:spPr>
+        <p:txBody>
+          <a:bodyPr vert="horz" wrap="square" lIns="91440" tIns="45720" rIns="91440" bIns="45720" numCol="1" anchor="t" anchorCtr="0" compatLnSpc="1">
+            <a:prstTxWarp prst="textNoShape">
+              <a:avLst/>
+            </a:prstTxWarp>
+          </a:bodyPr>
+          <a:lstStyle/>
+          <a:p>
+            <a:endParaRPr lang="en-US" sz="1200"/>
+          </a:p>
+        </p:txBody>
+      </p:sp>
+      <p:sp>
+        <p:nvSpPr>
+          <p:cNvPr id="42" name="Freeform 63"/>
+          <p:cNvSpPr>
+            <a:spLocks/>
+          </p:cNvSpPr>
+          <p:nvPr/>
+        </p:nvSpPr>
+        <p:spPr bwMode="auto">
+          <a:xfrm>
+            <a:off x="7272561" y="3686138"/>
+            <a:ext cx="247439" cy="225980"/>
+          </a:xfrm>
+          <a:custGeom>
+            <a:avLst/>
+            <a:gdLst/>
+            <a:ahLst/>
+            <a:cxnLst>
+              <a:cxn ang="0">
+                <a:pos x="756" y="378"/>
+              </a:cxn>
+              <a:cxn ang="0">
+                <a:pos x="756" y="417"/>
+              </a:cxn>
+              <a:cxn ang="0">
+                <a:pos x="740" y="490"/>
+              </a:cxn>
+              <a:cxn ang="0">
+                <a:pos x="711" y="558"/>
+              </a:cxn>
+              <a:cxn ang="0">
+                <a:pos x="671" y="618"/>
+              </a:cxn>
+              <a:cxn ang="0">
+                <a:pos x="619" y="670"/>
+              </a:cxn>
+              <a:cxn ang="0">
+                <a:pos x="558" y="710"/>
+              </a:cxn>
+              <a:cxn ang="0">
+                <a:pos x="491" y="739"/>
+              </a:cxn>
+              <a:cxn ang="0">
+                <a:pos x="417" y="755"/>
+              </a:cxn>
+              <a:cxn ang="0">
+                <a:pos x="378" y="757"/>
+              </a:cxn>
+              <a:cxn ang="0">
+                <a:pos x="339" y="755"/>
+              </a:cxn>
+              <a:cxn ang="0">
+                <a:pos x="266" y="739"/>
+              </a:cxn>
+              <a:cxn ang="0">
+                <a:pos x="198" y="710"/>
+              </a:cxn>
+              <a:cxn ang="0">
+                <a:pos x="138" y="670"/>
+              </a:cxn>
+              <a:cxn ang="0">
+                <a:pos x="86" y="618"/>
+              </a:cxn>
+              <a:cxn ang="0">
+                <a:pos x="46" y="558"/>
+              </a:cxn>
+              <a:cxn ang="0">
+                <a:pos x="17" y="490"/>
+              </a:cxn>
+              <a:cxn ang="0">
+                <a:pos x="1" y="417"/>
+              </a:cxn>
+              <a:cxn ang="0">
+                <a:pos x="0" y="378"/>
+              </a:cxn>
+              <a:cxn ang="0">
+                <a:pos x="1" y="339"/>
+              </a:cxn>
+              <a:cxn ang="0">
+                <a:pos x="17" y="265"/>
+              </a:cxn>
+              <a:cxn ang="0">
+                <a:pos x="46" y="198"/>
+              </a:cxn>
+              <a:cxn ang="0">
+                <a:pos x="86" y="137"/>
+              </a:cxn>
+              <a:cxn ang="0">
+                <a:pos x="138" y="85"/>
+              </a:cxn>
+              <a:cxn ang="0">
+                <a:pos x="198" y="45"/>
+              </a:cxn>
+              <a:cxn ang="0">
+                <a:pos x="266" y="16"/>
+              </a:cxn>
+              <a:cxn ang="0">
+                <a:pos x="339" y="0"/>
+              </a:cxn>
+              <a:cxn ang="0">
+                <a:pos x="378" y="0"/>
+              </a:cxn>
+              <a:cxn ang="0">
+                <a:pos x="417" y="0"/>
+              </a:cxn>
+              <a:cxn ang="0">
+                <a:pos x="491" y="16"/>
+              </a:cxn>
+              <a:cxn ang="0">
+                <a:pos x="558" y="45"/>
+              </a:cxn>
+              <a:cxn ang="0">
+                <a:pos x="619" y="85"/>
+              </a:cxn>
+              <a:cxn ang="0">
+                <a:pos x="671" y="137"/>
+              </a:cxn>
+              <a:cxn ang="0">
+                <a:pos x="711" y="198"/>
+              </a:cxn>
+              <a:cxn ang="0">
+                <a:pos x="740" y="265"/>
+              </a:cxn>
+              <a:cxn ang="0">
+                <a:pos x="756" y="339"/>
+              </a:cxn>
+              <a:cxn ang="0">
+                <a:pos x="756" y="378"/>
+              </a:cxn>
+            </a:cxnLst>
+            <a:rect l="0" t="0" r="r" b="b"/>
+            <a:pathLst>
+              <a:path w="756" h="757">
+                <a:moveTo>
+                  <a:pt x="756" y="378"/>
+                </a:moveTo>
+                <a:lnTo>
+                  <a:pt x="756" y="417"/>
+                </a:lnTo>
+                <a:lnTo>
+                  <a:pt x="740" y="490"/>
+                </a:lnTo>
+                <a:lnTo>
+                  <a:pt x="711" y="558"/>
+                </a:lnTo>
+                <a:lnTo>
+                  <a:pt x="671" y="618"/>
+                </a:lnTo>
+                <a:lnTo>
+                  <a:pt x="619" y="670"/>
+                </a:lnTo>
+                <a:lnTo>
+                  <a:pt x="558" y="710"/>
+                </a:lnTo>
+                <a:lnTo>
+                  <a:pt x="491" y="739"/>
+                </a:lnTo>
+                <a:lnTo>
+                  <a:pt x="417" y="755"/>
+                </a:lnTo>
+                <a:lnTo>
+                  <a:pt x="378" y="757"/>
+                </a:lnTo>
+                <a:lnTo>
+                  <a:pt x="339" y="755"/>
+                </a:lnTo>
+                <a:lnTo>
+                  <a:pt x="266" y="739"/>
+                </a:lnTo>
+                <a:lnTo>
+                  <a:pt x="198" y="710"/>
+                </a:lnTo>
+                <a:lnTo>
+                  <a:pt x="138" y="670"/>
+                </a:lnTo>
+                <a:lnTo>
+                  <a:pt x="86" y="618"/>
+                </a:lnTo>
+                <a:lnTo>
+                  <a:pt x="46" y="558"/>
+                </a:lnTo>
+                <a:lnTo>
+                  <a:pt x="17" y="490"/>
+                </a:lnTo>
+                <a:lnTo>
+                  <a:pt x="1" y="417"/>
+                </a:lnTo>
+                <a:lnTo>
+                  <a:pt x="0" y="378"/>
+                </a:lnTo>
+                <a:lnTo>
+                  <a:pt x="1" y="339"/>
+                </a:lnTo>
+                <a:lnTo>
+                  <a:pt x="17" y="265"/>
+                </a:lnTo>
+                <a:lnTo>
+                  <a:pt x="46" y="198"/>
+                </a:lnTo>
+                <a:lnTo>
+                  <a:pt x="86" y="137"/>
+                </a:lnTo>
+                <a:lnTo>
+                  <a:pt x="138" y="85"/>
+                </a:lnTo>
+                <a:lnTo>
+                  <a:pt x="198" y="45"/>
+                </a:lnTo>
+                <a:lnTo>
+                  <a:pt x="266" y="16"/>
+                </a:lnTo>
+                <a:lnTo>
+                  <a:pt x="339" y="0"/>
+                </a:lnTo>
+                <a:lnTo>
+                  <a:pt x="378" y="0"/>
+                </a:lnTo>
+                <a:lnTo>
+                  <a:pt x="417" y="0"/>
+                </a:lnTo>
+                <a:lnTo>
+                  <a:pt x="491" y="16"/>
+                </a:lnTo>
+                <a:lnTo>
+                  <a:pt x="558" y="45"/>
+                </a:lnTo>
+                <a:lnTo>
+                  <a:pt x="619" y="85"/>
+                </a:lnTo>
+                <a:lnTo>
+                  <a:pt x="671" y="137"/>
+                </a:lnTo>
+                <a:lnTo>
+                  <a:pt x="711" y="198"/>
+                </a:lnTo>
+                <a:lnTo>
+                  <a:pt x="740" y="265"/>
+                </a:lnTo>
+                <a:lnTo>
+                  <a:pt x="756" y="339"/>
+                </a:lnTo>
+                <a:lnTo>
+                  <a:pt x="756" y="378"/>
+                </a:lnTo>
+                <a:close/>
+              </a:path>
+            </a:pathLst>
+          </a:custGeom>
+          <a:solidFill>
+            <a:srgbClr val="FFFFFF"/>
+          </a:solidFill>
+          <a:ln w="38100">
+            <a:solidFill>
+              <a:srgbClr val="414141"/>
+            </a:solidFill>
+            <a:prstDash val="solid"/>
+            <a:round/>
+            <a:headEnd/>
+            <a:tailEnd/>
+          </a:ln>
+        </p:spPr>
+        <p:txBody>
+          <a:bodyPr vert="horz" wrap="square" lIns="91440" tIns="45720" rIns="91440" bIns="45720" numCol="1" anchor="t" anchorCtr="0" compatLnSpc="1">
+            <a:prstTxWarp prst="textNoShape">
+              <a:avLst/>
+            </a:prstTxWarp>
+          </a:bodyPr>
+          <a:lstStyle/>
+          <a:p>
+            <a:endParaRPr lang="en-US" sz="1200"/>
+          </a:p>
+        </p:txBody>
+      </p:sp>
+      <p:sp>
+        <p:nvSpPr>
+          <p:cNvPr id="43" name="Line 65"/>
+          <p:cNvSpPr>
+            <a:spLocks noChangeShapeType="1"/>
+          </p:cNvSpPr>
+          <p:nvPr/>
+        </p:nvSpPr>
+        <p:spPr bwMode="auto">
+          <a:xfrm flipV="1">
+            <a:off x="8454769" y="3454328"/>
+            <a:ext cx="982" cy="125942"/>
+          </a:xfrm>
+          <a:prstGeom prst="line">
+            <a:avLst/>
+          </a:prstGeom>
+          <a:noFill/>
+          <a:ln w="38100">
+            <a:solidFill>
+              <a:srgbClr val="414141"/>
+            </a:solidFill>
+            <a:prstDash val="solid"/>
+            <a:round/>
+            <a:headEnd/>
+            <a:tailEnd/>
+          </a:ln>
+        </p:spPr>
+        <p:txBody>
+          <a:bodyPr vert="horz" wrap="square" lIns="91440" tIns="45720" rIns="91440" bIns="45720" numCol="1" anchor="t" anchorCtr="0" compatLnSpc="1">
+            <a:prstTxWarp prst="textNoShape">
+              <a:avLst/>
+            </a:prstTxWarp>
+          </a:bodyPr>
+          <a:lstStyle/>
+          <a:p>
+            <a:endParaRPr lang="en-US" sz="1200"/>
+          </a:p>
+        </p:txBody>
+      </p:sp>
+      <p:sp>
+        <p:nvSpPr>
+          <p:cNvPr id="44" name="Freeform 66"/>
+          <p:cNvSpPr>
+            <a:spLocks/>
+          </p:cNvSpPr>
+          <p:nvPr/>
+        </p:nvSpPr>
+        <p:spPr bwMode="auto">
+          <a:xfrm>
+            <a:off x="8390945" y="3533823"/>
+            <a:ext cx="128629" cy="58058"/>
+          </a:xfrm>
+          <a:custGeom>
+            <a:avLst/>
+            <a:gdLst/>
+            <a:ahLst/>
+            <a:cxnLst>
+              <a:cxn ang="0">
+                <a:pos x="392" y="0"/>
+              </a:cxn>
+              <a:cxn ang="0">
+                <a:pos x="195" y="194"/>
+              </a:cxn>
+              <a:cxn ang="0">
+                <a:pos x="0" y="0"/>
+              </a:cxn>
+            </a:cxnLst>
+            <a:rect l="0" t="0" r="r" b="b"/>
+            <a:pathLst>
+              <a:path w="392" h="194">
+                <a:moveTo>
+                  <a:pt x="392" y="0"/>
+                </a:moveTo>
+                <a:lnTo>
+                  <a:pt x="195" y="194"/>
+                </a:lnTo>
+                <a:lnTo>
+                  <a:pt x="0" y="0"/>
+                </a:lnTo>
+              </a:path>
+            </a:pathLst>
+          </a:custGeom>
+          <a:noFill/>
+          <a:ln w="38100">
+            <a:solidFill>
+              <a:srgbClr val="414141"/>
+            </a:solidFill>
+            <a:prstDash val="solid"/>
+            <a:round/>
+            <a:headEnd/>
+            <a:tailEnd/>
+          </a:ln>
+        </p:spPr>
+        <p:txBody>
+          <a:bodyPr vert="horz" wrap="square" lIns="91440" tIns="45720" rIns="91440" bIns="45720" numCol="1" anchor="t" anchorCtr="0" compatLnSpc="1">
+            <a:prstTxWarp prst="textNoShape">
+              <a:avLst/>
+            </a:prstTxWarp>
+          </a:bodyPr>
+          <a:lstStyle/>
+          <a:p>
+            <a:endParaRPr lang="en-US" sz="1200"/>
+          </a:p>
+        </p:txBody>
+      </p:sp>
+      <p:sp>
+        <p:nvSpPr>
+          <p:cNvPr id="45" name="Freeform 64"/>
+          <p:cNvSpPr>
+            <a:spLocks/>
+          </p:cNvSpPr>
+          <p:nvPr/>
+        </p:nvSpPr>
+        <p:spPr bwMode="auto">
+          <a:xfrm>
+            <a:off x="8315375" y="3689257"/>
+            <a:ext cx="247439" cy="225980"/>
+          </a:xfrm>
+          <a:custGeom>
+            <a:avLst/>
+            <a:gdLst/>
+            <a:ahLst/>
+            <a:cxnLst>
+              <a:cxn ang="0">
+                <a:pos x="756" y="378"/>
+              </a:cxn>
+              <a:cxn ang="0">
+                <a:pos x="754" y="417"/>
+              </a:cxn>
+              <a:cxn ang="0">
+                <a:pos x="739" y="490"/>
+              </a:cxn>
+              <a:cxn ang="0">
+                <a:pos x="710" y="558"/>
+              </a:cxn>
+              <a:cxn ang="0">
+                <a:pos x="669" y="618"/>
+              </a:cxn>
+              <a:cxn ang="0">
+                <a:pos x="618" y="670"/>
+              </a:cxn>
+              <a:cxn ang="0">
+                <a:pos x="557" y="710"/>
+              </a:cxn>
+              <a:cxn ang="0">
+                <a:pos x="489" y="739"/>
+              </a:cxn>
+              <a:cxn ang="0">
+                <a:pos x="416" y="755"/>
+              </a:cxn>
+              <a:cxn ang="0">
+                <a:pos x="377" y="757"/>
+              </a:cxn>
+              <a:cxn ang="0">
+                <a:pos x="338" y="755"/>
+              </a:cxn>
+              <a:cxn ang="0">
+                <a:pos x="265" y="739"/>
+              </a:cxn>
+              <a:cxn ang="0">
+                <a:pos x="197" y="710"/>
+              </a:cxn>
+              <a:cxn ang="0">
+                <a:pos x="137" y="670"/>
+              </a:cxn>
+              <a:cxn ang="0">
+                <a:pos x="85" y="618"/>
+              </a:cxn>
+              <a:cxn ang="0">
+                <a:pos x="44" y="558"/>
+              </a:cxn>
+              <a:cxn ang="0">
+                <a:pos x="16" y="490"/>
+              </a:cxn>
+              <a:cxn ang="0">
+                <a:pos x="0" y="417"/>
+              </a:cxn>
+              <a:cxn ang="0">
+                <a:pos x="0" y="378"/>
+              </a:cxn>
+              <a:cxn ang="0">
+                <a:pos x="0" y="339"/>
+              </a:cxn>
+              <a:cxn ang="0">
+                <a:pos x="16" y="265"/>
+              </a:cxn>
+              <a:cxn ang="0">
+                <a:pos x="44" y="198"/>
+              </a:cxn>
+              <a:cxn ang="0">
+                <a:pos x="85" y="137"/>
+              </a:cxn>
+              <a:cxn ang="0">
+                <a:pos x="137" y="85"/>
+              </a:cxn>
+              <a:cxn ang="0">
+                <a:pos x="197" y="45"/>
+              </a:cxn>
+              <a:cxn ang="0">
+                <a:pos x="265" y="16"/>
+              </a:cxn>
+              <a:cxn ang="0">
+                <a:pos x="338" y="0"/>
+              </a:cxn>
+              <a:cxn ang="0">
+                <a:pos x="377" y="0"/>
+              </a:cxn>
+              <a:cxn ang="0">
+                <a:pos x="416" y="0"/>
+              </a:cxn>
+              <a:cxn ang="0">
+                <a:pos x="489" y="16"/>
+              </a:cxn>
+              <a:cxn ang="0">
+                <a:pos x="557" y="45"/>
+              </a:cxn>
+              <a:cxn ang="0">
+                <a:pos x="618" y="85"/>
+              </a:cxn>
+              <a:cxn ang="0">
+                <a:pos x="669" y="137"/>
+              </a:cxn>
+              <a:cxn ang="0">
+                <a:pos x="710" y="198"/>
+              </a:cxn>
+              <a:cxn ang="0">
+                <a:pos x="739" y="265"/>
+              </a:cxn>
+              <a:cxn ang="0">
+                <a:pos x="754" y="339"/>
+              </a:cxn>
+              <a:cxn ang="0">
+                <a:pos x="756" y="378"/>
+              </a:cxn>
+            </a:cxnLst>
+            <a:rect l="0" t="0" r="r" b="b"/>
+            <a:pathLst>
+              <a:path w="756" h="757">
+                <a:moveTo>
+                  <a:pt x="756" y="378"/>
+                </a:moveTo>
+                <a:lnTo>
+                  <a:pt x="754" y="417"/>
+                </a:lnTo>
+                <a:lnTo>
+                  <a:pt x="739" y="490"/>
+                </a:lnTo>
+                <a:lnTo>
+                  <a:pt x="710" y="558"/>
+                </a:lnTo>
+                <a:lnTo>
+                  <a:pt x="669" y="618"/>
+                </a:lnTo>
+                <a:lnTo>
+                  <a:pt x="618" y="670"/>
+                </a:lnTo>
+                <a:lnTo>
+                  <a:pt x="557" y="710"/>
+                </a:lnTo>
+                <a:lnTo>
+                  <a:pt x="489" y="739"/>
+                </a:lnTo>
+                <a:lnTo>
+                  <a:pt x="416" y="755"/>
+                </a:lnTo>
+                <a:lnTo>
+                  <a:pt x="377" y="757"/>
+                </a:lnTo>
+                <a:lnTo>
+                  <a:pt x="338" y="755"/>
+                </a:lnTo>
+                <a:lnTo>
+                  <a:pt x="265" y="739"/>
+                </a:lnTo>
+                <a:lnTo>
+                  <a:pt x="197" y="710"/>
+                </a:lnTo>
+                <a:lnTo>
+                  <a:pt x="137" y="670"/>
+                </a:lnTo>
+                <a:lnTo>
+                  <a:pt x="85" y="618"/>
+                </a:lnTo>
+                <a:lnTo>
+                  <a:pt x="44" y="558"/>
+                </a:lnTo>
+                <a:lnTo>
+                  <a:pt x="16" y="490"/>
+                </a:lnTo>
+                <a:lnTo>
+                  <a:pt x="0" y="417"/>
+                </a:lnTo>
+                <a:lnTo>
+                  <a:pt x="0" y="378"/>
+                </a:lnTo>
+                <a:lnTo>
+                  <a:pt x="0" y="339"/>
+                </a:lnTo>
+                <a:lnTo>
+                  <a:pt x="16" y="265"/>
+                </a:lnTo>
+                <a:lnTo>
+                  <a:pt x="44" y="198"/>
+                </a:lnTo>
+                <a:lnTo>
+                  <a:pt x="85" y="137"/>
+                </a:lnTo>
+                <a:lnTo>
+                  <a:pt x="137" y="85"/>
+                </a:lnTo>
+                <a:lnTo>
+                  <a:pt x="197" y="45"/>
+                </a:lnTo>
+                <a:lnTo>
+                  <a:pt x="265" y="16"/>
+                </a:lnTo>
+                <a:lnTo>
+                  <a:pt x="338" y="0"/>
+                </a:lnTo>
+                <a:lnTo>
+                  <a:pt x="377" y="0"/>
+                </a:lnTo>
+                <a:lnTo>
+                  <a:pt x="416" y="0"/>
+                </a:lnTo>
+                <a:lnTo>
+                  <a:pt x="489" y="16"/>
+                </a:lnTo>
+                <a:lnTo>
+                  <a:pt x="557" y="45"/>
+                </a:lnTo>
+                <a:lnTo>
+                  <a:pt x="618" y="85"/>
+                </a:lnTo>
+                <a:lnTo>
+                  <a:pt x="669" y="137"/>
+                </a:lnTo>
+                <a:lnTo>
+                  <a:pt x="710" y="198"/>
+                </a:lnTo>
+                <a:lnTo>
+                  <a:pt x="739" y="265"/>
+                </a:lnTo>
+                <a:lnTo>
+                  <a:pt x="754" y="339"/>
+                </a:lnTo>
+                <a:lnTo>
+                  <a:pt x="756" y="378"/>
+                </a:lnTo>
+                <a:close/>
+              </a:path>
+            </a:pathLst>
+          </a:custGeom>
+          <a:solidFill>
+            <a:srgbClr val="59ADDF"/>
+          </a:solidFill>
+          <a:ln w="38100">
+            <a:solidFill>
+              <a:srgbClr val="414141"/>
+            </a:solidFill>
+            <a:prstDash val="solid"/>
+            <a:round/>
+            <a:headEnd/>
+            <a:tailEnd/>
+          </a:ln>
+        </p:spPr>
+        <p:txBody>
+          <a:bodyPr vert="horz" wrap="square" lIns="91440" tIns="45720" rIns="91440" bIns="45720" numCol="1" anchor="t" anchorCtr="0" compatLnSpc="1">
+            <a:prstTxWarp prst="textNoShape">
+              <a:avLst/>
+            </a:prstTxWarp>
+          </a:bodyPr>
+          <a:lstStyle/>
+          <a:p>
+            <a:endParaRPr lang="en-US" sz="1200"/>
+          </a:p>
+        </p:txBody>
+      </p:sp>
+      <p:sp>
+        <p:nvSpPr>
+          <p:cNvPr id="46" name="Rectangle 31"/>
+          <p:cNvSpPr>
+            <a:spLocks noChangeArrowheads="1"/>
+          </p:cNvSpPr>
+          <p:nvPr/>
+        </p:nvSpPr>
+        <p:spPr bwMode="auto">
+          <a:xfrm>
+            <a:off x="8110132" y="3139232"/>
+            <a:ext cx="703040" cy="267960"/>
+          </a:xfrm>
+          <a:prstGeom prst="rect">
+            <a:avLst/>
+          </a:prstGeom>
+          <a:solidFill>
+            <a:srgbClr val="61C19B"/>
+          </a:solidFill>
+          <a:ln w="38100">
+            <a:solidFill>
+              <a:srgbClr val="414141"/>
+            </a:solidFill>
+            <a:prstDash val="solid"/>
+            <a:miter lim="800000"/>
+            <a:headEnd/>
+            <a:tailEnd/>
+          </a:ln>
+        </p:spPr>
+        <p:txBody>
+          <a:bodyPr vert="horz" wrap="square" lIns="91440" tIns="45720" rIns="91440" bIns="45720" numCol="1" anchor="ctr" anchorCtr="0" compatLnSpc="1">
+            <a:prstTxWarp prst="textNoShape">
+              <a:avLst/>
+            </a:prstTxWarp>
+          </a:bodyPr>
+          <a:lstStyle/>
+          <a:p>
+            <a:r>
+              <a:rPr lang="en-US" sz="800" dirty="0" smtClean="0"/>
+              <a:t>Personal Work</a:t>
+            </a:r>
+            <a:endParaRPr lang="en-US" sz="800" dirty="0"/>
+          </a:p>
+        </p:txBody>
+      </p:sp>
+      <p:sp>
+        <p:nvSpPr>
+          <p:cNvPr id="47" name="Flecha derecha 46"/>
+          <p:cNvSpPr/>
+          <p:nvPr/>
+        </p:nvSpPr>
+        <p:spPr>
+          <a:xfrm>
+            <a:off x="3925129" y="3676088"/>
+            <a:ext cx="490950" cy="378939"/>
+          </a:xfrm>
+          <a:prstGeom prst="rightArrow">
+            <a:avLst/>
+          </a:prstGeom>
+          <a:ln/>
+        </p:spPr>
+        <p:style>
+          <a:lnRef idx="0">
+            <a:schemeClr val="accent1"/>
+          </a:lnRef>
+          <a:fillRef idx="3">
+            <a:schemeClr val="accent1"/>
+          </a:fillRef>
+          <a:effectRef idx="3">
+            <a:schemeClr val="accent1"/>
+          </a:effectRef>
+          <a:fontRef idx="minor">
+            <a:schemeClr val="lt1"/>
+          </a:fontRef>
+        </p:style>
+        <p:txBody>
+          <a:bodyPr lIns="252000" rtlCol="0" anchor="ctr"/>
+          <a:lstStyle/>
+          <a:p>
+            <a:pPr algn="ctr"/>
+            <a:endParaRPr lang="en-US" sz="1600" dirty="0" smtClean="0">
+              <a:ln w="0"/>
+              <a:solidFill>
+                <a:schemeClr val="accent1"/>
+              </a:solidFill>
+              <a:effectLst>
+                <a:outerShdw blurRad="38100" dist="25400" dir="5400000" algn="ctr" rotWithShape="0">
+                  <a:srgbClr val="6E747A">
+                    <a:alpha val="43000"/>
+                  </a:srgbClr>
+                </a:outerShdw>
+              </a:effectLst>
+              <a:latin typeface="Courier New" pitchFamily="49" charset="0"/>
+              <a:ea typeface="맑은 고딕" pitchFamily="50" charset="-127"/>
+              <a:cs typeface="Courier New" pitchFamily="49" charset="0"/>
+            </a:endParaRPr>
+          </a:p>
+        </p:txBody>
+      </p:sp>
     </p:spTree>
+    <p:extLst>
+      <p:ext uri="{BB962C8B-B14F-4D97-AF65-F5344CB8AC3E}">
+        <p14:creationId xmlns:p14="http://schemas.microsoft.com/office/powerpoint/2010/main" val="1886780345"/>
+      </p:ext>
+    </p:extLst>
   </p:cSld>
   <p:clrMapOvr>
     <a:masterClrMapping/>
@@ -7369,7 +13516,7 @@
 </p:sld>
 </file>
 
-<file path=ppt/slides/slide12.xml><?xml version="1.0" encoding="utf-8"?>
+<file path=ppt/slides/slide13.xml><?xml version="1.0" encoding="utf-8"?>
 <p:sld xmlns:a="http://schemas.openxmlformats.org/drawingml/2006/main" xmlns:r="http://schemas.openxmlformats.org/officeDocument/2006/relationships" xmlns:p="http://schemas.openxmlformats.org/presentationml/2006/main">
   <p:cSld>
     <p:spTree>
@@ -7523,7 +13670,7 @@
               <a:pPr>
                 <a:defRPr/>
               </a:pPr>
-              <a:t>12</a:t>
+              <a:t>13</a:t>
             </a:fld>
             <a:r>
               <a:rPr lang="en-US" altLang="ko-KR" smtClean="0"/>
@@ -7581,7 +13728,7 @@
 </p:sld>
 </file>
 
-<file path=ppt/slides/slide13.xml><?xml version="1.0" encoding="utf-8"?>
+<file path=ppt/slides/slide14.xml><?xml version="1.0" encoding="utf-8"?>
 <p:sld xmlns:a="http://schemas.openxmlformats.org/drawingml/2006/main" xmlns:r="http://schemas.openxmlformats.org/officeDocument/2006/relationships" xmlns:p="http://schemas.openxmlformats.org/presentationml/2006/main">
   <p:cSld>
     <p:spTree>
@@ -7731,7 +13878,7 @@
               <a:pPr>
                 <a:defRPr/>
               </a:pPr>
-              <a:t>13</a:t>
+              <a:t>14</a:t>
             </a:fld>
             <a:r>
               <a:rPr lang="en-US" altLang="ko-KR" smtClean="0"/>
@@ -7862,7 +14009,7 @@
 </p:sld>
 </file>
 
-<file path=ppt/slides/slide14.xml><?xml version="1.0" encoding="utf-8"?>
+<file path=ppt/slides/slide15.xml><?xml version="1.0" encoding="utf-8"?>
 <p:sld xmlns:a="http://schemas.openxmlformats.org/drawingml/2006/main" xmlns:r="http://schemas.openxmlformats.org/officeDocument/2006/relationships" xmlns:p="http://schemas.openxmlformats.org/presentationml/2006/main">
   <p:cSld>
     <p:spTree>
@@ -7997,7 +14144,7 @@
               <a:pPr>
                 <a:defRPr/>
               </a:pPr>
-              <a:t>14</a:t>
+              <a:t>15</a:t>
             </a:fld>
             <a:r>
               <a:rPr lang="en-US" altLang="ko-KR" smtClean="0"/>
@@ -8095,7 +14242,7 @@
 </p:sld>
 </file>
 
-<file path=ppt/slides/slide15.xml><?xml version="1.0" encoding="utf-8"?>
+<file path=ppt/slides/slide16.xml><?xml version="1.0" encoding="utf-8"?>
 <p:sld xmlns:a="http://schemas.openxmlformats.org/drawingml/2006/main" xmlns:r="http://schemas.openxmlformats.org/officeDocument/2006/relationships" xmlns:p="http://schemas.openxmlformats.org/presentationml/2006/main">
   <p:cSld>
     <p:spTree>
@@ -8269,7 +14416,7 @@
               <a:pPr>
                 <a:defRPr/>
               </a:pPr>
-              <a:t>15</a:t>
+              <a:t>16</a:t>
             </a:fld>
             <a:r>
               <a:rPr lang="en-US" altLang="ko-KR" smtClean="0"/>
@@ -9129,7 +15276,7 @@
         <p:spPr/>
         <p:txBody>
           <a:bodyPr>
-            <a:normAutofit fontScale="92500" lnSpcReduction="10000"/>
+            <a:normAutofit fontScale="92500" lnSpcReduction="20000"/>
           </a:bodyPr>
           <a:lstStyle/>
           <a:p>
@@ -9257,8 +15404,28 @@
             </a:r>
             <a:r>
               <a:rPr lang="en-US" dirty="0" smtClean="0"/>
-              <a:t> installed in the VM (version number should match)</a:t>
-            </a:r>
+              <a:t> installed in the VM (version number should match</a:t>
+            </a:r>
+            <a:r>
+              <a:rPr lang="en-US" dirty="0" smtClean="0"/>
+              <a:t>)</a:t>
+            </a:r>
+          </a:p>
+          <a:p>
+            <a:pPr lvl="2"/>
+            <a:r>
+              <a:rPr lang="en-US" dirty="0" smtClean="0"/>
+              <a:t>Beware clock-skew between VM and host (might affect make/</a:t>
+            </a:r>
+            <a:r>
+              <a:rPr lang="en-US" dirty="0" err="1" smtClean="0"/>
+              <a:t>git</a:t>
+            </a:r>
+            <a:r>
+              <a:rPr lang="en-US" dirty="0" smtClean="0"/>
+              <a:t>)</a:t>
+            </a:r>
+            <a:endParaRPr lang="en-US" dirty="0" smtClean="0"/>
           </a:p>
           <a:p>
             <a:pPr lvl="1"/>

--- a/00_Intro.pptx
+++ b/00_Intro.pptx
@@ -259,7 +259,7 @@
             <a:fld id="{06EAAA8B-8A33-714F-B3A4-08A75FDC36E6}" type="datetimeFigureOut">
               <a:rPr lang="en-US" smtClean="0"/>
               <a:pPr/>
-              <a:t>9/22/17</a:t>
+              <a:t>9/25/17</a:t>
             </a:fld>
             <a:endParaRPr lang="en-US"/>
           </a:p>
@@ -426,7 +426,7 @@
             <a:fld id="{050F0499-AE52-4672-879B-3107B2FC2A9F}" type="datetimeFigureOut">
               <a:rPr lang="ko-KR" altLang="en-US" smtClean="0"/>
               <a:pPr/>
-              <a:t>2017. 9. 22.</a:t>
+              <a:t>2017. 9. 25.</a:t>
             </a:fld>
             <a:endParaRPr lang="ko-KR" altLang="en-US"/>
           </a:p>
@@ -8752,7 +8752,7 @@
                 <a:ea typeface="Courier" charset="0"/>
                 <a:cs typeface="Courier" charset="0"/>
               </a:rPr>
-              <a:t>/</a:t>
+              <a:t>/AOSUC/</a:t>
             </a:r>
             <a:r>
               <a:rPr lang="en-US" dirty="0" err="1" smtClean="0">
@@ -21014,7 +21014,7 @@
               <a:t>vagrant box remove </a:t>
             </a:r>
             <a:r>
-              <a:rPr lang="en-US" dirty="0" err="1">
+              <a:rPr lang="en-US" dirty="0" err="1" smtClean="0">
                 <a:latin typeface="Courier" charset="0"/>
                 <a:ea typeface="Courier" charset="0"/>
                 <a:cs typeface="Courier" charset="0"/>
@@ -21022,20 +21022,28 @@
               <a:t>vpuente</a:t>
             </a:r>
             <a:r>
-              <a:rPr lang="en-US" dirty="0">
+              <a:rPr lang="en-US" smtClean="0">
                 <a:latin typeface="Courier" charset="0"/>
                 <a:ea typeface="Courier" charset="0"/>
                 <a:cs typeface="Courier" charset="0"/>
               </a:rPr>
-              <a:t>/AOSUC1617 </a:t>
+              <a:t>/AOSUC </a:t>
             </a:r>
             <a:r>
               <a:rPr lang="en-US" dirty="0"/>
-              <a:t>--box-version </a:t>
+              <a:t>--</a:t>
+            </a:r>
+            <a:r>
+              <a:rPr lang="en-US"/>
+              <a:t>box-version </a:t>
+            </a:r>
+            <a:r>
+              <a:rPr lang="en-US" smtClean="0"/>
+              <a:t>1.22 </a:t>
             </a:r>
             <a:r>
               <a:rPr lang="en-US" dirty="0" smtClean="0"/>
-              <a:t>1.1 -- cleans old version for that box</a:t>
+              <a:t>-- cleans old version for that box</a:t>
             </a:r>
           </a:p>
           <a:p>
@@ -21194,12 +21202,12 @@
               <a:t>vpuente</a:t>
             </a:r>
             <a:r>
-              <a:rPr lang="en-US" smtClean="0"/>
-              <a:t>/AOSUC1617 </a:t>
-            </a:r>
-            <a:r>
               <a:rPr lang="en-US" dirty="0" smtClean="0"/>
-              <a:t>(Demo)</a:t>
+              <a:t>/AOSUC  (</a:t>
+            </a:r>
+            <a:r>
+              <a:rPr lang="en-US" dirty="0" smtClean="0"/>
+              <a:t>Demo)</a:t>
             </a:r>
             <a:endParaRPr lang="en-US" dirty="0"/>
           </a:p>

--- a/00_Intro.pptx
+++ b/00_Intro.pptx
@@ -259,7 +259,7 @@
             <a:fld id="{06EAAA8B-8A33-714F-B3A4-08A75FDC36E6}" type="datetimeFigureOut">
               <a:rPr lang="en-US" smtClean="0"/>
               <a:pPr/>
-              <a:t>9/25/17</a:t>
+              <a:t>9/24/18</a:t>
             </a:fld>
             <a:endParaRPr lang="en-US"/>
           </a:p>
@@ -326,7 +326,7 @@
             <a:fld id="{31B43DBC-F9BC-3749-A699-79D58F96D20F}" type="slidenum">
               <a:rPr lang="en-US" smtClean="0"/>
               <a:pPr/>
-              <a:t>‹Nr.›</a:t>
+              <a:t>‹#›</a:t>
             </a:fld>
             <a:endParaRPr lang="en-US"/>
           </a:p>
@@ -426,7 +426,7 @@
             <a:fld id="{050F0499-AE52-4672-879B-3107B2FC2A9F}" type="datetimeFigureOut">
               <a:rPr lang="ko-KR" altLang="en-US" smtClean="0"/>
               <a:pPr/>
-              <a:t>2017. 9. 25.</a:t>
+              <a:t>2018. 9. 24.</a:t>
             </a:fld>
             <a:endParaRPr lang="ko-KR" altLang="en-US"/>
           </a:p>
@@ -526,7 +526,7 @@
             <a:fld id="{E9CED1A8-8C93-4BD0-9402-1D92621696DA}" type="slidenum">
               <a:rPr lang="ko-KR" altLang="en-US" smtClean="0"/>
               <a:pPr/>
-              <a:t>‹Nr.›</a:t>
+              <a:t>‹#›</a:t>
             </a:fld>
             <a:endParaRPr lang="ko-KR" altLang="en-US"/>
           </a:p>
@@ -876,27 +876,27 @@
           <a:lstStyle/>
           <a:p>
             <a:r>
-              <a:rPr lang="en-US" dirty="0" smtClean="0"/>
+              <a:rPr lang="en-US" dirty="0"/>
               <a:t>Follow https://www.vagrantup.com/docs/virtualbox/boxes.html to update </a:t>
             </a:r>
             <a:r>
-              <a:rPr lang="en-US" dirty="0" err="1" smtClean="0"/>
+              <a:rPr lang="en-US" dirty="0" err="1"/>
               <a:t>VirtualBox</a:t>
             </a:r>
             <a:r>
-              <a:rPr lang="en-US" baseline="0" dirty="0" smtClean="0"/>
+              <a:rPr lang="en-US" baseline="0" dirty="0"/>
               <a:t> </a:t>
             </a:r>
             <a:r>
-              <a:rPr lang="en-US" baseline="0" dirty="0" err="1" smtClean="0"/>
+              <a:rPr lang="en-US" baseline="0" dirty="0" err="1"/>
               <a:t>utils</a:t>
             </a:r>
             <a:r>
-              <a:rPr lang="en-US" baseline="0" dirty="0" smtClean="0"/>
+              <a:rPr lang="en-US" baseline="0" dirty="0"/>
               <a:t> if there is there is version </a:t>
             </a:r>
             <a:r>
-              <a:rPr lang="en-US" baseline="0" dirty="0" err="1" smtClean="0"/>
+              <a:rPr lang="en-US" baseline="0" dirty="0" err="1"/>
               <a:t>missmatch</a:t>
             </a:r>
             <a:endParaRPr lang="en-US" dirty="0"/>
@@ -1133,7 +1133,7 @@
           </a:lstStyle>
           <a:p>
             <a:r>
-              <a:rPr lang="es-ES_tradnl" altLang="ko-KR" dirty="0" smtClean="0"/>
+              <a:rPr lang="es-ES_tradnl" altLang="ko-KR" dirty="0"/>
               <a:t>Haga clic para modificar el estilo de subtítulo del patrón</a:t>
             </a:r>
             <a:endParaRPr lang="ko-KR" altLang="en-US" dirty="0"/>
@@ -1187,7 +1187,7 @@
           </a:lstStyle>
           <a:p>
             <a:r>
-              <a:rPr lang="es-ES_tradnl" altLang="ko-KR" dirty="0" smtClean="0"/>
+              <a:rPr lang="es-ES_tradnl" altLang="ko-KR" dirty="0"/>
               <a:t>Clic para editar título</a:t>
             </a:r>
             <a:endParaRPr lang="ko-KR" altLang="en-US" dirty="0"/>
@@ -1394,13 +1394,6 @@
       <p:transition/>
     </mc:Fallback>
   </mc:AlternateContent>
-  <p:timing>
-    <p:tnLst>
-      <p:par>
-        <p:cTn id="1" dur="indefinite" restart="never" nodeType="tmRoot"/>
-      </p:par>
-    </p:tnLst>
-  </p:timing>
 </p:sldLayout>
 </file>
 
@@ -1487,7 +1480,7 @@
           </a:lstStyle>
           <a:p>
             <a:r>
-              <a:rPr lang="es-ES_tradnl" altLang="ko-KR" dirty="0" smtClean="0"/>
+              <a:rPr lang="es-ES_tradnl" altLang="ko-KR" dirty="0"/>
               <a:t>Clic para editar título</a:t>
             </a:r>
             <a:endParaRPr lang="ko-KR" altLang="en-US" dirty="0"/>
@@ -1584,35 +1577,35 @@
           <a:p>
             <a:pPr lvl="0"/>
             <a:r>
-              <a:rPr lang="es-ES_tradnl" altLang="ko-KR" dirty="0" smtClean="0"/>
+              <a:rPr lang="es-ES_tradnl" altLang="ko-KR" dirty="0"/>
               <a:t>Haga clic para modificar el estilo de texto del patrón</a:t>
             </a:r>
           </a:p>
           <a:p>
             <a:pPr lvl="1"/>
             <a:r>
-              <a:rPr lang="es-ES_tradnl" altLang="ko-KR" dirty="0" smtClean="0"/>
+              <a:rPr lang="es-ES_tradnl" altLang="ko-KR" dirty="0"/>
               <a:t>Segundo nivel</a:t>
             </a:r>
           </a:p>
           <a:p>
             <a:pPr lvl="2"/>
             <a:r>
-              <a:rPr lang="es-ES_tradnl" altLang="ko-KR" dirty="0" smtClean="0"/>
+              <a:rPr lang="es-ES_tradnl" altLang="ko-KR" dirty="0"/>
               <a:t>Tercer nivel</a:t>
             </a:r>
           </a:p>
           <a:p>
             <a:pPr lvl="3"/>
             <a:r>
-              <a:rPr lang="es-ES_tradnl" altLang="ko-KR" dirty="0" smtClean="0"/>
+              <a:rPr lang="es-ES_tradnl" altLang="ko-KR" dirty="0"/>
               <a:t>Cuarto nivel</a:t>
             </a:r>
           </a:p>
           <a:p>
             <a:pPr lvl="4"/>
             <a:r>
-              <a:rPr lang="es-ES_tradnl" altLang="ko-KR" dirty="0" smtClean="0"/>
+              <a:rPr lang="es-ES_tradnl" altLang="ko-KR" dirty="0"/>
               <a:t>Quinto nivel</a:t>
             </a:r>
             <a:endParaRPr lang="ko-KR" altLang="en-US" dirty="0"/>
@@ -1653,7 +1646,7 @@
               <a:defRPr/>
             </a:pPr>
             <a:r>
-              <a:rPr lang="es-ES" altLang="ko-KR" smtClean="0"/>
+              <a:rPr lang="es-ES" altLang="ko-KR"/>
               <a:t>AOS@UC</a:t>
             </a:r>
             <a:endParaRPr lang="en-US" altLang="ko-KR" dirty="0"/>
@@ -1698,13 +1691,12 @@
               <a:pPr>
                 <a:defRPr/>
               </a:pPr>
-              <a:t>‹Nr.›</a:t>
+              <a:t>‹#›</a:t>
             </a:fld>
             <a:r>
-              <a:rPr lang="en-US" altLang="ko-KR" smtClean="0"/>
+              <a:rPr lang="en-US" altLang="ko-KR"/>
               <a:t> </a:t>
             </a:r>
-            <a:endParaRPr lang="en-US" altLang="ko-KR"/>
           </a:p>
         </p:txBody>
       </p:sp>
@@ -1751,7 +1743,7 @@
               <a:defRPr/>
             </a:pPr>
             <a:r>
-              <a:rPr kumimoji="1" lang="en-US" altLang="ko-KR" smtClean="0"/>
+              <a:rPr kumimoji="1" lang="en-US" altLang="ko-KR"/>
               <a:t>Valentin Puente</a:t>
             </a:r>
             <a:endParaRPr kumimoji="1" lang="ko-KR" altLang="en-US" dirty="0"/>
@@ -1771,13 +1763,6 @@
   <p:transition>
     <p:zoom/>
   </p:transition>
-  <p:timing>
-    <p:tnLst>
-      <p:par>
-        <p:cTn id="1" dur="indefinite" restart="never" nodeType="tmRoot"/>
-      </p:par>
-    </p:tnLst>
-  </p:timing>
 </p:sldLayout>
 </file>
 
@@ -1900,7 +1885,7 @@
           <a:p>
             <a:pPr lvl="0"/>
             <a:r>
-              <a:rPr lang="es-ES_tradnl" altLang="ko-KR" dirty="0" smtClean="0"/>
+              <a:rPr lang="es-ES_tradnl" altLang="ko-KR" dirty="0"/>
               <a:t>Haga clic para modificar el estilo de texto del patrón</a:t>
             </a:r>
           </a:p>
@@ -1974,7 +1959,7 @@
               <a:defRPr/>
             </a:pPr>
             <a:r>
-              <a:rPr lang="es-ES" altLang="ko-KR" smtClean="0">
+              <a:rPr lang="es-ES" altLang="ko-KR">
                 <a:solidFill>
                   <a:srgbClr val="1F497D">
                     <a:lumMod val="50000"/>
@@ -2034,10 +2019,10 @@
               <a:pPr>
                 <a:defRPr/>
               </a:pPr>
-              <a:t>‹Nr.›</a:t>
+              <a:t>‹#›</a:t>
             </a:fld>
             <a:r>
-              <a:rPr lang="en-US" altLang="ko-KR" smtClean="0">
+              <a:rPr lang="en-US" altLang="ko-KR">
                 <a:solidFill>
                   <a:srgbClr val="1F497D">
                     <a:lumMod val="50000"/>
@@ -2046,13 +2031,6 @@
               </a:rPr>
               <a:t> </a:t>
             </a:r>
-            <a:endParaRPr lang="en-US" altLang="ko-KR">
-              <a:solidFill>
-                <a:srgbClr val="1F497D">
-                  <a:lumMod val="50000"/>
-                </a:srgbClr>
-              </a:solidFill>
-            </a:endParaRPr>
           </a:p>
         </p:txBody>
       </p:sp>
@@ -2096,7 +2074,7 @@
               <a:defRPr/>
             </a:pPr>
             <a:r>
-              <a:rPr kumimoji="1" lang="en-US" altLang="ko-KR" smtClean="0">
+              <a:rPr kumimoji="1" lang="en-US" altLang="ko-KR">
                 <a:solidFill>
                   <a:prstClr val="black"/>
                 </a:solidFill>
@@ -2198,13 +2176,6 @@
   <p:transition>
     <p:zoom/>
   </p:transition>
-  <p:timing>
-    <p:tnLst>
-      <p:par>
-        <p:cTn id="1" dur="indefinite" restart="never" nodeType="tmRoot"/>
-      </p:par>
-    </p:tnLst>
-  </p:timing>
 </p:sldLayout>
 </file>
 
@@ -2275,7 +2246,7 @@
           <a:lstStyle/>
           <a:p>
             <a:pPr algn="ctr"/>
-            <a:endParaRPr lang="ko-KR" altLang="en-US" sz="1600" dirty="0" smtClean="0">
+            <a:endParaRPr lang="ko-KR" altLang="en-US" sz="1600" dirty="0">
               <a:solidFill>
                 <a:srgbClr val="00B050"/>
               </a:solidFill>
@@ -2328,7 +2299,7 @@
           <a:p>
             <a:pPr lvl="0"/>
             <a:r>
-              <a:rPr lang="ko-KR" altLang="en-US" dirty="0" smtClean="0"/>
+              <a:rPr lang="ko-KR" altLang="en-US" dirty="0"/>
               <a:t>마스터 제목 스타일 편집</a:t>
             </a:r>
           </a:p>
@@ -2371,35 +2342,35 @@
           <a:p>
             <a:pPr lvl="0"/>
             <a:r>
-              <a:rPr lang="ko-KR" altLang="en-US" dirty="0" smtClean="0"/>
+              <a:rPr lang="ko-KR" altLang="en-US" dirty="0"/>
               <a:t>마스터 텍스트 스타일을 편집합니다</a:t>
             </a:r>
           </a:p>
           <a:p>
             <a:pPr lvl="1"/>
             <a:r>
-              <a:rPr lang="ko-KR" altLang="en-US" dirty="0" smtClean="0"/>
+              <a:rPr lang="ko-KR" altLang="en-US" dirty="0"/>
               <a:t>둘째 수준</a:t>
             </a:r>
           </a:p>
           <a:p>
             <a:pPr lvl="2"/>
             <a:r>
-              <a:rPr lang="ko-KR" altLang="en-US" dirty="0" smtClean="0"/>
+              <a:rPr lang="ko-KR" altLang="en-US" dirty="0"/>
               <a:t>셋째 수준</a:t>
             </a:r>
           </a:p>
           <a:p>
             <a:pPr lvl="3"/>
             <a:r>
-              <a:rPr lang="ko-KR" altLang="en-US" dirty="0" smtClean="0"/>
+              <a:rPr lang="ko-KR" altLang="en-US" dirty="0"/>
               <a:t>넷째 수준</a:t>
             </a:r>
           </a:p>
           <a:p>
             <a:pPr lvl="4"/>
             <a:r>
-              <a:rPr lang="ko-KR" altLang="en-US" dirty="0" smtClean="0"/>
+              <a:rPr lang="ko-KR" altLang="en-US" dirty="0"/>
               <a:t>다섯째 수준</a:t>
             </a:r>
           </a:p>
@@ -2462,7 +2433,7 @@
               <a:defRPr/>
             </a:pPr>
             <a:r>
-              <a:rPr kumimoji="1" lang="es-ES" altLang="ko-KR" smtClean="0">
+              <a:rPr kumimoji="1" lang="es-ES" altLang="ko-KR">
                 <a:solidFill>
                   <a:srgbClr val="1F497D">
                     <a:lumMod val="50000"/>
@@ -2554,7 +2525,7 @@
                 </a:spcAft>
                 <a:defRPr/>
               </a:pPr>
-              <a:t>‹Nr.›</a:t>
+              <a:t>‹#›</a:t>
             </a:fld>
             <a:endParaRPr kumimoji="1" lang="en-US" altLang="ko-KR">
               <a:solidFill>
@@ -2606,7 +2577,7 @@
               <a:defRPr/>
             </a:pPr>
             <a:r>
-              <a:rPr kumimoji="1" lang="en-US" altLang="ko-KR" smtClean="0">
+              <a:rPr kumimoji="1" lang="en-US" altLang="ko-KR">
                 <a:solidFill>
                   <a:prstClr val="black"/>
                 </a:solidFill>
@@ -2663,7 +2634,7 @@
           <a:lstStyle/>
           <a:p>
             <a:pPr algn="ctr"/>
-            <a:endParaRPr lang="ko-KR" altLang="en-US" sz="1600" dirty="0" smtClean="0">
+            <a:endParaRPr lang="ko-KR" altLang="en-US" sz="1600" dirty="0">
               <a:solidFill>
                 <a:srgbClr val="00B050"/>
               </a:solidFill>
@@ -2716,7 +2687,7 @@
           <a:lstStyle/>
           <a:p>
             <a:pPr algn="ctr"/>
-            <a:endParaRPr lang="ko-KR" altLang="en-US" sz="1600" dirty="0" smtClean="0">
+            <a:endParaRPr lang="ko-KR" altLang="en-US" sz="1600" dirty="0">
               <a:solidFill>
                 <a:srgbClr val="00B050"/>
               </a:solidFill>
@@ -2743,13 +2714,6 @@
   <p:transition>
     <p:zoom/>
   </p:transition>
-  <p:timing>
-    <p:tnLst>
-      <p:par>
-        <p:cTn id="1" dur="indefinite" restart="never" nodeType="tmRoot"/>
-      </p:par>
-    </p:tnLst>
-  </p:timing>
   <p:hf hdr="0"/>
   <p:txStyles>
     <p:titleStyle>
@@ -3198,25 +3162,16 @@
           <a:lstStyle/>
           <a:p>
             <a:r>
-              <a:rPr lang="en-US" dirty="0" smtClean="0"/>
-              <a:t>Advanced Operating </a:t>
-            </a:r>
-            <a:r>
               <a:rPr lang="en-US" dirty="0"/>
-              <a:t>Systems</a:t>
+              <a:t>Advanced Operating Systems</a:t>
             </a:r>
             <a:br>
               <a:rPr lang="en-US" dirty="0"/>
             </a:br>
             <a:r>
               <a:rPr lang="en-US" dirty="0"/>
-              <a:t> Lab </a:t>
-            </a:r>
-            <a:r>
-              <a:rPr lang="en-US" dirty="0" smtClean="0"/>
-              <a:t>Tools Intro</a:t>
-            </a:r>
-            <a:endParaRPr lang="en-US" dirty="0"/>
+              <a:t> Lab Tools Intro</a:t>
+            </a:r>
           </a:p>
         </p:txBody>
       </p:sp>
@@ -3236,15 +3191,15 @@
           <a:lstStyle/>
           <a:p>
             <a:r>
-              <a:rPr lang="es-ES_tradnl" dirty="0" err="1" smtClean="0"/>
+              <a:rPr lang="es-ES_tradnl" dirty="0" err="1"/>
               <a:t>Lab</a:t>
             </a:r>
             <a:r>
-              <a:rPr lang="es-ES_tradnl" dirty="0" smtClean="0"/>
+              <a:rPr lang="es-ES_tradnl" dirty="0"/>
               <a:t> </a:t>
             </a:r>
             <a:r>
-              <a:rPr lang="es-ES_tradnl" dirty="0" err="1" smtClean="0"/>
+              <a:rPr lang="es-ES_tradnl" dirty="0" err="1"/>
               <a:t>intro</a:t>
             </a:r>
             <a:endParaRPr lang="en-US" dirty="0"/>
@@ -3260,7 +3215,7 @@
         <p:spPr>
           <a:xfrm>
             <a:off x="3487667" y="4780523"/>
-            <a:ext cx="2319866" cy="1200329"/>
+            <a:ext cx="2319866" cy="923330"/>
           </a:xfrm>
           <a:prstGeom prst="rect">
             <a:avLst/>
@@ -3275,25 +3230,18 @@
           <a:p>
             <a:pPr algn="ctr"/>
             <a:r>
-              <a:rPr lang="en-US" dirty="0" smtClean="0"/>
-              <a:t>2017/18</a:t>
-            </a:r>
+              <a:rPr lang="en-US" dirty="0" err="1"/>
+              <a:t>www.ce.unican.es</a:t>
+            </a:r>
+            <a:endParaRPr lang="en-US" dirty="0"/>
           </a:p>
           <a:p>
             <a:pPr algn="ctr"/>
             <a:r>
-              <a:rPr lang="en-US" dirty="0" err="1" smtClean="0"/>
-              <a:t>www.ce.unican.es</a:t>
-            </a:r>
-            <a:endParaRPr lang="en-US" dirty="0" smtClean="0"/>
-          </a:p>
-          <a:p>
-            <a:pPr algn="ctr"/>
-            <a:r>
-              <a:rPr lang="en-US" dirty="0" err="1" smtClean="0"/>
+              <a:rPr lang="en-US" dirty="0" err="1"/>
               <a:t>vpuente@unican.es</a:t>
             </a:r>
-            <a:endParaRPr lang="en-US" dirty="0" smtClean="0"/>
+            <a:endParaRPr lang="en-US" dirty="0"/>
           </a:p>
           <a:p>
             <a:pPr algn="ctr"/>
@@ -3343,13 +3291,6 @@
       <p:transition/>
     </mc:Fallback>
   </mc:AlternateContent>
-  <p:timing>
-    <p:tnLst>
-      <p:par>
-        <p:cTn id="1" dur="indefinite" restart="never" nodeType="tmRoot"/>
-      </p:par>
-    </p:tnLst>
-  </p:timing>
 </p:sld>
 </file>
 
@@ -3386,15 +3327,15 @@
           <a:lstStyle/>
           <a:p>
             <a:r>
-              <a:rPr lang="es-ES_tradnl" dirty="0" err="1" smtClean="0"/>
+              <a:rPr lang="es-ES_tradnl" dirty="0" err="1"/>
               <a:t>Lab</a:t>
             </a:r>
             <a:r>
-              <a:rPr lang="es-ES_tradnl" dirty="0" smtClean="0"/>
+              <a:rPr lang="es-ES_tradnl" dirty="0"/>
               <a:t> </a:t>
             </a:r>
             <a:r>
-              <a:rPr lang="es-ES_tradnl" dirty="0" err="1" smtClean="0"/>
+              <a:rPr lang="es-ES_tradnl" dirty="0" err="1"/>
               <a:t>work</a:t>
             </a:r>
             <a:endParaRPr lang="en-US" dirty="0"/>
@@ -3417,22 +3358,22 @@
           <a:lstStyle/>
           <a:p>
             <a:r>
-              <a:rPr lang="en-US" dirty="0" smtClean="0"/>
+              <a:rPr lang="en-US" dirty="0"/>
               <a:t>All lab material will be available in </a:t>
             </a:r>
             <a:r>
-              <a:rPr lang="en-US" dirty="0" err="1" smtClean="0"/>
+              <a:rPr lang="en-US" dirty="0" err="1"/>
               <a:t>git</a:t>
             </a:r>
             <a:r>
-              <a:rPr lang="en-US" dirty="0" smtClean="0"/>
+              <a:rPr lang="en-US" dirty="0"/>
               <a:t> lab repository</a:t>
             </a:r>
           </a:p>
           <a:p>
             <a:pPr lvl="1"/>
             <a:r>
-              <a:rPr lang="en-US" dirty="0" err="1" smtClean="0">
+              <a:rPr lang="en-US" dirty="0" err="1">
                 <a:latin typeface="Courier" charset="0"/>
                 <a:ea typeface="Courier" charset="0"/>
                 <a:cs typeface="Courier" charset="0"/>
@@ -3440,7 +3381,7 @@
               <a:t>git</a:t>
             </a:r>
             <a:r>
-              <a:rPr lang="en-US" dirty="0" smtClean="0">
+              <a:rPr lang="en-US" dirty="0">
                 <a:latin typeface="Courier" charset="0"/>
                 <a:ea typeface="Courier" charset="0"/>
                 <a:cs typeface="Courier" charset="0"/>
@@ -3448,7 +3389,7 @@
               <a:t> clone </a:t>
             </a:r>
             <a:r>
-              <a:rPr lang="en-US" dirty="0" smtClean="0">
+              <a:rPr lang="en-US" dirty="0">
                 <a:latin typeface="Courier" charset="0"/>
                 <a:ea typeface="Courier" charset="0"/>
                 <a:cs typeface="Courier" charset="0"/>
@@ -3456,7 +3397,7 @@
               </a:rPr>
               <a:t>https://gitlab.com/AOSUC/Lab.git</a:t>
             </a:r>
-            <a:endParaRPr lang="en-US" dirty="0" smtClean="0">
+            <a:endParaRPr lang="en-US" dirty="0">
               <a:latin typeface="Courier" charset="0"/>
               <a:ea typeface="Courier" charset="0"/>
               <a:cs typeface="Courier" charset="0"/>
@@ -3464,71 +3405,71 @@
           </a:p>
           <a:p>
             <a:r>
-              <a:rPr lang="en-US" dirty="0" smtClean="0"/>
+              <a:rPr lang="en-US" dirty="0"/>
               <a:t>Material</a:t>
             </a:r>
           </a:p>
           <a:p>
             <a:pPr lvl="1"/>
             <a:r>
-              <a:rPr lang="en-US" dirty="0" smtClean="0"/>
+              <a:rPr lang="en-US" dirty="0"/>
               <a:t>Where you have to work</a:t>
             </a:r>
           </a:p>
           <a:p>
             <a:r>
-              <a:rPr lang="en-US" dirty="0" smtClean="0"/>
+              <a:rPr lang="en-US" dirty="0"/>
               <a:t>Reference</a:t>
             </a:r>
           </a:p>
           <a:p>
             <a:pPr lvl="1"/>
             <a:r>
-              <a:rPr lang="en-US" dirty="0" smtClean="0"/>
+              <a:rPr lang="en-US" dirty="0"/>
               <a:t>OSTEP original material (</a:t>
             </a:r>
             <a:r>
-              <a:rPr lang="en-US" dirty="0" err="1" smtClean="0"/>
+              <a:rPr lang="en-US" dirty="0" err="1"/>
               <a:t>ostep.org</a:t>
             </a:r>
             <a:r>
-              <a:rPr lang="en-US" dirty="0" smtClean="0"/>
+              <a:rPr lang="en-US" dirty="0"/>
               <a:t>)</a:t>
             </a:r>
           </a:p>
           <a:p>
             <a:pPr lvl="1"/>
-            <a:endParaRPr lang="en-US" dirty="0" smtClean="0"/>
-          </a:p>
-          <a:p>
-            <a:r>
-              <a:rPr lang="en-US" dirty="0" smtClean="0"/>
+            <a:endParaRPr lang="en-US" dirty="0"/>
+          </a:p>
+          <a:p>
+            <a:r>
+              <a:rPr lang="en-US" dirty="0"/>
               <a:t>We will work using a simple </a:t>
             </a:r>
             <a:r>
-              <a:rPr lang="en-US" dirty="0" err="1" smtClean="0"/>
+              <a:rPr lang="en-US" dirty="0" err="1"/>
               <a:t>git</a:t>
             </a:r>
             <a:r>
-              <a:rPr lang="en-US" dirty="0" smtClean="0"/>
+              <a:rPr lang="en-US" dirty="0"/>
               <a:t> </a:t>
             </a:r>
             <a:r>
-              <a:rPr lang="en-US" smtClean="0"/>
+              <a:rPr lang="en-US"/>
               <a:t>branch+up-stream</a:t>
             </a:r>
             <a:r>
-              <a:rPr lang="en-US" dirty="0" smtClean="0"/>
+              <a:rPr lang="en-US" dirty="0"/>
               <a:t> based workflow</a:t>
             </a:r>
           </a:p>
           <a:p>
             <a:pPr lvl="1"/>
             <a:r>
-              <a:rPr lang="es-ES_tradnl" dirty="0" smtClean="0"/>
+              <a:rPr lang="es-ES_tradnl" dirty="0"/>
               <a:t>https://www.atlassian.com/git/tutorials/what-is-git</a:t>
             </a:r>
-            <a:endParaRPr lang="en-US" dirty="0" smtClean="0"/>
+            <a:endParaRPr lang="en-US" dirty="0"/>
           </a:p>
         </p:txBody>
       </p:sp>
@@ -3551,7 +3492,7 @@
               <a:defRPr/>
             </a:pPr>
             <a:r>
-              <a:rPr lang="es-ES" altLang="ko-KR" smtClean="0"/>
+              <a:rPr lang="es-ES" altLang="ko-KR"/>
               <a:t>AOS@UC</a:t>
             </a:r>
             <a:endParaRPr lang="en-US" altLang="ko-KR" dirty="0"/>
@@ -3584,10 +3525,9 @@
               <a:t>10</a:t>
             </a:fld>
             <a:r>
-              <a:rPr lang="en-US" altLang="ko-KR" smtClean="0"/>
+              <a:rPr lang="en-US" altLang="ko-KR"/>
               <a:t> </a:t>
             </a:r>
-            <a:endParaRPr lang="en-US" altLang="ko-KR"/>
           </a:p>
         </p:txBody>
       </p:sp>
@@ -3616,7 +3556,7 @@
               <a:defRPr/>
             </a:pPr>
             <a:r>
-              <a:rPr kumimoji="1" lang="en-US" altLang="ko-KR" smtClean="0"/>
+              <a:rPr kumimoji="1" lang="en-US" altLang="ko-KR"/>
               <a:t>Valentin Puente</a:t>
             </a:r>
             <a:endParaRPr kumimoji="1" lang="ko-KR" altLang="en-US" dirty="0"/>
@@ -3667,15 +3607,15 @@
           <a:lstStyle/>
           <a:p>
             <a:r>
-              <a:rPr lang="es-ES_tradnl" dirty="0" smtClean="0"/>
+              <a:rPr lang="es-ES_tradnl" dirty="0"/>
               <a:t>Personal </a:t>
             </a:r>
             <a:r>
-              <a:rPr lang="es-ES_tradnl" dirty="0" err="1" smtClean="0"/>
+              <a:rPr lang="es-ES_tradnl" dirty="0" err="1"/>
               <a:t>Work</a:t>
             </a:r>
             <a:r>
-              <a:rPr lang="es-ES_tradnl" dirty="0" smtClean="0"/>
+              <a:rPr lang="es-ES_tradnl" dirty="0"/>
               <a:t> tracking</a:t>
             </a:r>
             <a:endParaRPr lang="en-US" dirty="0"/>
@@ -3698,131 +3638,131 @@
           <a:lstStyle/>
           <a:p>
             <a:r>
-              <a:rPr lang="es-ES_tradnl" dirty="0" err="1" smtClean="0"/>
+              <a:rPr lang="es-ES_tradnl" dirty="0" err="1"/>
               <a:t>Git</a:t>
             </a:r>
             <a:r>
-              <a:rPr lang="es-ES_tradnl" dirty="0" smtClean="0"/>
+              <a:rPr lang="es-ES_tradnl" dirty="0"/>
               <a:t> repo </a:t>
             </a:r>
             <a:r>
-              <a:rPr lang="es-ES_tradnl" dirty="0" err="1" smtClean="0"/>
+              <a:rPr lang="es-ES_tradnl" dirty="0" err="1"/>
               <a:t>contains</a:t>
             </a:r>
             <a:r>
-              <a:rPr lang="es-ES_tradnl" dirty="0" smtClean="0"/>
+              <a:rPr lang="es-ES_tradnl" dirty="0"/>
               <a:t> a “</a:t>
             </a:r>
             <a:r>
-              <a:rPr lang="es-ES_tradnl" dirty="0" err="1" smtClean="0"/>
+              <a:rPr lang="es-ES_tradnl" dirty="0" err="1"/>
               <a:t>chain</a:t>
             </a:r>
             <a:r>
-              <a:rPr lang="es-ES_tradnl" dirty="0" smtClean="0"/>
+              <a:rPr lang="es-ES_tradnl" dirty="0"/>
               <a:t>” of </a:t>
             </a:r>
             <a:r>
-              <a:rPr lang="es-ES_tradnl" dirty="0" err="1" smtClean="0"/>
+              <a:rPr lang="es-ES_tradnl" dirty="0" err="1"/>
               <a:t>atomic</a:t>
             </a:r>
             <a:r>
-              <a:rPr lang="es-ES_tradnl" dirty="0" smtClean="0"/>
+              <a:rPr lang="es-ES_tradnl" dirty="0"/>
               <a:t> </a:t>
             </a:r>
             <a:r>
-              <a:rPr lang="es-ES_tradnl" dirty="0" err="1" smtClean="0"/>
+              <a:rPr lang="es-ES_tradnl" dirty="0" err="1"/>
               <a:t>changes</a:t>
             </a:r>
             <a:r>
-              <a:rPr lang="es-ES_tradnl" dirty="0" smtClean="0"/>
+              <a:rPr lang="es-ES_tradnl" dirty="0"/>
               <a:t> </a:t>
             </a:r>
             <a:r>
-              <a:rPr lang="es-ES_tradnl" dirty="0" err="1" smtClean="0"/>
+              <a:rPr lang="es-ES_tradnl" dirty="0" err="1"/>
               <a:t>called</a:t>
             </a:r>
             <a:r>
-              <a:rPr lang="es-ES_tradnl" dirty="0" smtClean="0"/>
+              <a:rPr lang="es-ES_tradnl" dirty="0"/>
               <a:t> </a:t>
             </a:r>
             <a:r>
-              <a:rPr lang="es-ES_tradnl" dirty="0" err="1" smtClean="0"/>
+              <a:rPr lang="es-ES_tradnl" dirty="0" err="1"/>
               <a:t>commits</a:t>
             </a:r>
-            <a:endParaRPr lang="es-ES_tradnl" dirty="0" smtClean="0"/>
-          </a:p>
-          <a:p>
-            <a:endParaRPr lang="es-ES_tradnl" dirty="0" smtClean="0"/>
-          </a:p>
-          <a:p>
-            <a:endParaRPr lang="es-ES_tradnl" dirty="0" smtClean="0"/>
-          </a:p>
-          <a:p>
-            <a:endParaRPr lang="es-ES_tradnl" dirty="0" smtClean="0"/>
-          </a:p>
-          <a:p>
-            <a:endParaRPr lang="es-ES_tradnl" dirty="0" smtClean="0"/>
-          </a:p>
-          <a:p>
-            <a:r>
-              <a:rPr lang="es-ES_tradnl" dirty="0" err="1" smtClean="0"/>
+            <a:endParaRPr lang="es-ES_tradnl" dirty="0"/>
+          </a:p>
+          <a:p>
+            <a:endParaRPr lang="es-ES_tradnl" dirty="0"/>
+          </a:p>
+          <a:p>
+            <a:endParaRPr lang="es-ES_tradnl" dirty="0"/>
+          </a:p>
+          <a:p>
+            <a:endParaRPr lang="es-ES_tradnl" dirty="0"/>
+          </a:p>
+          <a:p>
+            <a:endParaRPr lang="es-ES_tradnl" dirty="0"/>
+          </a:p>
+          <a:p>
+            <a:r>
+              <a:rPr lang="es-ES_tradnl" dirty="0" err="1"/>
               <a:t>Branching</a:t>
             </a:r>
             <a:r>
-              <a:rPr lang="es-ES_tradnl" dirty="0" smtClean="0"/>
+              <a:rPr lang="es-ES_tradnl" dirty="0"/>
               <a:t> </a:t>
             </a:r>
             <a:r>
-              <a:rPr lang="es-ES_tradnl" dirty="0" err="1" smtClean="0"/>
+              <a:rPr lang="es-ES_tradnl" dirty="0" err="1"/>
               <a:t>will</a:t>
             </a:r>
             <a:r>
-              <a:rPr lang="es-ES_tradnl" dirty="0" smtClean="0"/>
+              <a:rPr lang="es-ES_tradnl" dirty="0"/>
               <a:t> </a:t>
             </a:r>
             <a:r>
-              <a:rPr lang="es-ES_tradnl" dirty="0" err="1" smtClean="0"/>
+              <a:rPr lang="es-ES_tradnl" dirty="0" err="1"/>
               <a:t>be</a:t>
             </a:r>
             <a:r>
-              <a:rPr lang="es-ES_tradnl" dirty="0" smtClean="0"/>
+              <a:rPr lang="es-ES_tradnl" dirty="0"/>
               <a:t> </a:t>
             </a:r>
             <a:r>
-              <a:rPr lang="es-ES_tradnl" dirty="0" err="1" smtClean="0"/>
+              <a:rPr lang="es-ES_tradnl" dirty="0" err="1"/>
               <a:t>used</a:t>
             </a:r>
             <a:r>
-              <a:rPr lang="es-ES_tradnl" dirty="0" smtClean="0"/>
+              <a:rPr lang="es-ES_tradnl" dirty="0"/>
               <a:t> </a:t>
             </a:r>
             <a:r>
-              <a:rPr lang="es-ES_tradnl" dirty="0" err="1" smtClean="0"/>
+              <a:rPr lang="es-ES_tradnl" dirty="0" err="1"/>
               <a:t>to</a:t>
             </a:r>
             <a:r>
-              <a:rPr lang="es-ES_tradnl" dirty="0" smtClean="0"/>
+              <a:rPr lang="es-ES_tradnl" dirty="0"/>
               <a:t> </a:t>
             </a:r>
             <a:r>
-              <a:rPr lang="es-ES_tradnl" dirty="0" err="1" smtClean="0"/>
+              <a:rPr lang="es-ES_tradnl" dirty="0" err="1"/>
               <a:t>track</a:t>
             </a:r>
             <a:r>
-              <a:rPr lang="es-ES_tradnl" dirty="0" smtClean="0"/>
+              <a:rPr lang="es-ES_tradnl" dirty="0"/>
               <a:t> personal </a:t>
             </a:r>
             <a:r>
-              <a:rPr lang="es-ES_tradnl" dirty="0" err="1" smtClean="0"/>
+              <a:rPr lang="es-ES_tradnl" dirty="0" err="1"/>
               <a:t>work</a:t>
             </a:r>
-            <a:endParaRPr lang="es-ES_tradnl" dirty="0" smtClean="0"/>
-          </a:p>
-          <a:p>
-            <a:endParaRPr lang="es-ES_tradnl" dirty="0" smtClean="0"/>
-          </a:p>
-          <a:p>
-            <a:endParaRPr lang="es-ES_tradnl" dirty="0" smtClean="0"/>
+            <a:endParaRPr lang="es-ES_tradnl" dirty="0"/>
+          </a:p>
+          <a:p>
+            <a:endParaRPr lang="es-ES_tradnl" dirty="0"/>
+          </a:p>
+          <a:p>
+            <a:endParaRPr lang="es-ES_tradnl" dirty="0"/>
           </a:p>
           <a:p>
             <a:endParaRPr lang="en-US" dirty="0"/>
@@ -3848,7 +3788,7 @@
               <a:defRPr/>
             </a:pPr>
             <a:r>
-              <a:rPr lang="es-ES" altLang="ko-KR" smtClean="0"/>
+              <a:rPr lang="es-ES" altLang="ko-KR"/>
               <a:t>AOS@UC</a:t>
             </a:r>
             <a:endParaRPr lang="en-US" altLang="ko-KR" dirty="0"/>
@@ -3881,10 +3821,9 @@
               <a:t>11</a:t>
             </a:fld>
             <a:r>
-              <a:rPr lang="en-US" altLang="ko-KR" smtClean="0"/>
+              <a:rPr lang="en-US" altLang="ko-KR"/>
               <a:t> </a:t>
             </a:r>
-            <a:endParaRPr lang="en-US" altLang="ko-KR"/>
           </a:p>
         </p:txBody>
       </p:sp>
@@ -5177,7 +5116,7 @@
             <a:p>
               <a:pPr algn="ctr"/>
               <a:r>
-                <a:rPr lang="en-US" sz="1200" dirty="0" smtClean="0"/>
+                <a:rPr lang="en-US" sz="1200" dirty="0"/>
                 <a:t>Lab Guides</a:t>
               </a:r>
               <a:endParaRPr lang="en-US" dirty="0"/>
@@ -6475,10 +6414,9 @@
             <a:lstStyle/>
             <a:p>
               <a:r>
-                <a:rPr lang="en-US" sz="1050" dirty="0" smtClean="0"/>
+                <a:rPr lang="en-US" sz="1050" dirty="0"/>
                 <a:t>Personal Work</a:t>
               </a:r>
-              <a:endParaRPr lang="en-US" sz="1050" dirty="0"/>
             </a:p>
           </p:txBody>
         </p:sp>
@@ -6626,10 +6564,9 @@
             <a:p>
               <a:pPr algn="ctr"/>
               <a:r>
-                <a:rPr lang="en-US" sz="1400" dirty="0" smtClean="0"/>
+                <a:rPr lang="en-US" sz="1400" dirty="0"/>
                 <a:t>Lab Guides</a:t>
               </a:r>
-              <a:endParaRPr lang="en-US" sz="1400" dirty="0"/>
             </a:p>
           </p:txBody>
         </p:sp>
@@ -8536,10 +8473,9 @@
             <a:lstStyle/>
             <a:p>
               <a:r>
-                <a:rPr lang="en-US" sz="1050" dirty="0" smtClean="0"/>
+                <a:rPr lang="en-US" sz="1050" dirty="0"/>
                 <a:t>Personal Work</a:t>
               </a:r>
-              <a:endParaRPr lang="en-US" sz="1050" dirty="0"/>
             </a:p>
           </p:txBody>
         </p:sp>
@@ -8569,7 +8505,7 @@
               <a:defRPr/>
             </a:pPr>
             <a:r>
-              <a:rPr kumimoji="1" lang="en-US" altLang="ko-KR" smtClean="0"/>
+              <a:rPr kumimoji="1" lang="en-US" altLang="ko-KR"/>
               <a:t>Valentin Puente</a:t>
             </a:r>
             <a:endParaRPr kumimoji="1" lang="ko-KR" altLang="en-US" dirty="0"/>
@@ -8620,10 +8556,9 @@
           <a:lstStyle/>
           <a:p>
             <a:r>
-              <a:rPr lang="en-US" dirty="0" smtClean="0"/>
+              <a:rPr lang="en-US" dirty="0"/>
               <a:t>Workflow</a:t>
             </a:r>
-            <a:endParaRPr lang="en-US" dirty="0"/>
           </a:p>
         </p:txBody>
       </p:sp>
@@ -8645,13 +8580,13 @@
           <a:lstStyle/>
           <a:p>
             <a:r>
-              <a:rPr lang="en-US" dirty="0" smtClean="0"/>
+              <a:rPr lang="en-US" dirty="0"/>
               <a:t>Create an account in gitlab.com</a:t>
             </a:r>
           </a:p>
           <a:p>
             <a:r>
-              <a:rPr lang="en-US" dirty="0" smtClean="0"/>
+              <a:rPr lang="en-US" dirty="0"/>
               <a:t>Create a private repository (for lab)</a:t>
             </a:r>
           </a:p>
@@ -8662,19 +8597,19 @@
               <a:buChar char=""/>
             </a:pPr>
             <a:r>
-              <a:rPr lang="en-US" sz="2000" dirty="0" smtClean="0">
+              <a:rPr lang="en-US" sz="2000" dirty="0">
                 <a:cs typeface="+mn-cs"/>
               </a:rPr>
               <a:t>Fork </a:t>
             </a:r>
             <a:r>
-              <a:rPr lang="en-US" sz="2000" dirty="0" smtClean="0">
+              <a:rPr lang="en-US" sz="2000" dirty="0">
                 <a:cs typeface="+mn-cs"/>
                 <a:hlinkClick r:id="rId2"/>
               </a:rPr>
               <a:t>https://gitlab.com/AOSUC/Lab.git</a:t>
             </a:r>
-            <a:endParaRPr lang="en-US" sz="2000" dirty="0" smtClean="0">
+            <a:endParaRPr lang="en-US" sz="2000" dirty="0">
               <a:cs typeface="+mn-cs"/>
             </a:endParaRPr>
           </a:p>
@@ -8685,20 +8620,20 @@
               <a:buChar char=""/>
             </a:pPr>
             <a:r>
-              <a:rPr lang="en-US" sz="2000" dirty="0" smtClean="0">
+              <a:rPr lang="en-US" sz="2000" dirty="0">
                 <a:cs typeface="+mn-cs"/>
               </a:rPr>
               <a:t>Invite </a:t>
             </a:r>
             <a:r>
-              <a:rPr lang="en-US" sz="2000" dirty="0" smtClean="0">
+              <a:rPr lang="en-US" sz="2000" dirty="0">
                 <a:cs typeface="+mn-cs"/>
                 <a:hlinkClick r:id="rId3"/>
               </a:rPr>
               <a:t>vpuente@gmail.com</a:t>
             </a:r>
             <a:r>
-              <a:rPr lang="en-US" sz="2000" dirty="0" smtClean="0">
+              <a:rPr lang="en-US" sz="2000" dirty="0">
                 <a:cs typeface="+mn-cs"/>
               </a:rPr>
               <a:t> to such repository</a:t>
@@ -8711,7 +8646,7 @@
               <a:buChar char=""/>
             </a:pPr>
             <a:r>
-              <a:rPr lang="en-US" sz="2000" dirty="0" smtClean="0">
+              <a:rPr lang="en-US" sz="2000" dirty="0">
                 <a:cs typeface="+mn-cs"/>
               </a:rPr>
               <a:t>Start working</a:t>
@@ -8723,7 +8658,7 @@
               <a:buChar char=""/>
             </a:pPr>
             <a:r>
-              <a:rPr lang="en-US" dirty="0" err="1" smtClean="0">
+              <a:rPr lang="en-US" dirty="0" err="1">
                 <a:latin typeface="Courier" charset="0"/>
                 <a:ea typeface="Courier" charset="0"/>
                 <a:cs typeface="Courier" charset="0"/>
@@ -8731,7 +8666,7 @@
               <a:t>git</a:t>
             </a:r>
             <a:r>
-              <a:rPr lang="en-US" dirty="0" smtClean="0">
+              <a:rPr lang="en-US" dirty="0">
                 <a:latin typeface="Courier" charset="0"/>
                 <a:ea typeface="Courier" charset="0"/>
                 <a:cs typeface="Courier" charset="0"/>
@@ -8739,7 +8674,7 @@
               <a:t> clone https://</a:t>
             </a:r>
             <a:r>
-              <a:rPr lang="en-US" dirty="0" err="1" smtClean="0">
+              <a:rPr lang="en-US" dirty="0" err="1">
                 <a:latin typeface="Courier" charset="0"/>
                 <a:ea typeface="Courier" charset="0"/>
                 <a:cs typeface="Courier" charset="0"/>
@@ -8747,7 +8682,7 @@
               <a:t>username@gitlab.com</a:t>
             </a:r>
             <a:r>
-              <a:rPr lang="en-US" dirty="0" smtClean="0">
+              <a:rPr lang="en-US" dirty="0">
                 <a:latin typeface="Courier" charset="0"/>
                 <a:ea typeface="Courier" charset="0"/>
                 <a:cs typeface="Courier" charset="0"/>
@@ -8755,14 +8690,14 @@
               <a:t>/AOSUC/</a:t>
             </a:r>
             <a:r>
-              <a:rPr lang="en-US" dirty="0" err="1" smtClean="0">
+              <a:rPr lang="en-US" dirty="0" err="1">
                 <a:latin typeface="Courier" charset="0"/>
                 <a:ea typeface="Courier" charset="0"/>
                 <a:cs typeface="Courier" charset="0"/>
               </a:rPr>
               <a:t>Lab.git</a:t>
             </a:r>
-            <a:endParaRPr lang="en-US" dirty="0" smtClean="0">
+            <a:endParaRPr lang="en-US" dirty="0">
               <a:latin typeface="Courier" charset="0"/>
               <a:ea typeface="Courier" charset="0"/>
               <a:cs typeface="Courier" charset="0"/>
@@ -8774,7 +8709,7 @@
               <a:buChar char=""/>
             </a:pPr>
             <a:r>
-              <a:rPr lang="en-US" dirty="0" err="1" smtClean="0">
+              <a:rPr lang="en-US" dirty="0" err="1">
                 <a:latin typeface="Courier" charset="0"/>
                 <a:ea typeface="Courier" charset="0"/>
                 <a:cs typeface="Courier" charset="0"/>
@@ -8782,7 +8717,7 @@
               <a:t>git</a:t>
             </a:r>
             <a:r>
-              <a:rPr lang="en-US" dirty="0" smtClean="0">
+              <a:rPr lang="en-US" dirty="0">
                 <a:latin typeface="Courier" charset="0"/>
                 <a:ea typeface="Courier" charset="0"/>
                 <a:cs typeface="Courier" charset="0"/>
@@ -8796,7 +8731,7 @@
               <a:buChar char=""/>
             </a:pPr>
             <a:r>
-              <a:rPr lang="en-US" dirty="0" err="1" smtClean="0">
+              <a:rPr lang="en-US" dirty="0" err="1">
                 <a:latin typeface="Courier" charset="0"/>
                 <a:ea typeface="Courier" charset="0"/>
                 <a:cs typeface="Courier" charset="0"/>
@@ -8804,7 +8739,7 @@
               <a:t>git</a:t>
             </a:r>
             <a:r>
-              <a:rPr lang="en-US" dirty="0" smtClean="0">
+              <a:rPr lang="en-US" dirty="0">
                 <a:latin typeface="Courier" charset="0"/>
                 <a:ea typeface="Courier" charset="0"/>
                 <a:cs typeface="Courier" charset="0"/>
@@ -8818,7 +8753,7 @@
               <a:buChar char=""/>
             </a:pPr>
             <a:r>
-              <a:rPr lang="en-US" dirty="0" smtClean="0">
+              <a:rPr lang="en-US" dirty="0">
                 <a:cs typeface="+mn-cs"/>
               </a:rPr>
               <a:t>START WORKING THERE / COMMIT AS MUCH AS U NEED!!!</a:t>
@@ -8830,7 +8765,7 @@
               <a:buChar char=""/>
             </a:pPr>
             <a:r>
-              <a:rPr lang="en-US" dirty="0" err="1" smtClean="0">
+              <a:rPr lang="en-US" dirty="0" err="1">
                 <a:latin typeface="Courier" charset="0"/>
                 <a:ea typeface="Courier" charset="0"/>
                 <a:cs typeface="Courier" charset="0"/>
@@ -8838,7 +8773,7 @@
               <a:t>git</a:t>
             </a:r>
             <a:r>
-              <a:rPr lang="en-US" dirty="0" smtClean="0">
+              <a:rPr lang="en-US" dirty="0">
                 <a:latin typeface="Courier" charset="0"/>
                 <a:ea typeface="Courier" charset="0"/>
                 <a:cs typeface="Courier" charset="0"/>
@@ -8846,7 +8781,7 @@
               <a:t> add NEW_FILES </a:t>
             </a:r>
             <a:r>
-              <a:rPr lang="en-US" b="1" dirty="0" smtClean="0">
+              <a:rPr lang="en-US" b="1" dirty="0">
                 <a:solidFill>
                   <a:srgbClr val="FF0000"/>
                 </a:solidFill>
@@ -8871,18 +8806,7 @@
                 <a:ea typeface="Courier" charset="0"/>
                 <a:cs typeface="Courier" charset="0"/>
               </a:rPr>
-              <a:t>&lt;</a:t>
-            </a:r>
-            <a:r>
-              <a:rPr lang="en-US" b="1" dirty="0" smtClean="0">
-                <a:solidFill>
-                  <a:srgbClr val="FF0000"/>
-                </a:solidFill>
-                <a:latin typeface="Courier" charset="0"/>
-                <a:ea typeface="Courier" charset="0"/>
-                <a:cs typeface="Courier" charset="0"/>
-              </a:rPr>
-              <a:t>WORK&gt;</a:t>
+              <a:t>&lt;WORK&gt;</a:t>
             </a:r>
           </a:p>
           <a:p>
@@ -8891,7 +8815,7 @@
               <a:buChar char=""/>
             </a:pPr>
             <a:r>
-              <a:rPr lang="en-US" dirty="0" err="1" smtClean="0">
+              <a:rPr lang="en-US" dirty="0" err="1">
                 <a:latin typeface="Courier" charset="0"/>
                 <a:ea typeface="Courier" charset="0"/>
                 <a:cs typeface="Courier" charset="0"/>
@@ -8899,7 +8823,7 @@
               <a:t>git</a:t>
             </a:r>
             <a:r>
-              <a:rPr lang="en-US" dirty="0" smtClean="0">
+              <a:rPr lang="en-US" dirty="0">
                 <a:latin typeface="Courier" charset="0"/>
                 <a:ea typeface="Courier" charset="0"/>
                 <a:cs typeface="Courier" charset="0"/>
@@ -8915,18 +8839,7 @@
                 <a:ea typeface="Courier" charset="0"/>
                 <a:cs typeface="Courier" charset="0"/>
               </a:rPr>
-              <a:t>&lt;WORK</a:t>
-            </a:r>
-            <a:r>
-              <a:rPr lang="en-US" b="1" dirty="0" smtClean="0">
-                <a:solidFill>
-                  <a:srgbClr val="FF0000"/>
-                </a:solidFill>
-                <a:latin typeface="Courier" charset="0"/>
-                <a:ea typeface="Courier" charset="0"/>
-                <a:cs typeface="Courier" charset="0"/>
-              </a:rPr>
-              <a:t>&gt; </a:t>
+              <a:t>&lt;WORK&gt; </a:t>
             </a:r>
             <a:r>
               <a:rPr lang="en-US" dirty="0" err="1">
@@ -8942,15 +8855,7 @@
                 <a:ea typeface="Courier" charset="0"/>
                 <a:cs typeface="Courier" charset="0"/>
               </a:rPr>
-              <a:t> </a:t>
-            </a:r>
-            <a:r>
-              <a:rPr lang="en-US" dirty="0" smtClean="0">
-                <a:latin typeface="Courier" charset="0"/>
-                <a:ea typeface="Courier" charset="0"/>
-                <a:cs typeface="Courier" charset="0"/>
-              </a:rPr>
-              <a:t>commit</a:t>
+              <a:t> commit</a:t>
             </a:r>
             <a:r>
               <a:rPr lang="en-US" b="1" dirty="0">
@@ -8964,7 +8869,7 @@
               <a:t> &lt;WORK&gt; </a:t>
             </a:r>
             <a:r>
-              <a:rPr lang="en-US" dirty="0" err="1" smtClean="0">
+              <a:rPr lang="en-US" dirty="0" err="1">
                 <a:latin typeface="Courier" charset="0"/>
                 <a:ea typeface="Courier" charset="0"/>
                 <a:cs typeface="Courier" charset="0"/>
@@ -8972,20 +8877,12 @@
               <a:t>git</a:t>
             </a:r>
             <a:r>
-              <a:rPr lang="en-US" dirty="0" smtClean="0">
-                <a:latin typeface="Courier" charset="0"/>
-                <a:ea typeface="Courier" charset="0"/>
-                <a:cs typeface="Courier" charset="0"/>
-              </a:rPr>
-              <a:t> </a:t>
-            </a:r>
-            <a:r>
               <a:rPr lang="en-US" dirty="0">
                 <a:latin typeface="Courier" charset="0"/>
                 <a:ea typeface="Courier" charset="0"/>
                 <a:cs typeface="Courier" charset="0"/>
               </a:rPr>
-              <a:t>commit </a:t>
+              <a:t> commit </a:t>
             </a:r>
             <a:r>
               <a:rPr lang="en-US" b="1" dirty="0">
@@ -8999,7 +8896,7 @@
               <a:t>&lt;WORK&gt; </a:t>
             </a:r>
             <a:r>
-              <a:rPr lang="is-IS" b="1" dirty="0" smtClean="0">
+              <a:rPr lang="is-IS" b="1" dirty="0">
                 <a:solidFill>
                   <a:srgbClr val="FF0000"/>
                 </a:solidFill>
@@ -9009,7 +8906,7 @@
               </a:rPr>
               <a:t>…</a:t>
             </a:r>
-            <a:endParaRPr lang="en-US" dirty="0" smtClean="0">
+            <a:endParaRPr lang="en-US" dirty="0">
               <a:latin typeface="Courier" charset="0"/>
               <a:ea typeface="Courier" charset="0"/>
               <a:cs typeface="Courier" charset="0"/>
@@ -9021,7 +8918,7 @@
               <a:buChar char=""/>
             </a:pPr>
             <a:r>
-              <a:rPr lang="en-US" dirty="0" err="1" smtClean="0">
+              <a:rPr lang="en-US" dirty="0" err="1">
                 <a:latin typeface="Courier" charset="0"/>
                 <a:ea typeface="Courier" charset="0"/>
                 <a:cs typeface="Courier" charset="0"/>
@@ -9029,7 +8926,7 @@
               <a:t>git</a:t>
             </a:r>
             <a:r>
-              <a:rPr lang="en-US" dirty="0" smtClean="0">
+              <a:rPr lang="en-US" dirty="0">
                 <a:latin typeface="Courier" charset="0"/>
                 <a:ea typeface="Courier" charset="0"/>
                 <a:cs typeface="Courier" charset="0"/>
@@ -9043,24 +8940,24 @@
               <a:buChar char=""/>
             </a:pPr>
             <a:r>
-              <a:rPr lang="en-US" dirty="0" err="1" smtClean="0">
+              <a:rPr lang="en-US" dirty="0" err="1">
                 <a:cs typeface="+mn-cs"/>
               </a:rPr>
               <a:t>git</a:t>
             </a:r>
             <a:r>
-              <a:rPr lang="en-US" dirty="0" smtClean="0">
+              <a:rPr lang="en-US" dirty="0">
                 <a:cs typeface="+mn-cs"/>
               </a:rPr>
               <a:t> pull </a:t>
             </a:r>
             <a:r>
-              <a:rPr lang="en-US" dirty="0" smtClean="0">
+              <a:rPr lang="en-US" dirty="0">
                 <a:hlinkClick r:id="rId4"/>
               </a:rPr>
               <a:t>https://username@gitlab.com/AOSUC/Lab.git</a:t>
             </a:r>
-            <a:endParaRPr lang="en-US" dirty="0" smtClean="0">
+            <a:endParaRPr lang="en-US" dirty="0">
               <a:cs typeface="+mn-cs"/>
             </a:endParaRPr>
           </a:p>
@@ -9070,7 +8967,7 @@
               <a:buFont typeface="Wingdings" pitchFamily="2" charset="2"/>
               <a:buChar char=""/>
             </a:pPr>
-            <a:endParaRPr lang="en-US" sz="2000" dirty="0" smtClean="0">
+            <a:endParaRPr lang="en-US" sz="2000" dirty="0">
               <a:cs typeface="+mn-cs"/>
             </a:endParaRPr>
           </a:p>
@@ -9080,7 +8977,7 @@
               <a:buFont typeface="Wingdings" pitchFamily="2" charset="2"/>
               <a:buChar char=""/>
             </a:pPr>
-            <a:endParaRPr lang="en-US" dirty="0" smtClean="0"/>
+            <a:endParaRPr lang="en-US" dirty="0"/>
           </a:p>
           <a:p>
             <a:endParaRPr lang="en-US" dirty="0"/>
@@ -9106,7 +9003,7 @@
               <a:defRPr/>
             </a:pPr>
             <a:r>
-              <a:rPr lang="es-ES" altLang="ko-KR" smtClean="0"/>
+              <a:rPr lang="es-ES" altLang="ko-KR"/>
               <a:t>AOS@UC</a:t>
             </a:r>
             <a:endParaRPr lang="en-US" altLang="ko-KR" dirty="0"/>
@@ -9139,10 +9036,9 @@
               <a:t>12</a:t>
             </a:fld>
             <a:r>
-              <a:rPr lang="en-US" altLang="ko-KR" smtClean="0"/>
+              <a:rPr lang="en-US" altLang="ko-KR"/>
               <a:t> </a:t>
             </a:r>
-            <a:endParaRPr lang="en-US" altLang="ko-KR"/>
           </a:p>
         </p:txBody>
       </p:sp>
@@ -9171,7 +9067,7 @@
               <a:defRPr/>
             </a:pPr>
             <a:r>
-              <a:rPr kumimoji="1" lang="en-US" altLang="ko-KR" smtClean="0"/>
+              <a:rPr kumimoji="1" lang="en-US" altLang="ko-KR"/>
               <a:t>Valentin Puente</a:t>
             </a:r>
             <a:endParaRPr kumimoji="1" lang="ko-KR" altLang="en-US" dirty="0"/>
@@ -9222,10 +9118,9 @@
           <a:lstStyle/>
           <a:p>
             <a:r>
-              <a:rPr lang="en-US" dirty="0" smtClean="0"/>
+              <a:rPr lang="en-US" dirty="0"/>
               <a:t>Updating of Guides (Pull)</a:t>
             </a:r>
-            <a:endParaRPr lang="en-US" dirty="0"/>
           </a:p>
         </p:txBody>
       </p:sp>
@@ -9247,40 +9142,40 @@
           <a:lstStyle/>
           <a:p>
             <a:r>
-              <a:rPr lang="en-US" dirty="0" smtClean="0"/>
+              <a:rPr lang="en-US" dirty="0"/>
               <a:t>Merging updates in material</a:t>
             </a:r>
           </a:p>
           <a:p>
-            <a:endParaRPr lang="en-US" dirty="0" smtClean="0"/>
-          </a:p>
-          <a:p>
-            <a:endParaRPr lang="en-US" dirty="0" smtClean="0"/>
-          </a:p>
-          <a:p>
-            <a:endParaRPr lang="en-US" dirty="0" smtClean="0"/>
-          </a:p>
-          <a:p>
-            <a:endParaRPr lang="en-US" dirty="0" smtClean="0"/>
-          </a:p>
-          <a:p>
-            <a:endParaRPr lang="en-US" dirty="0" smtClean="0"/>
-          </a:p>
-          <a:p>
-            <a:endParaRPr lang="en-US" dirty="0" smtClean="0"/>
-          </a:p>
-          <a:p>
-            <a:endParaRPr lang="en-US" dirty="0" smtClean="0"/>
-          </a:p>
-          <a:p>
-            <a:r>
-              <a:rPr lang="en-US" dirty="0" smtClean="0"/>
+            <a:endParaRPr lang="en-US" dirty="0"/>
+          </a:p>
+          <a:p>
+            <a:endParaRPr lang="en-US" dirty="0"/>
+          </a:p>
+          <a:p>
+            <a:endParaRPr lang="en-US" dirty="0"/>
+          </a:p>
+          <a:p>
+            <a:endParaRPr lang="en-US" dirty="0"/>
+          </a:p>
+          <a:p>
+            <a:endParaRPr lang="en-US" dirty="0"/>
+          </a:p>
+          <a:p>
+            <a:endParaRPr lang="en-US" dirty="0"/>
+          </a:p>
+          <a:p>
+            <a:endParaRPr lang="en-US" dirty="0"/>
+          </a:p>
+          <a:p>
+            <a:r>
+              <a:rPr lang="en-US" dirty="0"/>
               <a:t>Allow the professor to track your work</a:t>
             </a:r>
           </a:p>
           <a:p>
             <a:r>
-              <a:rPr lang="en-US" dirty="0" smtClean="0"/>
+              <a:rPr lang="en-US" dirty="0"/>
               <a:t>Allow to automatize C&amp;P detection</a:t>
             </a:r>
           </a:p>
@@ -9305,7 +9200,7 @@
               <a:defRPr/>
             </a:pPr>
             <a:r>
-              <a:rPr lang="es-ES" altLang="ko-KR" smtClean="0"/>
+              <a:rPr lang="es-ES" altLang="ko-KR"/>
               <a:t>AOS@UC</a:t>
             </a:r>
             <a:endParaRPr lang="en-US" altLang="ko-KR" dirty="0"/>
@@ -9338,10 +9233,9 @@
               <a:t>13</a:t>
             </a:fld>
             <a:r>
-              <a:rPr lang="en-US" altLang="ko-KR" smtClean="0"/>
+              <a:rPr lang="en-US" altLang="ko-KR"/>
               <a:t> </a:t>
             </a:r>
-            <a:endParaRPr lang="en-US" altLang="ko-KR"/>
           </a:p>
         </p:txBody>
       </p:sp>
@@ -10685,7 +10579,7 @@
             <a:p>
               <a:pPr algn="ctr"/>
               <a:r>
-                <a:rPr lang="en-US" sz="1200" dirty="0" smtClean="0"/>
+                <a:rPr lang="en-US" sz="1200" dirty="0"/>
                 <a:t>Lab Guides</a:t>
               </a:r>
               <a:endParaRPr lang="en-US" dirty="0"/>
@@ -12563,10 +12457,9 @@
             <a:lstStyle/>
             <a:p>
               <a:r>
-                <a:rPr lang="en-US" sz="1050" dirty="0" smtClean="0"/>
+                <a:rPr lang="en-US" sz="1050" dirty="0"/>
                 <a:t>Personal Work</a:t>
               </a:r>
-              <a:endParaRPr lang="en-US" sz="1050" dirty="0"/>
             </a:p>
           </p:txBody>
         </p:sp>
@@ -12596,7 +12489,7 @@
               <a:defRPr/>
             </a:pPr>
             <a:r>
-              <a:rPr kumimoji="1" lang="en-US" altLang="ko-KR" smtClean="0"/>
+              <a:rPr kumimoji="1" lang="en-US" altLang="ko-KR"/>
               <a:t>Valentin Puente</a:t>
             </a:r>
             <a:endParaRPr kumimoji="1" lang="ko-KR" altLang="en-US" dirty="0"/>
@@ -12809,10 +12702,9 @@
           <a:lstStyle/>
           <a:p>
             <a:r>
-              <a:rPr lang="en-US" dirty="0" smtClean="0"/>
+              <a:rPr lang="en-US" dirty="0"/>
               <a:t>Download changes from the common repo</a:t>
             </a:r>
-            <a:endParaRPr lang="en-US" dirty="0"/>
           </a:p>
         </p:txBody>
       </p:sp>
@@ -12834,14 +12726,14 @@
           <a:lstStyle/>
           <a:p>
             <a:r>
-              <a:rPr lang="en-US" dirty="0" smtClean="0"/>
+              <a:rPr lang="en-US" dirty="0"/>
               <a:t>How to integrate changes from mainline in my fork?</a:t>
             </a:r>
           </a:p>
           <a:p>
             <a:pPr lvl="1"/>
             <a:r>
-              <a:rPr lang="en-US" dirty="0" err="1" smtClean="0">
+              <a:rPr lang="en-US" dirty="0" err="1">
                 <a:latin typeface="Courier" charset="0"/>
                 <a:ea typeface="Courier" charset="0"/>
                 <a:cs typeface="Courier" charset="0"/>
@@ -12849,7 +12741,7 @@
               <a:t>git</a:t>
             </a:r>
             <a:r>
-              <a:rPr lang="en-US" dirty="0" smtClean="0">
+              <a:rPr lang="en-US" dirty="0">
                 <a:latin typeface="Courier" charset="0"/>
                 <a:ea typeface="Courier" charset="0"/>
                 <a:cs typeface="Courier" charset="0"/>
@@ -12860,7 +12752,7 @@
           <a:p>
             <a:pPr lvl="1"/>
             <a:r>
-              <a:rPr lang="en-US" dirty="0" err="1" smtClean="0">
+              <a:rPr lang="en-US" dirty="0" err="1">
                 <a:latin typeface="Courier" charset="0"/>
                 <a:ea typeface="Courier" charset="0"/>
                 <a:cs typeface="Courier" charset="0"/>
@@ -12868,7 +12760,7 @@
               <a:t>git</a:t>
             </a:r>
             <a:r>
-              <a:rPr lang="en-US" dirty="0" smtClean="0">
+              <a:rPr lang="en-US" dirty="0">
                 <a:latin typeface="Courier" charset="0"/>
                 <a:ea typeface="Courier" charset="0"/>
                 <a:cs typeface="Courier" charset="0"/>
@@ -12876,7 +12768,7 @@
               <a:t> pull </a:t>
             </a:r>
             <a:r>
-              <a:rPr lang="en-US" dirty="0" smtClean="0">
+              <a:rPr lang="en-US" dirty="0">
                 <a:latin typeface="Courier" charset="0"/>
                 <a:ea typeface="Courier" charset="0"/>
                 <a:cs typeface="Courier" charset="0"/>
@@ -12884,7 +12776,7 @@
               </a:rPr>
               <a:t>https://gitlab.com/AOSUC/Lab</a:t>
             </a:r>
-            <a:endParaRPr lang="en-US" dirty="0" smtClean="0">
+            <a:endParaRPr lang="en-US" dirty="0">
               <a:latin typeface="Courier" charset="0"/>
               <a:ea typeface="Courier" charset="0"/>
               <a:cs typeface="Courier" charset="0"/>
@@ -12893,7 +12785,7 @@
           <a:p>
             <a:pPr lvl="1"/>
             <a:r>
-              <a:rPr lang="en-US" dirty="0" err="1" smtClean="0">
+              <a:rPr lang="en-US" dirty="0" err="1">
                 <a:latin typeface="Courier" charset="0"/>
                 <a:ea typeface="Courier" charset="0"/>
                 <a:cs typeface="Courier" charset="0"/>
@@ -12901,7 +12793,7 @@
               <a:t>git</a:t>
             </a:r>
             <a:r>
-              <a:rPr lang="en-US" dirty="0" smtClean="0">
+              <a:rPr lang="en-US" dirty="0">
                 <a:latin typeface="Courier" charset="0"/>
                 <a:ea typeface="Courier" charset="0"/>
                 <a:cs typeface="Courier" charset="0"/>
@@ -12912,7 +12804,7 @@
           <a:p>
             <a:pPr lvl="1"/>
             <a:r>
-              <a:rPr lang="en-US" dirty="0" err="1" smtClean="0">
+              <a:rPr lang="en-US" dirty="0" err="1">
                 <a:latin typeface="Courier" charset="0"/>
                 <a:ea typeface="Courier" charset="0"/>
                 <a:cs typeface="Courier" charset="0"/>
@@ -12920,7 +12812,7 @@
               <a:t>git</a:t>
             </a:r>
             <a:r>
-              <a:rPr lang="en-US" dirty="0" smtClean="0">
+              <a:rPr lang="en-US" dirty="0">
                 <a:latin typeface="Courier" charset="0"/>
                 <a:ea typeface="Courier" charset="0"/>
                 <a:cs typeface="Courier" charset="0"/>
@@ -12930,7 +12822,7 @@
           </a:p>
           <a:p>
             <a:pPr lvl="1"/>
-            <a:endParaRPr lang="en-US" dirty="0" smtClean="0"/>
+            <a:endParaRPr lang="en-US" dirty="0"/>
           </a:p>
           <a:p>
             <a:pPr lvl="1"/>
@@ -12938,7 +12830,7 @@
           </a:p>
           <a:p>
             <a:pPr lvl="1"/>
-            <a:endParaRPr lang="en-US" dirty="0" smtClean="0"/>
+            <a:endParaRPr lang="en-US" dirty="0"/>
           </a:p>
           <a:p>
             <a:pPr lvl="1"/>
@@ -12946,26 +12838,26 @@
           </a:p>
           <a:p>
             <a:r>
-              <a:rPr lang="en-US" dirty="0" smtClean="0"/>
+              <a:rPr lang="en-US" dirty="0"/>
               <a:t>This process might fail if done in “non” reliable clock environment</a:t>
             </a:r>
           </a:p>
           <a:p>
             <a:pPr lvl="1"/>
             <a:r>
-              <a:rPr lang="en-US" dirty="0" smtClean="0"/>
+              <a:rPr lang="en-US" dirty="0"/>
               <a:t>For example if we have clock-skew between system and files (</a:t>
             </a:r>
             <a:r>
-              <a:rPr lang="en-US" dirty="0" err="1" smtClean="0"/>
+              <a:rPr lang="en-US" dirty="0" err="1"/>
               <a:t>v.gr</a:t>
             </a:r>
             <a:r>
-              <a:rPr lang="en-US" dirty="0" smtClean="0"/>
+              <a:rPr lang="en-US" dirty="0"/>
               <a:t>. Virtual Box </a:t>
             </a:r>
             <a:r>
-              <a:rPr lang="en-US" smtClean="0"/>
+              <a:rPr lang="en-US"/>
               <a:t>and host shared directory !!!)</a:t>
             </a:r>
             <a:endParaRPr lang="en-US" dirty="0"/>
@@ -12991,7 +12883,7 @@
               <a:defRPr/>
             </a:pPr>
             <a:r>
-              <a:rPr lang="es-ES" altLang="ko-KR" smtClean="0"/>
+              <a:rPr lang="es-ES" altLang="ko-KR"/>
               <a:t>AOS@UC</a:t>
             </a:r>
             <a:endParaRPr lang="en-US" altLang="ko-KR" dirty="0"/>
@@ -13024,10 +12916,9 @@
               <a:t>14</a:t>
             </a:fld>
             <a:r>
-              <a:rPr lang="en-US" altLang="ko-KR" smtClean="0"/>
+              <a:rPr lang="en-US" altLang="ko-KR"/>
               <a:t> </a:t>
             </a:r>
-            <a:endParaRPr lang="en-US" altLang="ko-KR"/>
           </a:p>
         </p:txBody>
       </p:sp>
@@ -13056,7 +12947,7 @@
               <a:defRPr/>
             </a:pPr>
             <a:r>
-              <a:rPr kumimoji="1" lang="en-US" altLang="ko-KR" smtClean="0"/>
+              <a:rPr kumimoji="1" lang="en-US" altLang="ko-KR"/>
               <a:t>Valentin Puente</a:t>
             </a:r>
             <a:endParaRPr kumimoji="1" lang="ko-KR" altLang="en-US" dirty="0"/>
@@ -14079,7 +13970,7 @@
             <a:p>
               <a:pPr algn="ctr"/>
               <a:r>
-                <a:rPr lang="en-US" sz="900" dirty="0" smtClean="0"/>
+                <a:rPr lang="en-US" sz="900" dirty="0"/>
                 <a:t>Lab Guides</a:t>
               </a:r>
               <a:endParaRPr lang="en-US" sz="1100" dirty="0"/>
@@ -15957,10 +15848,9 @@
             <a:lstStyle/>
             <a:p>
               <a:r>
-                <a:rPr lang="en-US" sz="800" dirty="0" smtClean="0"/>
+                <a:rPr lang="en-US" sz="800" dirty="0"/>
                 <a:t>Personal Work</a:t>
               </a:r>
-              <a:endParaRPr lang="en-US" sz="800" dirty="0"/>
             </a:p>
           </p:txBody>
         </p:sp>
@@ -16967,7 +16857,7 @@
           <a:p>
             <a:pPr algn="ctr"/>
             <a:r>
-              <a:rPr lang="en-US" sz="900" dirty="0" smtClean="0"/>
+              <a:rPr lang="en-US" sz="900" dirty="0"/>
               <a:t>Lab Guides</a:t>
             </a:r>
             <a:endParaRPr lang="en-US" sz="1100" dirty="0"/>
@@ -18683,10 +18573,9 @@
           <a:lstStyle/>
           <a:p>
             <a:r>
-              <a:rPr lang="en-US" sz="800" dirty="0" smtClean="0"/>
+              <a:rPr lang="en-US" sz="800" dirty="0"/>
               <a:t>Personal Work</a:t>
             </a:r>
-            <a:endParaRPr lang="en-US" sz="800" dirty="0"/>
           </a:p>
         </p:txBody>
       </p:sp>
@@ -18725,7 +18614,7 @@
           <a:lstStyle/>
           <a:p>
             <a:pPr algn="ctr"/>
-            <a:endParaRPr lang="en-US" sz="1600" dirty="0" smtClean="0">
+            <a:endParaRPr lang="en-US" sz="1600" dirty="0">
               <a:ln w="0"/>
               <a:solidFill>
                 <a:schemeClr val="accent1"/>
@@ -18793,10 +18682,9 @@
           <a:lstStyle/>
           <a:p>
             <a:r>
-              <a:rPr lang="en-US" dirty="0" smtClean="0"/>
+              <a:rPr lang="en-US" dirty="0"/>
               <a:t>Next level (not required but advised to try at least)</a:t>
             </a:r>
-            <a:endParaRPr lang="en-US" dirty="0"/>
           </a:p>
         </p:txBody>
       </p:sp>
@@ -18816,30 +18704,30 @@
           <a:lstStyle/>
           <a:p>
             <a:r>
-              <a:rPr lang="en-US" dirty="0" smtClean="0"/>
+              <a:rPr lang="en-US" dirty="0"/>
               <a:t>Create additional branches for a particular work</a:t>
             </a:r>
           </a:p>
           <a:p>
-            <a:endParaRPr lang="en-US" dirty="0" smtClean="0"/>
-          </a:p>
-          <a:p>
-            <a:r>
-              <a:rPr lang="en-US" dirty="0" smtClean="0"/>
+            <a:endParaRPr lang="en-US" dirty="0"/>
+          </a:p>
+          <a:p>
+            <a:r>
+              <a:rPr lang="en-US" dirty="0"/>
               <a:t>Merge with DNI branch when done</a:t>
             </a:r>
           </a:p>
           <a:p>
             <a:pPr lvl="1"/>
             <a:r>
-              <a:rPr lang="en-US" dirty="0" smtClean="0"/>
+              <a:rPr lang="en-US" dirty="0"/>
               <a:t>Only use the Web interface to merge</a:t>
             </a:r>
           </a:p>
           <a:p>
             <a:pPr lvl="1"/>
             <a:r>
-              <a:rPr lang="en-US" dirty="0" smtClean="0"/>
+              <a:rPr lang="en-US" dirty="0"/>
               <a:t>Command line tool are not easy to use (especially when conflicts appears) </a:t>
             </a:r>
           </a:p>
@@ -18849,7 +18737,7 @@
           </a:p>
           <a:p>
             <a:r>
-              <a:rPr lang="en-US" dirty="0" smtClean="0"/>
+              <a:rPr lang="en-US" dirty="0"/>
               <a:t>Allows to work on multiple tasks at once (and do not have a chaos in hands)</a:t>
             </a:r>
           </a:p>
@@ -18858,10 +18746,9 @@
           </a:p>
           <a:p>
             <a:r>
-              <a:rPr lang="en-US" dirty="0" smtClean="0"/>
+              <a:rPr lang="en-US" dirty="0"/>
               <a:t>Use issue board to track your progress</a:t>
             </a:r>
-            <a:endParaRPr lang="en-US" dirty="0"/>
           </a:p>
         </p:txBody>
       </p:sp>
@@ -18884,7 +18771,7 @@
               <a:defRPr/>
             </a:pPr>
             <a:r>
-              <a:rPr lang="es-ES" altLang="ko-KR" smtClean="0"/>
+              <a:rPr lang="es-ES" altLang="ko-KR"/>
               <a:t>AOS@UC</a:t>
             </a:r>
             <a:endParaRPr lang="en-US" altLang="ko-KR" dirty="0"/>
@@ -18917,10 +18804,9 @@
               <a:t>15</a:t>
             </a:fld>
             <a:r>
-              <a:rPr lang="en-US" altLang="ko-KR" smtClean="0"/>
+              <a:rPr lang="en-US" altLang="ko-KR"/>
               <a:t> </a:t>
             </a:r>
-            <a:endParaRPr lang="en-US" altLang="ko-KR"/>
           </a:p>
         </p:txBody>
       </p:sp>
@@ -18949,7 +18835,7 @@
               <a:defRPr/>
             </a:pPr>
             <a:r>
-              <a:rPr kumimoji="1" lang="en-US" altLang="ko-KR" smtClean="0"/>
+              <a:rPr kumimoji="1" lang="en-US" altLang="ko-KR"/>
               <a:t>Valentin Puente</a:t>
             </a:r>
             <a:endParaRPr kumimoji="1" lang="ko-KR" altLang="en-US" dirty="0"/>
@@ -19007,33 +18893,28 @@
           <a:lstStyle/>
           <a:p>
             <a:r>
-              <a:rPr lang="en-US" dirty="0" err="1" smtClean="0"/>
+              <a:rPr lang="en-US" dirty="0" err="1"/>
               <a:t>Gitlab</a:t>
             </a:r>
             <a:r>
-              <a:rPr lang="en-US" smtClean="0"/>
+              <a:rPr lang="en-US"/>
               <a:t> Interface</a:t>
             </a:r>
-            <a:r>
-              <a:rPr lang="en-US" dirty="0" smtClean="0"/>
-              <a:t/>
-            </a:r>
             <a:br>
-              <a:rPr lang="en-US" dirty="0" smtClean="0"/>
+              <a:rPr lang="en-US" dirty="0"/>
             </a:br>
             <a:r>
-              <a:rPr lang="en-US" dirty="0" smtClean="0"/>
+              <a:rPr lang="en-US" dirty="0"/>
               <a:t>(not needed </a:t>
             </a:r>
             <a:r>
-              <a:rPr lang="en-US" dirty="0" err="1" smtClean="0"/>
+              <a:rPr lang="en-US" dirty="0" err="1"/>
               <a:t>git</a:t>
             </a:r>
             <a:r>
-              <a:rPr lang="en-US" dirty="0" smtClean="0"/>
+              <a:rPr lang="en-US" dirty="0"/>
               <a:t> deep understanding)</a:t>
             </a:r>
-            <a:endParaRPr lang="en-US" dirty="0"/>
           </a:p>
         </p:txBody>
       </p:sp>
@@ -19092,7 +18973,7 @@
               <a:defRPr/>
             </a:pPr>
             <a:r>
-              <a:rPr lang="es-ES" altLang="ko-KR" smtClean="0"/>
+              <a:rPr lang="es-ES" altLang="ko-KR"/>
               <a:t>AOS@UC</a:t>
             </a:r>
             <a:endParaRPr lang="en-US" altLang="ko-KR" dirty="0"/>
@@ -19125,10 +19006,9 @@
               <a:t>16</a:t>
             </a:fld>
             <a:r>
-              <a:rPr lang="en-US" altLang="ko-KR" smtClean="0"/>
+              <a:rPr lang="en-US" altLang="ko-KR"/>
               <a:t> </a:t>
             </a:r>
-            <a:endParaRPr lang="en-US" altLang="ko-KR"/>
           </a:p>
         </p:txBody>
       </p:sp>
@@ -19157,7 +19037,7 @@
               <a:defRPr/>
             </a:pPr>
             <a:r>
-              <a:rPr kumimoji="1" lang="en-US" altLang="ko-KR" smtClean="0"/>
+              <a:rPr kumimoji="1" lang="en-US" altLang="ko-KR"/>
               <a:t>Valentin Puente</a:t>
             </a:r>
             <a:endParaRPr kumimoji="1" lang="ko-KR" altLang="en-US" dirty="0"/>
@@ -19286,14 +19166,13 @@
           <a:lstStyle/>
           <a:p>
             <a:r>
-              <a:rPr lang="en-US" dirty="0" err="1" smtClean="0"/>
+              <a:rPr lang="en-US" dirty="0" err="1"/>
               <a:t>GitLab</a:t>
             </a:r>
             <a:r>
-              <a:rPr lang="en-US" dirty="0" smtClean="0"/>
+              <a:rPr lang="en-US" dirty="0"/>
               <a:t> interface (Demo)</a:t>
             </a:r>
-            <a:endParaRPr lang="en-US" dirty="0"/>
           </a:p>
         </p:txBody>
       </p:sp>
@@ -19358,7 +19237,7 @@
               <a:defRPr/>
             </a:pPr>
             <a:r>
-              <a:rPr lang="es-ES" altLang="ko-KR" smtClean="0"/>
+              <a:rPr lang="es-ES" altLang="ko-KR"/>
               <a:t>AOS@UC</a:t>
             </a:r>
             <a:endParaRPr lang="en-US" altLang="ko-KR" dirty="0"/>
@@ -19391,10 +19270,9 @@
               <a:t>17</a:t>
             </a:fld>
             <a:r>
-              <a:rPr lang="en-US" altLang="ko-KR" smtClean="0"/>
+              <a:rPr lang="en-US" altLang="ko-KR"/>
               <a:t> </a:t>
             </a:r>
-            <a:endParaRPr lang="en-US" altLang="ko-KR"/>
           </a:p>
         </p:txBody>
       </p:sp>
@@ -19423,7 +19301,7 @@
               <a:defRPr/>
             </a:pPr>
             <a:r>
-              <a:rPr kumimoji="1" lang="en-US" altLang="ko-KR" smtClean="0"/>
+              <a:rPr kumimoji="1" lang="en-US" altLang="ko-KR"/>
               <a:t>Valentin Puente</a:t>
             </a:r>
             <a:endParaRPr kumimoji="1" lang="ko-KR" altLang="en-US" dirty="0"/>
@@ -19519,10 +19397,9 @@
           <a:lstStyle/>
           <a:p>
             <a:r>
-              <a:rPr lang="en-US" dirty="0" smtClean="0"/>
+              <a:rPr lang="en-US" dirty="0"/>
               <a:t>Structure of the repository (Demo)</a:t>
             </a:r>
-            <a:endParaRPr lang="en-US" dirty="0"/>
           </a:p>
         </p:txBody>
       </p:sp>
@@ -19542,14 +19419,14 @@
           <a:lstStyle/>
           <a:p>
             <a:r>
-              <a:rPr lang="en-US" dirty="0" smtClean="0"/>
+              <a:rPr lang="en-US" dirty="0"/>
               <a:t>Homework's</a:t>
             </a:r>
           </a:p>
           <a:p>
             <a:pPr lvl="1"/>
             <a:r>
-              <a:rPr lang="en-US" dirty="0" smtClean="0"/>
+              <a:rPr lang="en-US" dirty="0"/>
               <a:t>Book material</a:t>
             </a:r>
           </a:p>
@@ -19559,29 +19436,25 @@
           </a:p>
           <a:p>
             <a:r>
-              <a:rPr lang="en-US" dirty="0" smtClean="0"/>
+              <a:rPr lang="en-US" dirty="0"/>
               <a:t>Projects</a:t>
             </a:r>
           </a:p>
           <a:p>
             <a:pPr lvl="1"/>
             <a:r>
-              <a:rPr lang="en-US" dirty="0" smtClean="0"/>
+              <a:rPr lang="en-US" dirty="0"/>
               <a:t>Develop here. Add a </a:t>
             </a:r>
             <a:r>
-              <a:rPr lang="en-US" dirty="0" err="1" smtClean="0"/>
+              <a:rPr lang="en-US" dirty="0" err="1"/>
               <a:t>SOLUTION.md</a:t>
             </a:r>
-            <a:r>
-              <a:rPr lang="en-US" dirty="0" smtClean="0"/>
-              <a:t/>
-            </a:r>
             <a:br>
-              <a:rPr lang="en-US" dirty="0" smtClean="0"/>
+              <a:rPr lang="en-US" dirty="0"/>
             </a:br>
             <a:r>
-              <a:rPr lang="en-US" dirty="0" smtClean="0"/>
+              <a:rPr lang="en-US" dirty="0"/>
               <a:t> at the end on the P{$$} dir.</a:t>
             </a:r>
           </a:p>
@@ -19590,24 +19463,23 @@
           </a:p>
           <a:p>
             <a:r>
-              <a:rPr lang="en-US" dirty="0" smtClean="0"/>
+              <a:rPr lang="en-US" dirty="0"/>
               <a:t>xv6 </a:t>
             </a:r>
           </a:p>
           <a:p>
             <a:pPr lvl="1"/>
             <a:r>
-              <a:rPr lang="en-US" dirty="0" smtClean="0"/>
+              <a:rPr lang="en-US" dirty="0"/>
               <a:t>Source code if the hacking </a:t>
             </a:r>
             <a:br>
-              <a:rPr lang="en-US" dirty="0" smtClean="0"/>
+              <a:rPr lang="en-US" dirty="0"/>
             </a:br>
             <a:r>
-              <a:rPr lang="en-US" dirty="0" smtClean="0"/>
+              <a:rPr lang="en-US" dirty="0"/>
               <a:t>environment used </a:t>
             </a:r>
-            <a:endParaRPr lang="en-US" dirty="0"/>
           </a:p>
         </p:txBody>
       </p:sp>
@@ -19630,7 +19502,7 @@
               <a:defRPr/>
             </a:pPr>
             <a:r>
-              <a:rPr lang="es-ES" altLang="ko-KR" smtClean="0"/>
+              <a:rPr lang="es-ES" altLang="ko-KR"/>
               <a:t>AOS@UC</a:t>
             </a:r>
             <a:endParaRPr lang="en-US" altLang="ko-KR" dirty="0"/>
@@ -19663,10 +19535,9 @@
               <a:t>18</a:t>
             </a:fld>
             <a:r>
-              <a:rPr lang="en-US" altLang="ko-KR" smtClean="0"/>
+              <a:rPr lang="en-US" altLang="ko-KR"/>
               <a:t> </a:t>
             </a:r>
-            <a:endParaRPr lang="en-US" altLang="ko-KR"/>
           </a:p>
         </p:txBody>
       </p:sp>
@@ -19695,7 +19566,7 @@
               <a:defRPr/>
             </a:pPr>
             <a:r>
-              <a:rPr kumimoji="1" lang="en-US" altLang="ko-KR" smtClean="0"/>
+              <a:rPr kumimoji="1" lang="en-US" altLang="ko-KR"/>
               <a:t>Valentin Puente</a:t>
             </a:r>
             <a:endParaRPr kumimoji="1" lang="ko-KR" altLang="en-US" dirty="0"/>
@@ -19791,10 +19662,9 @@
           <a:lstStyle/>
           <a:p>
             <a:r>
-              <a:rPr lang="en-US" dirty="0" smtClean="0"/>
+              <a:rPr lang="en-US" dirty="0"/>
               <a:t>Environment</a:t>
             </a:r>
-            <a:endParaRPr lang="en-US" dirty="0"/>
           </a:p>
         </p:txBody>
       </p:sp>
@@ -19816,106 +19686,102 @@
           <a:lstStyle/>
           <a:p>
             <a:r>
-              <a:rPr lang="es-ES_tradnl" dirty="0" smtClean="0"/>
+              <a:rPr lang="es-ES_tradnl" dirty="0"/>
               <a:t>(</a:t>
             </a:r>
             <a:r>
-              <a:rPr lang="es-ES_tradnl" dirty="0" err="1" smtClean="0"/>
+              <a:rPr lang="es-ES_tradnl" dirty="0" err="1"/>
               <a:t>Some</a:t>
             </a:r>
             <a:r>
-              <a:rPr lang="es-ES_tradnl" dirty="0" smtClean="0"/>
+              <a:rPr lang="es-ES_tradnl" dirty="0"/>
               <a:t>) </a:t>
             </a:r>
             <a:r>
               <a:rPr lang="es-ES_tradnl" dirty="0" err="1"/>
-              <a:t>c</a:t>
-            </a:r>
-            <a:r>
-              <a:rPr lang="es-ES_tradnl" dirty="0" err="1" smtClean="0"/>
-              <a:t>urrent</a:t>
-            </a:r>
-            <a:r>
-              <a:rPr lang="es-ES_tradnl" dirty="0" smtClean="0"/>
+              <a:t>current</a:t>
+            </a:r>
+            <a:r>
+              <a:rPr lang="es-ES_tradnl" dirty="0"/>
               <a:t> </a:t>
             </a:r>
             <a:r>
-              <a:rPr lang="es-ES_tradnl" dirty="0" err="1" smtClean="0"/>
+              <a:rPr lang="es-ES_tradnl" dirty="0" err="1"/>
               <a:t>tools</a:t>
             </a:r>
             <a:r>
-              <a:rPr lang="es-ES_tradnl" dirty="0" smtClean="0"/>
+              <a:rPr lang="es-ES_tradnl" dirty="0"/>
               <a:t>  as a “regular” </a:t>
             </a:r>
             <a:r>
-              <a:rPr lang="es-ES_tradnl" dirty="0" err="1" smtClean="0"/>
+              <a:rPr lang="es-ES_tradnl" dirty="0" err="1"/>
               <a:t>user</a:t>
             </a:r>
-            <a:endParaRPr lang="es-ES_tradnl" dirty="0" smtClean="0"/>
+            <a:endParaRPr lang="es-ES_tradnl" dirty="0"/>
           </a:p>
           <a:p>
             <a:pPr lvl="1"/>
             <a:r>
-              <a:rPr lang="es-ES_tradnl" dirty="0" smtClean="0"/>
+              <a:rPr lang="es-ES_tradnl" dirty="0"/>
               <a:t>Virtual Machine </a:t>
             </a:r>
             <a:r>
-              <a:rPr lang="es-ES_tradnl" dirty="0" err="1" smtClean="0"/>
+              <a:rPr lang="es-ES_tradnl" dirty="0" err="1"/>
               <a:t>deployment</a:t>
             </a:r>
             <a:r>
-              <a:rPr lang="es-ES_tradnl" dirty="0" smtClean="0"/>
+              <a:rPr lang="es-ES_tradnl" dirty="0"/>
               <a:t>/</a:t>
             </a:r>
             <a:r>
-              <a:rPr lang="es-ES_tradnl" dirty="0" err="1" smtClean="0"/>
+              <a:rPr lang="es-ES_tradnl" dirty="0" err="1"/>
               <a:t>provisioning</a:t>
             </a:r>
             <a:r>
-              <a:rPr lang="es-ES_tradnl" dirty="0" smtClean="0"/>
+              <a:rPr lang="es-ES_tradnl" dirty="0"/>
               <a:t> </a:t>
             </a:r>
             <a:r>
-              <a:rPr lang="es-ES_tradnl" dirty="0" err="1" smtClean="0"/>
+              <a:rPr lang="es-ES_tradnl" dirty="0" err="1"/>
               <a:t>system</a:t>
             </a:r>
             <a:r>
-              <a:rPr lang="es-ES_tradnl" dirty="0" smtClean="0"/>
+              <a:rPr lang="es-ES_tradnl" dirty="0"/>
               <a:t> (</a:t>
             </a:r>
             <a:r>
-              <a:rPr lang="es-ES_tradnl" dirty="0" err="1" smtClean="0"/>
+              <a:rPr lang="es-ES_tradnl" dirty="0" err="1"/>
               <a:t>vagrant</a:t>
             </a:r>
             <a:r>
-              <a:rPr lang="es-ES_tradnl" dirty="0" smtClean="0"/>
+              <a:rPr lang="es-ES_tradnl" dirty="0"/>
               <a:t>)</a:t>
             </a:r>
           </a:p>
           <a:p>
             <a:pPr lvl="1"/>
             <a:r>
-              <a:rPr lang="es-ES_tradnl" dirty="0" err="1" smtClean="0"/>
+              <a:rPr lang="es-ES_tradnl" dirty="0" err="1"/>
               <a:t>Version</a:t>
             </a:r>
             <a:r>
-              <a:rPr lang="es-ES_tradnl" dirty="0" smtClean="0"/>
+              <a:rPr lang="es-ES_tradnl" dirty="0"/>
               <a:t> control </a:t>
             </a:r>
             <a:r>
-              <a:rPr lang="es-ES_tradnl" dirty="0" err="1" smtClean="0"/>
+              <a:rPr lang="es-ES_tradnl" dirty="0" err="1"/>
               <a:t>system</a:t>
             </a:r>
             <a:r>
-              <a:rPr lang="es-ES_tradnl" dirty="0" smtClean="0"/>
+              <a:rPr lang="es-ES_tradnl" dirty="0"/>
               <a:t> (</a:t>
             </a:r>
             <a:r>
-              <a:rPr lang="es-ES_tradnl" dirty="0" err="1" smtClean="0"/>
+              <a:rPr lang="es-ES_tradnl" dirty="0" err="1"/>
               <a:t>git</a:t>
             </a:r>
             <a:r>
-              <a:rPr lang="es-ES_tradnl" dirty="0" smtClean="0"/>
+              <a:rPr lang="es-ES_tradnl" dirty="0"/>
               <a:t>)</a:t>
             </a:r>
             <a:endParaRPr lang="en-US" dirty="0"/>
@@ -19941,7 +19807,7 @@
               <a:defRPr/>
             </a:pPr>
             <a:r>
-              <a:rPr lang="es-ES" altLang="ko-KR" smtClean="0">
+              <a:rPr lang="es-ES" altLang="ko-KR">
                 <a:solidFill>
                   <a:srgbClr val="1F497D">
                     <a:lumMod val="50000"/>
@@ -19992,7 +19858,7 @@
               <a:t>2</a:t>
             </a:fld>
             <a:r>
-              <a:rPr lang="en-US" altLang="ko-KR" smtClean="0">
+              <a:rPr lang="en-US" altLang="ko-KR">
                 <a:solidFill>
                   <a:srgbClr val="1F497D">
                     <a:lumMod val="50000"/>
@@ -20001,13 +19867,6 @@
               </a:rPr>
               <a:t> </a:t>
             </a:r>
-            <a:endParaRPr lang="en-US" altLang="ko-KR">
-              <a:solidFill>
-                <a:srgbClr val="1F497D">
-                  <a:lumMod val="50000"/>
-                </a:srgbClr>
-              </a:solidFill>
-            </a:endParaRPr>
           </a:p>
         </p:txBody>
       </p:sp>
@@ -20036,7 +19895,7 @@
               <a:defRPr/>
             </a:pPr>
             <a:r>
-              <a:rPr kumimoji="1" lang="en-US" altLang="ko-KR" smtClean="0"/>
+              <a:rPr kumimoji="1" lang="en-US" altLang="ko-KR"/>
               <a:t>Valentin Puente</a:t>
             </a:r>
             <a:endParaRPr kumimoji="1" lang="ko-KR" altLang="en-US" dirty="0"/>
@@ -20056,13 +19915,6 @@
   <p:transition>
     <p:zoom/>
   </p:transition>
-  <p:timing>
-    <p:tnLst>
-      <p:par>
-        <p:cTn id="1" dur="indefinite" restart="never" nodeType="tmRoot"/>
-      </p:par>
-    </p:tnLst>
-  </p:timing>
 </p:sld>
 </file>
 
@@ -20099,10 +19951,9 @@
           <a:lstStyle/>
           <a:p>
             <a:r>
-              <a:rPr lang="en-US" dirty="0" smtClean="0"/>
+              <a:rPr lang="en-US" dirty="0"/>
               <a:t>Vagrant </a:t>
             </a:r>
-            <a:endParaRPr lang="en-US" dirty="0"/>
           </a:p>
         </p:txBody>
       </p:sp>
@@ -20124,78 +19975,78 @@
           <a:lstStyle/>
           <a:p>
             <a:r>
-              <a:rPr lang="en-US" dirty="0" smtClean="0"/>
+              <a:rPr lang="en-US" dirty="0"/>
               <a:t>It’s a abstraction layer on top of any virtualization layer</a:t>
             </a:r>
           </a:p>
           <a:p>
             <a:pPr lvl="1"/>
             <a:r>
-              <a:rPr lang="en-US" dirty="0" smtClean="0"/>
+              <a:rPr lang="en-US" dirty="0"/>
               <a:t>Works with </a:t>
             </a:r>
             <a:r>
-              <a:rPr lang="en-US" dirty="0" err="1" smtClean="0"/>
+              <a:rPr lang="en-US" dirty="0" err="1"/>
               <a:t>VirtualBox</a:t>
             </a:r>
             <a:r>
-              <a:rPr lang="en-US" dirty="0" smtClean="0"/>
+              <a:rPr lang="en-US" dirty="0"/>
               <a:t>, </a:t>
             </a:r>
             <a:r>
-              <a:rPr lang="en-US" dirty="0" err="1" smtClean="0"/>
+              <a:rPr lang="en-US" dirty="0" err="1"/>
               <a:t>Vmware</a:t>
             </a:r>
             <a:r>
-              <a:rPr lang="en-US" dirty="0" smtClean="0"/>
+              <a:rPr lang="en-US" dirty="0"/>
               <a:t>, Hyper-V, …, </a:t>
             </a:r>
             <a:r>
-              <a:rPr lang="en-US" dirty="0" err="1" smtClean="0"/>
+              <a:rPr lang="en-US" dirty="0" err="1"/>
               <a:t>lxc</a:t>
             </a:r>
             <a:r>
-              <a:rPr lang="en-US" dirty="0" smtClean="0"/>
+              <a:rPr lang="en-US" dirty="0"/>
               <a:t>, </a:t>
             </a:r>
             <a:r>
-              <a:rPr lang="en-US" dirty="0" err="1" smtClean="0"/>
+              <a:rPr lang="en-US" dirty="0" err="1"/>
               <a:t>docker</a:t>
             </a:r>
             <a:r>
-              <a:rPr lang="en-US" dirty="0" smtClean="0"/>
+              <a:rPr lang="en-US" dirty="0"/>
               <a:t>, etc…</a:t>
             </a:r>
           </a:p>
           <a:p>
             <a:pPr lvl="1"/>
             <a:r>
-              <a:rPr lang="en-US" dirty="0" smtClean="0"/>
+              <a:rPr lang="en-US" dirty="0"/>
               <a:t>Although the lab work can be done with plain </a:t>
             </a:r>
             <a:r>
-              <a:rPr lang="en-US" dirty="0" err="1" smtClean="0"/>
+              <a:rPr lang="en-US" dirty="0" err="1"/>
               <a:t>VirtualBox</a:t>
             </a:r>
             <a:r>
-              <a:rPr lang="en-US" dirty="0" smtClean="0"/>
+              <a:rPr lang="en-US" dirty="0"/>
               <a:t>, vagrant is recommended to avoid the hassle of crude virtual machines (VM)</a:t>
             </a:r>
           </a:p>
           <a:p>
             <a:pPr lvl="1"/>
             <a:r>
-              <a:rPr lang="en-US" dirty="0" smtClean="0"/>
+              <a:rPr lang="en-US" dirty="0"/>
               <a:t>Used as a “simplification” tool for VM handling</a:t>
             </a:r>
           </a:p>
           <a:p>
             <a:pPr lvl="1"/>
-            <a:endParaRPr lang="en-US" dirty="0" smtClean="0"/>
-          </a:p>
-          <a:p>
-            <a:r>
-              <a:rPr lang="en-US" dirty="0" smtClean="0"/>
+            <a:endParaRPr lang="en-US" dirty="0"/>
+          </a:p>
+          <a:p>
+            <a:r>
+              <a:rPr lang="en-US" dirty="0"/>
               <a:t>Recipe</a:t>
             </a:r>
           </a:p>
@@ -20205,15 +20056,15 @@
               <a:buAutoNum type="arabicPeriod"/>
             </a:pPr>
             <a:r>
-              <a:rPr lang="en-US" dirty="0" smtClean="0"/>
+              <a:rPr lang="en-US" dirty="0"/>
               <a:t>Install vagrant and </a:t>
             </a:r>
             <a:r>
-              <a:rPr lang="en-US" dirty="0" err="1" smtClean="0"/>
+              <a:rPr lang="en-US" dirty="0" err="1"/>
               <a:t>VirtualBox</a:t>
             </a:r>
             <a:r>
-              <a:rPr lang="en-US" dirty="0" smtClean="0"/>
+              <a:rPr lang="en-US" dirty="0"/>
               <a:t> (Linux/Windows/OSX)</a:t>
             </a:r>
           </a:p>
@@ -20223,7 +20074,7 @@
               <a:buAutoNum type="arabicPeriod"/>
             </a:pPr>
             <a:r>
-              <a:rPr lang="en-US" dirty="0" err="1" smtClean="0">
+              <a:rPr lang="en-US" dirty="0" err="1">
                 <a:latin typeface="Courier" charset="0"/>
                 <a:ea typeface="Courier" charset="0"/>
                 <a:cs typeface="Courier" charset="0"/>
@@ -20231,7 +20082,7 @@
               <a:t>mkdir</a:t>
             </a:r>
             <a:r>
-              <a:rPr lang="en-US" dirty="0" smtClean="0">
+              <a:rPr lang="en-US" dirty="0">
                 <a:latin typeface="Courier" charset="0"/>
                 <a:ea typeface="Courier" charset="0"/>
                 <a:cs typeface="Courier" charset="0"/>
@@ -20239,30 +20090,14 @@
               <a:t> </a:t>
             </a:r>
             <a:r>
-              <a:rPr lang="en-US" dirty="0" err="1" smtClean="0">
-                <a:latin typeface="Courier" charset="0"/>
-                <a:ea typeface="Courier" charset="0"/>
-                <a:cs typeface="Courier" charset="0"/>
-              </a:rPr>
-              <a:t>myWorking</a:t>
-            </a:r>
-            <a:r>
               <a:rPr lang="en-US" dirty="0" err="1">
                 <a:latin typeface="Courier" charset="0"/>
                 <a:ea typeface="Courier" charset="0"/>
                 <a:cs typeface="Courier" charset="0"/>
               </a:rPr>
-              <a:t>D</a:t>
-            </a:r>
-            <a:r>
-              <a:rPr lang="en-US" dirty="0" err="1" smtClean="0">
-                <a:latin typeface="Courier" charset="0"/>
-                <a:ea typeface="Courier" charset="0"/>
-                <a:cs typeface="Courier" charset="0"/>
-              </a:rPr>
-              <a:t>ir</a:t>
-            </a:r>
-            <a:endParaRPr lang="en-US" dirty="0" smtClean="0">
+              <a:t>myWorkingDir</a:t>
+            </a:r>
+            <a:endParaRPr lang="en-US" dirty="0">
               <a:latin typeface="Courier" charset="0"/>
               <a:ea typeface="Courier" charset="0"/>
               <a:cs typeface="Courier" charset="0"/>
@@ -20274,7 +20109,7 @@
               <a:buAutoNum type="arabicPeriod"/>
             </a:pPr>
             <a:r>
-              <a:rPr lang="en-US" dirty="0" smtClean="0">
+              <a:rPr lang="en-US" dirty="0">
                 <a:latin typeface="Courier" charset="0"/>
                 <a:ea typeface="Courier" charset="0"/>
                 <a:cs typeface="Courier" charset="0"/>
@@ -20282,7 +20117,7 @@
               <a:t>vagrant </a:t>
             </a:r>
             <a:r>
-              <a:rPr lang="en-US" dirty="0" err="1" smtClean="0">
+              <a:rPr lang="en-US" dirty="0" err="1">
                 <a:latin typeface="Courier" charset="0"/>
                 <a:ea typeface="Courier" charset="0"/>
                 <a:cs typeface="Courier" charset="0"/>
@@ -20290,7 +20125,7 @@
               <a:t>init</a:t>
             </a:r>
             <a:r>
-              <a:rPr lang="en-US" dirty="0" smtClean="0">
+              <a:rPr lang="en-US" dirty="0">
                 <a:latin typeface="Courier" charset="0"/>
                 <a:ea typeface="Courier" charset="0"/>
                 <a:cs typeface="Courier" charset="0"/>
@@ -20298,7 +20133,7 @@
               <a:t> </a:t>
             </a:r>
             <a:r>
-              <a:rPr lang="en-US" dirty="0" err="1" smtClean="0">
+              <a:rPr lang="en-US" dirty="0" err="1">
                 <a:latin typeface="Courier" charset="0"/>
                 <a:ea typeface="Courier" charset="0"/>
                 <a:cs typeface="Courier" charset="0"/>
@@ -20306,7 +20141,7 @@
               <a:t>debian</a:t>
             </a:r>
             <a:r>
-              <a:rPr lang="en-US" dirty="0" smtClean="0">
+              <a:rPr lang="en-US" dirty="0">
                 <a:latin typeface="Courier" charset="0"/>
                 <a:ea typeface="Courier" charset="0"/>
                 <a:cs typeface="Courier" charset="0"/>
@@ -20320,7 +20155,7 @@
               <a:buAutoNum type="arabicPeriod"/>
             </a:pPr>
             <a:r>
-              <a:rPr lang="en-US" dirty="0" smtClean="0">
+              <a:rPr lang="en-US" dirty="0">
                 <a:latin typeface="Courier" charset="0"/>
                 <a:ea typeface="Courier" charset="0"/>
                 <a:cs typeface="Courier" charset="0"/>
@@ -20334,7 +20169,7 @@
               <a:buAutoNum type="arabicPeriod"/>
             </a:pPr>
             <a:r>
-              <a:rPr lang="en-US" dirty="0" smtClean="0">
+              <a:rPr lang="en-US" dirty="0">
                 <a:latin typeface="Courier" charset="0"/>
                 <a:ea typeface="Courier" charset="0"/>
                 <a:cs typeface="Courier" charset="0"/>
@@ -20342,7 +20177,7 @@
               <a:t>vagrant </a:t>
             </a:r>
             <a:r>
-              <a:rPr lang="en-US" dirty="0" err="1" smtClean="0">
+              <a:rPr lang="en-US" dirty="0" err="1">
                 <a:latin typeface="Courier" charset="0"/>
                 <a:ea typeface="Courier" charset="0"/>
                 <a:cs typeface="Courier" charset="0"/>
@@ -20350,18 +20185,13 @@
               <a:t>ssh</a:t>
             </a:r>
             <a:r>
-              <a:rPr lang="en-US" dirty="0" smtClean="0">
+              <a:rPr lang="en-US" dirty="0">
                 <a:latin typeface="Courier" charset="0"/>
                 <a:ea typeface="Courier" charset="0"/>
                 <a:cs typeface="Courier" charset="0"/>
               </a:rPr>
               <a:t> ! </a:t>
             </a:r>
-            <a:endParaRPr lang="en-US" dirty="0">
-              <a:latin typeface="Courier" charset="0"/>
-              <a:ea typeface="Courier" charset="0"/>
-              <a:cs typeface="Courier" charset="0"/>
-            </a:endParaRPr>
           </a:p>
         </p:txBody>
       </p:sp>
@@ -20384,7 +20214,7 @@
               <a:defRPr/>
             </a:pPr>
             <a:r>
-              <a:rPr lang="es-ES" altLang="ko-KR" smtClean="0"/>
+              <a:rPr lang="es-ES" altLang="ko-KR"/>
               <a:t>AOS@UC</a:t>
             </a:r>
             <a:endParaRPr lang="en-US" altLang="ko-KR" dirty="0"/>
@@ -20417,10 +20247,9 @@
               <a:t>3</a:t>
             </a:fld>
             <a:r>
-              <a:rPr lang="en-US" altLang="ko-KR" smtClean="0"/>
+              <a:rPr lang="en-US" altLang="ko-KR"/>
               <a:t> </a:t>
             </a:r>
-            <a:endParaRPr lang="en-US" altLang="ko-KR"/>
           </a:p>
         </p:txBody>
       </p:sp>
@@ -20449,7 +20278,7 @@
               <a:defRPr/>
             </a:pPr>
             <a:r>
-              <a:rPr kumimoji="1" lang="en-US" altLang="ko-KR" smtClean="0"/>
+              <a:rPr kumimoji="1" lang="en-US" altLang="ko-KR"/>
               <a:t>Valentin Puente</a:t>
             </a:r>
             <a:endParaRPr kumimoji="1" lang="ko-KR" altLang="en-US" dirty="0"/>
@@ -20500,10 +20329,9 @@
           <a:lstStyle/>
           <a:p>
             <a:r>
-              <a:rPr lang="en-US" dirty="0" smtClean="0"/>
+              <a:rPr lang="en-US" dirty="0"/>
               <a:t>How to work with vagrant</a:t>
             </a:r>
-            <a:endParaRPr lang="en-US" dirty="0"/>
           </a:p>
         </p:txBody>
       </p:sp>
@@ -20525,13 +20353,13 @@
           <a:lstStyle/>
           <a:p>
             <a:r>
-              <a:rPr lang="en-US" dirty="0" smtClean="0"/>
+              <a:rPr lang="en-US" dirty="0"/>
               <a:t>Boxes != instances</a:t>
             </a:r>
           </a:p>
           <a:p>
             <a:r>
-              <a:rPr lang="en-US" dirty="0" smtClean="0"/>
+              <a:rPr lang="en-US" dirty="0"/>
               <a:t>List boxes</a:t>
             </a:r>
           </a:p>
@@ -20543,27 +20371,19 @@
                 <a:ea typeface="Courier" charset="0"/>
                 <a:cs typeface="Courier" charset="0"/>
               </a:rPr>
-              <a:t>v</a:t>
-            </a:r>
-            <a:r>
-              <a:rPr lang="en-US" dirty="0" smtClean="0">
-                <a:latin typeface="Courier" charset="0"/>
-                <a:ea typeface="Courier" charset="0"/>
-                <a:cs typeface="Courier" charset="0"/>
-              </a:rPr>
-              <a:t>agrant box list</a:t>
-            </a:r>
-          </a:p>
-          <a:p>
-            <a:r>
-              <a:rPr lang="en-US" dirty="0" smtClean="0"/>
+              <a:t>vagrant box list</a:t>
+            </a:r>
+          </a:p>
+          <a:p>
+            <a:r>
+              <a:rPr lang="en-US" dirty="0"/>
               <a:t>Create a new instance (persistent)</a:t>
             </a:r>
           </a:p>
           <a:p>
             <a:pPr lvl="1"/>
             <a:r>
-              <a:rPr lang="en-US" dirty="0" err="1" smtClean="0">
+              <a:rPr lang="en-US" dirty="0" err="1">
                 <a:latin typeface="Courier" charset="0"/>
                 <a:ea typeface="Courier" charset="0"/>
                 <a:cs typeface="Courier" charset="0"/>
@@ -20571,7 +20391,7 @@
               <a:t>mkdir</a:t>
             </a:r>
             <a:r>
-              <a:rPr lang="en-US" dirty="0" smtClean="0">
+              <a:rPr lang="en-US" dirty="0">
                 <a:latin typeface="Courier" charset="0"/>
                 <a:ea typeface="Courier" charset="0"/>
                 <a:cs typeface="Courier" charset="0"/>
@@ -20579,14 +20399,14 @@
               <a:t> directory; cd directory; Vagrant init </a:t>
             </a:r>
             <a:r>
-              <a:rPr lang="en-US" dirty="0" err="1" smtClean="0">
+              <a:rPr lang="en-US" dirty="0" err="1">
                 <a:latin typeface="Courier" charset="0"/>
                 <a:ea typeface="Courier" charset="0"/>
                 <a:cs typeface="Courier" charset="0"/>
               </a:rPr>
               <a:t>some_box</a:t>
             </a:r>
-            <a:endParaRPr lang="en-US" dirty="0" smtClean="0">
+            <a:endParaRPr lang="en-US" dirty="0">
               <a:latin typeface="Courier" charset="0"/>
               <a:ea typeface="Courier" charset="0"/>
               <a:cs typeface="Courier" charset="0"/>
@@ -20594,29 +20414,29 @@
           </a:p>
           <a:p>
             <a:pPr lvl="1"/>
-            <a:endParaRPr lang="en-US" dirty="0" smtClean="0"/>
-          </a:p>
-          <a:p>
-            <a:r>
-              <a:rPr lang="en-US" dirty="0" smtClean="0"/>
+            <a:endParaRPr lang="en-US" dirty="0"/>
+          </a:p>
+          <a:p>
+            <a:r>
+              <a:rPr lang="en-US" dirty="0"/>
               <a:t>File interaction</a:t>
             </a:r>
           </a:p>
           <a:p>
             <a:pPr lvl="1"/>
             <a:r>
-              <a:rPr lang="en-US" dirty="0" smtClean="0"/>
+              <a:rPr lang="en-US" dirty="0"/>
               <a:t>Use the shared dir and work in the host</a:t>
             </a:r>
           </a:p>
           <a:p>
             <a:pPr lvl="2"/>
             <a:r>
-              <a:rPr lang="en-US" dirty="0" smtClean="0"/>
+              <a:rPr lang="en-US" dirty="0"/>
               <a:t>/</a:t>
             </a:r>
             <a:r>
-              <a:rPr lang="en-US" dirty="0" smtClean="0">
+              <a:rPr lang="en-US" dirty="0">
                 <a:latin typeface="Courier" charset="0"/>
                 <a:ea typeface="Courier" charset="0"/>
                 <a:cs typeface="Courier" charset="0"/>
@@ -20624,90 +20444,90 @@
               <a:t>vagrant</a:t>
             </a:r>
             <a:r>
-              <a:rPr lang="en-US" dirty="0" smtClean="0"/>
+              <a:rPr lang="en-US" dirty="0"/>
               <a:t> directory is working directory in host</a:t>
             </a:r>
           </a:p>
           <a:p>
             <a:pPr lvl="2"/>
             <a:r>
-              <a:rPr lang="en-US" dirty="0" smtClean="0"/>
+              <a:rPr lang="en-US" dirty="0"/>
               <a:t>Requires </a:t>
             </a:r>
             <a:r>
-              <a:rPr lang="en-US" dirty="0" err="1" smtClean="0"/>
+              <a:rPr lang="en-US" dirty="0" err="1"/>
               <a:t>VirtualBox</a:t>
             </a:r>
             <a:r>
-              <a:rPr lang="en-US" dirty="0" smtClean="0"/>
+              <a:rPr lang="en-US" dirty="0"/>
               <a:t> </a:t>
             </a:r>
             <a:r>
-              <a:rPr lang="en-US" dirty="0" err="1" smtClean="0"/>
+              <a:rPr lang="en-US" dirty="0" err="1"/>
               <a:t>utils</a:t>
             </a:r>
             <a:r>
-              <a:rPr lang="en-US" dirty="0" smtClean="0"/>
+              <a:rPr lang="en-US" dirty="0"/>
               <a:t> installed in the VM (version number should match)</a:t>
             </a:r>
           </a:p>
           <a:p>
             <a:pPr lvl="2"/>
             <a:r>
-              <a:rPr lang="en-US" dirty="0" smtClean="0"/>
+              <a:rPr lang="en-US" dirty="0"/>
               <a:t>Beware clock-skew between VM and host (might affect make/</a:t>
             </a:r>
             <a:r>
-              <a:rPr lang="en-US" dirty="0" err="1" smtClean="0"/>
+              <a:rPr lang="en-US" dirty="0" err="1"/>
               <a:t>git</a:t>
             </a:r>
             <a:r>
-              <a:rPr lang="en-US" dirty="0" smtClean="0"/>
+              <a:rPr lang="en-US" dirty="0"/>
               <a:t>)</a:t>
             </a:r>
           </a:p>
           <a:p>
             <a:pPr lvl="1"/>
             <a:r>
-              <a:rPr lang="en-US" dirty="0" smtClean="0"/>
+              <a:rPr lang="en-US" dirty="0"/>
               <a:t>Use x11 forwarding (required a X11 server)</a:t>
             </a:r>
           </a:p>
           <a:p>
             <a:pPr lvl="1"/>
             <a:r>
-              <a:rPr lang="en-US" dirty="0" smtClean="0"/>
+              <a:rPr lang="en-US" dirty="0"/>
               <a:t>Use </a:t>
             </a:r>
             <a:r>
-              <a:rPr lang="en-US" dirty="0" err="1" smtClean="0"/>
+              <a:rPr lang="en-US" dirty="0" err="1"/>
               <a:t>rdp</a:t>
             </a:r>
             <a:r>
-              <a:rPr lang="en-US" dirty="0" smtClean="0"/>
+              <a:rPr lang="en-US" dirty="0"/>
               <a:t> (requires Windows host and a </a:t>
             </a:r>
             <a:r>
-              <a:rPr lang="en-US" dirty="0" err="1" smtClean="0"/>
+              <a:rPr lang="en-US" dirty="0" err="1"/>
               <a:t>rDesktop</a:t>
             </a:r>
             <a:r>
-              <a:rPr lang="en-US" dirty="0" smtClean="0"/>
+              <a:rPr lang="en-US" dirty="0"/>
               <a:t>/VNC client)</a:t>
             </a:r>
           </a:p>
           <a:p>
             <a:pPr lvl="1"/>
             <a:r>
-              <a:rPr lang="en-US" dirty="0" smtClean="0"/>
+              <a:rPr lang="en-US" dirty="0"/>
               <a:t>Use </a:t>
             </a:r>
             <a:r>
-              <a:rPr lang="en-US" dirty="0" err="1" smtClean="0"/>
+              <a:rPr lang="en-US" dirty="0" err="1"/>
               <a:t>VirtualBox</a:t>
             </a:r>
             <a:r>
-              <a:rPr lang="en-US" dirty="0" smtClean="0"/>
+              <a:rPr lang="en-US" dirty="0"/>
               <a:t> interface</a:t>
             </a:r>
           </a:p>
@@ -20736,7 +20556,7 @@
               <a:defRPr/>
             </a:pPr>
             <a:r>
-              <a:rPr lang="es-ES" altLang="ko-KR" smtClean="0"/>
+              <a:rPr lang="es-ES" altLang="ko-KR"/>
               <a:t>AOS@UC</a:t>
             </a:r>
             <a:endParaRPr lang="en-US" altLang="ko-KR" dirty="0"/>
@@ -20769,10 +20589,9 @@
               <a:t>4</a:t>
             </a:fld>
             <a:r>
-              <a:rPr lang="en-US" altLang="ko-KR" smtClean="0"/>
+              <a:rPr lang="en-US" altLang="ko-KR"/>
               <a:t> </a:t>
             </a:r>
-            <a:endParaRPr lang="en-US" altLang="ko-KR"/>
           </a:p>
         </p:txBody>
       </p:sp>
@@ -20801,7 +20620,7 @@
               <a:defRPr/>
             </a:pPr>
             <a:r>
-              <a:rPr kumimoji="1" lang="en-US" altLang="ko-KR" smtClean="0"/>
+              <a:rPr kumimoji="1" lang="en-US" altLang="ko-KR"/>
               <a:t>Valentin Puente</a:t>
             </a:r>
             <a:endParaRPr kumimoji="1" lang="ko-KR" altLang="en-US" dirty="0"/>
@@ -20852,10 +20671,9 @@
           <a:lstStyle/>
           <a:p>
             <a:r>
-              <a:rPr lang="en-US" dirty="0" smtClean="0"/>
+              <a:rPr lang="en-US" dirty="0"/>
               <a:t>Other useful commands</a:t>
             </a:r>
-            <a:endParaRPr lang="en-US" dirty="0"/>
           </a:p>
         </p:txBody>
       </p:sp>
@@ -20877,14 +20695,14 @@
           <a:lstStyle/>
           <a:p>
             <a:r>
-              <a:rPr lang="en-US" dirty="0" smtClean="0"/>
+              <a:rPr lang="en-US" dirty="0"/>
               <a:t>To handle instances</a:t>
             </a:r>
           </a:p>
           <a:p>
             <a:pPr lvl="1"/>
             <a:r>
-              <a:rPr lang="en-US" dirty="0" smtClean="0"/>
+              <a:rPr lang="en-US" dirty="0"/>
               <a:t>To inspect the system status</a:t>
             </a:r>
           </a:p>
@@ -20896,30 +20714,17 @@
                 <a:ea typeface="Courier" charset="0"/>
                 <a:cs typeface="Courier" charset="0"/>
               </a:rPr>
-              <a:t>v</a:t>
-            </a:r>
-            <a:r>
-              <a:rPr lang="en-US" dirty="0" smtClean="0">
-                <a:latin typeface="Courier" charset="0"/>
-                <a:ea typeface="Courier" charset="0"/>
-                <a:cs typeface="Courier" charset="0"/>
-              </a:rPr>
-              <a:t>agrant global-status</a:t>
-            </a:r>
-            <a:endParaRPr lang="en-US" dirty="0">
-              <a:latin typeface="Courier" charset="0"/>
-              <a:ea typeface="Courier" charset="0"/>
-              <a:cs typeface="Courier" charset="0"/>
-            </a:endParaRPr>
+              <a:t>vagrant global-status</a:t>
+            </a:r>
           </a:p>
           <a:p>
             <a:pPr lvl="1"/>
             <a:r>
-              <a:rPr lang="en-US" dirty="0" smtClean="0"/>
+              <a:rPr lang="en-US" dirty="0"/>
               <a:t>To delete instances use “</a:t>
             </a:r>
             <a:r>
-              <a:rPr lang="en-US" dirty="0" smtClean="0">
+              <a:rPr lang="en-US" dirty="0">
                 <a:latin typeface="Courier" charset="0"/>
                 <a:ea typeface="Courier" charset="0"/>
                 <a:cs typeface="Courier" charset="0"/>
@@ -20927,15 +20732,15 @@
               <a:t>vagrant destroy</a:t>
             </a:r>
             <a:r>
-              <a:rPr lang="en-US" dirty="0" smtClean="0"/>
+              <a:rPr lang="en-US" dirty="0"/>
               <a:t>” (never delete a VM from </a:t>
             </a:r>
             <a:r>
-              <a:rPr lang="en-US" dirty="0" err="1" smtClean="0"/>
+              <a:rPr lang="en-US" dirty="0" err="1"/>
               <a:t>virtualBox</a:t>
             </a:r>
             <a:r>
-              <a:rPr lang="en-US" dirty="0" smtClean="0"/>
+              <a:rPr lang="en-US" dirty="0"/>
               <a:t> interface!)</a:t>
             </a:r>
           </a:p>
@@ -20945,14 +20750,14 @@
           </a:p>
           <a:p>
             <a:r>
-              <a:rPr lang="en-US" dirty="0" smtClean="0"/>
+              <a:rPr lang="en-US" dirty="0"/>
               <a:t>To handle boxes</a:t>
             </a:r>
           </a:p>
           <a:p>
             <a:pPr lvl="1"/>
             <a:r>
-              <a:rPr lang="en-US" dirty="0" smtClean="0">
+              <a:rPr lang="en-US" dirty="0">
                 <a:latin typeface="Courier" charset="0"/>
                 <a:ea typeface="Courier" charset="0"/>
                 <a:cs typeface="Courier" charset="0"/>
@@ -20960,7 +20765,7 @@
               <a:t>vagrant box list  </a:t>
             </a:r>
             <a:r>
-              <a:rPr lang="en-US" dirty="0" smtClean="0"/>
+              <a:rPr lang="en-US" dirty="0"/>
               <a:t>-- List versions installed, that might me updated in remote server</a:t>
             </a:r>
           </a:p>
@@ -20972,34 +20777,26 @@
                 <a:ea typeface="Courier" charset="0"/>
                 <a:cs typeface="Courier" charset="0"/>
               </a:rPr>
-              <a:t>v</a:t>
-            </a:r>
-            <a:r>
-              <a:rPr lang="en-US" dirty="0" smtClean="0">
-                <a:latin typeface="Courier" charset="0"/>
-                <a:ea typeface="Courier" charset="0"/>
-                <a:cs typeface="Courier" charset="0"/>
-              </a:rPr>
-              <a:t>agrant box update </a:t>
-            </a:r>
-            <a:r>
-              <a:rPr lang="en-US" dirty="0" smtClean="0"/>
+              <a:t>vagrant box update </a:t>
+            </a:r>
+            <a:r>
+              <a:rPr lang="en-US" dirty="0"/>
               <a:t>-- To download updated versions of the box (</a:t>
             </a:r>
             <a:r>
-              <a:rPr lang="en-US" dirty="0" err="1" smtClean="0"/>
+              <a:rPr lang="en-US" dirty="0" err="1"/>
               <a:t>v.gr</a:t>
             </a:r>
             <a:r>
-              <a:rPr lang="en-US" dirty="0" smtClean="0"/>
+              <a:rPr lang="en-US" dirty="0"/>
               <a:t>. if the box is upgraded on </a:t>
             </a:r>
             <a:r>
-              <a:rPr lang="en-US" dirty="0" err="1" smtClean="0"/>
+              <a:rPr lang="en-US" dirty="0" err="1"/>
               <a:t>atlas.hashicorp.com</a:t>
             </a:r>
             <a:r>
-              <a:rPr lang="en-US" dirty="0" smtClean="0"/>
+              <a:rPr lang="en-US" dirty="0"/>
               <a:t>)</a:t>
             </a:r>
           </a:p>
@@ -21014,7 +20811,7 @@
               <a:t>vagrant box remove </a:t>
             </a:r>
             <a:r>
-              <a:rPr lang="en-US" dirty="0" err="1" smtClean="0">
+              <a:rPr lang="en-US" dirty="0" err="1">
                 <a:latin typeface="Courier" charset="0"/>
                 <a:ea typeface="Courier" charset="0"/>
                 <a:cs typeface="Courier" charset="0"/>
@@ -21022,7 +20819,7 @@
               <a:t>vpuente</a:t>
             </a:r>
             <a:r>
-              <a:rPr lang="en-US" smtClean="0">
+              <a:rPr lang="en-US">
                 <a:latin typeface="Courier" charset="0"/>
                 <a:ea typeface="Courier" charset="0"/>
                 <a:cs typeface="Courier" charset="0"/>
@@ -21035,14 +20832,10 @@
             </a:r>
             <a:r>
               <a:rPr lang="en-US"/>
-              <a:t>box-version </a:t>
-            </a:r>
-            <a:r>
-              <a:rPr lang="en-US" smtClean="0"/>
-              <a:t>1.22 </a:t>
-            </a:r>
-            <a:r>
-              <a:rPr lang="en-US" dirty="0" smtClean="0"/>
+              <a:t>box-version 1.22 </a:t>
+            </a:r>
+            <a:r>
+              <a:rPr lang="en-US" dirty="0"/>
               <a:t>-- cleans old version for that box</a:t>
             </a:r>
           </a:p>
@@ -21073,7 +20866,7 @@
               <a:defRPr/>
             </a:pPr>
             <a:r>
-              <a:rPr lang="es-ES" altLang="ko-KR" smtClean="0"/>
+              <a:rPr lang="es-ES" altLang="ko-KR"/>
               <a:t>AOS@UC</a:t>
             </a:r>
             <a:endParaRPr lang="en-US" altLang="ko-KR" dirty="0"/>
@@ -21106,10 +20899,9 @@
               <a:t>5</a:t>
             </a:fld>
             <a:r>
-              <a:rPr lang="en-US" altLang="ko-KR" smtClean="0"/>
+              <a:rPr lang="en-US" altLang="ko-KR"/>
               <a:t> </a:t>
             </a:r>
-            <a:endParaRPr lang="en-US" altLang="ko-KR"/>
           </a:p>
         </p:txBody>
       </p:sp>
@@ -21138,7 +20930,7 @@
               <a:defRPr/>
             </a:pPr>
             <a:r>
-              <a:rPr kumimoji="1" lang="en-US" altLang="ko-KR" smtClean="0"/>
+              <a:rPr kumimoji="1" lang="en-US" altLang="ko-KR"/>
               <a:t>Valentin Puente</a:t>
             </a:r>
             <a:endParaRPr kumimoji="1" lang="ko-KR" altLang="en-US" dirty="0"/>
@@ -21194,22 +20986,17 @@
           <a:lstStyle/>
           <a:p>
             <a:r>
-              <a:rPr lang="en-US" dirty="0" smtClean="0"/>
+              <a:rPr lang="en-US" dirty="0"/>
               <a:t>AOS Vagrant Box: </a:t>
             </a:r>
             <a:r>
-              <a:rPr lang="en-US" dirty="0" err="1" smtClean="0"/>
+              <a:rPr lang="en-US" dirty="0" err="1"/>
               <a:t>vpuente</a:t>
             </a:r>
             <a:r>
-              <a:rPr lang="en-US" dirty="0" smtClean="0"/>
-              <a:t>/AOSUC  (</a:t>
-            </a:r>
-            <a:r>
-              <a:rPr lang="en-US" dirty="0" smtClean="0"/>
-              <a:t>Demo)</a:t>
-            </a:r>
-            <a:endParaRPr lang="en-US" dirty="0"/>
+              <a:rPr lang="en-US" dirty="0"/>
+              <a:t>/AOSUC  (Demo)</a:t>
+            </a:r>
           </a:p>
         </p:txBody>
       </p:sp>
@@ -21232,7 +21019,7 @@
               <a:defRPr/>
             </a:pPr>
             <a:r>
-              <a:rPr lang="es-ES" altLang="ko-KR" smtClean="0"/>
+              <a:rPr lang="es-ES" altLang="ko-KR"/>
               <a:t>AOS@UC</a:t>
             </a:r>
             <a:endParaRPr lang="en-US" altLang="ko-KR" dirty="0"/>
@@ -21265,10 +21052,9 @@
               <a:t>6</a:t>
             </a:fld>
             <a:r>
-              <a:rPr lang="en-US" altLang="ko-KR" smtClean="0"/>
+              <a:rPr lang="en-US" altLang="ko-KR"/>
               <a:t> </a:t>
             </a:r>
-            <a:endParaRPr lang="en-US" altLang="ko-KR"/>
           </a:p>
         </p:txBody>
       </p:sp>
@@ -21297,7 +21083,7 @@
               <a:defRPr/>
             </a:pPr>
             <a:r>
-              <a:rPr kumimoji="1" lang="en-US" altLang="ko-KR" smtClean="0"/>
+              <a:rPr kumimoji="1" lang="en-US" altLang="ko-KR"/>
               <a:t>Valentin Puente</a:t>
             </a:r>
             <a:endParaRPr kumimoji="1" lang="ko-KR" altLang="en-US" dirty="0"/>
@@ -21382,10 +21168,9 @@
           <a:lstStyle/>
           <a:p>
             <a:r>
-              <a:rPr lang="en-US" dirty="0" smtClean="0"/>
+              <a:rPr lang="en-US" dirty="0"/>
               <a:t>Advantages</a:t>
             </a:r>
-            <a:endParaRPr lang="en-US" dirty="0"/>
           </a:p>
         </p:txBody>
       </p:sp>
@@ -21407,154 +21192,154 @@
           <a:lstStyle/>
           <a:p>
             <a:r>
-              <a:rPr lang="en-US" dirty="0" smtClean="0"/>
+              <a:rPr lang="en-US" dirty="0"/>
               <a:t>Allow to provision the Environment without tinkering with the files</a:t>
             </a:r>
           </a:p>
           <a:p>
             <a:pPr lvl="1"/>
             <a:r>
-              <a:rPr lang="en-US" dirty="0" smtClean="0"/>
+              <a:rPr lang="en-US" dirty="0"/>
               <a:t>Download the box “once”! (not each time you install it)</a:t>
             </a:r>
           </a:p>
           <a:p>
             <a:pPr lvl="1"/>
             <a:r>
-              <a:rPr lang="en-US" dirty="0" smtClean="0"/>
+              <a:rPr lang="en-US" dirty="0"/>
               <a:t>Use it many times in many different contexts (v.gr. a particular lab or section)</a:t>
             </a:r>
           </a:p>
           <a:p>
             <a:pPr lvl="2"/>
             <a:r>
-              <a:rPr lang="en-US" dirty="0" smtClean="0"/>
+              <a:rPr lang="en-US" dirty="0"/>
               <a:t>Share the changes (labs, exams, </a:t>
             </a:r>
             <a:r>
-              <a:rPr lang="en-US" dirty="0" err="1" smtClean="0"/>
+              <a:rPr lang="en-US" dirty="0" err="1"/>
               <a:t>etc</a:t>
             </a:r>
             <a:r>
-              <a:rPr lang="is-IS" dirty="0" smtClean="0"/>
+              <a:rPr lang="is-IS" dirty="0"/>
               <a:t>…</a:t>
             </a:r>
             <a:r>
-              <a:rPr lang="en-US" dirty="0" smtClean="0"/>
+              <a:rPr lang="en-US" dirty="0"/>
               <a:t>)</a:t>
             </a:r>
           </a:p>
           <a:p>
             <a:pPr lvl="1"/>
-            <a:endParaRPr lang="en-US" dirty="0" smtClean="0"/>
-          </a:p>
-          <a:p>
-            <a:r>
-              <a:rPr lang="en-US" dirty="0" smtClean="0"/>
+            <a:endParaRPr lang="en-US" dirty="0"/>
+          </a:p>
+          <a:p>
+            <a:r>
+              <a:rPr lang="en-US" dirty="0"/>
               <a:t>Allows to run the box to any provider (beyond </a:t>
             </a:r>
             <a:r>
-              <a:rPr lang="en-US" dirty="0" err="1" smtClean="0"/>
+              <a:rPr lang="en-US" dirty="0" err="1"/>
               <a:t>VirtualBox</a:t>
             </a:r>
             <a:r>
-              <a:rPr lang="en-US" dirty="0" smtClean="0"/>
+              <a:rPr lang="en-US" dirty="0"/>
               <a:t>)</a:t>
             </a:r>
           </a:p>
           <a:p>
             <a:pPr lvl="1"/>
             <a:r>
-              <a:rPr lang="en-US" dirty="0" smtClean="0"/>
+              <a:rPr lang="en-US" dirty="0"/>
               <a:t>Local or external (i.e. Cloud provider such as AWS, GCE, Azure, etc…)</a:t>
             </a:r>
           </a:p>
           <a:p>
             <a:pPr lvl="1"/>
             <a:r>
-              <a:rPr lang="en-US" dirty="0" smtClean="0"/>
+              <a:rPr lang="en-US" dirty="0"/>
               <a:t>A higher level of automation are Chef and Puppet (automated delivery and provisioning)</a:t>
             </a:r>
           </a:p>
           <a:p>
             <a:pPr lvl="1"/>
             <a:r>
-              <a:rPr lang="en-US" dirty="0" smtClean="0"/>
+              <a:rPr lang="en-US" dirty="0"/>
               <a:t>Plays nice with Docker, CI systems (</a:t>
             </a:r>
             <a:r>
-              <a:rPr lang="en-US" dirty="0" err="1" smtClean="0"/>
+              <a:rPr lang="en-US" dirty="0" err="1"/>
               <a:t>github</a:t>
             </a:r>
             <a:r>
-              <a:rPr lang="en-US" dirty="0" smtClean="0"/>
+              <a:rPr lang="en-US" dirty="0"/>
               <a:t>, </a:t>
             </a:r>
             <a:r>
-              <a:rPr lang="en-US" dirty="0" err="1" smtClean="0"/>
+              <a:rPr lang="en-US" dirty="0" err="1"/>
               <a:t>gitlab</a:t>
             </a:r>
             <a:r>
-              <a:rPr lang="en-US" dirty="0" smtClean="0"/>
+              <a:rPr lang="en-US" dirty="0"/>
               <a:t>), </a:t>
             </a:r>
             <a:r>
-              <a:rPr lang="is-IS" dirty="0" smtClean="0"/>
+              <a:rPr lang="is-IS" dirty="0"/>
               <a:t>…</a:t>
             </a:r>
-            <a:endParaRPr lang="en-US" dirty="0" smtClean="0"/>
+            <a:endParaRPr lang="en-US" dirty="0"/>
           </a:p>
           <a:p>
             <a:pPr lvl="1"/>
-            <a:endParaRPr lang="en-US" dirty="0" smtClean="0"/>
-          </a:p>
-          <a:p>
-            <a:r>
-              <a:rPr lang="en-US" dirty="0" smtClean="0"/>
+            <a:endParaRPr lang="en-US" dirty="0"/>
+          </a:p>
+          <a:p>
+            <a:r>
+              <a:rPr lang="en-US" dirty="0"/>
               <a:t>Only used as a tool!</a:t>
             </a:r>
           </a:p>
           <a:p>
             <a:pPr lvl="1"/>
             <a:r>
-              <a:rPr lang="en-US" dirty="0" smtClean="0"/>
+              <a:rPr lang="en-US" dirty="0"/>
               <a:t>Interesting in learning more?: </a:t>
             </a:r>
             <a:r>
-              <a:rPr lang="en-US" dirty="0" err="1" smtClean="0"/>
+              <a:rPr lang="en-US" dirty="0" err="1"/>
               <a:t>Sistemas</a:t>
             </a:r>
             <a:r>
-              <a:rPr lang="en-US" dirty="0" smtClean="0"/>
+              <a:rPr lang="en-US" dirty="0"/>
               <a:t> </a:t>
             </a:r>
             <a:r>
-              <a:rPr lang="en-US" dirty="0" err="1" smtClean="0"/>
+              <a:rPr lang="en-US" dirty="0" err="1"/>
               <a:t>Virtualización</a:t>
             </a:r>
             <a:r>
-              <a:rPr lang="en-US" dirty="0" smtClean="0"/>
+              <a:rPr lang="en-US" dirty="0"/>
               <a:t> y </a:t>
             </a:r>
             <a:r>
-              <a:rPr lang="en-US" dirty="0" err="1" smtClean="0"/>
+              <a:rPr lang="en-US" dirty="0" err="1"/>
               <a:t>Seguridad</a:t>
             </a:r>
-            <a:endParaRPr lang="en-US" dirty="0" smtClean="0"/>
-          </a:p>
-          <a:p>
-            <a:endParaRPr lang="en-US" dirty="0" smtClean="0"/>
+            <a:endParaRPr lang="en-US" dirty="0"/>
+          </a:p>
+          <a:p>
+            <a:endParaRPr lang="en-US" dirty="0"/>
           </a:p>
           <a:p>
             <a:pPr lvl="1"/>
-            <a:endParaRPr lang="en-US" dirty="0" smtClean="0"/>
-          </a:p>
-          <a:p>
-            <a:endParaRPr lang="en-US" dirty="0" smtClean="0"/>
+            <a:endParaRPr lang="en-US" dirty="0"/>
+          </a:p>
+          <a:p>
+            <a:endParaRPr lang="en-US" dirty="0"/>
           </a:p>
           <a:p>
             <a:pPr lvl="1"/>
-            <a:endParaRPr lang="en-US" dirty="0" smtClean="0"/>
+            <a:endParaRPr lang="en-US" dirty="0"/>
           </a:p>
           <a:p>
             <a:endParaRPr lang="en-US" dirty="0"/>
@@ -21580,7 +21365,7 @@
               <a:defRPr/>
             </a:pPr>
             <a:r>
-              <a:rPr lang="es-ES" altLang="ko-KR" smtClean="0"/>
+              <a:rPr lang="es-ES" altLang="ko-KR"/>
               <a:t>AOS@UC</a:t>
             </a:r>
             <a:endParaRPr lang="en-US" altLang="ko-KR" dirty="0"/>
@@ -21613,10 +21398,9 @@
               <a:t>7</a:t>
             </a:fld>
             <a:r>
-              <a:rPr lang="en-US" altLang="ko-KR" smtClean="0"/>
+              <a:rPr lang="en-US" altLang="ko-KR"/>
               <a:t> </a:t>
             </a:r>
-            <a:endParaRPr lang="en-US" altLang="ko-KR"/>
           </a:p>
         </p:txBody>
       </p:sp>
@@ -21645,7 +21429,7 @@
               <a:defRPr/>
             </a:pPr>
             <a:r>
-              <a:rPr kumimoji="1" lang="en-US" altLang="ko-KR" smtClean="0"/>
+              <a:rPr kumimoji="1" lang="en-US" altLang="ko-KR"/>
               <a:t>Valentin Puente</a:t>
             </a:r>
             <a:endParaRPr kumimoji="1" lang="ko-KR" altLang="en-US" dirty="0"/>
@@ -21696,10 +21480,9 @@
           <a:lstStyle/>
           <a:p>
             <a:r>
-              <a:rPr lang="en-US" dirty="0" smtClean="0"/>
+              <a:rPr lang="en-US" dirty="0"/>
               <a:t>There are other options?</a:t>
             </a:r>
-            <a:endParaRPr lang="en-US" dirty="0"/>
           </a:p>
         </p:txBody>
       </p:sp>
@@ -21719,21 +21502,21 @@
           <a:lstStyle/>
           <a:p>
             <a:r>
-              <a:rPr lang="en-US" dirty="0" smtClean="0"/>
+              <a:rPr lang="en-US" dirty="0"/>
               <a:t>It’s possible to do the lab natively in:</a:t>
             </a:r>
           </a:p>
           <a:p>
             <a:pPr lvl="1"/>
             <a:r>
-              <a:rPr lang="en-US" dirty="0" smtClean="0"/>
+              <a:rPr lang="en-US" dirty="0"/>
               <a:t>Linux (ugh)</a:t>
             </a:r>
           </a:p>
           <a:p>
             <a:pPr lvl="1"/>
             <a:r>
-              <a:rPr lang="en-US" dirty="0" smtClean="0"/>
+              <a:rPr lang="en-US" dirty="0"/>
               <a:t>Windows 10 </a:t>
             </a:r>
           </a:p>
@@ -21741,56 +21524,39 @@
             <a:pPr lvl="2"/>
             <a:r>
               <a:rPr lang="en-US" dirty="0"/>
-              <a:t>U</a:t>
-            </a:r>
-            <a:r>
-              <a:rPr lang="en-US" dirty="0" smtClean="0"/>
-              <a:t>sing </a:t>
-            </a:r>
-            <a:r>
-              <a:rPr lang="en-US" dirty="0" err="1" smtClean="0"/>
+              <a:t>Using </a:t>
+            </a:r>
+            <a:r>
+              <a:rPr lang="en-US" dirty="0" err="1"/>
               <a:t>linux</a:t>
             </a:r>
             <a:r>
               <a:rPr lang="en-US" dirty="0"/>
               <a:t> subsystem </a:t>
             </a:r>
-            <a:endParaRPr lang="en-US" dirty="0" smtClean="0"/>
           </a:p>
           <a:p>
             <a:pPr lvl="2"/>
-            <a:r>
-              <a:rPr lang="en-US" dirty="0" smtClean="0">
-                <a:hlinkClick r:id="rId2"/>
-              </a:rPr>
-              <a:t>https</a:t>
-            </a:r>
             <a:r>
               <a:rPr lang="en-US" dirty="0">
                 <a:hlinkClick r:id="rId2"/>
               </a:rPr>
-              <a:t>://</a:t>
-            </a:r>
-            <a:r>
-              <a:rPr lang="en-US" dirty="0" smtClean="0">
-                <a:hlinkClick r:id="rId2"/>
-              </a:rPr>
-              <a:t>msdn.microsoft.com/es-es/commandline/wsl/install_guide</a:t>
-            </a:r>
-            <a:endParaRPr lang="en-US" dirty="0" smtClean="0"/>
+              <a:t>https://msdn.microsoft.com/es-es/commandline/wsl/install_guide</a:t>
+            </a:r>
+            <a:endParaRPr lang="en-US" dirty="0"/>
           </a:p>
           <a:p>
             <a:pPr lvl="1"/>
             <a:r>
-              <a:rPr lang="en-US" dirty="0" err="1" smtClean="0"/>
+              <a:rPr lang="en-US" dirty="0" err="1"/>
               <a:t>osX</a:t>
             </a:r>
-            <a:endParaRPr lang="en-US" dirty="0" smtClean="0"/>
+            <a:endParaRPr lang="en-US" dirty="0"/>
           </a:p>
           <a:p>
             <a:pPr lvl="2"/>
             <a:r>
-              <a:rPr lang="en-US" dirty="0" smtClean="0"/>
+              <a:rPr lang="en-US" dirty="0"/>
               <a:t>Using port or brew</a:t>
             </a:r>
           </a:p>
@@ -21800,15 +21566,9 @@
               <a:rPr lang="en-US" dirty="0">
                 <a:hlinkClick r:id="rId3"/>
               </a:rPr>
-              <a:t>https://</a:t>
-            </a:r>
-            <a:r>
-              <a:rPr lang="en-US" dirty="0" smtClean="0">
-                <a:hlinkClick r:id="rId3"/>
-              </a:rPr>
-              <a:t>stackoverflow.com/questions/39052271/compile-xv6-on-mac</a:t>
-            </a:r>
-            <a:endParaRPr lang="en-US" dirty="0" smtClean="0"/>
+              <a:t>https://stackoverflow.com/questions/39052271/compile-xv6-on-mac</a:t>
+            </a:r>
+            <a:endParaRPr lang="en-US" dirty="0"/>
           </a:p>
           <a:p>
             <a:pPr lvl="1"/>
@@ -21816,22 +21576,22 @@
           </a:p>
           <a:p>
             <a:r>
-              <a:rPr lang="en-US" dirty="0" smtClean="0"/>
+              <a:rPr lang="en-US" dirty="0"/>
               <a:t>My advice?</a:t>
             </a:r>
           </a:p>
           <a:p>
             <a:pPr lvl="1"/>
             <a:r>
-              <a:rPr lang="en-US" dirty="0" smtClean="0"/>
+              <a:rPr lang="en-US" dirty="0"/>
               <a:t>Pick your choice</a:t>
             </a:r>
             <a:r>
-              <a:rPr lang="mr-IN" dirty="0" smtClean="0"/>
+              <a:rPr lang="mr-IN" dirty="0"/>
               <a:t>…</a:t>
             </a:r>
             <a:r>
-              <a:rPr lang="es-ES" dirty="0" smtClean="0"/>
+              <a:rPr lang="es-ES" dirty="0"/>
               <a:t> </a:t>
             </a:r>
             <a:endParaRPr lang="en-US" dirty="0"/>
@@ -21857,7 +21617,7 @@
               <a:defRPr/>
             </a:pPr>
             <a:r>
-              <a:rPr lang="es-ES" altLang="ko-KR" smtClean="0"/>
+              <a:rPr lang="es-ES" altLang="ko-KR"/>
               <a:t>AOS@UC</a:t>
             </a:r>
             <a:endParaRPr lang="en-US" altLang="ko-KR" dirty="0"/>
@@ -21890,10 +21650,9 @@
               <a:t>8</a:t>
             </a:fld>
             <a:r>
-              <a:rPr lang="en-US" altLang="ko-KR" smtClean="0"/>
+              <a:rPr lang="en-US" altLang="ko-KR"/>
               <a:t> </a:t>
             </a:r>
-            <a:endParaRPr lang="en-US" altLang="ko-KR"/>
           </a:p>
         </p:txBody>
       </p:sp>
@@ -21922,7 +21681,7 @@
               <a:defRPr/>
             </a:pPr>
             <a:r>
-              <a:rPr kumimoji="1" lang="en-US" altLang="ko-KR" smtClean="0"/>
+              <a:rPr kumimoji="1" lang="en-US" altLang="ko-KR"/>
               <a:t>Valentin Puente</a:t>
             </a:r>
             <a:endParaRPr kumimoji="1" lang="ko-KR" altLang="en-US" dirty="0"/>
@@ -21978,10 +21737,9 @@
           <a:lstStyle/>
           <a:p>
             <a:r>
-              <a:rPr lang="en-US" dirty="0" smtClean="0"/>
+              <a:rPr lang="en-US" dirty="0"/>
               <a:t>Others</a:t>
             </a:r>
-            <a:endParaRPr lang="en-US" dirty="0"/>
           </a:p>
         </p:txBody>
       </p:sp>
@@ -22001,18 +21759,18 @@
           <a:lstStyle/>
           <a:p>
             <a:r>
-              <a:rPr lang="en-US" dirty="0" smtClean="0"/>
+              <a:rPr lang="en-US" dirty="0"/>
               <a:t>Code editor</a:t>
             </a:r>
           </a:p>
           <a:p>
             <a:pPr lvl="1"/>
             <a:r>
-              <a:rPr lang="en-US" dirty="0" smtClean="0"/>
+              <a:rPr lang="en-US" dirty="0"/>
               <a:t>Vim </a:t>
             </a:r>
             <a:r>
-              <a:rPr lang="en-US" dirty="0" smtClean="0">
+              <a:rPr lang="en-US" dirty="0">
                 <a:sym typeface="Wingdings"/>
               </a:rPr>
               <a:t></a:t>
@@ -22021,7 +21779,7 @@
           <a:p>
             <a:pPr lvl="1"/>
             <a:r>
-              <a:rPr lang="en-US" b="1" dirty="0" smtClean="0">
+              <a:rPr lang="en-US" b="1" dirty="0">
                 <a:solidFill>
                   <a:srgbClr val="FF0000"/>
                 </a:solidFill>
@@ -22032,25 +21790,25 @@
           <a:p>
             <a:pPr lvl="1"/>
             <a:r>
-              <a:rPr lang="en-US" dirty="0" err="1" smtClean="0"/>
+              <a:rPr lang="en-US" dirty="0" err="1"/>
               <a:t>SublimeText</a:t>
             </a:r>
-            <a:endParaRPr lang="en-US" dirty="0" smtClean="0"/>
+            <a:endParaRPr lang="en-US" dirty="0"/>
           </a:p>
           <a:p>
             <a:pPr lvl="1"/>
             <a:r>
-              <a:rPr lang="en-US" dirty="0" smtClean="0"/>
+              <a:rPr lang="en-US" dirty="0"/>
               <a:t>Atom</a:t>
             </a:r>
           </a:p>
           <a:p>
             <a:pPr lvl="1"/>
             <a:r>
-              <a:rPr lang="mr-IN" dirty="0" smtClean="0"/>
+              <a:rPr lang="mr-IN" dirty="0"/>
               <a:t>…</a:t>
             </a:r>
-            <a:endParaRPr lang="es-ES" dirty="0" smtClean="0"/>
+            <a:endParaRPr lang="es-ES" dirty="0"/>
           </a:p>
           <a:p>
             <a:pPr lvl="1"/>
@@ -22058,78 +21816,72 @@
           </a:p>
           <a:p>
             <a:r>
-              <a:rPr lang="es-ES" dirty="0" err="1" smtClean="0"/>
+              <a:rPr lang="es-ES" dirty="0" err="1"/>
               <a:t>Debugger</a:t>
             </a:r>
-            <a:endParaRPr lang="es-ES" dirty="0" smtClean="0"/>
+            <a:endParaRPr lang="es-ES" dirty="0"/>
           </a:p>
           <a:p>
             <a:pPr lvl="1"/>
             <a:r>
-              <a:rPr lang="es-ES" dirty="0" err="1" smtClean="0"/>
+              <a:rPr lang="es-ES" dirty="0" err="1"/>
               <a:t>Remote-debug</a:t>
             </a:r>
             <a:r>
-              <a:rPr lang="es-ES" dirty="0" smtClean="0"/>
+              <a:rPr lang="es-ES" dirty="0"/>
               <a:t> (to QEMU)</a:t>
             </a:r>
           </a:p>
           <a:p>
             <a:pPr lvl="1"/>
             <a:r>
-              <a:rPr lang="es-ES" dirty="0" err="1" smtClean="0"/>
+              <a:rPr lang="es-ES" dirty="0" err="1"/>
               <a:t>gdb</a:t>
             </a:r>
             <a:r>
-              <a:rPr lang="es-ES" dirty="0" smtClean="0"/>
+              <a:rPr lang="es-ES" dirty="0"/>
               <a:t> </a:t>
             </a:r>
             <a:r>
               <a:rPr lang="es-ES" dirty="0">
                 <a:hlinkClick r:id="rId2"/>
               </a:rPr>
-              <a:t>http://beej.us/guide/bggdb</a:t>
-            </a:r>
-            <a:r>
-              <a:rPr lang="es-ES" dirty="0" smtClean="0">
-                <a:hlinkClick r:id="rId2"/>
-              </a:rPr>
-              <a:t>/</a:t>
+              <a:t>http://beej.us/guide/bggdb/</a:t>
             </a:r>
             <a:endParaRPr lang="en-US" dirty="0"/>
           </a:p>
           <a:p>
             <a:pPr lvl="1"/>
             <a:r>
-              <a:rPr lang="en-US" dirty="0" smtClean="0"/>
+              <a:rPr lang="en-US" dirty="0"/>
               <a:t>Other </a:t>
             </a:r>
             <a:r>
-              <a:rPr lang="en-US" dirty="0" err="1" smtClean="0"/>
+              <a:rPr lang="en-US" dirty="0" err="1"/>
               <a:t>gdb</a:t>
             </a:r>
             <a:r>
-              <a:rPr lang="en-US" dirty="0" smtClean="0"/>
+              <a:rPr lang="en-US" dirty="0"/>
               <a:t> frontends (</a:t>
             </a:r>
             <a:r>
-              <a:rPr lang="en-US" dirty="0" err="1" smtClean="0"/>
+              <a:rPr lang="en-US" dirty="0" err="1"/>
               <a:t>ddd</a:t>
             </a:r>
             <a:r>
-              <a:rPr lang="en-US" dirty="0" smtClean="0"/>
+              <a:rPr lang="en-US" dirty="0"/>
               <a:t>, VSC, </a:t>
             </a:r>
             <a:r>
-              <a:rPr lang="en-US" dirty="0" err="1" smtClean="0"/>
+              <a:rPr lang="en-US" dirty="0" err="1"/>
               <a:t>etc</a:t>
             </a:r>
             <a:r>
-              <a:rPr lang="mr-IN" dirty="0" smtClean="0"/>
+              <a:rPr lang="mr-IN" dirty="0"/>
               <a:t>…</a:t>
             </a:r>
             <a:r>
-              <a:rPr lang="en-US" dirty="0" smtClean="0"/>
+              <a:rPr lang="en-US" dirty="0"/>
               <a:t>)</a:t>
             </a:r>
           </a:p>
@@ -22154,7 +21906,7 @@
               <a:defRPr/>
             </a:pPr>
             <a:r>
-              <a:rPr lang="es-ES" altLang="ko-KR" smtClean="0"/>
+              <a:rPr lang="es-ES" altLang="ko-KR"/>
               <a:t>AOS@UC</a:t>
             </a:r>
             <a:endParaRPr lang="en-US" altLang="ko-KR" dirty="0"/>
@@ -22187,10 +21939,9 @@
               <a:t>9</a:t>
             </a:fld>
             <a:r>
-              <a:rPr lang="en-US" altLang="ko-KR" smtClean="0"/>
+              <a:rPr lang="en-US" altLang="ko-KR"/>
               <a:t> </a:t>
             </a:r>
-            <a:endParaRPr lang="en-US" altLang="ko-KR"/>
           </a:p>
         </p:txBody>
       </p:sp>
@@ -22219,7 +21970,7 @@
               <a:defRPr/>
             </a:pPr>
             <a:r>
-              <a:rPr kumimoji="1" lang="en-US" altLang="ko-KR" smtClean="0"/>
+              <a:rPr kumimoji="1" lang="en-US" altLang="ko-KR"/>
               <a:t>Valentin Puente</a:t>
             </a:r>
             <a:endParaRPr kumimoji="1" lang="ko-KR" altLang="en-US" dirty="0"/>
